--- a/PPT/python7.pptx
+++ b/PPT/python7.pptx
@@ -152,7 +152,7 @@
 <file path=ppt/revisionInfo.xml><?xml version="1.0" encoding="utf-8"?>
 <p1510:revInfo xmlns:a="http://schemas.openxmlformats.org/drawingml/2006/main" xmlns:r="http://schemas.openxmlformats.org/officeDocument/2006/relationships" xmlns:p1510="http://schemas.microsoft.com/office/powerpoint/2015/10/main">
   <p1510:revLst>
-    <p1510:client id="{327CE185-9CC5-4B92-8F68-491FC1CEB911}" v="1824" dt="2023-05-07T07:00:48.841"/>
+    <p1510:client id="{327CE185-9CC5-4B92-8F68-491FC1CEB911}" v="1984" dt="2023-05-22T11:40:40.484"/>
   </p1510:revLst>
 </p1510:revInfo>
 </file>
@@ -2517,7 +2517,7 @@
   <pc:docChgLst>
     <pc:chgData name="Scruel Tao" userId="5ea5c98d59b44d4b" providerId="LiveId" clId="{327CE185-9CC5-4B92-8F68-491FC1CEB911}"/>
     <pc:docChg chg="undo redo custSel addSld delSld modSld sldOrd modMainMaster">
-      <pc:chgData name="Scruel Tao" userId="5ea5c98d59b44d4b" providerId="LiveId" clId="{327CE185-9CC5-4B92-8F68-491FC1CEB911}" dt="2023-05-07T07:00:48.841" v="7742" actId="207"/>
+      <pc:chgData name="Scruel Tao" userId="5ea5c98d59b44d4b" providerId="LiveId" clId="{327CE185-9CC5-4B92-8F68-491FC1CEB911}" dt="2023-05-22T11:41:41.353" v="7942" actId="20577"/>
       <pc:docMkLst>
         <pc:docMk/>
       </pc:docMkLst>
@@ -2553,11 +2553,19 @@
         </pc:spChg>
       </pc:sldChg>
       <pc:sldChg chg="addSp delSp modSp mod modTransition modNotes">
-        <pc:chgData name="Scruel Tao" userId="5ea5c98d59b44d4b" providerId="LiveId" clId="{327CE185-9CC5-4B92-8F68-491FC1CEB911}" dt="2023-05-05T15:53:47.215" v="7217"/>
+        <pc:chgData name="Scruel Tao" userId="5ea5c98d59b44d4b" providerId="LiveId" clId="{327CE185-9CC5-4B92-8F68-491FC1CEB911}" dt="2023-05-16T03:56:05.801" v="7743" actId="478"/>
         <pc:sldMkLst>
           <pc:docMk/>
           <pc:sldMk cId="0" sldId="260"/>
         </pc:sldMkLst>
+        <pc:spChg chg="del">
+          <ac:chgData name="Scruel Tao" userId="5ea5c98d59b44d4b" providerId="LiveId" clId="{327CE185-9CC5-4B92-8F68-491FC1CEB911}" dt="2023-05-16T03:56:05.801" v="7743" actId="478"/>
+          <ac:spMkLst>
+            <pc:docMk/>
+            <pc:sldMk cId="0" sldId="260"/>
+            <ac:spMk id="2" creationId="{51B8E4C0-E15B-4BD0-7B5B-A44A3D5B0C34}"/>
+          </ac:spMkLst>
+        </pc:spChg>
         <pc:spChg chg="del">
           <ac:chgData name="Scruel Tao" userId="5ea5c98d59b44d4b" providerId="LiveId" clId="{327CE185-9CC5-4B92-8F68-491FC1CEB911}" dt="2023-05-03T00:08:31.457" v="6905" actId="478"/>
           <ac:spMkLst>
@@ -2645,14 +2653,14 @@
           </ac:picMkLst>
         </pc:picChg>
       </pc:sldChg>
-      <pc:sldChg chg="modSp mod modTransition modAnim">
-        <pc:chgData name="Scruel Tao" userId="5ea5c98d59b44d4b" providerId="LiveId" clId="{327CE185-9CC5-4B92-8F68-491FC1CEB911}" dt="2023-05-05T16:31:09.374" v="7351" actId="20577"/>
+      <pc:sldChg chg="modSp mod modTransition modAnim modNotesTx">
+        <pc:chgData name="Scruel Tao" userId="5ea5c98d59b44d4b" providerId="LiveId" clId="{327CE185-9CC5-4B92-8F68-491FC1CEB911}" dt="2023-05-22T11:41:41.353" v="7942" actId="20577"/>
         <pc:sldMkLst>
           <pc:docMk/>
           <pc:sldMk cId="3745708182" sldId="280"/>
         </pc:sldMkLst>
         <pc:spChg chg="mod">
-          <ac:chgData name="Scruel Tao" userId="5ea5c98d59b44d4b" providerId="LiveId" clId="{327CE185-9CC5-4B92-8F68-491FC1CEB911}" dt="2023-05-05T16:31:09.374" v="7351" actId="20577"/>
+          <ac:chgData name="Scruel Tao" userId="5ea5c98d59b44d4b" providerId="LiveId" clId="{327CE185-9CC5-4B92-8F68-491FC1CEB911}" dt="2023-05-22T11:40:29.933" v="7922" actId="20577"/>
           <ac:spMkLst>
             <pc:docMk/>
             <pc:sldMk cId="3745708182" sldId="280"/>
@@ -4560,7 +4568,7 @@
         </pc:sldMkLst>
       </pc:sldChg>
       <pc:sldMasterChg chg="modTransition modSldLayout">
-        <pc:chgData name="Scruel Tao" userId="5ea5c98d59b44d4b" providerId="LiveId" clId="{327CE185-9CC5-4B92-8F68-491FC1CEB911}" dt="2023-05-05T15:53:47.215" v="7217"/>
+        <pc:chgData name="Scruel Tao" userId="5ea5c98d59b44d4b" providerId="LiveId" clId="{327CE185-9CC5-4B92-8F68-491FC1CEB911}" dt="2023-05-16T03:56:11.311" v="7744" actId="478"/>
         <pc:sldMasterMkLst>
           <pc:docMk/>
           <pc:sldMasterMk cId="1766057859" sldId="2147483648"/>
@@ -4689,13 +4697,22 @@
             <pc:sldLayoutMk cId="1976972956" sldId="2147483659"/>
           </pc:sldLayoutMkLst>
         </pc:sldLayoutChg>
-        <pc:sldLayoutChg chg="modTransition">
-          <pc:chgData name="Scruel Tao" userId="5ea5c98d59b44d4b" providerId="LiveId" clId="{327CE185-9CC5-4B92-8F68-491FC1CEB911}" dt="2023-05-05T15:53:47.215" v="7217"/>
+        <pc:sldLayoutChg chg="delSp modTransition">
+          <pc:chgData name="Scruel Tao" userId="5ea5c98d59b44d4b" providerId="LiveId" clId="{327CE185-9CC5-4B92-8F68-491FC1CEB911}" dt="2023-05-16T03:56:11.311" v="7744" actId="478"/>
           <pc:sldLayoutMkLst>
             <pc:docMk/>
             <pc:sldMasterMk cId="1766057859" sldId="2147483648"/>
             <pc:sldLayoutMk cId="1337634028" sldId="2147483660"/>
           </pc:sldLayoutMkLst>
+          <pc:spChg chg="del">
+            <ac:chgData name="Scruel Tao" userId="5ea5c98d59b44d4b" providerId="LiveId" clId="{327CE185-9CC5-4B92-8F68-491FC1CEB911}" dt="2023-05-16T03:56:11.311" v="7744" actId="478"/>
+            <ac:spMkLst>
+              <pc:docMk/>
+              <pc:sldMasterMk cId="1766057859" sldId="2147483648"/>
+              <pc:sldLayoutMk cId="1337634028" sldId="2147483660"/>
+              <ac:spMk id="19472" creationId="{BD0BF484-93B1-9A87-952A-7D5E9B29C38D}"/>
+            </ac:spMkLst>
+          </pc:spChg>
         </pc:sldLayoutChg>
       </pc:sldMasterChg>
     </pc:docChg>
@@ -4797,7 +4814,7 @@
           <a:p>
             <a:fld id="{AC7E1972-C479-4420-A687-8FB83BA90DEB}" type="datetimeFigureOut">
               <a:rPr lang="zh-CN" altLang="en-US" smtClean="0"/>
-              <a:t>2023/5/7</a:t>
+              <a:t>2023/5/22</a:t>
             </a:fld>
             <a:endParaRPr lang="zh-CN" altLang="en-US"/>
           </a:p>
@@ -4974,7 +4991,7 @@
           <a:p>
             <a:fld id="{89B7AB8D-BCC0-43C6-B24C-055A25DB558F}" type="datetimeFigureOut">
               <a:rPr lang="zh-CN" altLang="en-US" smtClean="0"/>
-              <a:t>2023/5/7</a:t>
+              <a:t>2023/5/22</a:t>
             </a:fld>
             <a:endParaRPr lang="zh-CN" altLang="en-US"/>
           </a:p>
@@ -7546,6 +7563,18 @@
           <a:bodyPr/>
           <a:lstStyle/>
           <a:p>
+            <a:r>
+              <a:rPr lang="zh-CN" altLang="en-US" dirty="0"/>
+              <a:t>赋值表达式（</a:t>
+            </a:r>
+            <a:r>
+              <a:rPr lang="en-US" altLang="zh-CN"/>
+              <a:t>Python 3.8</a:t>
+            </a:r>
+            <a:r>
+              <a:rPr lang="zh-CN" altLang="en-US"/>
+              <a:t>）</a:t>
+            </a:r>
             <a:endParaRPr lang="en-US" altLang="zh-CN" dirty="0"/>
           </a:p>
         </p:txBody>
@@ -8413,7 +8442,7 @@
           <a:p>
             <a:fld id="{F721228B-0167-4061-A906-8575043315EE}" type="datetimeFigureOut">
               <a:rPr lang="zh-CN" altLang="en-US" smtClean="0"/>
-              <a:t>2023/5/7</a:t>
+              <a:t>2023/5/22</a:t>
             </a:fld>
             <a:endParaRPr lang="zh-CN" altLang="en-US"/>
           </a:p>
@@ -8623,7 +8652,7 @@
           <a:p>
             <a:fld id="{F721228B-0167-4061-A906-8575043315EE}" type="datetimeFigureOut">
               <a:rPr lang="zh-CN" altLang="en-US" smtClean="0"/>
-              <a:t>2023/5/7</a:t>
+              <a:t>2023/5/22</a:t>
             </a:fld>
             <a:endParaRPr lang="zh-CN" altLang="en-US"/>
           </a:p>
@@ -8843,7 +8872,7 @@
           <a:p>
             <a:fld id="{F721228B-0167-4061-A906-8575043315EE}" type="datetimeFigureOut">
               <a:rPr lang="zh-CN" altLang="en-US" smtClean="0"/>
-              <a:t>2023/5/7</a:t>
+              <a:t>2023/5/22</a:t>
             </a:fld>
             <a:endParaRPr lang="zh-CN" altLang="en-US"/>
           </a:p>
@@ -8945,58 +8974,6 @@
           <a:chExt cx="0" cy="0"/>
         </a:xfrm>
       </p:grpSpPr>
-      <p:sp>
-        <p:nvSpPr>
-          <p:cNvPr id="19472" name="Rectangle 16">
-            <a:extLst>
-              <a:ext uri="{FF2B5EF4-FFF2-40B4-BE49-F238E27FC236}">
-                <a16:creationId xmlns:a16="http://schemas.microsoft.com/office/drawing/2014/main" id="{BD0BF484-93B1-9A87-952A-7D5E9B29C38D}"/>
-              </a:ext>
-            </a:extLst>
-          </p:cNvPr>
-          <p:cNvSpPr>
-            <a:spLocks noGrp="1" noChangeArrowheads="1"/>
-          </p:cNvSpPr>
-          <p:nvPr>
-            <p:ph type="sldNum" sz="quarter" idx="4"/>
-          </p:nvPr>
-        </p:nvSpPr>
-        <p:spPr>
-          <a:xfrm>
-            <a:off x="11582400" y="6486525"/>
-            <a:ext cx="609600" cy="381000"/>
-          </a:xfrm>
-          <a:extLst>
-            <a:ext uri="{909E8E84-426E-40DD-AFC4-6F175D3DCCD1}">
-              <a14:hiddenFill xmlns:a14="http://schemas.microsoft.com/office/drawing/2010/main">
-                <a:solidFill>
-                  <a:schemeClr val="bg1"/>
-                </a:solidFill>
-              </a14:hiddenFill>
-            </a:ext>
-          </a:extLst>
-        </p:spPr>
-        <p:txBody>
-          <a:bodyPr/>
-          <a:lstStyle>
-            <a:lvl1pPr>
-              <a:defRPr>
-                <a:solidFill>
-                  <a:schemeClr val="bg1"/>
-                </a:solidFill>
-              </a:defRPr>
-            </a:lvl1pPr>
-          </a:lstStyle>
-          <a:p>
-            <a:fld id="{2715ED00-090C-4140-8C2E-A7E232A15EA9}" type="slidenum">
-              <a:rPr lang="en-US" altLang="zh-CN"/>
-              <a:pPr/>
-              <a:t>‹#›</a:t>
-            </a:fld>
-            <a:endParaRPr lang="en-US" altLang="zh-CN"/>
-          </a:p>
-        </p:txBody>
-      </p:sp>
       <p:sp>
         <p:nvSpPr>
           <p:cNvPr id="19483" name="Rectangle 27">
@@ -9392,7 +9369,7 @@
           <a:p>
             <a:fld id="{F721228B-0167-4061-A906-8575043315EE}" type="datetimeFigureOut">
               <a:rPr lang="zh-CN" altLang="en-US" smtClean="0"/>
-              <a:t>2023/5/7</a:t>
+              <a:t>2023/5/22</a:t>
             </a:fld>
             <a:endParaRPr lang="zh-CN" altLang="en-US"/>
           </a:p>
@@ -9728,7 +9705,7 @@
           <a:p>
             <a:fld id="{F721228B-0167-4061-A906-8575043315EE}" type="datetimeFigureOut">
               <a:rPr lang="zh-CN" altLang="en-US" smtClean="0"/>
-              <a:t>2023/5/7</a:t>
+              <a:t>2023/5/22</a:t>
             </a:fld>
             <a:endParaRPr lang="zh-CN" altLang="en-US"/>
           </a:p>
@@ -10086,7 +10063,7 @@
           <a:p>
             <a:fld id="{F721228B-0167-4061-A906-8575043315EE}" type="datetimeFigureOut">
               <a:rPr lang="zh-CN" altLang="en-US" smtClean="0"/>
-              <a:t>2023/5/7</a:t>
+              <a:t>2023/5/22</a:t>
             </a:fld>
             <a:endParaRPr lang="zh-CN" altLang="en-US"/>
           </a:p>
@@ -10559,7 +10536,7 @@
           <a:p>
             <a:fld id="{F721228B-0167-4061-A906-8575043315EE}" type="datetimeFigureOut">
               <a:rPr lang="zh-CN" altLang="en-US" smtClean="0"/>
-              <a:t>2023/5/7</a:t>
+              <a:t>2023/5/22</a:t>
             </a:fld>
             <a:endParaRPr lang="zh-CN" altLang="en-US"/>
           </a:p>
@@ -10712,7 +10689,7 @@
           <a:p>
             <a:fld id="{F721228B-0167-4061-A906-8575043315EE}" type="datetimeFigureOut">
               <a:rPr lang="zh-CN" altLang="en-US" smtClean="0"/>
-              <a:t>2023/5/7</a:t>
+              <a:t>2023/5/22</a:t>
             </a:fld>
             <a:endParaRPr lang="zh-CN" altLang="en-US"/>
           </a:p>
@@ -10837,7 +10814,7 @@
           <a:p>
             <a:fld id="{F721228B-0167-4061-A906-8575043315EE}" type="datetimeFigureOut">
               <a:rPr lang="zh-CN" altLang="en-US" smtClean="0"/>
-              <a:t>2023/5/7</a:t>
+              <a:t>2023/5/22</a:t>
             </a:fld>
             <a:endParaRPr lang="zh-CN" altLang="en-US"/>
           </a:p>
@@ -11160,7 +11137,7 @@
           <a:p>
             <a:fld id="{F721228B-0167-4061-A906-8575043315EE}" type="datetimeFigureOut">
               <a:rPr lang="zh-CN" altLang="en-US" smtClean="0"/>
-              <a:t>2023/5/7</a:t>
+              <a:t>2023/5/22</a:t>
             </a:fld>
             <a:endParaRPr lang="zh-CN" altLang="en-US"/>
           </a:p>
@@ -11460,7 +11437,7 @@
           <a:p>
             <a:fld id="{F721228B-0167-4061-A906-8575043315EE}" type="datetimeFigureOut">
               <a:rPr lang="zh-CN" altLang="en-US" smtClean="0"/>
-              <a:t>2023/5/7</a:t>
+              <a:t>2023/5/22</a:t>
             </a:fld>
             <a:endParaRPr lang="zh-CN" altLang="en-US"/>
           </a:p>
@@ -11713,7 +11690,7 @@
           <a:p>
             <a:fld id="{F721228B-0167-4061-A906-8575043315EE}" type="datetimeFigureOut">
               <a:rPr lang="zh-CN" altLang="en-US" smtClean="0"/>
-              <a:t>2023/5/7</a:t>
+              <a:t>2023/5/22</a:t>
             </a:fld>
             <a:endParaRPr lang="zh-CN" altLang="en-US"/>
           </a:p>
@@ -12151,36 +12128,6 @@
           <a:chExt cx="0" cy="0"/>
         </a:xfrm>
       </p:grpSpPr>
-      <p:sp>
-        <p:nvSpPr>
-          <p:cNvPr id="2" name="Rectangle 16">
-            <a:extLst>
-              <a:ext uri="{FF2B5EF4-FFF2-40B4-BE49-F238E27FC236}">
-                <a16:creationId xmlns:a16="http://schemas.microsoft.com/office/drawing/2014/main" id="{51B8E4C0-E15B-4BD0-7B5B-A44A3D5B0C34}"/>
-              </a:ext>
-            </a:extLst>
-          </p:cNvPr>
-          <p:cNvSpPr>
-            <a:spLocks noGrp="1" noChangeArrowheads="1"/>
-          </p:cNvSpPr>
-          <p:nvPr>
-            <p:ph type="sldNum" sz="quarter" idx="4"/>
-          </p:nvPr>
-        </p:nvSpPr>
-        <p:spPr/>
-        <p:txBody>
-          <a:bodyPr/>
-          <a:lstStyle/>
-          <a:p>
-            <a:fld id="{142851DF-B74D-4AE2-884A-1FB97A3CB7E1}" type="slidenum">
-              <a:rPr lang="en-US" altLang="zh-CN"/>
-              <a:pPr/>
-              <a:t>1</a:t>
-            </a:fld>
-            <a:endParaRPr lang="en-US" altLang="zh-CN"/>
-          </a:p>
-        </p:txBody>
-      </p:sp>
       <p:sp>
         <p:nvSpPr>
           <p:cNvPr id="1227783" name="Rectangle 7">
@@ -26255,13 +26202,6 @@
           <a:p>
             <a:r>
               <a:rPr lang="zh-CN" altLang="en-US" dirty="0"/>
-              <a:t>学习赋值表达式，并思考什么时候该用，什么时候不该用</a:t>
-            </a:r>
-            <a:endParaRPr lang="en-US" altLang="zh-CN" dirty="0"/>
-          </a:p>
-          <a:p>
-            <a:r>
-              <a:rPr lang="zh-CN" altLang="en-US" dirty="0"/>
               <a:t>了解 </a:t>
             </a:r>
             <a:r>
@@ -26303,7 +26243,14 @@
             </a:r>
             <a:r>
               <a:rPr lang="zh-CN" altLang="en-US" dirty="0"/>
-              <a:t>，暂时不需要尝试使用</a:t>
+              <a:t>，了解设计的理念</a:t>
+            </a:r>
+            <a:endParaRPr lang="en-US" altLang="zh-CN" dirty="0"/>
+          </a:p>
+          <a:p>
+            <a:r>
+              <a:rPr lang="zh-CN" altLang="en-US" dirty="0"/>
+              <a:t>学习包含海象运算符的赋值表达式，并思考何时用合适</a:t>
             </a:r>
             <a:endParaRPr lang="en-US" altLang="zh-CN" dirty="0"/>
           </a:p>

--- a/PPT/python7.pptx
+++ b/PPT/python7.pptx
@@ -2517,7 +2517,7 @@
   <pc:docChgLst>
     <pc:chgData name="Scruel Tao" userId="5ea5c98d59b44d4b" providerId="LiveId" clId="{327CE185-9CC5-4B92-8F68-491FC1CEB911}"/>
     <pc:docChg chg="undo redo custSel addSld delSld modSld sldOrd modMainMaster">
-      <pc:chgData name="Scruel Tao" userId="5ea5c98d59b44d4b" providerId="LiveId" clId="{327CE185-9CC5-4B92-8F68-491FC1CEB911}" dt="2023-05-22T11:41:41.353" v="7942" actId="20577"/>
+      <pc:chgData name="Scruel Tao" userId="5ea5c98d59b44d4b" providerId="LiveId" clId="{327CE185-9CC5-4B92-8F68-491FC1CEB911}" dt="2023-05-27T03:59:10.534" v="7944" actId="20577"/>
       <pc:docMkLst>
         <pc:docMk/>
       </pc:docMkLst>
@@ -4490,8 +4490,8 @@
           </ac:picMkLst>
         </pc:picChg>
       </pc:sldChg>
-      <pc:sldChg chg="addSp delSp modSp add mod delAnim modAnim">
-        <pc:chgData name="Scruel Tao" userId="5ea5c98d59b44d4b" providerId="LiveId" clId="{327CE185-9CC5-4B92-8F68-491FC1CEB911}" dt="2023-05-07T07:00:11.636" v="7740" actId="20577"/>
+      <pc:sldChg chg="addSp delSp modSp add mod delAnim modAnim modNotesTx">
+        <pc:chgData name="Scruel Tao" userId="5ea5c98d59b44d4b" providerId="LiveId" clId="{327CE185-9CC5-4B92-8F68-491FC1CEB911}" dt="2023-05-27T03:59:08.989" v="7943" actId="20577"/>
         <pc:sldMkLst>
           <pc:docMk/>
           <pc:sldMk cId="426589406" sldId="370"/>
@@ -4537,8 +4537,8 @@
           </ac:picMkLst>
         </pc:picChg>
       </pc:sldChg>
-      <pc:sldChg chg="addSp modSp add modAnim">
-        <pc:chgData name="Scruel Tao" userId="5ea5c98d59b44d4b" providerId="LiveId" clId="{327CE185-9CC5-4B92-8F68-491FC1CEB911}" dt="2023-05-07T07:00:48.841" v="7742" actId="207"/>
+      <pc:sldChg chg="addSp modSp add modAnim modNotesTx">
+        <pc:chgData name="Scruel Tao" userId="5ea5c98d59b44d4b" providerId="LiveId" clId="{327CE185-9CC5-4B92-8F68-491FC1CEB911}" dt="2023-05-27T03:59:10.534" v="7944" actId="20577"/>
         <pc:sldMkLst>
           <pc:docMk/>
           <pc:sldMk cId="818831372" sldId="371"/>
@@ -4814,7 +4814,7 @@
           <a:p>
             <a:fld id="{AC7E1972-C479-4420-A687-8FB83BA90DEB}" type="datetimeFigureOut">
               <a:rPr lang="zh-CN" altLang="en-US" smtClean="0"/>
-              <a:t>2023/5/22</a:t>
+              <a:t>2023/5/27</a:t>
             </a:fld>
             <a:endParaRPr lang="zh-CN" altLang="en-US"/>
           </a:p>
@@ -4991,7 +4991,7 @@
           <a:p>
             <a:fld id="{89B7AB8D-BCC0-43C6-B24C-055A25DB558F}" type="datetimeFigureOut">
               <a:rPr lang="zh-CN" altLang="en-US" smtClean="0"/>
-              <a:t>2023/5/22</a:t>
+              <a:t>2023/5/27</a:t>
             </a:fld>
             <a:endParaRPr lang="zh-CN" altLang="en-US"/>
           </a:p>
@@ -7660,36 +7660,6 @@
           <a:lstStyle/>
           <a:p>
             <a:pPr algn="l"/>
-            <a:r>
-              <a:rPr lang="zh-CN" altLang="en-US" sz="1800" b="0" i="0" u="none" strike="noStrike" baseline="0" dirty="0">
-                <a:latin typeface="FZSSJW--GB1-0"/>
-              </a:rPr>
-              <a:t>程序等待用户输入，并在用户按回车键后继续运行。用户的输入被赋给变量 </a:t>
-            </a:r>
-            <a:r>
-              <a:rPr lang="en-US" altLang="zh-CN" sz="1800" b="0" i="0" u="none" strike="noStrike" baseline="0" dirty="0">
-                <a:latin typeface="TheSansMonoCondensed-"/>
-              </a:rPr>
-              <a:t>message</a:t>
-            </a:r>
-            <a:r>
-              <a:rPr lang="zh-CN" altLang="en-US" sz="1800" b="0" i="0" u="none" strike="noStrike" baseline="0" dirty="0">
-                <a:latin typeface="FZSSJW--GB1-0"/>
-              </a:rPr>
-              <a:t>，接下来调用 </a:t>
-            </a:r>
-            <a:r>
-              <a:rPr lang="en-US" altLang="zh-CN" sz="1800" b="0" i="0" u="none" strike="noStrike" baseline="0" dirty="0">
-                <a:latin typeface="TheSansMonoCondensed-"/>
-              </a:rPr>
-              <a:t>print() </a:t>
-            </a:r>
-            <a:r>
-              <a:rPr lang="zh-CN" altLang="en-US" sz="1800" b="0" i="0" u="none" strike="noStrike" baseline="0" dirty="0">
-                <a:latin typeface="FZSSJW--GB1-0"/>
-              </a:rPr>
-              <a:t>将输入呈现给用户</a:t>
-            </a:r>
             <a:endParaRPr lang="zh-CN" altLang="en-US" dirty="0"/>
           </a:p>
         </p:txBody>
@@ -7775,36 +7745,6 @@
           <a:lstStyle/>
           <a:p>
             <a:pPr algn="l"/>
-            <a:r>
-              <a:rPr lang="zh-CN" altLang="en-US" sz="1800" b="0" i="0" u="none" strike="noStrike" baseline="0" dirty="0">
-                <a:latin typeface="FZSSJW--GB1-0"/>
-              </a:rPr>
-              <a:t>程序等待用户输入，并在用户按回车键后继续运行。用户的输入被赋给变量 </a:t>
-            </a:r>
-            <a:r>
-              <a:rPr lang="en-US" altLang="zh-CN" sz="1800" b="0" i="0" u="none" strike="noStrike" baseline="0" dirty="0">
-                <a:latin typeface="TheSansMonoCondensed-"/>
-              </a:rPr>
-              <a:t>message</a:t>
-            </a:r>
-            <a:r>
-              <a:rPr lang="zh-CN" altLang="en-US" sz="1800" b="0" i="0" u="none" strike="noStrike" baseline="0" dirty="0">
-                <a:latin typeface="FZSSJW--GB1-0"/>
-              </a:rPr>
-              <a:t>，接下来调用 </a:t>
-            </a:r>
-            <a:r>
-              <a:rPr lang="en-US" altLang="zh-CN" sz="1800" b="0" i="0" u="none" strike="noStrike" baseline="0" dirty="0">
-                <a:latin typeface="TheSansMonoCondensed-"/>
-              </a:rPr>
-              <a:t>print() </a:t>
-            </a:r>
-            <a:r>
-              <a:rPr lang="zh-CN" altLang="en-US" sz="1800" b="0" i="0" u="none" strike="noStrike" baseline="0" dirty="0">
-                <a:latin typeface="FZSSJW--GB1-0"/>
-              </a:rPr>
-              <a:t>将输入呈现给用户</a:t>
-            </a:r>
             <a:endParaRPr lang="zh-CN" altLang="en-US" dirty="0"/>
           </a:p>
         </p:txBody>
@@ -8442,7 +8382,7 @@
           <a:p>
             <a:fld id="{F721228B-0167-4061-A906-8575043315EE}" type="datetimeFigureOut">
               <a:rPr lang="zh-CN" altLang="en-US" smtClean="0"/>
-              <a:t>2023/5/22</a:t>
+              <a:t>2023/5/27</a:t>
             </a:fld>
             <a:endParaRPr lang="zh-CN" altLang="en-US"/>
           </a:p>
@@ -8652,7 +8592,7 @@
           <a:p>
             <a:fld id="{F721228B-0167-4061-A906-8575043315EE}" type="datetimeFigureOut">
               <a:rPr lang="zh-CN" altLang="en-US" smtClean="0"/>
-              <a:t>2023/5/22</a:t>
+              <a:t>2023/5/27</a:t>
             </a:fld>
             <a:endParaRPr lang="zh-CN" altLang="en-US"/>
           </a:p>
@@ -8872,7 +8812,7 @@
           <a:p>
             <a:fld id="{F721228B-0167-4061-A906-8575043315EE}" type="datetimeFigureOut">
               <a:rPr lang="zh-CN" altLang="en-US" smtClean="0"/>
-              <a:t>2023/5/22</a:t>
+              <a:t>2023/5/27</a:t>
             </a:fld>
             <a:endParaRPr lang="zh-CN" altLang="en-US"/>
           </a:p>
@@ -9369,7 +9309,7 @@
           <a:p>
             <a:fld id="{F721228B-0167-4061-A906-8575043315EE}" type="datetimeFigureOut">
               <a:rPr lang="zh-CN" altLang="en-US" smtClean="0"/>
-              <a:t>2023/5/22</a:t>
+              <a:t>2023/5/27</a:t>
             </a:fld>
             <a:endParaRPr lang="zh-CN" altLang="en-US"/>
           </a:p>
@@ -9705,7 +9645,7 @@
           <a:p>
             <a:fld id="{F721228B-0167-4061-A906-8575043315EE}" type="datetimeFigureOut">
               <a:rPr lang="zh-CN" altLang="en-US" smtClean="0"/>
-              <a:t>2023/5/22</a:t>
+              <a:t>2023/5/27</a:t>
             </a:fld>
             <a:endParaRPr lang="zh-CN" altLang="en-US"/>
           </a:p>
@@ -10063,7 +10003,7 @@
           <a:p>
             <a:fld id="{F721228B-0167-4061-A906-8575043315EE}" type="datetimeFigureOut">
               <a:rPr lang="zh-CN" altLang="en-US" smtClean="0"/>
-              <a:t>2023/5/22</a:t>
+              <a:t>2023/5/27</a:t>
             </a:fld>
             <a:endParaRPr lang="zh-CN" altLang="en-US"/>
           </a:p>
@@ -10536,7 +10476,7 @@
           <a:p>
             <a:fld id="{F721228B-0167-4061-A906-8575043315EE}" type="datetimeFigureOut">
               <a:rPr lang="zh-CN" altLang="en-US" smtClean="0"/>
-              <a:t>2023/5/22</a:t>
+              <a:t>2023/5/27</a:t>
             </a:fld>
             <a:endParaRPr lang="zh-CN" altLang="en-US"/>
           </a:p>
@@ -10689,7 +10629,7 @@
           <a:p>
             <a:fld id="{F721228B-0167-4061-A906-8575043315EE}" type="datetimeFigureOut">
               <a:rPr lang="zh-CN" altLang="en-US" smtClean="0"/>
-              <a:t>2023/5/22</a:t>
+              <a:t>2023/5/27</a:t>
             </a:fld>
             <a:endParaRPr lang="zh-CN" altLang="en-US"/>
           </a:p>
@@ -10814,7 +10754,7 @@
           <a:p>
             <a:fld id="{F721228B-0167-4061-A906-8575043315EE}" type="datetimeFigureOut">
               <a:rPr lang="zh-CN" altLang="en-US" smtClean="0"/>
-              <a:t>2023/5/22</a:t>
+              <a:t>2023/5/27</a:t>
             </a:fld>
             <a:endParaRPr lang="zh-CN" altLang="en-US"/>
           </a:p>
@@ -11137,7 +11077,7 @@
           <a:p>
             <a:fld id="{F721228B-0167-4061-A906-8575043315EE}" type="datetimeFigureOut">
               <a:rPr lang="zh-CN" altLang="en-US" smtClean="0"/>
-              <a:t>2023/5/22</a:t>
+              <a:t>2023/5/27</a:t>
             </a:fld>
             <a:endParaRPr lang="zh-CN" altLang="en-US"/>
           </a:p>
@@ -11437,7 +11377,7 @@
           <a:p>
             <a:fld id="{F721228B-0167-4061-A906-8575043315EE}" type="datetimeFigureOut">
               <a:rPr lang="zh-CN" altLang="en-US" smtClean="0"/>
-              <a:t>2023/5/22</a:t>
+              <a:t>2023/5/27</a:t>
             </a:fld>
             <a:endParaRPr lang="zh-CN" altLang="en-US"/>
           </a:p>
@@ -11690,7 +11630,7 @@
           <a:p>
             <a:fld id="{F721228B-0167-4061-A906-8575043315EE}" type="datetimeFigureOut">
               <a:rPr lang="zh-CN" altLang="en-US" smtClean="0"/>
-              <a:t>2023/5/22</a:t>
+              <a:t>2023/5/27</a:t>
             </a:fld>
             <a:endParaRPr lang="zh-CN" altLang="en-US"/>
           </a:p>

--- a/PPT/python7.pptx
+++ b/PPT/python7.pptx
@@ -2517,7 +2517,7 @@
   <pc:docChgLst>
     <pc:chgData name="Scruel Tao" userId="5ea5c98d59b44d4b" providerId="LiveId" clId="{327CE185-9CC5-4B92-8F68-491FC1CEB911}"/>
     <pc:docChg chg="undo redo custSel addSld delSld modSld sldOrd modMainMaster">
-      <pc:chgData name="Scruel Tao" userId="5ea5c98d59b44d4b" providerId="LiveId" clId="{327CE185-9CC5-4B92-8F68-491FC1CEB911}" dt="2023-05-27T03:59:10.534" v="7944" actId="20577"/>
+      <pc:chgData name="Scruel Tao" userId="5ea5c98d59b44d4b" providerId="LiveId" clId="{327CE185-9CC5-4B92-8F68-491FC1CEB911}" dt="2023-06-02T13:43:57.191" v="7945" actId="20577"/>
       <pc:docMkLst>
         <pc:docMk/>
       </pc:docMkLst>
@@ -2553,7 +2553,7 @@
         </pc:spChg>
       </pc:sldChg>
       <pc:sldChg chg="addSp delSp modSp mod modTransition modNotes">
-        <pc:chgData name="Scruel Tao" userId="5ea5c98d59b44d4b" providerId="LiveId" clId="{327CE185-9CC5-4B92-8F68-491FC1CEB911}" dt="2023-05-16T03:56:05.801" v="7743" actId="478"/>
+        <pc:chgData name="Scruel Tao" userId="5ea5c98d59b44d4b" providerId="LiveId" clId="{327CE185-9CC5-4B92-8F68-491FC1CEB911}" dt="2023-06-02T13:43:57.191" v="7945" actId="20577"/>
         <pc:sldMkLst>
           <pc:docMk/>
           <pc:sldMk cId="0" sldId="260"/>
@@ -2583,7 +2583,7 @@
           </ac:spMkLst>
         </pc:spChg>
         <pc:spChg chg="mod">
-          <ac:chgData name="Scruel Tao" userId="5ea5c98d59b44d4b" providerId="LiveId" clId="{327CE185-9CC5-4B92-8F68-491FC1CEB911}" dt="2023-04-29T18:30:10.018" v="4470"/>
+          <ac:chgData name="Scruel Tao" userId="5ea5c98d59b44d4b" providerId="LiveId" clId="{327CE185-9CC5-4B92-8F68-491FC1CEB911}" dt="2023-06-02T13:43:57.191" v="7945" actId="20577"/>
           <ac:spMkLst>
             <pc:docMk/>
             <pc:sldMk cId="0" sldId="260"/>
@@ -4814,7 +4814,7 @@
           <a:p>
             <a:fld id="{AC7E1972-C479-4420-A687-8FB83BA90DEB}" type="datetimeFigureOut">
               <a:rPr lang="zh-CN" altLang="en-US" smtClean="0"/>
-              <a:t>2023/5/27</a:t>
+              <a:t>2023/6/2</a:t>
             </a:fld>
             <a:endParaRPr lang="zh-CN" altLang="en-US"/>
           </a:p>
@@ -4991,7 +4991,7 @@
           <a:p>
             <a:fld id="{89B7AB8D-BCC0-43C6-B24C-055A25DB558F}" type="datetimeFigureOut">
               <a:rPr lang="zh-CN" altLang="en-US" smtClean="0"/>
-              <a:t>2023/5/27</a:t>
+              <a:t>2023/6/2</a:t>
             </a:fld>
             <a:endParaRPr lang="zh-CN" altLang="en-US"/>
           </a:p>
@@ -8382,7 +8382,7 @@
           <a:p>
             <a:fld id="{F721228B-0167-4061-A906-8575043315EE}" type="datetimeFigureOut">
               <a:rPr lang="zh-CN" altLang="en-US" smtClean="0"/>
-              <a:t>2023/5/27</a:t>
+              <a:t>2023/6/2</a:t>
             </a:fld>
             <a:endParaRPr lang="zh-CN" altLang="en-US"/>
           </a:p>
@@ -8592,7 +8592,7 @@
           <a:p>
             <a:fld id="{F721228B-0167-4061-A906-8575043315EE}" type="datetimeFigureOut">
               <a:rPr lang="zh-CN" altLang="en-US" smtClean="0"/>
-              <a:t>2023/5/27</a:t>
+              <a:t>2023/6/2</a:t>
             </a:fld>
             <a:endParaRPr lang="zh-CN" altLang="en-US"/>
           </a:p>
@@ -8812,7 +8812,7 @@
           <a:p>
             <a:fld id="{F721228B-0167-4061-A906-8575043315EE}" type="datetimeFigureOut">
               <a:rPr lang="zh-CN" altLang="en-US" smtClean="0"/>
-              <a:t>2023/5/27</a:t>
+              <a:t>2023/6/2</a:t>
             </a:fld>
             <a:endParaRPr lang="zh-CN" altLang="en-US"/>
           </a:p>
@@ -9309,7 +9309,7 @@
           <a:p>
             <a:fld id="{F721228B-0167-4061-A906-8575043315EE}" type="datetimeFigureOut">
               <a:rPr lang="zh-CN" altLang="en-US" smtClean="0"/>
-              <a:t>2023/5/27</a:t>
+              <a:t>2023/6/2</a:t>
             </a:fld>
             <a:endParaRPr lang="zh-CN" altLang="en-US"/>
           </a:p>
@@ -9645,7 +9645,7 @@
           <a:p>
             <a:fld id="{F721228B-0167-4061-A906-8575043315EE}" type="datetimeFigureOut">
               <a:rPr lang="zh-CN" altLang="en-US" smtClean="0"/>
-              <a:t>2023/5/27</a:t>
+              <a:t>2023/6/2</a:t>
             </a:fld>
             <a:endParaRPr lang="zh-CN" altLang="en-US"/>
           </a:p>
@@ -10003,7 +10003,7 @@
           <a:p>
             <a:fld id="{F721228B-0167-4061-A906-8575043315EE}" type="datetimeFigureOut">
               <a:rPr lang="zh-CN" altLang="en-US" smtClean="0"/>
-              <a:t>2023/5/27</a:t>
+              <a:t>2023/6/2</a:t>
             </a:fld>
             <a:endParaRPr lang="zh-CN" altLang="en-US"/>
           </a:p>
@@ -10476,7 +10476,7 @@
           <a:p>
             <a:fld id="{F721228B-0167-4061-A906-8575043315EE}" type="datetimeFigureOut">
               <a:rPr lang="zh-CN" altLang="en-US" smtClean="0"/>
-              <a:t>2023/5/27</a:t>
+              <a:t>2023/6/2</a:t>
             </a:fld>
             <a:endParaRPr lang="zh-CN" altLang="en-US"/>
           </a:p>
@@ -10629,7 +10629,7 @@
           <a:p>
             <a:fld id="{F721228B-0167-4061-A906-8575043315EE}" type="datetimeFigureOut">
               <a:rPr lang="zh-CN" altLang="en-US" smtClean="0"/>
-              <a:t>2023/5/27</a:t>
+              <a:t>2023/6/2</a:t>
             </a:fld>
             <a:endParaRPr lang="zh-CN" altLang="en-US"/>
           </a:p>
@@ -10754,7 +10754,7 @@
           <a:p>
             <a:fld id="{F721228B-0167-4061-A906-8575043315EE}" type="datetimeFigureOut">
               <a:rPr lang="zh-CN" altLang="en-US" smtClean="0"/>
-              <a:t>2023/5/27</a:t>
+              <a:t>2023/6/2</a:t>
             </a:fld>
             <a:endParaRPr lang="zh-CN" altLang="en-US"/>
           </a:p>
@@ -11077,7 +11077,7 @@
           <a:p>
             <a:fld id="{F721228B-0167-4061-A906-8575043315EE}" type="datetimeFigureOut">
               <a:rPr lang="zh-CN" altLang="en-US" smtClean="0"/>
-              <a:t>2023/5/27</a:t>
+              <a:t>2023/6/2</a:t>
             </a:fld>
             <a:endParaRPr lang="zh-CN" altLang="en-US"/>
           </a:p>
@@ -11377,7 +11377,7 @@
           <a:p>
             <a:fld id="{F721228B-0167-4061-A906-8575043315EE}" type="datetimeFigureOut">
               <a:rPr lang="zh-CN" altLang="en-US" smtClean="0"/>
-              <a:t>2023/5/27</a:t>
+              <a:t>2023/6/2</a:t>
             </a:fld>
             <a:endParaRPr lang="zh-CN" altLang="en-US"/>
           </a:p>
@@ -11630,7 +11630,7 @@
           <a:p>
             <a:fld id="{F721228B-0167-4061-A906-8575043315EE}" type="datetimeFigureOut">
               <a:rPr lang="zh-CN" altLang="en-US" smtClean="0"/>
-              <a:t>2023/5/27</a:t>
+              <a:t>2023/6/2</a:t>
             </a:fld>
             <a:endParaRPr lang="zh-CN" altLang="en-US"/>
           </a:p>
@@ -12099,7 +12099,7 @@
           <a:p>
             <a:pPr algn="ctr"/>
             <a:r>
-              <a:rPr lang="en-US" altLang="zh-CN" dirty="0">
+              <a:rPr lang="en-US" altLang="zh-CN">
                 <a:solidFill>
                   <a:schemeClr val="tx1">
                     <a:lumMod val="95000"/>
@@ -12116,10 +12116,10 @@
                 <a:latin typeface="华文琥珀" panose="02010800040101010101" pitchFamily="2" charset="-122"/>
                 <a:ea typeface="华文琥珀" panose="02010800040101010101" pitchFamily="2" charset="-122"/>
               </a:rPr>
-              <a:t>Python</a:t>
-            </a:r>
-            <a:r>
-              <a:rPr lang="zh-CN" altLang="en-US" dirty="0">
+              <a:t>Python </a:t>
+            </a:r>
+            <a:r>
+              <a:rPr lang="zh-CN" altLang="en-US">
                 <a:solidFill>
                   <a:schemeClr val="tx1">
                     <a:lumMod val="95000"/>
@@ -12136,7 +12136,27 @@
                 <a:latin typeface="华文琥珀" panose="02010800040101010101" pitchFamily="2" charset="-122"/>
                 <a:ea typeface="华文琥珀" panose="02010800040101010101" pitchFamily="2" charset="-122"/>
               </a:rPr>
-              <a:t>编程：从入门到实践</a:t>
+              <a:t>编程</a:t>
+            </a:r>
+            <a:r>
+              <a:rPr lang="zh-CN" altLang="en-US" dirty="0">
+                <a:solidFill>
+                  <a:schemeClr val="tx1">
+                    <a:lumMod val="95000"/>
+                    <a:lumOff val="5000"/>
+                  </a:schemeClr>
+                </a:solidFill>
+                <a:effectLst>
+                  <a:outerShdw blurRad="38100" dist="38100" dir="2700000" algn="tl">
+                    <a:srgbClr val="000000">
+                      <a:alpha val="43137"/>
+                    </a:srgbClr>
+                  </a:outerShdw>
+                </a:effectLst>
+                <a:latin typeface="华文琥珀" panose="02010800040101010101" pitchFamily="2" charset="-122"/>
+                <a:ea typeface="华文琥珀" panose="02010800040101010101" pitchFamily="2" charset="-122"/>
+              </a:rPr>
+              <a:t>：从入门到实践</a:t>
             </a:r>
             <a:br>
               <a:rPr lang="en-US" altLang="zh-CN" dirty="0">

--- a/PPT/python7.pptx
+++ b/PPT/python7.pptx
@@ -5,10 +5,10 @@
     <p:sldMasterId id="2147483648" r:id="rId1"/>
   </p:sldMasterIdLst>
   <p:notesMasterIdLst>
-    <p:notesMasterId r:id="rId31"/>
+    <p:notesMasterId r:id="rId34"/>
   </p:notesMasterIdLst>
   <p:handoutMasterIdLst>
-    <p:handoutMasterId r:id="rId32"/>
+    <p:handoutMasterId r:id="rId35"/>
   </p:handoutMasterIdLst>
   <p:sldIdLst>
     <p:sldId id="260" r:id="rId2"/>
@@ -18,28 +18,31 @@
     <p:sldId id="370" r:id="rId6"/>
     <p:sldId id="371" r:id="rId7"/>
     <p:sldId id="285" r:id="rId8"/>
-    <p:sldId id="286" r:id="rId9"/>
-    <p:sldId id="287" r:id="rId10"/>
-    <p:sldId id="288" r:id="rId11"/>
-    <p:sldId id="302" r:id="rId12"/>
-    <p:sldId id="305" r:id="rId13"/>
-    <p:sldId id="315" r:id="rId14"/>
-    <p:sldId id="367" r:id="rId15"/>
-    <p:sldId id="368" r:id="rId16"/>
-    <p:sldId id="369" r:id="rId17"/>
-    <p:sldId id="289" r:id="rId18"/>
-    <p:sldId id="290" r:id="rId19"/>
-    <p:sldId id="311" r:id="rId20"/>
-    <p:sldId id="309" r:id="rId21"/>
-    <p:sldId id="312" r:id="rId22"/>
-    <p:sldId id="292" r:id="rId23"/>
-    <p:sldId id="299" r:id="rId24"/>
-    <p:sldId id="323" r:id="rId25"/>
-    <p:sldId id="298" r:id="rId26"/>
-    <p:sldId id="300" r:id="rId27"/>
-    <p:sldId id="301" r:id="rId28"/>
-    <p:sldId id="282" r:id="rId29"/>
-    <p:sldId id="280" r:id="rId30"/>
+    <p:sldId id="375" r:id="rId9"/>
+    <p:sldId id="374" r:id="rId10"/>
+    <p:sldId id="376" r:id="rId11"/>
+    <p:sldId id="286" r:id="rId12"/>
+    <p:sldId id="287" r:id="rId13"/>
+    <p:sldId id="288" r:id="rId14"/>
+    <p:sldId id="302" r:id="rId15"/>
+    <p:sldId id="305" r:id="rId16"/>
+    <p:sldId id="315" r:id="rId17"/>
+    <p:sldId id="367" r:id="rId18"/>
+    <p:sldId id="368" r:id="rId19"/>
+    <p:sldId id="369" r:id="rId20"/>
+    <p:sldId id="289" r:id="rId21"/>
+    <p:sldId id="290" r:id="rId22"/>
+    <p:sldId id="311" r:id="rId23"/>
+    <p:sldId id="309" r:id="rId24"/>
+    <p:sldId id="312" r:id="rId25"/>
+    <p:sldId id="292" r:id="rId26"/>
+    <p:sldId id="299" r:id="rId27"/>
+    <p:sldId id="323" r:id="rId28"/>
+    <p:sldId id="298" r:id="rId29"/>
+    <p:sldId id="300" r:id="rId30"/>
+    <p:sldId id="301" r:id="rId31"/>
+    <p:sldId id="282" r:id="rId32"/>
+    <p:sldId id="280" r:id="rId33"/>
   </p:sldIdLst>
   <p:sldSz cx="12192000" cy="6858000"/>
   <p:notesSz cx="6858000" cy="9144000"/>
@@ -149,16 +152,271 @@
 </p:presentation>
 </file>
 
-<file path=ppt/revisionInfo.xml><?xml version="1.0" encoding="utf-8"?>
-<p1510:revInfo xmlns:a="http://schemas.openxmlformats.org/drawingml/2006/main" xmlns:r="http://schemas.openxmlformats.org/officeDocument/2006/relationships" xmlns:p1510="http://schemas.microsoft.com/office/powerpoint/2015/10/main">
-  <p1510:revLst>
-    <p1510:client id="{327CE185-9CC5-4B92-8F68-491FC1CEB911}" v="1984" dt="2023-05-22T11:40:40.484"/>
-  </p1510:revLst>
-</p1510:revInfo>
-</file>
-
 <file path=ppt/changesInfos/changesInfo1.xml><?xml version="1.0" encoding="utf-8"?>
 <pc:chgInfo xmlns:a="http://schemas.openxmlformats.org/drawingml/2006/main" xmlns:r="http://schemas.openxmlformats.org/officeDocument/2006/relationships" xmlns:ac="http://schemas.microsoft.com/office/drawing/2013/main/command" xmlns:pc="http://schemas.microsoft.com/office/powerpoint/2013/main/command">
+  <pc:docChgLst>
+    <pc:chgData name="Scruel Tao" userId="5ea5c98d59b44d4b" providerId="LiveId" clId="{87FBC7D8-1787-472E-943C-47DC06981038}"/>
+    <pc:docChg chg="undo custSel addSld delSld modSld sldOrd">
+      <pc:chgData name="Scruel Tao" userId="5ea5c98d59b44d4b" providerId="LiveId" clId="{87FBC7D8-1787-472E-943C-47DC06981038}" dt="2023-12-03T14:19:43.448" v="1027"/>
+      <pc:docMkLst>
+        <pc:docMk/>
+      </pc:docMkLst>
+      <pc:sldChg chg="modSp mod">
+        <pc:chgData name="Scruel Tao" userId="5ea5c98d59b44d4b" providerId="LiveId" clId="{87FBC7D8-1787-472E-943C-47DC06981038}" dt="2023-12-02T11:05:34.989" v="1017" actId="20577"/>
+        <pc:sldMkLst>
+          <pc:docMk/>
+          <pc:sldMk cId="2449811789" sldId="286"/>
+        </pc:sldMkLst>
+        <pc:spChg chg="mod">
+          <ac:chgData name="Scruel Tao" userId="5ea5c98d59b44d4b" providerId="LiveId" clId="{87FBC7D8-1787-472E-943C-47DC06981038}" dt="2023-12-02T11:05:34.989" v="1017" actId="20577"/>
+          <ac:spMkLst>
+            <pc:docMk/>
+            <pc:sldMk cId="2449811789" sldId="286"/>
+            <ac:spMk id="4" creationId="{35A047B7-1977-6D79-E59E-4B1E2C174AC6}"/>
+          </ac:spMkLst>
+        </pc:spChg>
+      </pc:sldChg>
+      <pc:sldChg chg="modTransition modAnim">
+        <pc:chgData name="Scruel Tao" userId="5ea5c98d59b44d4b" providerId="LiveId" clId="{87FBC7D8-1787-472E-943C-47DC06981038}" dt="2023-12-03T14:19:33.952" v="1026"/>
+        <pc:sldMkLst>
+          <pc:docMk/>
+          <pc:sldMk cId="499574398" sldId="287"/>
+        </pc:sldMkLst>
+      </pc:sldChg>
+      <pc:sldChg chg="modSp mod">
+        <pc:chgData name="Scruel Tao" userId="5ea5c98d59b44d4b" providerId="LiveId" clId="{87FBC7D8-1787-472E-943C-47DC06981038}" dt="2023-12-02T10:40:26.223" v="29" actId="20577"/>
+        <pc:sldMkLst>
+          <pc:docMk/>
+          <pc:sldMk cId="2444493676" sldId="288"/>
+        </pc:sldMkLst>
+        <pc:spChg chg="mod">
+          <ac:chgData name="Scruel Tao" userId="5ea5c98d59b44d4b" providerId="LiveId" clId="{87FBC7D8-1787-472E-943C-47DC06981038}" dt="2023-12-02T10:40:26.223" v="29" actId="20577"/>
+          <ac:spMkLst>
+            <pc:docMk/>
+            <pc:sldMk cId="2444493676" sldId="288"/>
+            <ac:spMk id="4" creationId="{35A047B7-1977-6D79-E59E-4B1E2C174AC6}"/>
+          </ac:spMkLst>
+        </pc:spChg>
+      </pc:sldChg>
+      <pc:sldChg chg="modAnim">
+        <pc:chgData name="Scruel Tao" userId="5ea5c98d59b44d4b" providerId="LiveId" clId="{87FBC7D8-1787-472E-943C-47DC06981038}" dt="2023-12-03T10:58:10.020" v="1025"/>
+        <pc:sldMkLst>
+          <pc:docMk/>
+          <pc:sldMk cId="2447875928" sldId="312"/>
+        </pc:sldMkLst>
+      </pc:sldChg>
+      <pc:sldChg chg="modAnim">
+        <pc:chgData name="Scruel Tao" userId="5ea5c98d59b44d4b" providerId="LiveId" clId="{87FBC7D8-1787-472E-943C-47DC06981038}" dt="2023-12-03T10:47:15.648" v="1020"/>
+        <pc:sldMkLst>
+          <pc:docMk/>
+          <pc:sldMk cId="426589406" sldId="370"/>
+        </pc:sldMkLst>
+      </pc:sldChg>
+      <pc:sldChg chg="addSp modSp add del mod">
+        <pc:chgData name="Scruel Tao" userId="5ea5c98d59b44d4b" providerId="LiveId" clId="{87FBC7D8-1787-472E-943C-47DC06981038}" dt="2023-12-02T10:52:05.848" v="538" actId="2696"/>
+        <pc:sldMkLst>
+          <pc:docMk/>
+          <pc:sldMk cId="2801260379" sldId="372"/>
+        </pc:sldMkLst>
+        <pc:spChg chg="mod">
+          <ac:chgData name="Scruel Tao" userId="5ea5c98d59b44d4b" providerId="LiveId" clId="{87FBC7D8-1787-472E-943C-47DC06981038}" dt="2023-12-02T10:41:53.238" v="43" actId="20577"/>
+          <ac:spMkLst>
+            <pc:docMk/>
+            <pc:sldMk cId="2801260379" sldId="372"/>
+            <ac:spMk id="2" creationId="{BAD162F0-2175-84E9-2387-55F669162449}"/>
+          </ac:spMkLst>
+        </pc:spChg>
+        <pc:spChg chg="add mod">
+          <ac:chgData name="Scruel Tao" userId="5ea5c98d59b44d4b" providerId="LiveId" clId="{87FBC7D8-1787-472E-943C-47DC06981038}" dt="2023-12-02T10:45:08.838" v="189" actId="20577"/>
+          <ac:spMkLst>
+            <pc:docMk/>
+            <pc:sldMk cId="2801260379" sldId="372"/>
+            <ac:spMk id="3" creationId="{2DD25971-C353-209F-CE81-11A47B5E5F68}"/>
+          </ac:spMkLst>
+        </pc:spChg>
+        <pc:spChg chg="mod">
+          <ac:chgData name="Scruel Tao" userId="5ea5c98d59b44d4b" providerId="LiveId" clId="{87FBC7D8-1787-472E-943C-47DC06981038}" dt="2023-12-02T10:44:26.681" v="175" actId="21"/>
+          <ac:spMkLst>
+            <pc:docMk/>
+            <pc:sldMk cId="2801260379" sldId="372"/>
+            <ac:spMk id="4" creationId="{35A047B7-1977-6D79-E59E-4B1E2C174AC6}"/>
+          </ac:spMkLst>
+        </pc:spChg>
+      </pc:sldChg>
+      <pc:sldChg chg="addSp modSp add del mod">
+        <pc:chgData name="Scruel Tao" userId="5ea5c98d59b44d4b" providerId="LiveId" clId="{87FBC7D8-1787-472E-943C-47DC06981038}" dt="2023-12-02T10:52:35.741" v="567" actId="2696"/>
+        <pc:sldMkLst>
+          <pc:docMk/>
+          <pc:sldMk cId="185757271" sldId="373"/>
+        </pc:sldMkLst>
+        <pc:spChg chg="mod">
+          <ac:chgData name="Scruel Tao" userId="5ea5c98d59b44d4b" providerId="LiveId" clId="{87FBC7D8-1787-472E-943C-47DC06981038}" dt="2023-12-02T10:51:03.052" v="484" actId="1036"/>
+          <ac:spMkLst>
+            <pc:docMk/>
+            <pc:sldMk cId="185757271" sldId="373"/>
+            <ac:spMk id="3" creationId="{2DD25971-C353-209F-CE81-11A47B5E5F68}"/>
+          </ac:spMkLst>
+        </pc:spChg>
+        <pc:spChg chg="mod">
+          <ac:chgData name="Scruel Tao" userId="5ea5c98d59b44d4b" providerId="LiveId" clId="{87FBC7D8-1787-472E-943C-47DC06981038}" dt="2023-12-02T10:51:21.556" v="510" actId="21"/>
+          <ac:spMkLst>
+            <pc:docMk/>
+            <pc:sldMk cId="185757271" sldId="373"/>
+            <ac:spMk id="4" creationId="{35A047B7-1977-6D79-E59E-4B1E2C174AC6}"/>
+          </ac:spMkLst>
+        </pc:spChg>
+        <pc:spChg chg="add mod">
+          <ac:chgData name="Scruel Tao" userId="5ea5c98d59b44d4b" providerId="LiveId" clId="{87FBC7D8-1787-472E-943C-47DC06981038}" dt="2023-12-02T10:52:01.710" v="537" actId="20577"/>
+          <ac:spMkLst>
+            <pc:docMk/>
+            <pc:sldMk cId="185757271" sldId="373"/>
+            <ac:spMk id="5" creationId="{B0DF5B52-3815-DC6E-74CF-C54B79B7FBDB}"/>
+          </ac:spMkLst>
+        </pc:spChg>
+      </pc:sldChg>
+      <pc:sldChg chg="modSp add mod ord modTransition">
+        <pc:chgData name="Scruel Tao" userId="5ea5c98d59b44d4b" providerId="LiveId" clId="{87FBC7D8-1787-472E-943C-47DC06981038}" dt="2023-12-03T14:19:43.448" v="1027"/>
+        <pc:sldMkLst>
+          <pc:docMk/>
+          <pc:sldMk cId="1241296236" sldId="374"/>
+        </pc:sldMkLst>
+        <pc:spChg chg="mod">
+          <ac:chgData name="Scruel Tao" userId="5ea5c98d59b44d4b" providerId="LiveId" clId="{87FBC7D8-1787-472E-943C-47DC06981038}" dt="2023-12-02T10:56:25.449" v="777"/>
+          <ac:spMkLst>
+            <pc:docMk/>
+            <pc:sldMk cId="1241296236" sldId="374"/>
+            <ac:spMk id="2" creationId="{BAD162F0-2175-84E9-2387-55F669162449}"/>
+          </ac:spMkLst>
+        </pc:spChg>
+        <pc:spChg chg="mod">
+          <ac:chgData name="Scruel Tao" userId="5ea5c98d59b44d4b" providerId="LiveId" clId="{87FBC7D8-1787-472E-943C-47DC06981038}" dt="2023-12-02T10:54:06.871" v="653" actId="20577"/>
+          <ac:spMkLst>
+            <pc:docMk/>
+            <pc:sldMk cId="1241296236" sldId="374"/>
+            <ac:spMk id="3" creationId="{2DD25971-C353-209F-CE81-11A47B5E5F68}"/>
+          </ac:spMkLst>
+        </pc:spChg>
+        <pc:spChg chg="mod">
+          <ac:chgData name="Scruel Tao" userId="5ea5c98d59b44d4b" providerId="LiveId" clId="{87FBC7D8-1787-472E-943C-47DC06981038}" dt="2023-12-02T11:03:42.308" v="996"/>
+          <ac:spMkLst>
+            <pc:docMk/>
+            <pc:sldMk cId="1241296236" sldId="374"/>
+            <ac:spMk id="4" creationId="{35A047B7-1977-6D79-E59E-4B1E2C174AC6}"/>
+          </ac:spMkLst>
+        </pc:spChg>
+        <pc:spChg chg="mod">
+          <ac:chgData name="Scruel Tao" userId="5ea5c98d59b44d4b" providerId="LiveId" clId="{87FBC7D8-1787-472E-943C-47DC06981038}" dt="2023-12-02T10:54:00.908" v="649" actId="20577"/>
+          <ac:spMkLst>
+            <pc:docMk/>
+            <pc:sldMk cId="1241296236" sldId="374"/>
+            <ac:spMk id="5" creationId="{B0DF5B52-3815-DC6E-74CF-C54B79B7FBDB}"/>
+          </ac:spMkLst>
+        </pc:spChg>
+      </pc:sldChg>
+      <pc:sldChg chg="modSp add mod modAnim">
+        <pc:chgData name="Scruel Tao" userId="5ea5c98d59b44d4b" providerId="LiveId" clId="{87FBC7D8-1787-472E-943C-47DC06981038}" dt="2023-12-02T11:04:39.279" v="1011" actId="20577"/>
+        <pc:sldMkLst>
+          <pc:docMk/>
+          <pc:sldMk cId="536485722" sldId="375"/>
+        </pc:sldMkLst>
+        <pc:spChg chg="mod">
+          <ac:chgData name="Scruel Tao" userId="5ea5c98d59b44d4b" providerId="LiveId" clId="{87FBC7D8-1787-472E-943C-47DC06981038}" dt="2023-12-02T10:56:23.969" v="776"/>
+          <ac:spMkLst>
+            <pc:docMk/>
+            <pc:sldMk cId="536485722" sldId="375"/>
+            <ac:spMk id="2" creationId="{BAD162F0-2175-84E9-2387-55F669162449}"/>
+          </ac:spMkLst>
+        </pc:spChg>
+        <pc:spChg chg="mod">
+          <ac:chgData name="Scruel Tao" userId="5ea5c98d59b44d4b" providerId="LiveId" clId="{87FBC7D8-1787-472E-943C-47DC06981038}" dt="2023-12-02T11:04:39.279" v="1011" actId="20577"/>
+          <ac:spMkLst>
+            <pc:docMk/>
+            <pc:sldMk cId="536485722" sldId="375"/>
+            <ac:spMk id="3" creationId="{2DD25971-C353-209F-CE81-11A47B5E5F68}"/>
+          </ac:spMkLst>
+        </pc:spChg>
+        <pc:spChg chg="mod">
+          <ac:chgData name="Scruel Tao" userId="5ea5c98d59b44d4b" providerId="LiveId" clId="{87FBC7D8-1787-472E-943C-47DC06981038}" dt="2023-12-02T11:04:20.718" v="1003"/>
+          <ac:spMkLst>
+            <pc:docMk/>
+            <pc:sldMk cId="536485722" sldId="375"/>
+            <ac:spMk id="4" creationId="{35A047B7-1977-6D79-E59E-4B1E2C174AC6}"/>
+          </ac:spMkLst>
+        </pc:spChg>
+      </pc:sldChg>
+      <pc:sldChg chg="addSp delSp modSp add mod modTransition modAnim">
+        <pc:chgData name="Scruel Tao" userId="5ea5c98d59b44d4b" providerId="LiveId" clId="{87FBC7D8-1787-472E-943C-47DC06981038}" dt="2023-12-02T11:05:14.558" v="1014"/>
+        <pc:sldMkLst>
+          <pc:docMk/>
+          <pc:sldMk cId="3770904364" sldId="376"/>
+        </pc:sldMkLst>
+        <pc:spChg chg="mod">
+          <ac:chgData name="Scruel Tao" userId="5ea5c98d59b44d4b" providerId="LiveId" clId="{87FBC7D8-1787-472E-943C-47DC06981038}" dt="2023-12-02T11:00:13.478" v="867"/>
+          <ac:spMkLst>
+            <pc:docMk/>
+            <pc:sldMk cId="3770904364" sldId="376"/>
+            <ac:spMk id="2" creationId="{BAD162F0-2175-84E9-2387-55F669162449}"/>
+          </ac:spMkLst>
+        </pc:spChg>
+        <pc:spChg chg="del">
+          <ac:chgData name="Scruel Tao" userId="5ea5c98d59b44d4b" providerId="LiveId" clId="{87FBC7D8-1787-472E-943C-47DC06981038}" dt="2023-12-02T10:57:42.496" v="778" actId="21"/>
+          <ac:spMkLst>
+            <pc:docMk/>
+            <pc:sldMk cId="3770904364" sldId="376"/>
+            <ac:spMk id="3" creationId="{2DD25971-C353-209F-CE81-11A47B5E5F68}"/>
+          </ac:spMkLst>
+        </pc:spChg>
+        <pc:spChg chg="mod">
+          <ac:chgData name="Scruel Tao" userId="5ea5c98d59b44d4b" providerId="LiveId" clId="{87FBC7D8-1787-472E-943C-47DC06981038}" dt="2023-12-02T11:03:39.037" v="995"/>
+          <ac:spMkLst>
+            <pc:docMk/>
+            <pc:sldMk cId="3770904364" sldId="376"/>
+            <ac:spMk id="4" creationId="{35A047B7-1977-6D79-E59E-4B1E2C174AC6}"/>
+          </ac:spMkLst>
+        </pc:spChg>
+        <pc:spChg chg="mod">
+          <ac:chgData name="Scruel Tao" userId="5ea5c98d59b44d4b" providerId="LiveId" clId="{87FBC7D8-1787-472E-943C-47DC06981038}" dt="2023-12-02T11:01:27.487" v="933" actId="1076"/>
+          <ac:spMkLst>
+            <pc:docMk/>
+            <pc:sldMk cId="3770904364" sldId="376"/>
+            <ac:spMk id="5" creationId="{B0DF5B52-3815-DC6E-74CF-C54B79B7FBDB}"/>
+          </ac:spMkLst>
+        </pc:spChg>
+        <pc:spChg chg="add del mod">
+          <ac:chgData name="Scruel Tao" userId="5ea5c98d59b44d4b" providerId="LiveId" clId="{87FBC7D8-1787-472E-943C-47DC06981038}" dt="2023-12-02T11:00:58.978" v="927" actId="21"/>
+          <ac:spMkLst>
+            <pc:docMk/>
+            <pc:sldMk cId="3770904364" sldId="376"/>
+            <ac:spMk id="6" creationId="{3551BC3A-F407-90F2-DD99-024FCD85E99D}"/>
+          </ac:spMkLst>
+        </pc:spChg>
+        <pc:spChg chg="add mod">
+          <ac:chgData name="Scruel Tao" userId="5ea5c98d59b44d4b" providerId="LiveId" clId="{87FBC7D8-1787-472E-943C-47DC06981038}" dt="2023-12-02T10:58:42.838" v="812" actId="571"/>
+          <ac:spMkLst>
+            <pc:docMk/>
+            <pc:sldMk cId="3770904364" sldId="376"/>
+            <ac:spMk id="7" creationId="{A49D531F-63E0-C93D-CB15-6FD45C45CA9A}"/>
+          </ac:spMkLst>
+        </pc:spChg>
+        <pc:spChg chg="add mod">
+          <ac:chgData name="Scruel Tao" userId="5ea5c98d59b44d4b" providerId="LiveId" clId="{87FBC7D8-1787-472E-943C-47DC06981038}" dt="2023-12-02T11:02:39.312" v="994" actId="1076"/>
+          <ac:spMkLst>
+            <pc:docMk/>
+            <pc:sldMk cId="3770904364" sldId="376"/>
+            <ac:spMk id="8" creationId="{C9776988-5C5F-F1F0-DDE7-96C1C4AF22DE}"/>
+          </ac:spMkLst>
+        </pc:spChg>
+        <pc:spChg chg="add mod">
+          <ac:chgData name="Scruel Tao" userId="5ea5c98d59b44d4b" providerId="LiveId" clId="{87FBC7D8-1787-472E-943C-47DC06981038}" dt="2023-12-02T11:02:29.168" v="993" actId="14100"/>
+          <ac:spMkLst>
+            <pc:docMk/>
+            <pc:sldMk cId="3770904364" sldId="376"/>
+            <ac:spMk id="10" creationId="{B46E5FBC-D84E-920C-5CDD-64E73C676832}"/>
+          </ac:spMkLst>
+        </pc:spChg>
+      </pc:sldChg>
+    </pc:docChg>
+  </pc:docChgLst>
   <pc:docChgLst>
     <pc:chgData name="Scruel Tao" userId="5ea5c98d59b44d4b" providerId="LiveId" clId="{2BA6F94F-59B6-4AA6-9DB6-4A8227DBE37E}"/>
     <pc:docChg chg="undo redo custSel addSld delSld modSld sldOrd modMainMaster">
@@ -4814,7 +5072,7 @@
           <a:p>
             <a:fld id="{AC7E1972-C479-4420-A687-8FB83BA90DEB}" type="datetimeFigureOut">
               <a:rPr lang="zh-CN" altLang="en-US" smtClean="0"/>
-              <a:t>2023/6/2</a:t>
+              <a:t>2023/12/3</a:t>
             </a:fld>
             <a:endParaRPr lang="zh-CN" altLang="en-US"/>
           </a:p>
@@ -4991,7 +5249,7 @@
           <a:p>
             <a:fld id="{89B7AB8D-BCC0-43C6-B24C-055A25DB558F}" type="datetimeFigureOut">
               <a:rPr lang="zh-CN" altLang="en-US" smtClean="0"/>
-              <a:t>2023/6/2</a:t>
+              <a:t>2023/12/3</a:t>
             </a:fld>
             <a:endParaRPr lang="zh-CN" altLang="en-US"/>
           </a:p>
@@ -5422,7 +5680,7 @@
     </p:spTree>
     <p:extLst>
       <p:ext uri="{BB962C8B-B14F-4D97-AF65-F5344CB8AC3E}">
-        <p14:creationId xmlns:p14="http://schemas.microsoft.com/office/powerpoint/2010/main" val="1131957006"/>
+        <p14:creationId xmlns:p14="http://schemas.microsoft.com/office/powerpoint/2010/main" val="2219931792"/>
       </p:ext>
     </p:extLst>
   </p:cSld>
@@ -5506,7 +5764,7 @@
     </p:spTree>
     <p:extLst>
       <p:ext uri="{BB962C8B-B14F-4D97-AF65-F5344CB8AC3E}">
-        <p14:creationId xmlns:p14="http://schemas.microsoft.com/office/powerpoint/2010/main" val="3798510522"/>
+        <p14:creationId xmlns:p14="http://schemas.microsoft.com/office/powerpoint/2010/main" val="3917064277"/>
       </p:ext>
     </p:extLst>
   </p:cSld>
@@ -5590,7 +5848,7 @@
     </p:spTree>
     <p:extLst>
       <p:ext uri="{BB962C8B-B14F-4D97-AF65-F5344CB8AC3E}">
-        <p14:creationId xmlns:p14="http://schemas.microsoft.com/office/powerpoint/2010/main" val="2486662910"/>
+        <p14:creationId xmlns:p14="http://schemas.microsoft.com/office/powerpoint/2010/main" val="2378247404"/>
       </p:ext>
     </p:extLst>
   </p:cSld>
@@ -5674,7 +5932,7 @@
     </p:spTree>
     <p:extLst>
       <p:ext uri="{BB962C8B-B14F-4D97-AF65-F5344CB8AC3E}">
-        <p14:creationId xmlns:p14="http://schemas.microsoft.com/office/powerpoint/2010/main" val="3533477790"/>
+        <p14:creationId xmlns:p14="http://schemas.microsoft.com/office/powerpoint/2010/main" val="1131957006"/>
       </p:ext>
     </p:extLst>
   </p:cSld>
@@ -5758,7 +6016,7 @@
     </p:spTree>
     <p:extLst>
       <p:ext uri="{BB962C8B-B14F-4D97-AF65-F5344CB8AC3E}">
-        <p14:creationId xmlns:p14="http://schemas.microsoft.com/office/powerpoint/2010/main" val="380453335"/>
+        <p14:creationId xmlns:p14="http://schemas.microsoft.com/office/powerpoint/2010/main" val="3798510522"/>
       </p:ext>
     </p:extLst>
   </p:cSld>
@@ -5812,157 +6070,6 @@
           <a:bodyPr/>
           <a:lstStyle/>
           <a:p>
-            <a:pPr algn="l"/>
-            <a:r>
-              <a:rPr lang="zh-CN" altLang="en-US" sz="1800" b="0" i="0" u="none" strike="noStrike" baseline="0" dirty="0">
-                <a:latin typeface="FZSSJW--GB1-0"/>
-              </a:rPr>
-              <a:t>首次遇到这个循环时，</a:t>
-            </a:r>
-            <a:r>
-              <a:rPr lang="en-US" altLang="zh-CN" sz="1800" b="0" i="0" u="none" strike="noStrike" baseline="0" dirty="0">
-                <a:latin typeface="TheSansMonoCondensed-"/>
-              </a:rPr>
-              <a:t>message </a:t>
-            </a:r>
-            <a:r>
-              <a:rPr lang="zh-CN" altLang="en-US" sz="1800" b="0" i="0" u="none" strike="noStrike" baseline="0" dirty="0">
-                <a:latin typeface="FZSSJW--GB1-0"/>
-              </a:rPr>
-              <a:t>是一个空字符串，因此</a:t>
-            </a:r>
-            <a:r>
-              <a:rPr lang="en-US" altLang="zh-CN" sz="1800" b="0" i="0" u="none" strike="noStrike" baseline="0" dirty="0">
-                <a:latin typeface="TimesNewRoman"/>
-              </a:rPr>
-              <a:t>Python </a:t>
-            </a:r>
-            <a:r>
-              <a:rPr lang="zh-CN" altLang="en-US" sz="1800" b="0" i="0" u="none" strike="noStrike" baseline="0" dirty="0">
-                <a:latin typeface="FZSSJW--GB1-0"/>
-              </a:rPr>
-              <a:t>进入这个循环。在执行到代码行 </a:t>
-            </a:r>
-            <a:r>
-              <a:rPr lang="en-US" altLang="zh-CN" sz="1800" b="0" i="0" u="none" strike="noStrike" baseline="0" dirty="0">
-                <a:latin typeface="TheSansMonoCondensed-"/>
-              </a:rPr>
-              <a:t>message = input(prompt) </a:t>
-            </a:r>
-            <a:r>
-              <a:rPr lang="zh-CN" altLang="en-US" sz="1800" b="0" i="0" u="none" strike="noStrike" baseline="0" dirty="0">
-                <a:latin typeface="FZSSJW--GB1-0"/>
-              </a:rPr>
-              <a:t>时，</a:t>
-            </a:r>
-            <a:r>
-              <a:rPr lang="en-US" altLang="zh-CN" sz="1800" b="0" i="0" u="none" strike="noStrike" baseline="0" dirty="0">
-                <a:latin typeface="TimesNewRoman"/>
-              </a:rPr>
-              <a:t>Python </a:t>
-            </a:r>
-            <a:r>
-              <a:rPr lang="zh-CN" altLang="en-US" sz="1800" b="0" i="0" u="none" strike="noStrike" baseline="0" dirty="0">
-                <a:latin typeface="FZSSJW--GB1-0"/>
-              </a:rPr>
-              <a:t>显示提示消息，并等待用户输入。不管用户输入是什么，都会被赋给变量 </a:t>
-            </a:r>
-            <a:r>
-              <a:rPr lang="en-US" altLang="zh-CN" sz="1800" b="0" i="0" u="none" strike="noStrike" baseline="0" dirty="0">
-                <a:latin typeface="TheSansMonoCondensed-"/>
-              </a:rPr>
-              <a:t>message </a:t>
-            </a:r>
-            <a:r>
-              <a:rPr lang="zh-CN" altLang="en-US" sz="1800" b="0" i="0" u="none" strike="noStrike" baseline="0" dirty="0">
-                <a:latin typeface="FZSSJW--GB1-0"/>
-              </a:rPr>
-              <a:t>并打印出来。接下来，</a:t>
-            </a:r>
-            <a:r>
-              <a:rPr lang="en-US" altLang="zh-CN" sz="1800" b="0" i="0" u="none" strike="noStrike" baseline="0" dirty="0">
-                <a:latin typeface="TimesNewRoman"/>
-              </a:rPr>
-              <a:t>Python </a:t>
-            </a:r>
-            <a:r>
-              <a:rPr lang="zh-CN" altLang="en-US" sz="1800" b="0" i="0" u="none" strike="noStrike" baseline="0" dirty="0">
-                <a:latin typeface="FZSSJW--GB1-0"/>
-              </a:rPr>
-              <a:t>重新检查</a:t>
-            </a:r>
-            <a:r>
-              <a:rPr lang="en-US" altLang="zh-CN" sz="1800" b="0" i="0" u="none" strike="noStrike" baseline="0" dirty="0">
-                <a:latin typeface="TheSansMonoCondensed-"/>
-              </a:rPr>
-              <a:t>while </a:t>
-            </a:r>
-            <a:r>
-              <a:rPr lang="zh-CN" altLang="en-US" sz="1800" b="0" i="0" u="none" strike="noStrike" baseline="0" dirty="0">
-                <a:latin typeface="FZSSJW--GB1-0"/>
-              </a:rPr>
-              <a:t>语句中的条件。只要用户输入的不是单词 </a:t>
-            </a:r>
-            <a:r>
-              <a:rPr lang="en-US" altLang="zh-CN" sz="1800" b="0" i="0" u="none" strike="noStrike" baseline="0" dirty="0">
-                <a:latin typeface="TheSansMonoCondensed-"/>
-              </a:rPr>
-              <a:t>'quit' </a:t>
-            </a:r>
-            <a:r>
-              <a:rPr lang="zh-CN" altLang="en-US" sz="1800" b="0" i="0" u="none" strike="noStrike" baseline="0" dirty="0">
-                <a:latin typeface="FZSSJW--GB1-0"/>
-              </a:rPr>
-              <a:t>，</a:t>
-            </a:r>
-            <a:r>
-              <a:rPr lang="en-US" altLang="zh-CN" sz="1800" b="0" i="0" u="none" strike="noStrike" baseline="0" dirty="0">
-                <a:latin typeface="TimesNewRoman"/>
-              </a:rPr>
-              <a:t>Python </a:t>
-            </a:r>
-            <a:r>
-              <a:rPr lang="zh-CN" altLang="en-US" sz="1800" b="0" i="0" u="none" strike="noStrike" baseline="0" dirty="0">
-                <a:latin typeface="FZSSJW--GB1-0"/>
-              </a:rPr>
-              <a:t>就会再次显示提示消息并等待用户输入。等到用户终于输入</a:t>
-            </a:r>
-            <a:r>
-              <a:rPr lang="en-US" altLang="zh-CN" sz="1800" b="0" i="0" u="none" strike="noStrike" baseline="0" dirty="0">
-                <a:latin typeface="TheSansMonoCondensed-"/>
-              </a:rPr>
-              <a:t>‘quit’</a:t>
-            </a:r>
-            <a:r>
-              <a:rPr lang="zh-CN" altLang="en-US" sz="1800" b="0" i="0" u="none" strike="noStrike" baseline="0" dirty="0">
-                <a:latin typeface="FZSSJW--GB1-0"/>
-              </a:rPr>
-              <a:t>后，</a:t>
-            </a:r>
-            <a:r>
-              <a:rPr lang="en-US" altLang="zh-CN" sz="1800" b="0" i="0" u="none" strike="noStrike" baseline="0" dirty="0">
-                <a:latin typeface="TimesNewRoman"/>
-              </a:rPr>
-              <a:t>Python </a:t>
-            </a:r>
-            <a:r>
-              <a:rPr lang="zh-CN" altLang="en-US" sz="1800" b="0" i="0" u="none" strike="noStrike" baseline="0" dirty="0">
-                <a:latin typeface="FZSSJW--GB1-0"/>
-              </a:rPr>
-              <a:t>停止执行</a:t>
-            </a:r>
-            <a:r>
-              <a:rPr lang="en-US" altLang="zh-CN" sz="1800" b="0" i="0" u="none" strike="noStrike" baseline="0" dirty="0">
-                <a:latin typeface="TheSansMonoCondensed-"/>
-              </a:rPr>
-              <a:t>while </a:t>
-            </a:r>
-            <a:r>
-              <a:rPr lang="zh-CN" altLang="en-US" sz="1800" b="0" i="0" u="none" strike="noStrike" baseline="0" dirty="0">
-                <a:latin typeface="FZSSJW--GB1-0"/>
-              </a:rPr>
-              <a:t>循环，整个程序也到此结束。</a:t>
-            </a:r>
             <a:endParaRPr lang="zh-CN" altLang="en-US" dirty="0"/>
           </a:p>
         </p:txBody>
@@ -5993,7 +6100,7 @@
     </p:spTree>
     <p:extLst>
       <p:ext uri="{BB962C8B-B14F-4D97-AF65-F5344CB8AC3E}">
-        <p14:creationId xmlns:p14="http://schemas.microsoft.com/office/powerpoint/2010/main" val="725446609"/>
+        <p14:creationId xmlns:p14="http://schemas.microsoft.com/office/powerpoint/2010/main" val="2486662910"/>
       </p:ext>
     </p:extLst>
   </p:cSld>
@@ -6047,106 +6154,7 @@
           <a:bodyPr/>
           <a:lstStyle/>
           <a:p>
-            <a:pPr algn="l"/>
-            <a:r>
-              <a:rPr lang="zh-CN" altLang="en-US" sz="1800" b="0" i="0" u="none" strike="noStrike" baseline="0" dirty="0">
-                <a:latin typeface="FZSSJW--GB1-0"/>
-              </a:rPr>
-              <a:t>这个程序的输出与上一个示例相同。上一个示例将条件测试直接放在了 </a:t>
-            </a:r>
-            <a:r>
-              <a:rPr lang="en-US" altLang="zh-CN" sz="1800" b="0" i="0" u="none" strike="noStrike" baseline="0" dirty="0">
-                <a:latin typeface="TheSansMonoCondensed-"/>
-              </a:rPr>
-              <a:t>while </a:t>
-            </a:r>
-            <a:r>
-              <a:rPr lang="zh-CN" altLang="en-US" sz="1800" b="0" i="0" u="none" strike="noStrike" baseline="0" dirty="0">
-                <a:latin typeface="FZSSJW--GB1-0"/>
-              </a:rPr>
-              <a:t>语句中，而这个程序则使用一个标志来指出程序是否处于活动状态。这样，添加测试（如</a:t>
-            </a:r>
-            <a:r>
-              <a:rPr lang="en-US" altLang="zh-CN" sz="1800" b="0" i="0" u="none" strike="noStrike" baseline="0" dirty="0" err="1">
-                <a:latin typeface="TheSansMonoCondensed-"/>
-              </a:rPr>
-              <a:t>elif</a:t>
-            </a:r>
-            <a:r>
-              <a:rPr lang="en-US" altLang="zh-CN" sz="1800" b="0" i="0" u="none" strike="noStrike" baseline="0" dirty="0">
-                <a:latin typeface="TheSansMonoCondensed-"/>
-              </a:rPr>
-              <a:t> </a:t>
-            </a:r>
-            <a:r>
-              <a:rPr lang="zh-CN" altLang="en-US" sz="1800" b="0" i="0" u="none" strike="noStrike" baseline="0" dirty="0">
-                <a:latin typeface="FZSSJW--GB1-0"/>
-              </a:rPr>
-              <a:t>语句）以检查是否发生了其他导致 </a:t>
-            </a:r>
-            <a:r>
-              <a:rPr lang="en-US" altLang="zh-CN" sz="1800" b="0" i="0" u="none" strike="noStrike" baseline="0" dirty="0">
-                <a:latin typeface="TheSansMonoCondensed-"/>
-              </a:rPr>
-              <a:t>active </a:t>
-            </a:r>
-            <a:r>
-              <a:rPr lang="zh-CN" altLang="en-US" sz="1800" b="0" i="0" u="none" strike="noStrike" baseline="0" dirty="0">
-                <a:latin typeface="FZSSJW--GB1-0"/>
-              </a:rPr>
-              <a:t>变为</a:t>
-            </a:r>
-            <a:r>
-              <a:rPr lang="en-US" altLang="zh-CN" sz="1800" b="0" i="0" u="none" strike="noStrike" baseline="0" dirty="0">
-                <a:latin typeface="TheSansMonoCondensed-"/>
-              </a:rPr>
-              <a:t>False </a:t>
-            </a:r>
-            <a:r>
-              <a:rPr lang="zh-CN" altLang="en-US" sz="1800" b="0" i="0" u="none" strike="noStrike" baseline="0" dirty="0">
-                <a:latin typeface="FZSSJW--GB1-0"/>
-              </a:rPr>
-              <a:t>的事件，就会很容易。</a:t>
-            </a:r>
-            <a:endParaRPr lang="en-US" altLang="zh-CN" sz="1800" b="0" i="0" u="none" strike="noStrike" baseline="0" dirty="0">
-              <a:latin typeface="FZSSJW--GB1-0"/>
-            </a:endParaRPr>
-          </a:p>
-          <a:p>
-            <a:pPr algn="l"/>
-            <a:r>
-              <a:rPr lang="zh-CN" altLang="en-US" sz="1800" b="0" i="0" u="none" strike="noStrike" baseline="0" dirty="0">
-                <a:latin typeface="FZSSJW--GB1-0"/>
-              </a:rPr>
-              <a:t>在复杂的程序（比如有很多事件会导致程序停止运行的游戏）中，标志很有用：</a:t>
-            </a:r>
-            <a:endParaRPr lang="en-US" altLang="zh-CN" sz="1800" b="0" i="0" u="none" strike="noStrike" baseline="0" dirty="0">
-              <a:latin typeface="FZSSJW--GB1-0"/>
-            </a:endParaRPr>
-          </a:p>
-          <a:p>
-            <a:pPr algn="l"/>
-            <a:r>
-              <a:rPr lang="zh-CN" altLang="en-US" sz="1800" b="0" i="0" u="none" strike="noStrike" baseline="0" dirty="0">
-                <a:latin typeface="FZSSJW--GB1-0"/>
-              </a:rPr>
-              <a:t>在任意一个事件导致活动标志变成 </a:t>
-            </a:r>
-            <a:r>
-              <a:rPr lang="en-US" altLang="zh-CN" sz="1800" b="0" i="0" u="none" strike="noStrike" baseline="0" dirty="0">
-                <a:latin typeface="TheSansMonoCondensed-"/>
-              </a:rPr>
-              <a:t>False </a:t>
-            </a:r>
-            <a:r>
-              <a:rPr lang="zh-CN" altLang="en-US" sz="1800" b="0" i="0" u="none" strike="noStrike" baseline="0" dirty="0">
-                <a:latin typeface="FZSSJW--GB1-0"/>
-              </a:rPr>
-              <a:t>时，主游戏循环将退出，此时可显示一条游戏结束的消息，并让用户选择是否要重玩。</a:t>
-            </a:r>
-            <a:endParaRPr lang="en-US" altLang="zh-CN" sz="1800" b="0" i="0" u="none" strike="noStrike" baseline="0" dirty="0">
-              <a:latin typeface="FZSSJW--GB1-0"/>
-            </a:endParaRPr>
+            <a:endParaRPr lang="zh-CN" altLang="en-US" dirty="0"/>
           </a:p>
         </p:txBody>
       </p:sp>
@@ -6176,7 +6184,7 @@
     </p:spTree>
     <p:extLst>
       <p:ext uri="{BB962C8B-B14F-4D97-AF65-F5344CB8AC3E}">
-        <p14:creationId xmlns:p14="http://schemas.microsoft.com/office/powerpoint/2010/main" val="2825730297"/>
+        <p14:creationId xmlns:p14="http://schemas.microsoft.com/office/powerpoint/2010/main" val="3533477790"/>
       </p:ext>
     </p:extLst>
   </p:cSld>
@@ -6230,121 +6238,6 @@
           <a:bodyPr/>
           <a:lstStyle/>
           <a:p>
-            <a:pPr algn="l"/>
-            <a:r>
-              <a:rPr lang="zh-CN" altLang="en-US" sz="1800" b="0" i="0" u="none" strike="noStrike" baseline="0" dirty="0">
-                <a:latin typeface="FZKTJW--GB1-0"/>
-              </a:rPr>
-              <a:t>在所有 </a:t>
-            </a:r>
-            <a:r>
-              <a:rPr lang="en-US" altLang="zh-CN" sz="1800" b="0" i="0" u="none" strike="noStrike" baseline="0" dirty="0">
-                <a:latin typeface="TimesNewRoman"/>
-              </a:rPr>
-              <a:t>Python </a:t>
-            </a:r>
-            <a:r>
-              <a:rPr lang="zh-CN" altLang="en-US" sz="1800" b="0" i="0" u="none" strike="noStrike" baseline="0" dirty="0">
-                <a:latin typeface="FZKTJW--GB1-0"/>
-              </a:rPr>
-              <a:t>循环中都可使用 </a:t>
-            </a:r>
-            <a:r>
-              <a:rPr lang="en-US" altLang="zh-CN" sz="1800" b="0" i="0" u="none" strike="noStrike" baseline="0" dirty="0">
-                <a:latin typeface="TheSansMonoCondensed-"/>
-              </a:rPr>
-              <a:t>break </a:t>
-            </a:r>
-            <a:r>
-              <a:rPr lang="zh-CN" altLang="en-US" sz="1800" b="0" i="0" u="none" strike="noStrike" baseline="0" dirty="0">
-                <a:latin typeface="FZKTJW--GB1-0"/>
-              </a:rPr>
-              <a:t>关键字。例如，可使用 </a:t>
-            </a:r>
-            <a:r>
-              <a:rPr lang="en-US" altLang="zh-CN" sz="1800" b="0" i="0" u="none" strike="noStrike" baseline="0" dirty="0">
-                <a:latin typeface="TheSansMonoCondensed-"/>
-              </a:rPr>
-              <a:t>break </a:t>
-            </a:r>
-            <a:r>
-              <a:rPr lang="zh-CN" altLang="en-US" sz="1800" b="0" i="0" u="none" strike="noStrike" baseline="0" dirty="0">
-                <a:latin typeface="FZKTJW--GB1-0"/>
-              </a:rPr>
-              <a:t>关键字来退出遍历列表或字典的 </a:t>
-            </a:r>
-            <a:r>
-              <a:rPr lang="en-US" altLang="zh-CN" sz="1800" b="0" i="0" u="none" strike="noStrike" baseline="0" dirty="0">
-                <a:latin typeface="TheSansMonoCondensed-"/>
-              </a:rPr>
-              <a:t>for </a:t>
-            </a:r>
-            <a:r>
-              <a:rPr lang="zh-CN" altLang="en-US" sz="1800" b="0" i="0" u="none" strike="noStrike" baseline="0" dirty="0">
-                <a:latin typeface="FZKTJW--GB1-0"/>
-              </a:rPr>
-              <a:t>循环。</a:t>
-            </a:r>
-            <a:endParaRPr lang="en-US" altLang="zh-CN" sz="1800" b="0" i="0" u="none" strike="noStrike" baseline="0" dirty="0">
-              <a:latin typeface="FZKTJW--GB1-0"/>
-            </a:endParaRPr>
-          </a:p>
-          <a:p>
-            <a:pPr algn="l"/>
-            <a:r>
-              <a:rPr lang="zh-CN" altLang="en-US" sz="1800" b="0" i="0" u="none" strike="noStrike" baseline="0" dirty="0">
-                <a:latin typeface="FZKTJW--GB1-0"/>
-              </a:rPr>
-              <a:t>（马上要介绍的 </a:t>
-            </a:r>
-            <a:r>
-              <a:rPr lang="en-US" altLang="zh-CN" sz="1800" b="0" i="0" u="none" strike="noStrike" baseline="0" dirty="0">
-                <a:latin typeface="FZKTJW--GB1-0"/>
-              </a:rPr>
-              <a:t>continue </a:t>
-            </a:r>
-            <a:r>
-              <a:rPr lang="zh-CN" altLang="en-US" sz="1800" b="0" i="0" u="none" strike="noStrike" baseline="0" dirty="0">
-                <a:latin typeface="FZKTJW--GB1-0"/>
-              </a:rPr>
-              <a:t>关键字也一样）</a:t>
-            </a:r>
-            <a:endParaRPr lang="en-US" altLang="zh-CN" sz="1800" b="0" i="0" u="none" strike="noStrike" baseline="0" dirty="0">
-              <a:latin typeface="FZKTJW--GB1-0"/>
-            </a:endParaRPr>
-          </a:p>
-          <a:p>
-            <a:pPr algn="l"/>
-            <a:r>
-              <a:rPr lang="zh-CN" altLang="en-US" sz="1800" b="0" i="0" u="none" strike="noStrike" baseline="0" dirty="0">
-                <a:latin typeface="FZSSJW--GB1-0"/>
-              </a:rPr>
-              <a:t>在这里，只要满足条件 </a:t>
-            </a:r>
-            <a:r>
-              <a:rPr lang="en-US" altLang="zh-CN" sz="1800" b="0" i="0" u="none" strike="noStrike" baseline="0" dirty="0">
-                <a:latin typeface="TheSansMonoCondensed-"/>
-              </a:rPr>
-              <a:t>current_number &gt; 5</a:t>
-            </a:r>
-            <a:r>
-              <a:rPr lang="zh-CN" altLang="en-US" sz="1800" b="0" i="0" u="none" strike="noStrike" baseline="0" dirty="0">
-                <a:latin typeface="FZSSJW--GB1-0"/>
-              </a:rPr>
-              <a:t>，</a:t>
-            </a:r>
-            <a:r>
-              <a:rPr lang="en-US" altLang="zh-CN" sz="1800" b="0" i="0" u="none" strike="noStrike" baseline="0" dirty="0">
-                <a:latin typeface="TimesNewRoman"/>
-              </a:rPr>
-              <a:t>Python </a:t>
-            </a:r>
-            <a:r>
-              <a:rPr lang="zh-CN" altLang="en-US" sz="1800" b="0" i="0" u="none" strike="noStrike" baseline="0" dirty="0">
-                <a:latin typeface="FZSSJW--GB1-0"/>
-              </a:rPr>
-              <a:t>就会结束这个循环。</a:t>
-            </a:r>
             <a:endParaRPr lang="zh-CN" altLang="en-US" dirty="0"/>
           </a:p>
         </p:txBody>
@@ -6375,7 +6268,7 @@
     </p:spTree>
     <p:extLst>
       <p:ext uri="{BB962C8B-B14F-4D97-AF65-F5344CB8AC3E}">
-        <p14:creationId xmlns:p14="http://schemas.microsoft.com/office/powerpoint/2010/main" val="2970651207"/>
+        <p14:creationId xmlns:p14="http://schemas.microsoft.com/office/powerpoint/2010/main" val="380453335"/>
       </p:ext>
     </p:extLst>
   </p:cSld>
@@ -6434,94 +6327,152 @@
               <a:rPr lang="zh-CN" altLang="en-US" sz="1800" b="0" i="0" u="none" strike="noStrike" baseline="0" dirty="0">
                 <a:latin typeface="FZSSJW--GB1-0"/>
               </a:rPr>
-              <a:t>要返回循环开头，并根据条件测试的结果决定是否继续执行循环，可使用</a:t>
+              <a:t>首次遇到这个循环时，</a:t>
             </a:r>
             <a:r>
               <a:rPr lang="en-US" altLang="zh-CN" sz="1800" b="0" i="0" u="none" strike="noStrike" baseline="0" dirty="0">
                 <a:latin typeface="TheSansMonoCondensed-"/>
               </a:rPr>
-              <a:t>continue </a:t>
+              <a:t>message </a:t>
             </a:r>
             <a:r>
               <a:rPr lang="zh-CN" altLang="en-US" sz="1800" b="0" i="0" u="none" strike="noStrike" baseline="0" dirty="0">
                 <a:latin typeface="FZSSJW--GB1-0"/>
               </a:rPr>
-              <a:t>语句，它不像</a:t>
+              <a:t>是一个空字符串，因此</a:t>
+            </a:r>
+            <a:r>
+              <a:rPr lang="en-US" altLang="zh-CN" sz="1800" b="0" i="0" u="none" strike="noStrike" baseline="0" dirty="0">
+                <a:latin typeface="TimesNewRoman"/>
+              </a:rPr>
+              <a:t>Python </a:t>
+            </a:r>
+            <a:r>
+              <a:rPr lang="zh-CN" altLang="en-US" sz="1800" b="0" i="0" u="none" strike="noStrike" baseline="0" dirty="0">
+                <a:latin typeface="FZSSJW--GB1-0"/>
+              </a:rPr>
+              <a:t>进入这个循环。在执行到代码行 </a:t>
             </a:r>
             <a:r>
               <a:rPr lang="en-US" altLang="zh-CN" sz="1800" b="0" i="0" u="none" strike="noStrike" baseline="0" dirty="0">
                 <a:latin typeface="TheSansMonoCondensed-"/>
               </a:rPr>
-              <a:t>break </a:t>
+              <a:t>message = input(prompt) </a:t>
             </a:r>
             <a:r>
               <a:rPr lang="zh-CN" altLang="en-US" sz="1800" b="0" i="0" u="none" strike="noStrike" baseline="0" dirty="0">
                 <a:latin typeface="FZSSJW--GB1-0"/>
               </a:rPr>
-              <a:t>语句那样不再执行余下的代码并退出整个循环。</a:t>
-            </a:r>
-            <a:endParaRPr lang="en-US" altLang="zh-CN" sz="1800" b="0" i="0" u="none" strike="noStrike" baseline="0" dirty="0">
-              <a:latin typeface="FZSSJW--GB1-0"/>
-            </a:endParaRPr>
-          </a:p>
-          <a:p>
-            <a:pPr marL="0" marR="0" lvl="0" indent="0" algn="l" defTabSz="914400" rtl="0" eaLnBrk="1" fontAlgn="auto" latinLnBrk="0" hangingPunct="1">
-              <a:lnSpc>
-                <a:spcPct val="100000"/>
-              </a:lnSpc>
-              <a:spcBef>
-                <a:spcPts val="0"/>
-              </a:spcBef>
-              <a:spcAft>
-                <a:spcPts val="0"/>
-              </a:spcAft>
-              <a:buClrTx/>
-              <a:buSzTx/>
-              <a:buFontTx/>
-              <a:buNone/>
-              <a:tabLst/>
-              <a:defRPr/>
-            </a:pPr>
+              <a:t>时，</a:t>
+            </a:r>
+            <a:r>
+              <a:rPr lang="en-US" altLang="zh-CN" sz="1800" b="0" i="0" u="none" strike="noStrike" baseline="0" dirty="0">
+                <a:latin typeface="TimesNewRoman"/>
+              </a:rPr>
+              <a:t>Python </a:t>
+            </a:r>
             <a:r>
               <a:rPr lang="zh-CN" altLang="en-US" sz="1800" b="0" i="0" u="none" strike="noStrike" baseline="0" dirty="0">
                 <a:latin typeface="FZSSJW--GB1-0"/>
               </a:rPr>
-              <a:t>在这里，</a:t>
-            </a:r>
-            <a:r>
-              <a:rPr lang="zh-CN" altLang="en-US" sz="1200" b="0" i="0" u="none" strike="noStrike" baseline="0" dirty="0">
+              <a:t>显示提示消息，并等待用户输入。不管用户输入是什么，都会被赋给变量 </a:t>
+            </a:r>
+            <a:r>
+              <a:rPr lang="en-US" altLang="zh-CN" sz="1800" b="0" i="0" u="none" strike="noStrike" baseline="0" dirty="0">
+                <a:latin typeface="TheSansMonoCondensed-"/>
+              </a:rPr>
+              <a:t>message </a:t>
+            </a:r>
+            <a:r>
+              <a:rPr lang="zh-CN" altLang="en-US" sz="1800" b="0" i="0" u="none" strike="noStrike" baseline="0" dirty="0">
                 <a:latin typeface="FZSSJW--GB1-0"/>
               </a:rPr>
-              <a:t>只要满足条件 </a:t>
-            </a:r>
-            <a:r>
-              <a:rPr lang="en-US" altLang="zh-CN" sz="1200" b="0" i="0" u="none" strike="noStrike" baseline="0" dirty="0">
+              <a:t>并打印出来。接下来，</a:t>
+            </a:r>
+            <a:r>
+              <a:rPr lang="en-US" altLang="zh-CN" sz="1800" b="0" i="0" u="none" strike="noStrike" baseline="0" dirty="0">
+                <a:latin typeface="TimesNewRoman"/>
+              </a:rPr>
+              <a:t>Python </a:t>
+            </a:r>
+            <a:r>
+              <a:rPr lang="zh-CN" altLang="en-US" sz="1800" b="0" i="0" u="none" strike="noStrike" baseline="0" dirty="0">
+                <a:latin typeface="FZSSJW--GB1-0"/>
+              </a:rPr>
+              <a:t>重新检查</a:t>
+            </a:r>
+            <a:r>
+              <a:rPr lang="en-US" altLang="zh-CN" sz="1800" b="0" i="0" u="none" strike="noStrike" baseline="0" dirty="0">
                 <a:latin typeface="TheSansMonoCondensed-"/>
               </a:rPr>
-              <a:t>current_number % 2 == 0</a:t>
-            </a:r>
-            <a:r>
-              <a:rPr lang="zh-CN" altLang="en-US" sz="1200" b="0" i="0" u="none" strike="noStrike" baseline="0" dirty="0">
+              <a:t>while </a:t>
+            </a:r>
+            <a:r>
+              <a:rPr lang="zh-CN" altLang="en-US" sz="1800" b="0" i="0" u="none" strike="noStrike" baseline="0" dirty="0">
                 <a:latin typeface="FZSSJW--GB1-0"/>
               </a:rPr>
+              <a:t>语句中的条件。只要用户输入的不是单词 </a:t>
+            </a:r>
+            <a:r>
+              <a:rPr lang="en-US" altLang="zh-CN" sz="1800" b="0" i="0" u="none" strike="noStrike" baseline="0" dirty="0">
+                <a:latin typeface="TheSansMonoCondensed-"/>
+              </a:rPr>
+              <a:t>'quit' </a:t>
+            </a:r>
+            <a:r>
+              <a:rPr lang="zh-CN" altLang="en-US" sz="1800" b="0" i="0" u="none" strike="noStrike" baseline="0" dirty="0">
+                <a:latin typeface="FZSSJW--GB1-0"/>
+              </a:rPr>
               <a:t>，</a:t>
             </a:r>
             <a:r>
-              <a:rPr lang="en-US" altLang="zh-CN" sz="1200" b="0" i="0" u="none" strike="noStrike" baseline="0" dirty="0">
+              <a:rPr lang="en-US" altLang="zh-CN" sz="1800" b="0" i="0" u="none" strike="noStrike" baseline="0" dirty="0">
                 <a:latin typeface="TimesNewRoman"/>
               </a:rPr>
               <a:t>Python </a:t>
             </a:r>
             <a:r>
-              <a:rPr lang="zh-CN" altLang="en-US" sz="1200" b="0" i="0" u="none" strike="noStrike" baseline="0" dirty="0">
+              <a:rPr lang="zh-CN" altLang="en-US" sz="1800" b="0" i="0" u="none" strike="noStrike" baseline="0" dirty="0">
                 <a:latin typeface="FZSSJW--GB1-0"/>
               </a:rPr>
-              <a:t>就会跳过当前循环，并返回到循环开头。</a:t>
-            </a:r>
-            <a:endParaRPr lang="zh-CN" altLang="en-US" dirty="0"/>
-          </a:p>
-          <a:p>
-            <a:pPr algn="l"/>
+              <a:t>就会再次显示提示消息并等待用户输入。等到用户终于输入</a:t>
+            </a:r>
+            <a:r>
+              <a:rPr lang="en-US" altLang="zh-CN" sz="1800" b="0" i="0" u="none" strike="noStrike" baseline="0" dirty="0">
+                <a:latin typeface="TheSansMonoCondensed-"/>
+              </a:rPr>
+              <a:t>‘quit’</a:t>
+            </a:r>
+            <a:r>
+              <a:rPr lang="zh-CN" altLang="en-US" sz="1800" b="0" i="0" u="none" strike="noStrike" baseline="0" dirty="0">
+                <a:latin typeface="FZSSJW--GB1-0"/>
+              </a:rPr>
+              <a:t>后，</a:t>
+            </a:r>
+            <a:r>
+              <a:rPr lang="en-US" altLang="zh-CN" sz="1800" b="0" i="0" u="none" strike="noStrike" baseline="0" dirty="0">
+                <a:latin typeface="TimesNewRoman"/>
+              </a:rPr>
+              <a:t>Python </a:t>
+            </a:r>
+            <a:r>
+              <a:rPr lang="zh-CN" altLang="en-US" sz="1800" b="0" i="0" u="none" strike="noStrike" baseline="0" dirty="0">
+                <a:latin typeface="FZSSJW--GB1-0"/>
+              </a:rPr>
+              <a:t>停止执行</a:t>
+            </a:r>
+            <a:r>
+              <a:rPr lang="en-US" altLang="zh-CN" sz="1800" b="0" i="0" u="none" strike="noStrike" baseline="0" dirty="0">
+                <a:latin typeface="TheSansMonoCondensed-"/>
+              </a:rPr>
+              <a:t>while </a:t>
+            </a:r>
+            <a:r>
+              <a:rPr lang="zh-CN" altLang="en-US" sz="1800" b="0" i="0" u="none" strike="noStrike" baseline="0" dirty="0">
+                <a:latin typeface="FZSSJW--GB1-0"/>
+              </a:rPr>
+              <a:t>循环，整个程序也到此结束。</a:t>
+            </a:r>
             <a:endParaRPr lang="zh-CN" altLang="en-US" dirty="0"/>
           </a:p>
         </p:txBody>
@@ -6552,7 +6503,7 @@
     </p:spTree>
     <p:extLst>
       <p:ext uri="{BB962C8B-B14F-4D97-AF65-F5344CB8AC3E}">
-        <p14:creationId xmlns:p14="http://schemas.microsoft.com/office/powerpoint/2010/main" val="647778693"/>
+        <p14:creationId xmlns:p14="http://schemas.microsoft.com/office/powerpoint/2010/main" val="725446609"/>
       </p:ext>
     </p:extLst>
   </p:cSld>
@@ -6606,7 +6557,106 @@
           <a:bodyPr/>
           <a:lstStyle/>
           <a:p>
-            <a:endParaRPr lang="zh-CN" altLang="en-US" dirty="0"/>
+            <a:pPr algn="l"/>
+            <a:r>
+              <a:rPr lang="zh-CN" altLang="en-US" sz="1800" b="0" i="0" u="none" strike="noStrike" baseline="0" dirty="0">
+                <a:latin typeface="FZSSJW--GB1-0"/>
+              </a:rPr>
+              <a:t>这个程序的输出与上一个示例相同。上一个示例将条件测试直接放在了 </a:t>
+            </a:r>
+            <a:r>
+              <a:rPr lang="en-US" altLang="zh-CN" sz="1800" b="0" i="0" u="none" strike="noStrike" baseline="0" dirty="0">
+                <a:latin typeface="TheSansMonoCondensed-"/>
+              </a:rPr>
+              <a:t>while </a:t>
+            </a:r>
+            <a:r>
+              <a:rPr lang="zh-CN" altLang="en-US" sz="1800" b="0" i="0" u="none" strike="noStrike" baseline="0" dirty="0">
+                <a:latin typeface="FZSSJW--GB1-0"/>
+              </a:rPr>
+              <a:t>语句中，而这个程序则使用一个标志来指出程序是否处于活动状态。这样，添加测试（如</a:t>
+            </a:r>
+            <a:r>
+              <a:rPr lang="en-US" altLang="zh-CN" sz="1800" b="0" i="0" u="none" strike="noStrike" baseline="0" dirty="0" err="1">
+                <a:latin typeface="TheSansMonoCondensed-"/>
+              </a:rPr>
+              <a:t>elif</a:t>
+            </a:r>
+            <a:r>
+              <a:rPr lang="en-US" altLang="zh-CN" sz="1800" b="0" i="0" u="none" strike="noStrike" baseline="0" dirty="0">
+                <a:latin typeface="TheSansMonoCondensed-"/>
+              </a:rPr>
+              <a:t> </a:t>
+            </a:r>
+            <a:r>
+              <a:rPr lang="zh-CN" altLang="en-US" sz="1800" b="0" i="0" u="none" strike="noStrike" baseline="0" dirty="0">
+                <a:latin typeface="FZSSJW--GB1-0"/>
+              </a:rPr>
+              <a:t>语句）以检查是否发生了其他导致 </a:t>
+            </a:r>
+            <a:r>
+              <a:rPr lang="en-US" altLang="zh-CN" sz="1800" b="0" i="0" u="none" strike="noStrike" baseline="0" dirty="0">
+                <a:latin typeface="TheSansMonoCondensed-"/>
+              </a:rPr>
+              <a:t>active </a:t>
+            </a:r>
+            <a:r>
+              <a:rPr lang="zh-CN" altLang="en-US" sz="1800" b="0" i="0" u="none" strike="noStrike" baseline="0" dirty="0">
+                <a:latin typeface="FZSSJW--GB1-0"/>
+              </a:rPr>
+              <a:t>变为</a:t>
+            </a:r>
+            <a:r>
+              <a:rPr lang="en-US" altLang="zh-CN" sz="1800" b="0" i="0" u="none" strike="noStrike" baseline="0" dirty="0">
+                <a:latin typeface="TheSansMonoCondensed-"/>
+              </a:rPr>
+              <a:t>False </a:t>
+            </a:r>
+            <a:r>
+              <a:rPr lang="zh-CN" altLang="en-US" sz="1800" b="0" i="0" u="none" strike="noStrike" baseline="0" dirty="0">
+                <a:latin typeface="FZSSJW--GB1-0"/>
+              </a:rPr>
+              <a:t>的事件，就会很容易。</a:t>
+            </a:r>
+            <a:endParaRPr lang="en-US" altLang="zh-CN" sz="1800" b="0" i="0" u="none" strike="noStrike" baseline="0" dirty="0">
+              <a:latin typeface="FZSSJW--GB1-0"/>
+            </a:endParaRPr>
+          </a:p>
+          <a:p>
+            <a:pPr algn="l"/>
+            <a:r>
+              <a:rPr lang="zh-CN" altLang="en-US" sz="1800" b="0" i="0" u="none" strike="noStrike" baseline="0" dirty="0">
+                <a:latin typeface="FZSSJW--GB1-0"/>
+              </a:rPr>
+              <a:t>在复杂的程序（比如有很多事件会导致程序停止运行的游戏）中，标志很有用：</a:t>
+            </a:r>
+            <a:endParaRPr lang="en-US" altLang="zh-CN" sz="1800" b="0" i="0" u="none" strike="noStrike" baseline="0" dirty="0">
+              <a:latin typeface="FZSSJW--GB1-0"/>
+            </a:endParaRPr>
+          </a:p>
+          <a:p>
+            <a:pPr algn="l"/>
+            <a:r>
+              <a:rPr lang="zh-CN" altLang="en-US" sz="1800" b="0" i="0" u="none" strike="noStrike" baseline="0" dirty="0">
+                <a:latin typeface="FZSSJW--GB1-0"/>
+              </a:rPr>
+              <a:t>在任意一个事件导致活动标志变成 </a:t>
+            </a:r>
+            <a:r>
+              <a:rPr lang="en-US" altLang="zh-CN" sz="1800" b="0" i="0" u="none" strike="noStrike" baseline="0" dirty="0">
+                <a:latin typeface="TheSansMonoCondensed-"/>
+              </a:rPr>
+              <a:t>False </a:t>
+            </a:r>
+            <a:r>
+              <a:rPr lang="zh-CN" altLang="en-US" sz="1800" b="0" i="0" u="none" strike="noStrike" baseline="0" dirty="0">
+                <a:latin typeface="FZSSJW--GB1-0"/>
+              </a:rPr>
+              <a:t>时，主游戏循环将退出，此时可显示一条游戏结束的消息，并让用户选择是否要重玩。</a:t>
+            </a:r>
+            <a:endParaRPr lang="en-US" altLang="zh-CN" sz="1800" b="0" i="0" u="none" strike="noStrike" baseline="0" dirty="0">
+              <a:latin typeface="FZSSJW--GB1-0"/>
+            </a:endParaRPr>
           </a:p>
         </p:txBody>
       </p:sp>
@@ -6636,7 +6686,7 @@
     </p:spTree>
     <p:extLst>
       <p:ext uri="{BB962C8B-B14F-4D97-AF65-F5344CB8AC3E}">
-        <p14:creationId xmlns:p14="http://schemas.microsoft.com/office/powerpoint/2010/main" val="2625599093"/>
+        <p14:creationId xmlns:p14="http://schemas.microsoft.com/office/powerpoint/2010/main" val="2825730297"/>
       </p:ext>
     </p:extLst>
   </p:cSld>
@@ -6810,31 +6860,55 @@
               <a:rPr lang="zh-CN" altLang="en-US" sz="1800" b="0" i="0" u="none" strike="noStrike" baseline="0" dirty="0">
                 <a:latin typeface="FZKTJW--GB1-0"/>
               </a:rPr>
-              <a:t>与众多其他的编辑器一样，</a:t>
+              <a:t>在所有 </a:t>
             </a:r>
             <a:r>
               <a:rPr lang="en-US" altLang="zh-CN" sz="1800" b="0" i="0" u="none" strike="noStrike" baseline="0" dirty="0">
                 <a:latin typeface="TimesNewRoman"/>
               </a:rPr>
-              <a:t>VS Code </a:t>
+              <a:t>Python </a:t>
             </a:r>
             <a:r>
               <a:rPr lang="zh-CN" altLang="en-US" sz="1800" b="0" i="0" u="none" strike="noStrike" baseline="0" dirty="0">
                 <a:latin typeface="FZKTJW--GB1-0"/>
               </a:rPr>
-              <a:t>也在内嵌的终端窗口中显示输出。要结束无限循环，可在输出区域中单击鼠标，再按</a:t>
+              <a:t>循环中都可使用 </a:t>
             </a:r>
             <a:r>
               <a:rPr lang="en-US" altLang="zh-CN" sz="1800" b="0" i="0" u="none" strike="noStrike" baseline="0" dirty="0">
-                <a:latin typeface="TimesNewRoman"/>
-              </a:rPr>
-              <a:t>Ctrl + C</a:t>
+                <a:latin typeface="TheSansMonoCondensed-"/>
+              </a:rPr>
+              <a:t>break </a:t>
             </a:r>
             <a:r>
               <a:rPr lang="zh-CN" altLang="en-US" sz="1800" b="0" i="0" u="none" strike="noStrike" baseline="0" dirty="0">
                 <a:latin typeface="FZKTJW--GB1-0"/>
               </a:rPr>
-              <a:t>。</a:t>
+              <a:t>关键字。例如，可使用 </a:t>
+            </a:r>
+            <a:r>
+              <a:rPr lang="en-US" altLang="zh-CN" sz="1800" b="0" i="0" u="none" strike="noStrike" baseline="0" dirty="0">
+                <a:latin typeface="TheSansMonoCondensed-"/>
+              </a:rPr>
+              <a:t>break </a:t>
+            </a:r>
+            <a:r>
+              <a:rPr lang="zh-CN" altLang="en-US" sz="1800" b="0" i="0" u="none" strike="noStrike" baseline="0" dirty="0">
+                <a:latin typeface="FZKTJW--GB1-0"/>
+              </a:rPr>
+              <a:t>关键字来退出遍历列表或字典的 </a:t>
+            </a:r>
+            <a:r>
+              <a:rPr lang="en-US" altLang="zh-CN" sz="1800" b="0" i="0" u="none" strike="noStrike" baseline="0" dirty="0">
+                <a:latin typeface="TheSansMonoCondensed-"/>
+              </a:rPr>
+              <a:t>for </a:t>
+            </a:r>
+            <a:r>
+              <a:rPr lang="zh-CN" altLang="en-US" sz="1800" b="0" i="0" u="none" strike="noStrike" baseline="0" dirty="0">
+                <a:latin typeface="FZKTJW--GB1-0"/>
+              </a:rPr>
+              <a:t>循环。</a:t>
             </a:r>
             <a:endParaRPr lang="en-US" altLang="zh-CN" sz="1800" b="0" i="0" u="none" strike="noStrike" baseline="0" dirty="0">
               <a:latin typeface="FZKTJW--GB1-0"/>
@@ -6843,21 +6917,60 @@
           <a:p>
             <a:pPr algn="l"/>
             <a:r>
-              <a:rPr lang="zh-CN" altLang="en-US" dirty="0"/>
-              <a:t>注：原理是产生了一个 </a:t>
-            </a:r>
-            <a:r>
-              <a:rPr lang="en-US" altLang="zh-CN" dirty="0" err="1"/>
-              <a:t>KeyboardInterrupt</a:t>
-            </a:r>
-            <a:r>
-              <a:rPr lang="en-US" altLang="zh-CN" dirty="0"/>
-              <a:t> </a:t>
-            </a:r>
-            <a:r>
-              <a:rPr lang="zh-CN" altLang="en-US" dirty="0"/>
-              <a:t>异常</a:t>
-            </a:r>
+              <a:rPr lang="zh-CN" altLang="en-US" sz="1800" b="0" i="0" u="none" strike="noStrike" baseline="0" dirty="0">
+                <a:latin typeface="FZKTJW--GB1-0"/>
+              </a:rPr>
+              <a:t>（马上要介绍的 </a:t>
+            </a:r>
+            <a:r>
+              <a:rPr lang="en-US" altLang="zh-CN" sz="1800" b="0" i="0" u="none" strike="noStrike" baseline="0" dirty="0">
+                <a:latin typeface="FZKTJW--GB1-0"/>
+              </a:rPr>
+              <a:t>continue </a:t>
+            </a:r>
+            <a:r>
+              <a:rPr lang="zh-CN" altLang="en-US" sz="1800" b="0" i="0" u="none" strike="noStrike" baseline="0" dirty="0">
+                <a:latin typeface="FZKTJW--GB1-0"/>
+              </a:rPr>
+              <a:t>关键字也一样）</a:t>
+            </a:r>
+            <a:endParaRPr lang="en-US" altLang="zh-CN" sz="1800" b="0" i="0" u="none" strike="noStrike" baseline="0" dirty="0">
+              <a:latin typeface="FZKTJW--GB1-0"/>
+            </a:endParaRPr>
+          </a:p>
+          <a:p>
+            <a:pPr algn="l"/>
+            <a:r>
+              <a:rPr lang="zh-CN" altLang="en-US" sz="1800" b="0" i="0" u="none" strike="noStrike" baseline="0" dirty="0">
+                <a:latin typeface="FZSSJW--GB1-0"/>
+              </a:rPr>
+              <a:t>在这里，只要满足条件 </a:t>
+            </a:r>
+            <a:r>
+              <a:rPr lang="en-US" altLang="zh-CN" sz="1800" b="0" i="0" u="none" strike="noStrike" baseline="0" dirty="0">
+                <a:latin typeface="TheSansMonoCondensed-"/>
+              </a:rPr>
+              <a:t>current_number &gt; 5</a:t>
+            </a:r>
+            <a:r>
+              <a:rPr lang="zh-CN" altLang="en-US" sz="1800" b="0" i="0" u="none" strike="noStrike" baseline="0" dirty="0">
+                <a:latin typeface="FZSSJW--GB1-0"/>
+              </a:rPr>
+              <a:t>，</a:t>
+            </a:r>
+            <a:r>
+              <a:rPr lang="en-US" altLang="zh-CN" sz="1800" b="0" i="0" u="none" strike="noStrike" baseline="0" dirty="0">
+                <a:latin typeface="TimesNewRoman"/>
+              </a:rPr>
+              <a:t>Python </a:t>
+            </a:r>
+            <a:r>
+              <a:rPr lang="zh-CN" altLang="en-US" sz="1800" b="0" i="0" u="none" strike="noStrike" baseline="0" dirty="0">
+                <a:latin typeface="FZSSJW--GB1-0"/>
+              </a:rPr>
+              <a:t>就会结束这个循环。</a:t>
+            </a:r>
+            <a:endParaRPr lang="zh-CN" altLang="en-US" dirty="0"/>
           </a:p>
         </p:txBody>
       </p:sp>
@@ -6887,7 +7000,7 @@
     </p:spTree>
     <p:extLst>
       <p:ext uri="{BB962C8B-B14F-4D97-AF65-F5344CB8AC3E}">
-        <p14:creationId xmlns:p14="http://schemas.microsoft.com/office/powerpoint/2010/main" val="2593805983"/>
+        <p14:creationId xmlns:p14="http://schemas.microsoft.com/office/powerpoint/2010/main" val="2970651207"/>
       </p:ext>
     </p:extLst>
   </p:cSld>
@@ -6942,6 +7055,98 @@
           <a:lstStyle/>
           <a:p>
             <a:pPr algn="l"/>
+            <a:r>
+              <a:rPr lang="zh-CN" altLang="en-US" sz="1800" b="0" i="0" u="none" strike="noStrike" baseline="0" dirty="0">
+                <a:latin typeface="FZSSJW--GB1-0"/>
+              </a:rPr>
+              <a:t>要返回循环开头，并根据条件测试的结果决定是否继续执行循环，可使用</a:t>
+            </a:r>
+            <a:r>
+              <a:rPr lang="en-US" altLang="zh-CN" sz="1800" b="0" i="0" u="none" strike="noStrike" baseline="0" dirty="0">
+                <a:latin typeface="TheSansMonoCondensed-"/>
+              </a:rPr>
+              <a:t>continue </a:t>
+            </a:r>
+            <a:r>
+              <a:rPr lang="zh-CN" altLang="en-US" sz="1800" b="0" i="0" u="none" strike="noStrike" baseline="0" dirty="0">
+                <a:latin typeface="FZSSJW--GB1-0"/>
+              </a:rPr>
+              <a:t>语句，它不像</a:t>
+            </a:r>
+            <a:r>
+              <a:rPr lang="en-US" altLang="zh-CN" sz="1800" b="0" i="0" u="none" strike="noStrike" baseline="0" dirty="0">
+                <a:latin typeface="TheSansMonoCondensed-"/>
+              </a:rPr>
+              <a:t>break </a:t>
+            </a:r>
+            <a:r>
+              <a:rPr lang="zh-CN" altLang="en-US" sz="1800" b="0" i="0" u="none" strike="noStrike" baseline="0" dirty="0">
+                <a:latin typeface="FZSSJW--GB1-0"/>
+              </a:rPr>
+              <a:t>语句那样不再执行余下的代码并退出整个循环。</a:t>
+            </a:r>
+            <a:endParaRPr lang="en-US" altLang="zh-CN" sz="1800" b="0" i="0" u="none" strike="noStrike" baseline="0" dirty="0">
+              <a:latin typeface="FZSSJW--GB1-0"/>
+            </a:endParaRPr>
+          </a:p>
+          <a:p>
+            <a:pPr marL="0" marR="0" lvl="0" indent="0" algn="l" defTabSz="914400" rtl="0" eaLnBrk="1" fontAlgn="auto" latinLnBrk="0" hangingPunct="1">
+              <a:lnSpc>
+                <a:spcPct val="100000"/>
+              </a:lnSpc>
+              <a:spcBef>
+                <a:spcPts val="0"/>
+              </a:spcBef>
+              <a:spcAft>
+                <a:spcPts val="0"/>
+              </a:spcAft>
+              <a:buClrTx/>
+              <a:buSzTx/>
+              <a:buFontTx/>
+              <a:buNone/>
+              <a:tabLst/>
+              <a:defRPr/>
+            </a:pPr>
+            <a:r>
+              <a:rPr lang="zh-CN" altLang="en-US" sz="1800" b="0" i="0" u="none" strike="noStrike" baseline="0" dirty="0">
+                <a:latin typeface="FZSSJW--GB1-0"/>
+              </a:rPr>
+              <a:t>在这里，</a:t>
+            </a:r>
+            <a:r>
+              <a:rPr lang="zh-CN" altLang="en-US" sz="1200" b="0" i="0" u="none" strike="noStrike" baseline="0" dirty="0">
+                <a:latin typeface="FZSSJW--GB1-0"/>
+              </a:rPr>
+              <a:t>只要满足条件 </a:t>
+            </a:r>
+            <a:r>
+              <a:rPr lang="en-US" altLang="zh-CN" sz="1200" b="0" i="0" u="none" strike="noStrike" baseline="0" dirty="0">
+                <a:latin typeface="TheSansMonoCondensed-"/>
+              </a:rPr>
+              <a:t>current_number % 2 == 0</a:t>
+            </a:r>
+            <a:r>
+              <a:rPr lang="zh-CN" altLang="en-US" sz="1200" b="0" i="0" u="none" strike="noStrike" baseline="0" dirty="0">
+                <a:latin typeface="FZSSJW--GB1-0"/>
+              </a:rPr>
+              <a:t>，</a:t>
+            </a:r>
+            <a:r>
+              <a:rPr lang="en-US" altLang="zh-CN" sz="1200" b="0" i="0" u="none" strike="noStrike" baseline="0" dirty="0">
+                <a:latin typeface="TimesNewRoman"/>
+              </a:rPr>
+              <a:t>Python </a:t>
+            </a:r>
+            <a:r>
+              <a:rPr lang="zh-CN" altLang="en-US" sz="1200" b="0" i="0" u="none" strike="noStrike" baseline="0" dirty="0">
+                <a:latin typeface="FZSSJW--GB1-0"/>
+              </a:rPr>
+              <a:t>就会跳过当前循环，并返回到循环开头。</a:t>
+            </a:r>
+            <a:endParaRPr lang="zh-CN" altLang="en-US" dirty="0"/>
+          </a:p>
+          <a:p>
+            <a:pPr algn="l"/>
             <a:endParaRPr lang="zh-CN" altLang="en-US" dirty="0"/>
           </a:p>
         </p:txBody>
@@ -6972,7 +7177,7 @@
     </p:spTree>
     <p:extLst>
       <p:ext uri="{BB962C8B-B14F-4D97-AF65-F5344CB8AC3E}">
-        <p14:creationId xmlns:p14="http://schemas.microsoft.com/office/powerpoint/2010/main" val="3874627452"/>
+        <p14:creationId xmlns:p14="http://schemas.microsoft.com/office/powerpoint/2010/main" val="647778693"/>
       </p:ext>
     </p:extLst>
   </p:cSld>
@@ -7026,128 +7231,7 @@
           <a:bodyPr/>
           <a:lstStyle/>
           <a:p>
-            <a:pPr algn="l"/>
-            <a:r>
-              <a:rPr lang="en-US" altLang="zh-CN" sz="1800" b="0" i="0" u="none" strike="noStrike" baseline="0" dirty="0">
-                <a:latin typeface="TheSansMonoCondensed-"/>
-              </a:rPr>
-              <a:t>while </a:t>
-            </a:r>
-            <a:r>
-              <a:rPr lang="zh-CN" altLang="en-US" sz="1800" b="0" i="0" u="none" strike="noStrike" baseline="0" dirty="0">
-                <a:latin typeface="FZSSJW--GB1-0"/>
-              </a:rPr>
-              <a:t>循环将不断地运行，直到列表 </a:t>
-            </a:r>
-            <a:r>
-              <a:rPr lang="en-US" altLang="zh-CN" sz="1800" b="0" i="0" u="none" strike="noStrike" baseline="0" dirty="0" err="1">
-                <a:latin typeface="TheSansMonoCondensed-"/>
-              </a:rPr>
-              <a:t>unconfirmed_users</a:t>
-            </a:r>
-            <a:r>
-              <a:rPr lang="en-US" altLang="zh-CN" sz="1800" b="0" i="0" u="none" strike="noStrike" baseline="0" dirty="0">
-                <a:latin typeface="TheSansMonoCondensed-"/>
-              </a:rPr>
-              <a:t> </a:t>
-            </a:r>
-            <a:r>
-              <a:rPr lang="zh-CN" altLang="en-US" sz="1800" b="0" i="0" u="none" strike="noStrike" baseline="0" dirty="0">
-                <a:latin typeface="FZSSJW--GB1-0"/>
-              </a:rPr>
-              <a:t>变成空的。在这个循环中，箭头处 </a:t>
-            </a:r>
-            <a:r>
-              <a:rPr lang="en-US" altLang="zh-CN" sz="1800" b="0" i="0" u="none" strike="noStrike" baseline="0" dirty="0">
-                <a:latin typeface="TheSansMonoCondensed-"/>
-              </a:rPr>
-              <a:t>pop() </a:t>
-            </a:r>
-            <a:r>
-              <a:rPr lang="zh-CN" altLang="en-US" sz="1800" b="0" i="0" u="none" strike="noStrike" baseline="0" dirty="0">
-                <a:latin typeface="FZSSJW--GB1-0"/>
-              </a:rPr>
-              <a:t>方法每次从列表 </a:t>
-            </a:r>
-            <a:r>
-              <a:rPr lang="en-US" altLang="zh-CN" sz="1800" b="0" i="0" u="none" strike="noStrike" baseline="0" dirty="0" err="1">
-                <a:latin typeface="TheSansMonoCondensed-"/>
-              </a:rPr>
-              <a:t>unconfirmed_users</a:t>
-            </a:r>
-            <a:r>
-              <a:rPr lang="en-US" altLang="zh-CN" sz="1800" b="0" i="0" u="none" strike="noStrike" baseline="0" dirty="0">
-                <a:latin typeface="TheSansMonoCondensed-"/>
-              </a:rPr>
-              <a:t> </a:t>
-            </a:r>
-            <a:r>
-              <a:rPr lang="zh-CN" altLang="en-US" sz="1800" b="0" i="0" u="none" strike="noStrike" baseline="0" dirty="0">
-                <a:latin typeface="FZSSJW--GB1-0"/>
-              </a:rPr>
-              <a:t>末尾删除一个未验证的用户，并使用 </a:t>
-            </a:r>
-            <a:r>
-              <a:rPr lang="en-US" altLang="zh-CN" sz="1800" b="0" i="0" u="none" strike="noStrike" baseline="0" dirty="0">
-                <a:latin typeface="FZSSJW--GB1-0"/>
-              </a:rPr>
-              <a:t>append() </a:t>
-            </a:r>
-            <a:r>
-              <a:rPr lang="zh-CN" altLang="en-US" sz="1800" b="0" i="0" u="none" strike="noStrike" baseline="0" dirty="0">
-                <a:latin typeface="FZSSJW--GB1-0"/>
-              </a:rPr>
-              <a:t>方法将其加入列表 </a:t>
-            </a:r>
-            <a:r>
-              <a:rPr lang="en-US" altLang="zh-CN" sz="1800" b="0" i="0" u="none" strike="noStrike" baseline="0" dirty="0" err="1">
-                <a:latin typeface="TheSansMonoCondensed-"/>
-              </a:rPr>
-              <a:t>confirmed_users</a:t>
-            </a:r>
-            <a:r>
-              <a:rPr lang="zh-CN" altLang="en-US" sz="1800" b="0" i="0" u="none" strike="noStrike" baseline="0" dirty="0">
-                <a:latin typeface="FZSSJW--GB1-0"/>
-              </a:rPr>
-              <a:t>。先是 </a:t>
-            </a:r>
-            <a:r>
-              <a:rPr lang="en-US" altLang="zh-CN" sz="1800" b="0" i="0" u="none" strike="noStrike" baseline="0" dirty="0">
-                <a:latin typeface="FZSSJW--GB1-0"/>
-              </a:rPr>
-              <a:t>candace</a:t>
-            </a:r>
-            <a:r>
-              <a:rPr lang="zh-CN" altLang="en-US" sz="1800" b="0" i="0" u="none" strike="noStrike" baseline="0" dirty="0">
-                <a:latin typeface="FZSSJW--GB1-0"/>
-              </a:rPr>
-              <a:t>，接下来是 </a:t>
-            </a:r>
-            <a:r>
-              <a:rPr lang="en-US" altLang="zh-CN" sz="1800" b="0" i="0" u="none" strike="noStrike" baseline="0" dirty="0" err="1">
-                <a:latin typeface="TimesNewRoman"/>
-              </a:rPr>
-              <a:t>brian</a:t>
-            </a:r>
-            <a:r>
-              <a:rPr lang="zh-CN" altLang="en-US" sz="1800" b="0" i="0" u="none" strike="noStrike" baseline="0" dirty="0">
-                <a:latin typeface="FZSSJW--GB1-0"/>
-              </a:rPr>
-              <a:t>，然后是 </a:t>
-            </a:r>
-            <a:r>
-              <a:rPr lang="en-US" altLang="zh-CN" sz="1800" b="0" i="0" u="none" strike="noStrike" baseline="0" dirty="0" err="1">
-                <a:latin typeface="TimesNewRoman"/>
-              </a:rPr>
-              <a:t>alice</a:t>
-            </a:r>
-            <a:r>
-              <a:rPr lang="zh-CN" altLang="en-US" sz="1800" b="0" i="0" u="none" strike="noStrike" baseline="0" dirty="0">
-                <a:latin typeface="FZSSJW--GB1-0"/>
-              </a:rPr>
-              <a:t>。</a:t>
-            </a:r>
-            <a:endParaRPr lang="zh-CN" altLang="en-US" sz="1800" dirty="0"/>
+            <a:endParaRPr lang="zh-CN" altLang="en-US" dirty="0"/>
           </a:p>
         </p:txBody>
       </p:sp>
@@ -7177,7 +7261,7 @@
     </p:spTree>
     <p:extLst>
       <p:ext uri="{BB962C8B-B14F-4D97-AF65-F5344CB8AC3E}">
-        <p14:creationId xmlns:p14="http://schemas.microsoft.com/office/powerpoint/2010/main" val="2778590189"/>
+        <p14:creationId xmlns:p14="http://schemas.microsoft.com/office/powerpoint/2010/main" val="2625599093"/>
       </p:ext>
     </p:extLst>
   </p:cSld>
@@ -7231,7 +7315,59 @@
           <a:bodyPr/>
           <a:lstStyle/>
           <a:p>
-            <a:endParaRPr lang="zh-CN" altLang="en-US" dirty="0"/>
+            <a:pPr algn="l"/>
+            <a:r>
+              <a:rPr lang="zh-CN" altLang="en-US" sz="1800" b="0" i="0" u="none" strike="noStrike" baseline="0" dirty="0">
+                <a:latin typeface="FZKTJW--GB1-0"/>
+              </a:rPr>
+              <a:t>与众多其他的编辑器一样，</a:t>
+            </a:r>
+            <a:r>
+              <a:rPr lang="en-US" altLang="zh-CN" sz="1800" b="0" i="0" u="none" strike="noStrike" baseline="0" dirty="0">
+                <a:latin typeface="TimesNewRoman"/>
+              </a:rPr>
+              <a:t>VS Code </a:t>
+            </a:r>
+            <a:r>
+              <a:rPr lang="zh-CN" altLang="en-US" sz="1800" b="0" i="0" u="none" strike="noStrike" baseline="0" dirty="0">
+                <a:latin typeface="FZKTJW--GB1-0"/>
+              </a:rPr>
+              <a:t>也在内嵌的终端窗口中显示输出。要结束无限循环，可在输出区域中单击鼠标，再按</a:t>
+            </a:r>
+            <a:r>
+              <a:rPr lang="en-US" altLang="zh-CN" sz="1800" b="0" i="0" u="none" strike="noStrike" baseline="0" dirty="0">
+                <a:latin typeface="TimesNewRoman"/>
+              </a:rPr>
+              <a:t>Ctrl + C</a:t>
+            </a:r>
+            <a:r>
+              <a:rPr lang="zh-CN" altLang="en-US" sz="1800" b="0" i="0" u="none" strike="noStrike" baseline="0" dirty="0">
+                <a:latin typeface="FZKTJW--GB1-0"/>
+              </a:rPr>
+              <a:t>。</a:t>
+            </a:r>
+            <a:endParaRPr lang="en-US" altLang="zh-CN" sz="1800" b="0" i="0" u="none" strike="noStrike" baseline="0" dirty="0">
+              <a:latin typeface="FZKTJW--GB1-0"/>
+            </a:endParaRPr>
+          </a:p>
+          <a:p>
+            <a:pPr algn="l"/>
+            <a:r>
+              <a:rPr lang="zh-CN" altLang="en-US" dirty="0"/>
+              <a:t>注：原理是产生了一个 </a:t>
+            </a:r>
+            <a:r>
+              <a:rPr lang="en-US" altLang="zh-CN" dirty="0" err="1"/>
+              <a:t>KeyboardInterrupt</a:t>
+            </a:r>
+            <a:r>
+              <a:rPr lang="en-US" altLang="zh-CN" dirty="0"/>
+              <a:t> </a:t>
+            </a:r>
+            <a:r>
+              <a:rPr lang="zh-CN" altLang="en-US" dirty="0"/>
+              <a:t>异常</a:t>
+            </a:r>
           </a:p>
         </p:txBody>
       </p:sp>
@@ -7261,7 +7397,7 @@
     </p:spTree>
     <p:extLst>
       <p:ext uri="{BB962C8B-B14F-4D97-AF65-F5344CB8AC3E}">
-        <p14:creationId xmlns:p14="http://schemas.microsoft.com/office/powerpoint/2010/main" val="2665643478"/>
+        <p14:creationId xmlns:p14="http://schemas.microsoft.com/office/powerpoint/2010/main" val="2593805983"/>
       </p:ext>
     </p:extLst>
   </p:cSld>
@@ -7316,48 +7452,6 @@
           <a:lstStyle/>
           <a:p>
             <a:pPr algn="l"/>
-            <a:r>
-              <a:rPr lang="zh-CN" altLang="en-US" sz="1800" b="0" i="0" u="none" strike="noStrike" baseline="0" dirty="0">
-                <a:latin typeface="FZSSJW--GB1-0"/>
-              </a:rPr>
-              <a:t>在这样一个宠物列表中，包含多个值为 </a:t>
-            </a:r>
-            <a:r>
-              <a:rPr lang="en-US" altLang="zh-CN" sz="1800" b="0" i="0" u="none" strike="noStrike" baseline="0" dirty="0">
-                <a:latin typeface="TheSansMonoCondensed-"/>
-              </a:rPr>
-              <a:t>‘cat’ </a:t>
-            </a:r>
-            <a:r>
-              <a:rPr lang="zh-CN" altLang="en-US" sz="1800" b="0" i="0" u="none" strike="noStrike" baseline="0" dirty="0">
-                <a:latin typeface="FZSSJW--GB1-0"/>
-              </a:rPr>
-              <a:t>的元素。要删除所有这些元素，可不断运行一个 </a:t>
-            </a:r>
-            <a:r>
-              <a:rPr lang="en-US" altLang="zh-CN" sz="1800" b="0" i="0" u="none" strike="noStrike" baseline="0" dirty="0">
-                <a:latin typeface="TheSansMonoCondensed-"/>
-              </a:rPr>
-              <a:t>while </a:t>
-            </a:r>
-            <a:r>
-              <a:rPr lang="zh-CN" altLang="en-US" sz="1800" b="0" i="0" u="none" strike="noStrike" baseline="0" dirty="0">
-                <a:latin typeface="FZSSJW--GB1-0"/>
-              </a:rPr>
-              <a:t>循环，直到列表中不再包含值 </a:t>
-            </a:r>
-            <a:r>
-              <a:rPr lang="en-US" altLang="zh-CN" sz="1800" b="0" i="0" u="none" strike="noStrike" baseline="0" dirty="0">
-                <a:latin typeface="TheSansMonoCondensed-"/>
-              </a:rPr>
-              <a:t>'cat‘</a:t>
-            </a:r>
-            <a:r>
-              <a:rPr lang="zh-CN" altLang="en-US" sz="1800" b="0" i="0" u="none" strike="noStrike" baseline="0" dirty="0">
-                <a:latin typeface="FZSSJW--GB1-0"/>
-              </a:rPr>
-              <a:t>。</a:t>
-            </a:r>
             <a:endParaRPr lang="zh-CN" altLang="en-US" dirty="0"/>
           </a:p>
         </p:txBody>
@@ -7388,7 +7482,7 @@
     </p:spTree>
     <p:extLst>
       <p:ext uri="{BB962C8B-B14F-4D97-AF65-F5344CB8AC3E}">
-        <p14:creationId xmlns:p14="http://schemas.microsoft.com/office/powerpoint/2010/main" val="2320613642"/>
+        <p14:creationId xmlns:p14="http://schemas.microsoft.com/office/powerpoint/2010/main" val="3874627452"/>
       </p:ext>
     </p:extLst>
   </p:cSld>
@@ -7444,42 +7538,126 @@
           <a:p>
             <a:pPr algn="l"/>
             <a:r>
+              <a:rPr lang="en-US" altLang="zh-CN" sz="1800" b="0" i="0" u="none" strike="noStrike" baseline="0" dirty="0">
+                <a:latin typeface="TheSansMonoCondensed-"/>
+              </a:rPr>
+              <a:t>while </a:t>
+            </a:r>
+            <a:r>
               <a:rPr lang="zh-CN" altLang="en-US" sz="1800" b="0" i="0" u="none" strike="noStrike" baseline="0" dirty="0">
                 <a:latin typeface="FZSSJW--GB1-0"/>
               </a:rPr>
-              <a:t>这里创建了一个调查程序，其中的循环在每次执行时都提示用户输入被调查者的名字和回答。</a:t>
-            </a:r>
-            <a:endParaRPr lang="en-US" altLang="zh-CN" sz="1800" b="0" i="0" u="none" strike="noStrike" baseline="0" dirty="0">
-              <a:latin typeface="FZSSJW--GB1-0"/>
-            </a:endParaRPr>
-          </a:p>
-          <a:p>
-            <a:pPr algn="l"/>
-            <a:r>
-              <a:rPr lang="zh-CN" altLang="en-US" sz="1800" b="0" i="0" u="none" strike="noStrike" baseline="0">
-                <a:latin typeface="FZSSJW--GB1-0"/>
-              </a:rPr>
-              <a:t>我们</a:t>
+              <a:t>循环将不断地运行，直到列表 </a:t>
+            </a:r>
+            <a:r>
+              <a:rPr lang="en-US" altLang="zh-CN" sz="1800" b="0" i="0" u="none" strike="noStrike" baseline="0" dirty="0" err="1">
+                <a:latin typeface="TheSansMonoCondensed-"/>
+              </a:rPr>
+              <a:t>unconfirmed_users</a:t>
+            </a:r>
+            <a:r>
+              <a:rPr lang="en-US" altLang="zh-CN" sz="1800" b="0" i="0" u="none" strike="noStrike" baseline="0" dirty="0">
+                <a:latin typeface="TheSansMonoCondensed-"/>
+              </a:rPr>
+              <a:t> </a:t>
             </a:r>
             <a:r>
               <a:rPr lang="zh-CN" altLang="en-US" sz="1800" b="0" i="0" u="none" strike="noStrike" baseline="0" dirty="0">
                 <a:latin typeface="FZSSJW--GB1-0"/>
               </a:rPr>
-              <a:t>将收集到的数据存储在一个字典</a:t>
-            </a:r>
-            <a:r>
-              <a:rPr lang="zh-CN" altLang="en-US" sz="1800" b="0" i="0" u="none" strike="noStrike" baseline="0">
-                <a:latin typeface="FZSSJW--GB1-0"/>
-              </a:rPr>
-              <a:t>中，就能将</a:t>
+              <a:t>变成空的。在这个循环中，箭头处 </a:t>
+            </a:r>
+            <a:r>
+              <a:rPr lang="en-US" altLang="zh-CN" sz="1800" b="0" i="0" u="none" strike="noStrike" baseline="0" dirty="0">
+                <a:latin typeface="TheSansMonoCondensed-"/>
+              </a:rPr>
+              <a:t>pop() </a:t>
             </a:r>
             <a:r>
               <a:rPr lang="zh-CN" altLang="en-US" sz="1800" b="0" i="0" u="none" strike="noStrike" baseline="0" dirty="0">
                 <a:latin typeface="FZSSJW--GB1-0"/>
               </a:rPr>
-              <a:t>回答与被调查者关联起来。</a:t>
-            </a:r>
-            <a:endParaRPr lang="zh-CN" altLang="en-US" dirty="0"/>
+              <a:t>方法每次从列表 </a:t>
+            </a:r>
+            <a:r>
+              <a:rPr lang="en-US" altLang="zh-CN" sz="1800" b="0" i="0" u="none" strike="noStrike" baseline="0" dirty="0" err="1">
+                <a:latin typeface="TheSansMonoCondensed-"/>
+              </a:rPr>
+              <a:t>unconfirmed_users</a:t>
+            </a:r>
+            <a:r>
+              <a:rPr lang="en-US" altLang="zh-CN" sz="1800" b="0" i="0" u="none" strike="noStrike" baseline="0" dirty="0">
+                <a:latin typeface="TheSansMonoCondensed-"/>
+              </a:rPr>
+              <a:t> </a:t>
+            </a:r>
+            <a:r>
+              <a:rPr lang="zh-CN" altLang="en-US" sz="1800" b="0" i="0" u="none" strike="noStrike" baseline="0" dirty="0">
+                <a:latin typeface="FZSSJW--GB1-0"/>
+              </a:rPr>
+              <a:t>末尾删除一个未验证的用户，并使用 </a:t>
+            </a:r>
+            <a:r>
+              <a:rPr lang="en-US" altLang="zh-CN" sz="1800" b="0" i="0" u="none" strike="noStrike" baseline="0" dirty="0">
+                <a:latin typeface="FZSSJW--GB1-0"/>
+              </a:rPr>
+              <a:t>append() </a:t>
+            </a:r>
+            <a:r>
+              <a:rPr lang="zh-CN" altLang="en-US" sz="1800" b="0" i="0" u="none" strike="noStrike" baseline="0" dirty="0">
+                <a:latin typeface="FZSSJW--GB1-0"/>
+              </a:rPr>
+              <a:t>方法将其加入列表 </a:t>
+            </a:r>
+            <a:r>
+              <a:rPr lang="en-US" altLang="zh-CN" sz="1800" b="0" i="0" u="none" strike="noStrike" baseline="0" dirty="0" err="1">
+                <a:latin typeface="TheSansMonoCondensed-"/>
+              </a:rPr>
+              <a:t>confirmed_users</a:t>
+            </a:r>
+            <a:r>
+              <a:rPr lang="zh-CN" altLang="en-US" sz="1800" b="0" i="0" u="none" strike="noStrike" baseline="0" dirty="0">
+                <a:latin typeface="FZSSJW--GB1-0"/>
+              </a:rPr>
+              <a:t>。先是 </a:t>
+            </a:r>
+            <a:r>
+              <a:rPr lang="en-US" altLang="zh-CN" sz="1800" b="0" i="0" u="none" strike="noStrike" baseline="0" dirty="0">
+                <a:latin typeface="FZSSJW--GB1-0"/>
+              </a:rPr>
+              <a:t>candace</a:t>
+            </a:r>
+            <a:r>
+              <a:rPr lang="zh-CN" altLang="en-US" sz="1800" b="0" i="0" u="none" strike="noStrike" baseline="0" dirty="0">
+                <a:latin typeface="FZSSJW--GB1-0"/>
+              </a:rPr>
+              <a:t>，接下来是 </a:t>
+            </a:r>
+            <a:r>
+              <a:rPr lang="en-US" altLang="zh-CN" sz="1800" b="0" i="0" u="none" strike="noStrike" baseline="0" dirty="0" err="1">
+                <a:latin typeface="TimesNewRoman"/>
+              </a:rPr>
+              <a:t>brian</a:t>
+            </a:r>
+            <a:r>
+              <a:rPr lang="zh-CN" altLang="en-US" sz="1800" b="0" i="0" u="none" strike="noStrike" baseline="0" dirty="0">
+                <a:latin typeface="FZSSJW--GB1-0"/>
+              </a:rPr>
+              <a:t>，然后是 </a:t>
+            </a:r>
+            <a:r>
+              <a:rPr lang="en-US" altLang="zh-CN" sz="1800" b="0" i="0" u="none" strike="noStrike" baseline="0" dirty="0" err="1">
+                <a:latin typeface="TimesNewRoman"/>
+              </a:rPr>
+              <a:t>alice</a:t>
+            </a:r>
+            <a:r>
+              <a:rPr lang="zh-CN" altLang="en-US" sz="1800" b="0" i="0" u="none" strike="noStrike" baseline="0" dirty="0">
+                <a:latin typeface="FZSSJW--GB1-0"/>
+              </a:rPr>
+              <a:t>。</a:t>
+            </a:r>
+            <a:endParaRPr lang="zh-CN" altLang="en-US" sz="1800" dirty="0"/>
           </a:p>
         </p:txBody>
       </p:sp>
@@ -7509,7 +7687,7 @@
     </p:spTree>
     <p:extLst>
       <p:ext uri="{BB962C8B-B14F-4D97-AF65-F5344CB8AC3E}">
-        <p14:creationId xmlns:p14="http://schemas.microsoft.com/office/powerpoint/2010/main" val="3092699582"/>
+        <p14:creationId xmlns:p14="http://schemas.microsoft.com/office/powerpoint/2010/main" val="2778590189"/>
       </p:ext>
     </p:extLst>
   </p:cSld>
@@ -7563,19 +7741,7 @@
           <a:bodyPr/>
           <a:lstStyle/>
           <a:p>
-            <a:r>
-              <a:rPr lang="zh-CN" altLang="en-US" dirty="0"/>
-              <a:t>赋值表达式（</a:t>
-            </a:r>
-            <a:r>
-              <a:rPr lang="en-US" altLang="zh-CN"/>
-              <a:t>Python 3.8</a:t>
-            </a:r>
-            <a:r>
-              <a:rPr lang="zh-CN" altLang="en-US"/>
-              <a:t>）</a:t>
-            </a:r>
-            <a:endParaRPr lang="en-US" altLang="zh-CN" dirty="0"/>
+            <a:endParaRPr lang="zh-CN" altLang="en-US" dirty="0"/>
           </a:p>
         </p:txBody>
       </p:sp>
@@ -7596,7 +7762,351 @@
           <a:p>
             <a:fld id="{9901CBA2-7C9E-4AD6-B258-A0DB055BB3AF}" type="slidenum">
               <a:rPr lang="zh-CN" altLang="en-US" smtClean="0"/>
+              <a:t>28</a:t>
+            </a:fld>
+            <a:endParaRPr lang="zh-CN" altLang="en-US"/>
+          </a:p>
+        </p:txBody>
+      </p:sp>
+    </p:spTree>
+    <p:extLst>
+      <p:ext uri="{BB962C8B-B14F-4D97-AF65-F5344CB8AC3E}">
+        <p14:creationId xmlns:p14="http://schemas.microsoft.com/office/powerpoint/2010/main" val="2665643478"/>
+      </p:ext>
+    </p:extLst>
+  </p:cSld>
+  <p:clrMapOvr>
+    <a:masterClrMapping/>
+  </p:clrMapOvr>
+</p:notes>
+</file>
+
+<file path=ppt/notesSlides/notesSlide27.xml><?xml version="1.0" encoding="utf-8"?>
+<p:notes xmlns:a="http://schemas.openxmlformats.org/drawingml/2006/main" xmlns:r="http://schemas.openxmlformats.org/officeDocument/2006/relationships" xmlns:p="http://schemas.openxmlformats.org/presentationml/2006/main">
+  <p:cSld>
+    <p:spTree>
+      <p:nvGrpSpPr>
+        <p:cNvPr id="1" name=""/>
+        <p:cNvGrpSpPr/>
+        <p:nvPr/>
+      </p:nvGrpSpPr>
+      <p:grpSpPr>
+        <a:xfrm>
+          <a:off x="0" y="0"/>
+          <a:ext cx="0" cy="0"/>
+          <a:chOff x="0" y="0"/>
+          <a:chExt cx="0" cy="0"/>
+        </a:xfrm>
+      </p:grpSpPr>
+      <p:sp>
+        <p:nvSpPr>
+          <p:cNvPr id="2" name="幻灯片图像占位符 1"/>
+          <p:cNvSpPr>
+            <a:spLocks noGrp="1" noRot="1" noChangeAspect="1"/>
+          </p:cNvSpPr>
+          <p:nvPr>
+            <p:ph type="sldImg"/>
+          </p:nvPr>
+        </p:nvSpPr>
+        <p:spPr/>
+      </p:sp>
+      <p:sp>
+        <p:nvSpPr>
+          <p:cNvPr id="3" name="备注占位符 2"/>
+          <p:cNvSpPr>
+            <a:spLocks noGrp="1"/>
+          </p:cNvSpPr>
+          <p:nvPr>
+            <p:ph type="body" idx="1"/>
+          </p:nvPr>
+        </p:nvSpPr>
+        <p:spPr/>
+        <p:txBody>
+          <a:bodyPr/>
+          <a:lstStyle/>
+          <a:p>
+            <a:pPr algn="l"/>
+            <a:r>
+              <a:rPr lang="zh-CN" altLang="en-US" sz="1800" b="0" i="0" u="none" strike="noStrike" baseline="0" dirty="0">
+                <a:latin typeface="FZSSJW--GB1-0"/>
+              </a:rPr>
+              <a:t>在这样一个宠物列表中，包含多个值为 </a:t>
+            </a:r>
+            <a:r>
+              <a:rPr lang="en-US" altLang="zh-CN" sz="1800" b="0" i="0" u="none" strike="noStrike" baseline="0" dirty="0">
+                <a:latin typeface="TheSansMonoCondensed-"/>
+              </a:rPr>
+              <a:t>‘cat’ </a:t>
+            </a:r>
+            <a:r>
+              <a:rPr lang="zh-CN" altLang="en-US" sz="1800" b="0" i="0" u="none" strike="noStrike" baseline="0" dirty="0">
+                <a:latin typeface="FZSSJW--GB1-0"/>
+              </a:rPr>
+              <a:t>的元素。要删除所有这些元素，可不断运行一个 </a:t>
+            </a:r>
+            <a:r>
+              <a:rPr lang="en-US" altLang="zh-CN" sz="1800" b="0" i="0" u="none" strike="noStrike" baseline="0" dirty="0">
+                <a:latin typeface="TheSansMonoCondensed-"/>
+              </a:rPr>
+              <a:t>while </a:t>
+            </a:r>
+            <a:r>
+              <a:rPr lang="zh-CN" altLang="en-US" sz="1800" b="0" i="0" u="none" strike="noStrike" baseline="0" dirty="0">
+                <a:latin typeface="FZSSJW--GB1-0"/>
+              </a:rPr>
+              <a:t>循环，直到列表中不再包含值 </a:t>
+            </a:r>
+            <a:r>
+              <a:rPr lang="en-US" altLang="zh-CN" sz="1800" b="0" i="0" u="none" strike="noStrike" baseline="0" dirty="0">
+                <a:latin typeface="TheSansMonoCondensed-"/>
+              </a:rPr>
+              <a:t>'cat‘</a:t>
+            </a:r>
+            <a:r>
+              <a:rPr lang="zh-CN" altLang="en-US" sz="1800" b="0" i="0" u="none" strike="noStrike" baseline="0" dirty="0">
+                <a:latin typeface="FZSSJW--GB1-0"/>
+              </a:rPr>
+              <a:t>。</a:t>
+            </a:r>
+            <a:endParaRPr lang="zh-CN" altLang="en-US" dirty="0"/>
+          </a:p>
+        </p:txBody>
+      </p:sp>
+      <p:sp>
+        <p:nvSpPr>
+          <p:cNvPr id="4" name="灯片编号占位符 3"/>
+          <p:cNvSpPr>
+            <a:spLocks noGrp="1"/>
+          </p:cNvSpPr>
+          <p:nvPr>
+            <p:ph type="sldNum" sz="quarter" idx="5"/>
+          </p:nvPr>
+        </p:nvSpPr>
+        <p:spPr/>
+        <p:txBody>
+          <a:bodyPr/>
+          <a:lstStyle/>
+          <a:p>
+            <a:fld id="{9901CBA2-7C9E-4AD6-B258-A0DB055BB3AF}" type="slidenum">
+              <a:rPr lang="zh-CN" altLang="en-US" smtClean="0"/>
               <a:t>29</a:t>
+            </a:fld>
+            <a:endParaRPr lang="zh-CN" altLang="en-US"/>
+          </a:p>
+        </p:txBody>
+      </p:sp>
+    </p:spTree>
+    <p:extLst>
+      <p:ext uri="{BB962C8B-B14F-4D97-AF65-F5344CB8AC3E}">
+        <p14:creationId xmlns:p14="http://schemas.microsoft.com/office/powerpoint/2010/main" val="2320613642"/>
+      </p:ext>
+    </p:extLst>
+  </p:cSld>
+  <p:clrMapOvr>
+    <a:masterClrMapping/>
+  </p:clrMapOvr>
+</p:notes>
+</file>
+
+<file path=ppt/notesSlides/notesSlide28.xml><?xml version="1.0" encoding="utf-8"?>
+<p:notes xmlns:a="http://schemas.openxmlformats.org/drawingml/2006/main" xmlns:r="http://schemas.openxmlformats.org/officeDocument/2006/relationships" xmlns:p="http://schemas.openxmlformats.org/presentationml/2006/main">
+  <p:cSld>
+    <p:spTree>
+      <p:nvGrpSpPr>
+        <p:cNvPr id="1" name=""/>
+        <p:cNvGrpSpPr/>
+        <p:nvPr/>
+      </p:nvGrpSpPr>
+      <p:grpSpPr>
+        <a:xfrm>
+          <a:off x="0" y="0"/>
+          <a:ext cx="0" cy="0"/>
+          <a:chOff x="0" y="0"/>
+          <a:chExt cx="0" cy="0"/>
+        </a:xfrm>
+      </p:grpSpPr>
+      <p:sp>
+        <p:nvSpPr>
+          <p:cNvPr id="2" name="幻灯片图像占位符 1"/>
+          <p:cNvSpPr>
+            <a:spLocks noGrp="1" noRot="1" noChangeAspect="1"/>
+          </p:cNvSpPr>
+          <p:nvPr>
+            <p:ph type="sldImg"/>
+          </p:nvPr>
+        </p:nvSpPr>
+        <p:spPr/>
+      </p:sp>
+      <p:sp>
+        <p:nvSpPr>
+          <p:cNvPr id="3" name="备注占位符 2"/>
+          <p:cNvSpPr>
+            <a:spLocks noGrp="1"/>
+          </p:cNvSpPr>
+          <p:nvPr>
+            <p:ph type="body" idx="1"/>
+          </p:nvPr>
+        </p:nvSpPr>
+        <p:spPr/>
+        <p:txBody>
+          <a:bodyPr/>
+          <a:lstStyle/>
+          <a:p>
+            <a:pPr algn="l"/>
+            <a:r>
+              <a:rPr lang="zh-CN" altLang="en-US" sz="1800" b="0" i="0" u="none" strike="noStrike" baseline="0" dirty="0">
+                <a:latin typeface="FZSSJW--GB1-0"/>
+              </a:rPr>
+              <a:t>这里创建了一个调查程序，其中的循环在每次执行时都提示用户输入被调查者的名字和回答。</a:t>
+            </a:r>
+            <a:endParaRPr lang="en-US" altLang="zh-CN" sz="1800" b="0" i="0" u="none" strike="noStrike" baseline="0" dirty="0">
+              <a:latin typeface="FZSSJW--GB1-0"/>
+            </a:endParaRPr>
+          </a:p>
+          <a:p>
+            <a:pPr algn="l"/>
+            <a:r>
+              <a:rPr lang="zh-CN" altLang="en-US" sz="1800" b="0" i="0" u="none" strike="noStrike" baseline="0">
+                <a:latin typeface="FZSSJW--GB1-0"/>
+              </a:rPr>
+              <a:t>我们</a:t>
+            </a:r>
+            <a:r>
+              <a:rPr lang="zh-CN" altLang="en-US" sz="1800" b="0" i="0" u="none" strike="noStrike" baseline="0" dirty="0">
+                <a:latin typeface="FZSSJW--GB1-0"/>
+              </a:rPr>
+              <a:t>将收集到的数据存储在一个字典</a:t>
+            </a:r>
+            <a:r>
+              <a:rPr lang="zh-CN" altLang="en-US" sz="1800" b="0" i="0" u="none" strike="noStrike" baseline="0">
+                <a:latin typeface="FZSSJW--GB1-0"/>
+              </a:rPr>
+              <a:t>中，就能将</a:t>
+            </a:r>
+            <a:r>
+              <a:rPr lang="zh-CN" altLang="en-US" sz="1800" b="0" i="0" u="none" strike="noStrike" baseline="0" dirty="0">
+                <a:latin typeface="FZSSJW--GB1-0"/>
+              </a:rPr>
+              <a:t>回答与被调查者关联起来。</a:t>
+            </a:r>
+            <a:endParaRPr lang="zh-CN" altLang="en-US" dirty="0"/>
+          </a:p>
+        </p:txBody>
+      </p:sp>
+      <p:sp>
+        <p:nvSpPr>
+          <p:cNvPr id="4" name="灯片编号占位符 3"/>
+          <p:cNvSpPr>
+            <a:spLocks noGrp="1"/>
+          </p:cNvSpPr>
+          <p:nvPr>
+            <p:ph type="sldNum" sz="quarter" idx="5"/>
+          </p:nvPr>
+        </p:nvSpPr>
+        <p:spPr/>
+        <p:txBody>
+          <a:bodyPr/>
+          <a:lstStyle/>
+          <a:p>
+            <a:fld id="{9901CBA2-7C9E-4AD6-B258-A0DB055BB3AF}" type="slidenum">
+              <a:rPr lang="zh-CN" altLang="en-US" smtClean="0"/>
+              <a:t>30</a:t>
+            </a:fld>
+            <a:endParaRPr lang="zh-CN" altLang="en-US"/>
+          </a:p>
+        </p:txBody>
+      </p:sp>
+    </p:spTree>
+    <p:extLst>
+      <p:ext uri="{BB962C8B-B14F-4D97-AF65-F5344CB8AC3E}">
+        <p14:creationId xmlns:p14="http://schemas.microsoft.com/office/powerpoint/2010/main" val="3092699582"/>
+      </p:ext>
+    </p:extLst>
+  </p:cSld>
+  <p:clrMapOvr>
+    <a:masterClrMapping/>
+  </p:clrMapOvr>
+</p:notes>
+</file>
+
+<file path=ppt/notesSlides/notesSlide29.xml><?xml version="1.0" encoding="utf-8"?>
+<p:notes xmlns:a="http://schemas.openxmlformats.org/drawingml/2006/main" xmlns:r="http://schemas.openxmlformats.org/officeDocument/2006/relationships" xmlns:p="http://schemas.openxmlformats.org/presentationml/2006/main">
+  <p:cSld>
+    <p:spTree>
+      <p:nvGrpSpPr>
+        <p:cNvPr id="1" name=""/>
+        <p:cNvGrpSpPr/>
+        <p:nvPr/>
+      </p:nvGrpSpPr>
+      <p:grpSpPr>
+        <a:xfrm>
+          <a:off x="0" y="0"/>
+          <a:ext cx="0" cy="0"/>
+          <a:chOff x="0" y="0"/>
+          <a:chExt cx="0" cy="0"/>
+        </a:xfrm>
+      </p:grpSpPr>
+      <p:sp>
+        <p:nvSpPr>
+          <p:cNvPr id="2" name="幻灯片图像占位符 1"/>
+          <p:cNvSpPr>
+            <a:spLocks noGrp="1" noRot="1" noChangeAspect="1"/>
+          </p:cNvSpPr>
+          <p:nvPr>
+            <p:ph type="sldImg"/>
+          </p:nvPr>
+        </p:nvSpPr>
+        <p:spPr/>
+      </p:sp>
+      <p:sp>
+        <p:nvSpPr>
+          <p:cNvPr id="3" name="备注占位符 2"/>
+          <p:cNvSpPr>
+            <a:spLocks noGrp="1"/>
+          </p:cNvSpPr>
+          <p:nvPr>
+            <p:ph type="body" idx="1"/>
+          </p:nvPr>
+        </p:nvSpPr>
+        <p:spPr/>
+        <p:txBody>
+          <a:bodyPr/>
+          <a:lstStyle/>
+          <a:p>
+            <a:r>
+              <a:rPr lang="zh-CN" altLang="en-US" dirty="0"/>
+              <a:t>赋值表达式（</a:t>
+            </a:r>
+            <a:r>
+              <a:rPr lang="en-US" altLang="zh-CN"/>
+              <a:t>Python 3.8</a:t>
+            </a:r>
+            <a:r>
+              <a:rPr lang="zh-CN" altLang="en-US"/>
+              <a:t>）</a:t>
+            </a:r>
+            <a:endParaRPr lang="en-US" altLang="zh-CN" dirty="0"/>
+          </a:p>
+        </p:txBody>
+      </p:sp>
+      <p:sp>
+        <p:nvSpPr>
+          <p:cNvPr id="4" name="灯片编号占位符 3"/>
+          <p:cNvSpPr>
+            <a:spLocks noGrp="1"/>
+          </p:cNvSpPr>
+          <p:nvPr>
+            <p:ph type="sldNum" sz="quarter" idx="5"/>
+          </p:nvPr>
+        </p:nvSpPr>
+        <p:spPr/>
+        <p:txBody>
+          <a:bodyPr/>
+          <a:lstStyle/>
+          <a:p>
+            <a:fld id="{9901CBA2-7C9E-4AD6-B258-A0DB055BB3AF}" type="slidenum">
+              <a:rPr lang="zh-CN" altLang="en-US" smtClean="0"/>
+              <a:t>32</a:t>
             </a:fld>
             <a:endParaRPr lang="zh-CN" altLang="en-US"/>
           </a:p>
@@ -7913,36 +8423,6 @@
           <a:bodyPr/>
           <a:lstStyle/>
           <a:p>
-            <a:r>
-              <a:rPr lang="zh-CN" altLang="en-US" sz="1800" b="0" i="0" u="none" strike="noStrike" baseline="0" dirty="0">
-                <a:latin typeface="FZSSJW--GB1-0"/>
-              </a:rPr>
-              <a:t>在使用 </a:t>
-            </a:r>
-            <a:r>
-              <a:rPr lang="en-US" altLang="zh-CN" sz="1800" b="0" i="0" u="none" strike="noStrike" baseline="0" dirty="0">
-                <a:latin typeface="TheSansMonoCondensed-"/>
-              </a:rPr>
-              <a:t>input() </a:t>
-            </a:r>
-            <a:r>
-              <a:rPr lang="zh-CN" altLang="en-US" sz="1800" b="0" i="0" u="none" strike="noStrike" baseline="0" dirty="0">
-                <a:latin typeface="FZSSJW--GB1-0"/>
-              </a:rPr>
-              <a:t>函数时，</a:t>
-            </a:r>
-            <a:r>
-              <a:rPr lang="en-US" altLang="zh-CN" sz="1800" b="0" i="0" u="none" strike="noStrike" baseline="0" dirty="0">
-                <a:latin typeface="TimesNewRoman"/>
-              </a:rPr>
-              <a:t>Python </a:t>
-            </a:r>
-            <a:r>
-              <a:rPr lang="zh-CN" altLang="en-US" sz="1800" b="0" i="0" u="none" strike="noStrike" baseline="0" dirty="0">
-                <a:latin typeface="FZSSJW--GB1-0"/>
-              </a:rPr>
-              <a:t>会将用户输入解读为字符串。</a:t>
-            </a:r>
             <a:endParaRPr lang="zh-CN" altLang="en-US" dirty="0"/>
           </a:p>
         </p:txBody>
@@ -7973,7 +8453,7 @@
     </p:spTree>
     <p:extLst>
       <p:ext uri="{BB962C8B-B14F-4D97-AF65-F5344CB8AC3E}">
-        <p14:creationId xmlns:p14="http://schemas.microsoft.com/office/powerpoint/2010/main" val="1469330759"/>
+        <p14:creationId xmlns:p14="http://schemas.microsoft.com/office/powerpoint/2010/main" val="235384803"/>
       </p:ext>
     </p:extLst>
   </p:cSld>
@@ -8057,7 +8537,7 @@
     </p:spTree>
     <p:extLst>
       <p:ext uri="{BB962C8B-B14F-4D97-AF65-F5344CB8AC3E}">
-        <p14:creationId xmlns:p14="http://schemas.microsoft.com/office/powerpoint/2010/main" val="2219931792"/>
+        <p14:creationId xmlns:p14="http://schemas.microsoft.com/office/powerpoint/2010/main" val="789035483"/>
       </p:ext>
     </p:extLst>
   </p:cSld>
@@ -8141,7 +8621,7 @@
     </p:spTree>
     <p:extLst>
       <p:ext uri="{BB962C8B-B14F-4D97-AF65-F5344CB8AC3E}">
-        <p14:creationId xmlns:p14="http://schemas.microsoft.com/office/powerpoint/2010/main" val="3917064277"/>
+        <p14:creationId xmlns:p14="http://schemas.microsoft.com/office/powerpoint/2010/main" val="3546862457"/>
       </p:ext>
     </p:extLst>
   </p:cSld>
@@ -8195,6 +8675,36 @@
           <a:bodyPr/>
           <a:lstStyle/>
           <a:p>
+            <a:r>
+              <a:rPr lang="zh-CN" altLang="en-US" sz="1800" b="0" i="0" u="none" strike="noStrike" baseline="0" dirty="0">
+                <a:latin typeface="FZSSJW--GB1-0"/>
+              </a:rPr>
+              <a:t>在使用 </a:t>
+            </a:r>
+            <a:r>
+              <a:rPr lang="en-US" altLang="zh-CN" sz="1800" b="0" i="0" u="none" strike="noStrike" baseline="0" dirty="0">
+                <a:latin typeface="TheSansMonoCondensed-"/>
+              </a:rPr>
+              <a:t>input() </a:t>
+            </a:r>
+            <a:r>
+              <a:rPr lang="zh-CN" altLang="en-US" sz="1800" b="0" i="0" u="none" strike="noStrike" baseline="0" dirty="0">
+                <a:latin typeface="FZSSJW--GB1-0"/>
+              </a:rPr>
+              <a:t>函数时，</a:t>
+            </a:r>
+            <a:r>
+              <a:rPr lang="en-US" altLang="zh-CN" sz="1800" b="0" i="0" u="none" strike="noStrike" baseline="0" dirty="0">
+                <a:latin typeface="TimesNewRoman"/>
+              </a:rPr>
+              <a:t>Python </a:t>
+            </a:r>
+            <a:r>
+              <a:rPr lang="zh-CN" altLang="en-US" sz="1800" b="0" i="0" u="none" strike="noStrike" baseline="0" dirty="0">
+                <a:latin typeface="FZSSJW--GB1-0"/>
+              </a:rPr>
+              <a:t>会将用户输入解读为字符串。</a:t>
+            </a:r>
             <a:endParaRPr lang="zh-CN" altLang="en-US" dirty="0"/>
           </a:p>
         </p:txBody>
@@ -8225,7 +8735,7 @@
     </p:spTree>
     <p:extLst>
       <p:ext uri="{BB962C8B-B14F-4D97-AF65-F5344CB8AC3E}">
-        <p14:creationId xmlns:p14="http://schemas.microsoft.com/office/powerpoint/2010/main" val="2378247404"/>
+        <p14:creationId xmlns:p14="http://schemas.microsoft.com/office/powerpoint/2010/main" val="1469330759"/>
       </p:ext>
     </p:extLst>
   </p:cSld>
@@ -8382,7 +8892,7 @@
           <a:p>
             <a:fld id="{F721228B-0167-4061-A906-8575043315EE}" type="datetimeFigureOut">
               <a:rPr lang="zh-CN" altLang="en-US" smtClean="0"/>
-              <a:t>2023/6/2</a:t>
+              <a:t>2023/12/3</a:t>
             </a:fld>
             <a:endParaRPr lang="zh-CN" altLang="en-US"/>
           </a:p>
@@ -8592,7 +9102,7 @@
           <a:p>
             <a:fld id="{F721228B-0167-4061-A906-8575043315EE}" type="datetimeFigureOut">
               <a:rPr lang="zh-CN" altLang="en-US" smtClean="0"/>
-              <a:t>2023/6/2</a:t>
+              <a:t>2023/12/3</a:t>
             </a:fld>
             <a:endParaRPr lang="zh-CN" altLang="en-US"/>
           </a:p>
@@ -8812,7 +9322,7 @@
           <a:p>
             <a:fld id="{F721228B-0167-4061-A906-8575043315EE}" type="datetimeFigureOut">
               <a:rPr lang="zh-CN" altLang="en-US" smtClean="0"/>
-              <a:t>2023/6/2</a:t>
+              <a:t>2023/12/3</a:t>
             </a:fld>
             <a:endParaRPr lang="zh-CN" altLang="en-US"/>
           </a:p>
@@ -9309,7 +9819,7 @@
           <a:p>
             <a:fld id="{F721228B-0167-4061-A906-8575043315EE}" type="datetimeFigureOut">
               <a:rPr lang="zh-CN" altLang="en-US" smtClean="0"/>
-              <a:t>2023/6/2</a:t>
+              <a:t>2023/12/3</a:t>
             </a:fld>
             <a:endParaRPr lang="zh-CN" altLang="en-US"/>
           </a:p>
@@ -9645,7 +10155,7 @@
           <a:p>
             <a:fld id="{F721228B-0167-4061-A906-8575043315EE}" type="datetimeFigureOut">
               <a:rPr lang="zh-CN" altLang="en-US" smtClean="0"/>
-              <a:t>2023/6/2</a:t>
+              <a:t>2023/12/3</a:t>
             </a:fld>
             <a:endParaRPr lang="zh-CN" altLang="en-US"/>
           </a:p>
@@ -10003,7 +10513,7 @@
           <a:p>
             <a:fld id="{F721228B-0167-4061-A906-8575043315EE}" type="datetimeFigureOut">
               <a:rPr lang="zh-CN" altLang="en-US" smtClean="0"/>
-              <a:t>2023/6/2</a:t>
+              <a:t>2023/12/3</a:t>
             </a:fld>
             <a:endParaRPr lang="zh-CN" altLang="en-US"/>
           </a:p>
@@ -10476,7 +10986,7 @@
           <a:p>
             <a:fld id="{F721228B-0167-4061-A906-8575043315EE}" type="datetimeFigureOut">
               <a:rPr lang="zh-CN" altLang="en-US" smtClean="0"/>
-              <a:t>2023/6/2</a:t>
+              <a:t>2023/12/3</a:t>
             </a:fld>
             <a:endParaRPr lang="zh-CN" altLang="en-US"/>
           </a:p>
@@ -10629,7 +11139,7 @@
           <a:p>
             <a:fld id="{F721228B-0167-4061-A906-8575043315EE}" type="datetimeFigureOut">
               <a:rPr lang="zh-CN" altLang="en-US" smtClean="0"/>
-              <a:t>2023/6/2</a:t>
+              <a:t>2023/12/3</a:t>
             </a:fld>
             <a:endParaRPr lang="zh-CN" altLang="en-US"/>
           </a:p>
@@ -10754,7 +11264,7 @@
           <a:p>
             <a:fld id="{F721228B-0167-4061-A906-8575043315EE}" type="datetimeFigureOut">
               <a:rPr lang="zh-CN" altLang="en-US" smtClean="0"/>
-              <a:t>2023/6/2</a:t>
+              <a:t>2023/12/3</a:t>
             </a:fld>
             <a:endParaRPr lang="zh-CN" altLang="en-US"/>
           </a:p>
@@ -11077,7 +11587,7 @@
           <a:p>
             <a:fld id="{F721228B-0167-4061-A906-8575043315EE}" type="datetimeFigureOut">
               <a:rPr lang="zh-CN" altLang="en-US" smtClean="0"/>
-              <a:t>2023/6/2</a:t>
+              <a:t>2023/12/3</a:t>
             </a:fld>
             <a:endParaRPr lang="zh-CN" altLang="en-US"/>
           </a:p>
@@ -11377,7 +11887,7 @@
           <a:p>
             <a:fld id="{F721228B-0167-4061-A906-8575043315EE}" type="datetimeFigureOut">
               <a:rPr lang="zh-CN" altLang="en-US" smtClean="0"/>
-              <a:t>2023/6/2</a:t>
+              <a:t>2023/12/3</a:t>
             </a:fld>
             <a:endParaRPr lang="zh-CN" altLang="en-US"/>
           </a:p>
@@ -11630,7 +12140,7 @@
           <a:p>
             <a:fld id="{F721228B-0167-4061-A906-8575043315EE}" type="datetimeFigureOut">
               <a:rPr lang="zh-CN" altLang="en-US" smtClean="0"/>
-              <a:t>2023/6/2</a:t>
+              <a:t>2023/12/3</a:t>
             </a:fld>
             <a:endParaRPr lang="zh-CN" altLang="en-US"/>
           </a:p>
@@ -12466,12 +12976,8 @@
           <a:lstStyle/>
           <a:p>
             <a:r>
-              <a:rPr lang="en-US" altLang="zh-CN" dirty="0"/>
-              <a:t>7.1.3 </a:t>
-            </a:r>
-            <a:r>
               <a:rPr lang="zh-CN" altLang="en-US" dirty="0"/>
-              <a:t>求模运算符</a:t>
+              <a:t>自赋值运算符</a:t>
             </a:r>
             <a:endParaRPr lang="en-US" altLang="zh-CN" dirty="0"/>
           </a:p>
@@ -12502,45 +13008,31 @@
               <a:buNone/>
             </a:pPr>
             <a:r>
-              <a:rPr lang="zh-CN" altLang="en-US" b="1" dirty="0"/>
-              <a:t>求模运算符（</a:t>
-            </a:r>
-            <a:r>
-              <a:rPr lang="en-US" altLang="zh-CN" sz="2800" b="1" dirty="0">
-                <a:solidFill>
-                  <a:srgbClr val="A71D5D"/>
-                </a:solidFill>
-                <a:effectLst/>
-                <a:latin typeface="Consolas" panose="020B0609020204030204" pitchFamily="49" charset="0"/>
-              </a:rPr>
-              <a:t>%</a:t>
-            </a:r>
-            <a:r>
-              <a:rPr lang="zh-CN" altLang="en-US" b="1" dirty="0"/>
-              <a:t>）</a:t>
-            </a:r>
-            <a:r>
               <a:rPr lang="zh-CN" altLang="en-US" dirty="0"/>
-              <a:t>：将两个数相除并</a:t>
-            </a:r>
-            <a:r>
-              <a:rPr lang="zh-CN" altLang="en-US" u="sng" dirty="0"/>
-              <a:t>返回余数</a:t>
-            </a:r>
-            <a:r>
-              <a:rPr lang="zh-CN" altLang="en-US" dirty="0"/>
-              <a:t>。</a:t>
-            </a:r>
+              <a:t>常用的自赋值运算符有：</a:t>
+            </a:r>
+            <a:endParaRPr lang="en-US" altLang="zh-CN" dirty="0">
+              <a:solidFill>
+                <a:schemeClr val="bg1">
+                  <a:lumMod val="65000"/>
+                </a:schemeClr>
+              </a:solidFill>
+            </a:endParaRPr>
+          </a:p>
+          <a:p>
+            <a:pPr marL="0" indent="0">
+              <a:buNone/>
+            </a:pPr>
             <a:endParaRPr lang="en-US" altLang="zh-CN" dirty="0"/>
           </a:p>
         </p:txBody>
       </p:sp>
       <p:sp>
         <p:nvSpPr>
-          <p:cNvPr id="3" name="文本框 2">
+          <p:cNvPr id="5" name="文本框 4">
             <a:extLst>
               <a:ext uri="{FF2B5EF4-FFF2-40B4-BE49-F238E27FC236}">
-                <a16:creationId xmlns:a16="http://schemas.microsoft.com/office/drawing/2014/main" id="{3C39DBB2-C0F1-B995-3E7F-E251E81D2956}"/>
+                <a16:creationId xmlns:a16="http://schemas.microsoft.com/office/drawing/2014/main" id="{B0DF5B52-3815-DC6E-74CF-C54B79B7FBDB}"/>
               </a:ext>
             </a:extLst>
           </p:cNvPr>
@@ -12549,13 +13041,15 @@
         </p:nvSpPr>
         <p:spPr>
           <a:xfrm>
-            <a:off x="2184893" y="3103850"/>
-            <a:ext cx="2087303" cy="3046988"/>
+            <a:off x="1299057" y="2892025"/>
+            <a:ext cx="3123485" cy="2677656"/>
           </a:xfrm>
           <a:prstGeom prst="rect">
             <a:avLst/>
           </a:prstGeom>
-          <a:noFill/>
+          <a:solidFill>
+            <a:schemeClr val="bg1"/>
+          </a:solidFill>
           <a:ln>
             <a:solidFill>
               <a:schemeClr val="bg2"/>
@@ -12571,22 +13065,44 @@
             <a:r>
               <a:rPr lang="en-US" altLang="zh-CN" sz="2400" b="1" dirty="0">
                 <a:solidFill>
+                  <a:srgbClr val="333333"/>
+                </a:solidFill>
+                <a:effectLst/>
+                <a:latin typeface="Consolas" panose="020B0609020204030204" pitchFamily="49" charset="0"/>
+              </a:rPr>
+              <a:t>number </a:t>
+            </a:r>
+            <a:r>
+              <a:rPr lang="en-US" altLang="zh-CN" sz="2400" b="1" dirty="0">
+                <a:solidFill>
                   <a:srgbClr val="A71D5D"/>
                 </a:solidFill>
                 <a:effectLst/>
                 <a:latin typeface="Consolas" panose="020B0609020204030204" pitchFamily="49" charset="0"/>
               </a:rPr>
-              <a:t>&gt;&gt;&gt; </a:t>
+              <a:t>+= </a:t>
             </a:r>
             <a:r>
               <a:rPr lang="en-US" altLang="zh-CN" sz="2400" b="1" dirty="0">
                 <a:solidFill>
                   <a:srgbClr val="2E6446"/>
                 </a:solidFill>
-                <a:effectLst/>
-                <a:latin typeface="Consolas" panose="020B0609020204030204" pitchFamily="49" charset="0"/>
-              </a:rPr>
-              <a:t>4 </a:t>
+                <a:latin typeface="Consolas" panose="020B0609020204030204" pitchFamily="49" charset="0"/>
+                <a:ea typeface="微软雅黑" panose="020B0503020204020204" pitchFamily="34" charset="-122"/>
+              </a:rPr>
+              <a:t>1</a:t>
+            </a:r>
+          </a:p>
+          <a:p>
+            <a:r>
+              <a:rPr lang="en-US" altLang="zh-CN" sz="2400" b="1" dirty="0">
+                <a:solidFill>
+                  <a:srgbClr val="333333"/>
+                </a:solidFill>
+                <a:effectLst/>
+                <a:latin typeface="Consolas" panose="020B0609020204030204" pitchFamily="49" charset="0"/>
+              </a:rPr>
+              <a:t>number </a:t>
             </a:r>
             <a:r>
               <a:rPr lang="en-US" altLang="zh-CN" sz="2400" b="1" dirty="0">
@@ -12596,46 +13112,153 @@
                 <a:effectLst/>
                 <a:latin typeface="Consolas" panose="020B0609020204030204" pitchFamily="49" charset="0"/>
               </a:rPr>
-              <a:t>% </a:t>
+              <a:t>-= </a:t>
             </a:r>
             <a:r>
               <a:rPr lang="en-US" altLang="zh-CN" sz="2400" b="1" dirty="0">
                 <a:solidFill>
                   <a:srgbClr val="2E6446"/>
                 </a:solidFill>
-                <a:effectLst/>
-                <a:latin typeface="Consolas" panose="020B0609020204030204" pitchFamily="49" charset="0"/>
-              </a:rPr>
-              <a:t>3</a:t>
-            </a:r>
-            <a:br>
+                <a:latin typeface="Consolas" panose="020B0609020204030204" pitchFamily="49" charset="0"/>
+                <a:ea typeface="微软雅黑" panose="020B0503020204020204" pitchFamily="34" charset="-122"/>
+              </a:rPr>
+              <a:t>1</a:t>
+            </a:r>
+          </a:p>
+          <a:p>
+            <a:r>
+              <a:rPr lang="en-US" altLang="zh-CN" sz="2400" b="1" dirty="0">
+                <a:solidFill>
+                  <a:srgbClr val="333333"/>
+                </a:solidFill>
+                <a:effectLst/>
+                <a:latin typeface="Consolas" panose="020B0609020204030204" pitchFamily="49" charset="0"/>
+              </a:rPr>
+              <a:t>number </a:t>
+            </a:r>
+            <a:r>
+              <a:rPr lang="en-US" altLang="zh-CN" sz="2400" b="1" dirty="0">
+                <a:solidFill>
+                  <a:srgbClr val="A71D5D"/>
+                </a:solidFill>
+                <a:latin typeface="Consolas" panose="020B0609020204030204" pitchFamily="49" charset="0"/>
+              </a:rPr>
+              <a:t>*</a:t>
+            </a:r>
+            <a:r>
+              <a:rPr lang="en-US" altLang="zh-CN" sz="2400" b="1" dirty="0">
+                <a:solidFill>
+                  <a:srgbClr val="A71D5D"/>
+                </a:solidFill>
+                <a:effectLst/>
+                <a:latin typeface="Consolas" panose="020B0609020204030204" pitchFamily="49" charset="0"/>
+              </a:rPr>
+              <a:t>= </a:t>
+            </a:r>
+            <a:r>
               <a:rPr lang="en-US" altLang="zh-CN" sz="2400" b="1" dirty="0">
                 <a:solidFill>
                   <a:srgbClr val="2E6446"/>
                 </a:solidFill>
-                <a:effectLst/>
-                <a:latin typeface="Consolas" panose="020B0609020204030204" pitchFamily="49" charset="0"/>
-              </a:rPr>
-            </a:br>
+                <a:latin typeface="Consolas" panose="020B0609020204030204" pitchFamily="49" charset="0"/>
+                <a:ea typeface="微软雅黑" panose="020B0503020204020204" pitchFamily="34" charset="-122"/>
+              </a:rPr>
+              <a:t>1</a:t>
+            </a:r>
+          </a:p>
+          <a:p>
+            <a:r>
+              <a:rPr lang="en-US" altLang="zh-CN" sz="2400" b="1" dirty="0">
+                <a:solidFill>
+                  <a:srgbClr val="333333"/>
+                </a:solidFill>
+                <a:effectLst/>
+                <a:latin typeface="Consolas" panose="020B0609020204030204" pitchFamily="49" charset="0"/>
+              </a:rPr>
+              <a:t>number </a:t>
+            </a:r>
+            <a:r>
+              <a:rPr lang="en-US" altLang="zh-CN" sz="2400" b="1" dirty="0">
+                <a:solidFill>
+                  <a:srgbClr val="A71D5D"/>
+                </a:solidFill>
+                <a:latin typeface="Consolas" panose="020B0609020204030204" pitchFamily="49" charset="0"/>
+              </a:rPr>
+              <a:t>/</a:t>
+            </a:r>
+            <a:r>
+              <a:rPr lang="en-US" altLang="zh-CN" sz="2400" b="1" dirty="0">
+                <a:solidFill>
+                  <a:srgbClr val="A71D5D"/>
+                </a:solidFill>
+                <a:effectLst/>
+                <a:latin typeface="Consolas" panose="020B0609020204030204" pitchFamily="49" charset="0"/>
+              </a:rPr>
+              <a:t>= </a:t>
+            </a:r>
             <a:r>
               <a:rPr lang="en-US" altLang="zh-CN" sz="2400" b="1" dirty="0">
                 <a:solidFill>
                   <a:srgbClr val="2E6446"/>
                 </a:solidFill>
-                <a:effectLst/>
-                <a:latin typeface="Consolas" panose="020B0609020204030204" pitchFamily="49" charset="0"/>
+                <a:latin typeface="Consolas" panose="020B0609020204030204" pitchFamily="49" charset="0"/>
+                <a:ea typeface="微软雅黑" panose="020B0503020204020204" pitchFamily="34" charset="-122"/>
               </a:rPr>
               <a:t>1</a:t>
             </a:r>
-            <a:br>
+          </a:p>
+          <a:p>
+            <a:r>
+              <a:rPr lang="en-US" altLang="zh-CN" sz="2400" b="1" dirty="0">
+                <a:solidFill>
+                  <a:srgbClr val="333333"/>
+                </a:solidFill>
+                <a:effectLst/>
+                <a:latin typeface="Consolas" panose="020B0609020204030204" pitchFamily="49" charset="0"/>
+              </a:rPr>
+              <a:t>number </a:t>
+            </a:r>
+            <a:r>
+              <a:rPr lang="en-US" altLang="zh-CN" sz="2400" b="1" dirty="0">
+                <a:solidFill>
+                  <a:srgbClr val="A71D5D"/>
+                </a:solidFill>
+                <a:latin typeface="Consolas" panose="020B0609020204030204" pitchFamily="49" charset="0"/>
+              </a:rPr>
+              <a:t>//</a:t>
+            </a:r>
+            <a:r>
+              <a:rPr lang="en-US" altLang="zh-CN" sz="2400" b="1" dirty="0">
+                <a:solidFill>
+                  <a:srgbClr val="A71D5D"/>
+                </a:solidFill>
+                <a:effectLst/>
+                <a:latin typeface="Consolas" panose="020B0609020204030204" pitchFamily="49" charset="0"/>
+              </a:rPr>
+              <a:t>= </a:t>
+            </a:r>
+            <a:r>
               <a:rPr lang="en-US" altLang="zh-CN" sz="2400" b="1" dirty="0">
                 <a:solidFill>
                   <a:srgbClr val="2E6446"/>
                 </a:solidFill>
-                <a:effectLst/>
-                <a:latin typeface="Consolas" panose="020B0609020204030204" pitchFamily="49" charset="0"/>
-              </a:rPr>
-            </a:br>
+                <a:latin typeface="Consolas" panose="020B0609020204030204" pitchFamily="49" charset="0"/>
+                <a:ea typeface="微软雅黑" panose="020B0503020204020204" pitchFamily="34" charset="-122"/>
+              </a:rPr>
+              <a:t>1</a:t>
+            </a:r>
+          </a:p>
+          <a:p>
+            <a:r>
+              <a:rPr lang="en-US" altLang="zh-CN" sz="2400" b="1" dirty="0">
+                <a:solidFill>
+                  <a:srgbClr val="333333"/>
+                </a:solidFill>
+                <a:effectLst/>
+                <a:latin typeface="Consolas" panose="020B0609020204030204" pitchFamily="49" charset="0"/>
+              </a:rPr>
+              <a:t>number </a:t>
+            </a:r>
             <a:r>
               <a:rPr lang="en-US" altLang="zh-CN" sz="2400" b="1" dirty="0">
                 <a:solidFill>
@@ -12644,17 +13267,77 @@
                 <a:effectLst/>
                 <a:latin typeface="Consolas" panose="020B0609020204030204" pitchFamily="49" charset="0"/>
               </a:rPr>
-              <a:t>&gt;&gt;&gt; </a:t>
+              <a:t>**= </a:t>
             </a:r>
             <a:r>
               <a:rPr lang="en-US" altLang="zh-CN" sz="2400" b="1" dirty="0">
                 <a:solidFill>
                   <a:srgbClr val="2E6446"/>
                 </a:solidFill>
-                <a:effectLst/>
-                <a:latin typeface="Consolas" panose="020B0609020204030204" pitchFamily="49" charset="0"/>
-              </a:rPr>
-              <a:t>5 </a:t>
+                <a:latin typeface="Consolas" panose="020B0609020204030204" pitchFamily="49" charset="0"/>
+                <a:ea typeface="微软雅黑" panose="020B0503020204020204" pitchFamily="34" charset="-122"/>
+              </a:rPr>
+              <a:t>1</a:t>
+            </a:r>
+          </a:p>
+          <a:p>
+            <a:r>
+              <a:rPr lang="en-US" altLang="zh-CN" sz="2400" b="1" dirty="0">
+                <a:solidFill>
+                  <a:srgbClr val="2E6446"/>
+                </a:solidFill>
+                <a:latin typeface="Consolas" panose="020B0609020204030204" pitchFamily="49" charset="0"/>
+                <a:ea typeface="微软雅黑" panose="020B0503020204020204" pitchFamily="34" charset="-122"/>
+              </a:rPr>
+              <a:t>...</a:t>
+            </a:r>
+          </a:p>
+        </p:txBody>
+      </p:sp>
+      <p:sp>
+        <p:nvSpPr>
+          <p:cNvPr id="8" name="文本框 7">
+            <a:extLst>
+              <a:ext uri="{FF2B5EF4-FFF2-40B4-BE49-F238E27FC236}">
+                <a16:creationId xmlns:a16="http://schemas.microsoft.com/office/drawing/2014/main" id="{C9776988-5C5F-F1F0-DDE7-96C1C4AF22DE}"/>
+              </a:ext>
+            </a:extLst>
+          </p:cNvPr>
+          <p:cNvSpPr txBox="1"/>
+          <p:nvPr/>
+        </p:nvSpPr>
+        <p:spPr>
+          <a:xfrm>
+            <a:off x="6160828" y="2892025"/>
+            <a:ext cx="3890372" cy="2677656"/>
+          </a:xfrm>
+          <a:prstGeom prst="rect">
+            <a:avLst/>
+          </a:prstGeom>
+          <a:solidFill>
+            <a:schemeClr val="bg1"/>
+          </a:solidFill>
+          <a:ln>
+            <a:solidFill>
+              <a:schemeClr val="bg2"/>
+            </a:solidFill>
+          </a:ln>
+        </p:spPr>
+        <p:txBody>
+          <a:bodyPr wrap="square">
+            <a:spAutoFit/>
+          </a:bodyPr>
+          <a:lstStyle/>
+          <a:p>
+            <a:r>
+              <a:rPr lang="en-US" altLang="zh-CN" sz="2400" b="1" dirty="0">
+                <a:solidFill>
+                  <a:srgbClr val="333333"/>
+                </a:solidFill>
+                <a:effectLst/>
+                <a:latin typeface="Consolas" panose="020B0609020204030204" pitchFamily="49" charset="0"/>
+              </a:rPr>
+              <a:t>number </a:t>
             </a:r>
             <a:r>
               <a:rPr lang="en-US" altLang="zh-CN" sz="2400" b="1" dirty="0">
@@ -12664,46 +13347,206 @@
                 <a:effectLst/>
                 <a:latin typeface="Consolas" panose="020B0609020204030204" pitchFamily="49" charset="0"/>
               </a:rPr>
-              <a:t>% </a:t>
+              <a:t>= </a:t>
+            </a:r>
+            <a:r>
+              <a:rPr lang="en-US" altLang="zh-CN" sz="2400" b="1" dirty="0">
+                <a:solidFill>
+                  <a:srgbClr val="333333"/>
+                </a:solidFill>
+                <a:effectLst/>
+                <a:latin typeface="Consolas" panose="020B0609020204030204" pitchFamily="49" charset="0"/>
+              </a:rPr>
+              <a:t>number </a:t>
+            </a:r>
+            <a:r>
+              <a:rPr lang="en-US" altLang="zh-CN" sz="2400" b="1" dirty="0">
+                <a:solidFill>
+                  <a:srgbClr val="A71D5D"/>
+                </a:solidFill>
+                <a:effectLst/>
+                <a:latin typeface="Consolas" panose="020B0609020204030204" pitchFamily="49" charset="0"/>
+              </a:rPr>
+              <a:t>+ </a:t>
             </a:r>
             <a:r>
               <a:rPr lang="en-US" altLang="zh-CN" sz="2400" b="1" dirty="0">
                 <a:solidFill>
                   <a:srgbClr val="2E6446"/>
                 </a:solidFill>
-                <a:effectLst/>
-                <a:latin typeface="Consolas" panose="020B0609020204030204" pitchFamily="49" charset="0"/>
-              </a:rPr>
-              <a:t>3</a:t>
-            </a:r>
-            <a:br>
+                <a:latin typeface="Consolas" panose="020B0609020204030204" pitchFamily="49" charset="0"/>
+                <a:ea typeface="微软雅黑" panose="020B0503020204020204" pitchFamily="34" charset="-122"/>
+              </a:rPr>
+              <a:t>1</a:t>
+            </a:r>
+          </a:p>
+          <a:p>
+            <a:r>
+              <a:rPr lang="en-US" altLang="zh-CN" sz="2400" b="1" dirty="0">
+                <a:solidFill>
+                  <a:srgbClr val="333333"/>
+                </a:solidFill>
+                <a:effectLst/>
+                <a:latin typeface="Consolas" panose="020B0609020204030204" pitchFamily="49" charset="0"/>
+              </a:rPr>
+              <a:t>number </a:t>
+            </a:r>
+            <a:r>
+              <a:rPr lang="en-US" altLang="zh-CN" sz="2400" b="1" dirty="0">
+                <a:solidFill>
+                  <a:srgbClr val="A71D5D"/>
+                </a:solidFill>
+                <a:effectLst/>
+                <a:latin typeface="Consolas" panose="020B0609020204030204" pitchFamily="49" charset="0"/>
+              </a:rPr>
+              <a:t>= </a:t>
+            </a:r>
+            <a:r>
+              <a:rPr lang="en-US" altLang="zh-CN" sz="2400" b="1" dirty="0">
+                <a:solidFill>
+                  <a:srgbClr val="333333"/>
+                </a:solidFill>
+                <a:effectLst/>
+                <a:latin typeface="Consolas" panose="020B0609020204030204" pitchFamily="49" charset="0"/>
+              </a:rPr>
+              <a:t>number </a:t>
+            </a:r>
+            <a:r>
+              <a:rPr lang="en-US" altLang="zh-CN" sz="2400" b="1" dirty="0">
+                <a:solidFill>
+                  <a:srgbClr val="A71D5D"/>
+                </a:solidFill>
+                <a:effectLst/>
+                <a:latin typeface="Consolas" panose="020B0609020204030204" pitchFamily="49" charset="0"/>
+              </a:rPr>
+              <a:t>- </a:t>
+            </a:r>
+            <a:r>
               <a:rPr lang="en-US" altLang="zh-CN" sz="2400" b="1" dirty="0">
                 <a:solidFill>
                   <a:srgbClr val="2E6446"/>
                 </a:solidFill>
-                <a:effectLst/>
-                <a:latin typeface="Consolas" panose="020B0609020204030204" pitchFamily="49" charset="0"/>
-              </a:rPr>
-            </a:br>
+                <a:latin typeface="Consolas" panose="020B0609020204030204" pitchFamily="49" charset="0"/>
+                <a:ea typeface="微软雅黑" panose="020B0503020204020204" pitchFamily="34" charset="-122"/>
+              </a:rPr>
+              <a:t>1</a:t>
+            </a:r>
+          </a:p>
+          <a:p>
+            <a:r>
+              <a:rPr lang="en-US" altLang="zh-CN" sz="2400" b="1" dirty="0">
+                <a:solidFill>
+                  <a:srgbClr val="333333"/>
+                </a:solidFill>
+                <a:effectLst/>
+                <a:latin typeface="Consolas" panose="020B0609020204030204" pitchFamily="49" charset="0"/>
+              </a:rPr>
+              <a:t>number </a:t>
+            </a:r>
+            <a:r>
+              <a:rPr lang="en-US" altLang="zh-CN" sz="2400" b="1" dirty="0">
+                <a:solidFill>
+                  <a:srgbClr val="A71D5D"/>
+                </a:solidFill>
+                <a:effectLst/>
+                <a:latin typeface="Consolas" panose="020B0609020204030204" pitchFamily="49" charset="0"/>
+              </a:rPr>
+              <a:t>= </a:t>
+            </a:r>
+            <a:r>
+              <a:rPr lang="en-US" altLang="zh-CN" sz="2400" b="1" dirty="0">
+                <a:solidFill>
+                  <a:srgbClr val="333333"/>
+                </a:solidFill>
+                <a:effectLst/>
+                <a:latin typeface="Consolas" panose="020B0609020204030204" pitchFamily="49" charset="0"/>
+              </a:rPr>
+              <a:t>number </a:t>
+            </a:r>
+            <a:r>
+              <a:rPr lang="en-US" altLang="zh-CN" sz="2400" b="1" dirty="0">
+                <a:solidFill>
+                  <a:srgbClr val="A71D5D"/>
+                </a:solidFill>
+                <a:effectLst/>
+                <a:latin typeface="Consolas" panose="020B0609020204030204" pitchFamily="49" charset="0"/>
+              </a:rPr>
+              <a:t>* </a:t>
+            </a:r>
             <a:r>
               <a:rPr lang="en-US" altLang="zh-CN" sz="2400" b="1" dirty="0">
                 <a:solidFill>
                   <a:srgbClr val="2E6446"/>
                 </a:solidFill>
-                <a:effectLst/>
-                <a:latin typeface="Consolas" panose="020B0609020204030204" pitchFamily="49" charset="0"/>
-              </a:rPr>
-              <a:t>2</a:t>
-            </a:r>
-            <a:br>
+                <a:latin typeface="Consolas" panose="020B0609020204030204" pitchFamily="49" charset="0"/>
+                <a:ea typeface="微软雅黑" panose="020B0503020204020204" pitchFamily="34" charset="-122"/>
+              </a:rPr>
+              <a:t>1</a:t>
+            </a:r>
+          </a:p>
+          <a:p>
+            <a:r>
+              <a:rPr lang="en-US" altLang="zh-CN" sz="2400" b="1" dirty="0">
+                <a:solidFill>
+                  <a:srgbClr val="333333"/>
+                </a:solidFill>
+                <a:effectLst/>
+                <a:latin typeface="Consolas" panose="020B0609020204030204" pitchFamily="49" charset="0"/>
+              </a:rPr>
+              <a:t>number </a:t>
+            </a:r>
+            <a:r>
+              <a:rPr lang="en-US" altLang="zh-CN" sz="2400" b="1" dirty="0">
+                <a:solidFill>
+                  <a:srgbClr val="A71D5D"/>
+                </a:solidFill>
+                <a:effectLst/>
+                <a:latin typeface="Consolas" panose="020B0609020204030204" pitchFamily="49" charset="0"/>
+              </a:rPr>
+              <a:t>= </a:t>
+            </a:r>
+            <a:r>
+              <a:rPr lang="en-US" altLang="zh-CN" sz="2400" b="1" dirty="0">
+                <a:solidFill>
+                  <a:srgbClr val="333333"/>
+                </a:solidFill>
+                <a:effectLst/>
+                <a:latin typeface="Consolas" panose="020B0609020204030204" pitchFamily="49" charset="0"/>
+              </a:rPr>
+              <a:t>number </a:t>
+            </a:r>
+            <a:r>
+              <a:rPr lang="en-US" altLang="zh-CN" sz="2400" b="1" dirty="0">
+                <a:solidFill>
+                  <a:srgbClr val="A71D5D"/>
+                </a:solidFill>
+                <a:effectLst/>
+                <a:latin typeface="Consolas" panose="020B0609020204030204" pitchFamily="49" charset="0"/>
+              </a:rPr>
+              <a:t>/ </a:t>
+            </a:r>
+            <a:r>
               <a:rPr lang="en-US" altLang="zh-CN" sz="2400" b="1" dirty="0">
                 <a:solidFill>
                   <a:srgbClr val="2E6446"/>
                 </a:solidFill>
-                <a:effectLst/>
-                <a:latin typeface="Consolas" panose="020B0609020204030204" pitchFamily="49" charset="0"/>
-              </a:rPr>
-            </a:br>
+                <a:latin typeface="Consolas" panose="020B0609020204030204" pitchFamily="49" charset="0"/>
+                <a:ea typeface="微软雅黑" panose="020B0503020204020204" pitchFamily="34" charset="-122"/>
+              </a:rPr>
+              <a:t>1</a:t>
+            </a:r>
+          </a:p>
+          <a:p>
+            <a:r>
+              <a:rPr lang="en-US" altLang="zh-CN" sz="2400" b="1" dirty="0">
+                <a:solidFill>
+                  <a:srgbClr val="333333"/>
+                </a:solidFill>
+                <a:effectLst/>
+                <a:latin typeface="Consolas" panose="020B0609020204030204" pitchFamily="49" charset="0"/>
+              </a:rPr>
+              <a:t>number </a:t>
+            </a:r>
             <a:r>
               <a:rPr lang="en-US" altLang="zh-CN" sz="2400" b="1" dirty="0">
                 <a:solidFill>
@@ -12712,17 +13555,49 @@
                 <a:effectLst/>
                 <a:latin typeface="Consolas" panose="020B0609020204030204" pitchFamily="49" charset="0"/>
               </a:rPr>
-              <a:t>&gt;&gt;&gt; </a:t>
+              <a:t>= </a:t>
+            </a:r>
+            <a:r>
+              <a:rPr lang="en-US" altLang="zh-CN" sz="2400" b="1" dirty="0">
+                <a:solidFill>
+                  <a:srgbClr val="333333"/>
+                </a:solidFill>
+                <a:effectLst/>
+                <a:latin typeface="Consolas" panose="020B0609020204030204" pitchFamily="49" charset="0"/>
+              </a:rPr>
+              <a:t>number </a:t>
+            </a:r>
+            <a:r>
+              <a:rPr lang="en-US" altLang="zh-CN" sz="2400" b="1" dirty="0">
+                <a:solidFill>
+                  <a:srgbClr val="A71D5D"/>
+                </a:solidFill>
+                <a:effectLst/>
+                <a:latin typeface="Consolas" panose="020B0609020204030204" pitchFamily="49" charset="0"/>
+              </a:rPr>
+              <a:t>// </a:t>
             </a:r>
             <a:r>
               <a:rPr lang="en-US" altLang="zh-CN" sz="2400" b="1" dirty="0">
                 <a:solidFill>
                   <a:srgbClr val="2E6446"/>
                 </a:solidFill>
-                <a:effectLst/>
-                <a:latin typeface="Consolas" panose="020B0609020204030204" pitchFamily="49" charset="0"/>
-              </a:rPr>
-              <a:t>6 </a:t>
+                <a:latin typeface="Consolas" panose="020B0609020204030204" pitchFamily="49" charset="0"/>
+                <a:ea typeface="微软雅黑" panose="020B0503020204020204" pitchFamily="34" charset="-122"/>
+              </a:rPr>
+              <a:t>1</a:t>
+            </a:r>
+          </a:p>
+          <a:p>
+            <a:r>
+              <a:rPr lang="en-US" altLang="zh-CN" sz="2400" b="1" dirty="0">
+                <a:solidFill>
+                  <a:srgbClr val="333333"/>
+                </a:solidFill>
+                <a:effectLst/>
+                <a:latin typeface="Consolas" panose="020B0609020204030204" pitchFamily="49" charset="0"/>
+              </a:rPr>
+              <a:t>number </a:t>
             </a:r>
             <a:r>
               <a:rPr lang="en-US" altLang="zh-CN" sz="2400" b="1" dirty="0">
@@ -12732,111 +13607,99 @@
                 <a:effectLst/>
                 <a:latin typeface="Consolas" panose="020B0609020204030204" pitchFamily="49" charset="0"/>
               </a:rPr>
-              <a:t>% </a:t>
+              <a:t>= </a:t>
+            </a:r>
+            <a:r>
+              <a:rPr lang="en-US" altLang="zh-CN" sz="2400" b="1" dirty="0">
+                <a:solidFill>
+                  <a:srgbClr val="333333"/>
+                </a:solidFill>
+                <a:effectLst/>
+                <a:latin typeface="Consolas" panose="020B0609020204030204" pitchFamily="49" charset="0"/>
+              </a:rPr>
+              <a:t>number </a:t>
+            </a:r>
+            <a:r>
+              <a:rPr lang="en-US" altLang="zh-CN" sz="2400" b="1" dirty="0">
+                <a:solidFill>
+                  <a:srgbClr val="A71D5D"/>
+                </a:solidFill>
+                <a:effectLst/>
+                <a:latin typeface="Consolas" panose="020B0609020204030204" pitchFamily="49" charset="0"/>
+              </a:rPr>
+              <a:t>** </a:t>
             </a:r>
             <a:r>
               <a:rPr lang="en-US" altLang="zh-CN" sz="2400" b="1" dirty="0">
                 <a:solidFill>
                   <a:srgbClr val="2E6446"/>
                 </a:solidFill>
-                <a:effectLst/>
-                <a:latin typeface="Consolas" panose="020B0609020204030204" pitchFamily="49" charset="0"/>
-              </a:rPr>
-              <a:t>3</a:t>
-            </a:r>
-            <a:br>
+                <a:latin typeface="Consolas" panose="020B0609020204030204" pitchFamily="49" charset="0"/>
+                <a:ea typeface="微软雅黑" panose="020B0503020204020204" pitchFamily="34" charset="-122"/>
+              </a:rPr>
+              <a:t>1</a:t>
+            </a:r>
+          </a:p>
+          <a:p>
+            <a:r>
               <a:rPr lang="en-US" altLang="zh-CN" sz="2400" b="1" dirty="0">
                 <a:solidFill>
                   <a:srgbClr val="2E6446"/>
                 </a:solidFill>
-                <a:effectLst/>
-                <a:latin typeface="Consolas" panose="020B0609020204030204" pitchFamily="49" charset="0"/>
-              </a:rPr>
-            </a:br>
-            <a:r>
-              <a:rPr lang="en-US" altLang="zh-CN" sz="2400" b="1" dirty="0">
-                <a:solidFill>
-                  <a:srgbClr val="2E6446"/>
-                </a:solidFill>
-                <a:effectLst/>
-                <a:latin typeface="Consolas" panose="020B0609020204030204" pitchFamily="49" charset="0"/>
-              </a:rPr>
-              <a:t>0</a:t>
-            </a:r>
-            <a:br>
-              <a:rPr lang="en-US" altLang="zh-CN" sz="2400" b="1" dirty="0">
-                <a:solidFill>
-                  <a:srgbClr val="2E6446"/>
-                </a:solidFill>
-                <a:effectLst/>
-                <a:latin typeface="Consolas" panose="020B0609020204030204" pitchFamily="49" charset="0"/>
-              </a:rPr>
-            </a:br>
-            <a:r>
-              <a:rPr lang="en-US" altLang="zh-CN" sz="2400" b="1" dirty="0">
-                <a:solidFill>
-                  <a:srgbClr val="A71D5D"/>
-                </a:solidFill>
-                <a:effectLst/>
-                <a:latin typeface="Consolas" panose="020B0609020204030204" pitchFamily="49" charset="0"/>
-              </a:rPr>
-              <a:t>&gt;&gt;&gt; </a:t>
-            </a:r>
-            <a:r>
-              <a:rPr lang="en-US" altLang="zh-CN" sz="2400" b="1" dirty="0">
-                <a:solidFill>
-                  <a:srgbClr val="2E6446"/>
-                </a:solidFill>
-                <a:effectLst/>
-                <a:latin typeface="Consolas" panose="020B0609020204030204" pitchFamily="49" charset="0"/>
-              </a:rPr>
-              <a:t>7 </a:t>
-            </a:r>
-            <a:r>
-              <a:rPr lang="en-US" altLang="zh-CN" sz="2400" b="1" dirty="0">
-                <a:solidFill>
-                  <a:srgbClr val="A71D5D"/>
-                </a:solidFill>
-                <a:effectLst/>
-                <a:latin typeface="Consolas" panose="020B0609020204030204" pitchFamily="49" charset="0"/>
-              </a:rPr>
-              <a:t>% </a:t>
-            </a:r>
-            <a:r>
-              <a:rPr lang="en-US" altLang="zh-CN" sz="2400" b="1" dirty="0">
-                <a:solidFill>
-                  <a:srgbClr val="2E6446"/>
-                </a:solidFill>
-                <a:effectLst/>
-                <a:latin typeface="Consolas" panose="020B0609020204030204" pitchFamily="49" charset="0"/>
-              </a:rPr>
-              <a:t>3</a:t>
-            </a:r>
-            <a:br>
-              <a:rPr lang="en-US" altLang="zh-CN" sz="2400" b="1" dirty="0">
-                <a:solidFill>
-                  <a:srgbClr val="2E6446"/>
-                </a:solidFill>
-                <a:effectLst/>
-                <a:latin typeface="Consolas" panose="020B0609020204030204" pitchFamily="49" charset="0"/>
-              </a:rPr>
-            </a:br>
-            <a:r>
-              <a:rPr lang="en-US" altLang="zh-CN" sz="2400" b="1" dirty="0">
-                <a:solidFill>
-                  <a:srgbClr val="2E6446"/>
-                </a:solidFill>
-                <a:effectLst/>
-                <a:latin typeface="Consolas" panose="020B0609020204030204" pitchFamily="49" charset="0"/>
-              </a:rPr>
-              <a:t>1</a:t>
-            </a:r>
-            <a:endParaRPr lang="zh-CN" altLang="en-US" sz="2400" b="1" dirty="0">
+                <a:latin typeface="Consolas" panose="020B0609020204030204" pitchFamily="49" charset="0"/>
+                <a:ea typeface="微软雅黑" panose="020B0503020204020204" pitchFamily="34" charset="-122"/>
+              </a:rPr>
+              <a:t>...</a:t>
+            </a:r>
+          </a:p>
+        </p:txBody>
+      </p:sp>
+      <p:sp>
+        <p:nvSpPr>
+          <p:cNvPr id="10" name="文本框 9">
+            <a:extLst>
+              <a:ext uri="{FF2B5EF4-FFF2-40B4-BE49-F238E27FC236}">
+                <a16:creationId xmlns:a16="http://schemas.microsoft.com/office/drawing/2014/main" id="{B46E5FBC-D84E-920C-5CDD-64E73C676832}"/>
+              </a:ext>
+            </a:extLst>
+          </p:cNvPr>
+          <p:cNvSpPr txBox="1"/>
+          <p:nvPr/>
+        </p:nvSpPr>
+        <p:spPr>
+          <a:xfrm>
+            <a:off x="5689800" y="1890940"/>
+            <a:ext cx="4527000" cy="523220"/>
+          </a:xfrm>
+          <a:prstGeom prst="rect">
+            <a:avLst/>
+          </a:prstGeom>
+          <a:noFill/>
+        </p:spPr>
+        <p:txBody>
+          <a:bodyPr wrap="square">
+            <a:spAutoFit/>
+          </a:bodyPr>
+          <a:lstStyle/>
+          <a:p>
+            <a:pPr marL="0" indent="0">
+              <a:buNone/>
+            </a:pPr>
+            <a:r>
+              <a:rPr lang="zh-CN" altLang="en-US" sz="2800" dirty="0">
+                <a:latin typeface="微软雅黑" panose="020B0503020204020204" pitchFamily="34" charset="-122"/>
+                <a:ea typeface="微软雅黑" panose="020B0503020204020204" pitchFamily="34" charset="-122"/>
+              </a:rPr>
+              <a:t>只需记得它们其实相当于：</a:t>
+            </a:r>
+            <a:endParaRPr lang="en-US" altLang="zh-CN" sz="2800" dirty="0">
               <a:solidFill>
-                <a:srgbClr val="333333"/>
+                <a:schemeClr val="bg1">
+                  <a:lumMod val="65000"/>
+                </a:schemeClr>
               </a:solidFill>
-              <a:effectLst/>
-              <a:latin typeface="Consolas" panose="020B0609020204030204" pitchFamily="49" charset="0"/>
+              <a:latin typeface="微软雅黑" panose="020B0503020204020204" pitchFamily="34" charset="-122"/>
+              <a:ea typeface="微软雅黑" panose="020B0503020204020204" pitchFamily="34" charset="-122"/>
             </a:endParaRPr>
           </a:p>
         </p:txBody>
@@ -12844,7 +13707,7 @@
     </p:spTree>
     <p:extLst>
       <p:ext uri="{BB962C8B-B14F-4D97-AF65-F5344CB8AC3E}">
-        <p14:creationId xmlns:p14="http://schemas.microsoft.com/office/powerpoint/2010/main" val="2444493676"/>
+        <p14:creationId xmlns:p14="http://schemas.microsoft.com/office/powerpoint/2010/main" val="3770904364"/>
       </p:ext>
     </p:extLst>
   </p:cSld>
@@ -12853,16 +13716,134 @@
   </p:clrMapOvr>
   <mc:AlternateContent xmlns:mc="http://schemas.openxmlformats.org/markup-compatibility/2006" xmlns:p14="http://schemas.microsoft.com/office/powerpoint/2010/main">
     <mc:Choice Requires="p14">
-      <p:transition spd="med" p14:dur="700">
-        <p:fade/>
-      </p:transition>
+      <p:transition p14:dur="0"/>
     </mc:Choice>
     <mc:Fallback xmlns="">
-      <p:transition spd="med">
-        <p:fade/>
-      </p:transition>
+      <p:transition/>
     </mc:Fallback>
   </mc:AlternateContent>
+  <p:timing>
+    <p:tnLst>
+      <p:par>
+        <p:cTn id="1" dur="indefinite" restart="never" nodeType="tmRoot">
+          <p:childTnLst>
+            <p:seq concurrent="1" nextAc="seek">
+              <p:cTn id="2" dur="indefinite" nodeType="mainSeq">
+                <p:childTnLst>
+                  <p:par>
+                    <p:cTn id="3" fill="hold">
+                      <p:stCondLst>
+                        <p:cond delay="indefinite"/>
+                      </p:stCondLst>
+                      <p:childTnLst>
+                        <p:par>
+                          <p:cTn id="4" fill="hold">
+                            <p:stCondLst>
+                              <p:cond delay="0"/>
+                            </p:stCondLst>
+                            <p:childTnLst>
+                              <p:par>
+                                <p:cTn id="5" presetID="22" presetClass="entr" presetSubtype="8" fill="hold" grpId="0" nodeType="clickEffect">
+                                  <p:stCondLst>
+                                    <p:cond delay="0"/>
+                                  </p:stCondLst>
+                                  <p:childTnLst>
+                                    <p:set>
+                                      <p:cBhvr>
+                                        <p:cTn id="6" dur="1" fill="hold">
+                                          <p:stCondLst>
+                                            <p:cond delay="0"/>
+                                          </p:stCondLst>
+                                        </p:cTn>
+                                        <p:tgtEl>
+                                          <p:spTgt spid="10"/>
+                                        </p:tgtEl>
+                                        <p:attrNameLst>
+                                          <p:attrName>style.visibility</p:attrName>
+                                        </p:attrNameLst>
+                                      </p:cBhvr>
+                                      <p:to>
+                                        <p:strVal val="visible"/>
+                                      </p:to>
+                                    </p:set>
+                                    <p:animEffect transition="in" filter="wipe(left)">
+                                      <p:cBhvr>
+                                        <p:cTn id="7" dur="500"/>
+                                        <p:tgtEl>
+                                          <p:spTgt spid="10"/>
+                                        </p:tgtEl>
+                                      </p:cBhvr>
+                                    </p:animEffect>
+                                  </p:childTnLst>
+                                </p:cTn>
+                              </p:par>
+                              <p:par>
+                                <p:cTn id="8" presetID="22" presetClass="entr" presetSubtype="8" fill="hold" grpId="0" nodeType="withEffect">
+                                  <p:stCondLst>
+                                    <p:cond delay="0"/>
+                                  </p:stCondLst>
+                                  <p:childTnLst>
+                                    <p:set>
+                                      <p:cBhvr>
+                                        <p:cTn id="9" dur="1" fill="hold">
+                                          <p:stCondLst>
+                                            <p:cond delay="0"/>
+                                          </p:stCondLst>
+                                        </p:cTn>
+                                        <p:tgtEl>
+                                          <p:spTgt spid="8"/>
+                                        </p:tgtEl>
+                                        <p:attrNameLst>
+                                          <p:attrName>style.visibility</p:attrName>
+                                        </p:attrNameLst>
+                                      </p:cBhvr>
+                                      <p:to>
+                                        <p:strVal val="visible"/>
+                                      </p:to>
+                                    </p:set>
+                                    <p:animEffect transition="in" filter="wipe(left)">
+                                      <p:cBhvr>
+                                        <p:cTn id="10" dur="500"/>
+                                        <p:tgtEl>
+                                          <p:spTgt spid="8"/>
+                                        </p:tgtEl>
+                                      </p:cBhvr>
+                                    </p:animEffect>
+                                  </p:childTnLst>
+                                </p:cTn>
+                              </p:par>
+                            </p:childTnLst>
+                          </p:cTn>
+                        </p:par>
+                      </p:childTnLst>
+                    </p:cTn>
+                  </p:par>
+                </p:childTnLst>
+              </p:cTn>
+              <p:prevCondLst>
+                <p:cond evt="onPrev" delay="0">
+                  <p:tgtEl>
+                    <p:sldTgt/>
+                  </p:tgtEl>
+                </p:cond>
+              </p:prevCondLst>
+              <p:nextCondLst>
+                <p:cond evt="onNext" delay="0">
+                  <p:tgtEl>
+                    <p:sldTgt/>
+                  </p:tgtEl>
+                </p:cond>
+              </p:nextCondLst>
+            </p:seq>
+          </p:childTnLst>
+        </p:cTn>
+      </p:par>
+    </p:tnLst>
+    <p:bldLst>
+      <p:bldP spid="8" grpId="0" animBg="1"/>
+      <p:bldP spid="10" grpId="0"/>
+    </p:bldLst>
+  </p:timing>
 </p:sld>
 </file>
 
@@ -12908,11 +13889,11 @@
           <a:p>
             <a:r>
               <a:rPr lang="en-US" altLang="zh-CN" dirty="0"/>
-              <a:t>7.1.3 </a:t>
+              <a:t>7.1.2 </a:t>
             </a:r>
             <a:r>
               <a:rPr lang="zh-CN" altLang="en-US" dirty="0"/>
-              <a:t>求模运算符</a:t>
+              <a:t>获取数值输入</a:t>
             </a:r>
             <a:endParaRPr lang="en-US" altLang="zh-CN" dirty="0"/>
           </a:p>
@@ -12943,45 +13924,1309 @@
               <a:buNone/>
             </a:pPr>
             <a:r>
+              <a:rPr lang="zh-CN" altLang="en-US" dirty="0"/>
+              <a:t>把文本当作数值直接使用，会导致</a:t>
+            </a:r>
+            <a:r>
               <a:rPr lang="zh-CN" altLang="en-US" b="1" dirty="0"/>
-              <a:t>求模运算符（</a:t>
-            </a:r>
-            <a:r>
-              <a:rPr lang="en-US" altLang="zh-CN" sz="2800" b="1" dirty="0">
+              <a:t>类型错误</a:t>
+            </a:r>
+            <a:r>
+              <a:rPr lang="zh-CN" altLang="en-US" dirty="0"/>
+              <a:t>（</a:t>
+            </a:r>
+            <a:r>
+              <a:rPr lang="en-US" altLang="zh-CN" dirty="0" err="1"/>
+              <a:t>TypeError</a:t>
+            </a:r>
+            <a:r>
+              <a:rPr lang="zh-CN" altLang="en-US" dirty="0"/>
+              <a:t>）：</a:t>
+            </a:r>
+            <a:endParaRPr lang="en-US" altLang="zh-CN" dirty="0"/>
+          </a:p>
+        </p:txBody>
+      </p:sp>
+      <p:sp>
+        <p:nvSpPr>
+          <p:cNvPr id="5" name="文本框 4">
+            <a:extLst>
+              <a:ext uri="{FF2B5EF4-FFF2-40B4-BE49-F238E27FC236}">
+                <a16:creationId xmlns:a16="http://schemas.microsoft.com/office/drawing/2014/main" id="{9D54F06E-3165-FC9F-B002-0EAD31B550D3}"/>
+              </a:ext>
+            </a:extLst>
+          </p:cNvPr>
+          <p:cNvSpPr txBox="1"/>
+          <p:nvPr/>
+        </p:nvSpPr>
+        <p:spPr>
+          <a:xfrm>
+            <a:off x="441794" y="4520789"/>
+            <a:ext cx="11308412" cy="1938992"/>
+          </a:xfrm>
+          <a:prstGeom prst="rect">
+            <a:avLst/>
+          </a:prstGeom>
+          <a:noFill/>
+          <a:ln>
+            <a:solidFill>
+              <a:schemeClr val="bg2"/>
+            </a:solidFill>
+          </a:ln>
+        </p:spPr>
+        <p:txBody>
+          <a:bodyPr wrap="square">
+            <a:spAutoFit/>
+          </a:bodyPr>
+          <a:lstStyle/>
+          <a:p>
+            <a:r>
+              <a:rPr lang="zh-CN" altLang="en-US" sz="2400" b="1" dirty="0">
+                <a:solidFill>
+                  <a:srgbClr val="333333"/>
+                </a:solidFill>
+                <a:highlight>
+                  <a:srgbClr val="C0C0C0"/>
+                </a:highlight>
+                <a:latin typeface="Consolas" panose="020B0609020204030204" pitchFamily="49" charset="0"/>
+                <a:ea typeface="微软雅黑" panose="020B0503020204020204" pitchFamily="34" charset="-122"/>
+              </a:rPr>
+              <a:t>运行结果</a:t>
+            </a:r>
+            <a:endParaRPr lang="en-US" altLang="zh-CN" sz="2400" b="1" dirty="0">
+              <a:solidFill>
+                <a:srgbClr val="333333"/>
+              </a:solidFill>
+              <a:highlight>
+                <a:srgbClr val="C0C0C0"/>
+              </a:highlight>
+              <a:latin typeface="Consolas" panose="020B0609020204030204" pitchFamily="49" charset="0"/>
+              <a:ea typeface="微软雅黑" panose="020B0503020204020204" pitchFamily="34" charset="-122"/>
+            </a:endParaRPr>
+          </a:p>
+          <a:p>
+            <a:r>
+              <a:rPr lang="en-US" altLang="zh-CN" sz="2400" dirty="0">
+                <a:solidFill>
+                  <a:srgbClr val="333333"/>
+                </a:solidFill>
+                <a:latin typeface="Consolas" panose="020B0609020204030204" pitchFamily="49" charset="0"/>
+                <a:ea typeface="微软雅黑" panose="020B0503020204020204" pitchFamily="34" charset="-122"/>
+              </a:rPr>
+              <a:t>How old are you? </a:t>
+            </a:r>
+            <a:r>
+              <a:rPr lang="en-US" altLang="zh-CN" sz="2400" b="1" dirty="0">
+                <a:solidFill>
+                  <a:srgbClr val="333333"/>
+                </a:solidFill>
+                <a:latin typeface="Consolas" panose="020B0609020204030204" pitchFamily="49" charset="0"/>
+                <a:ea typeface="微软雅黑" panose="020B0503020204020204" pitchFamily="34" charset="-122"/>
+              </a:rPr>
+              <a:t>21</a:t>
+            </a:r>
+          </a:p>
+          <a:p>
+            <a:r>
+              <a:rPr lang="en-US" altLang="zh-CN" sz="2400" dirty="0">
+                <a:solidFill>
+                  <a:srgbClr val="7F0000"/>
+                </a:solidFill>
+                <a:effectLst/>
+                <a:latin typeface="Consolas" panose="020B0609020204030204" pitchFamily="49" charset="0"/>
+                <a:ea typeface="微软雅黑" panose="020B0503020204020204" pitchFamily="34" charset="-122"/>
+              </a:rPr>
+              <a:t>Traceback (most recent call last):</a:t>
+            </a:r>
+          </a:p>
+          <a:p>
+            <a:r>
+              <a:rPr lang="en-US" altLang="zh-CN" sz="2400" dirty="0">
+                <a:solidFill>
+                  <a:srgbClr val="7F0000"/>
+                </a:solidFill>
+                <a:effectLst/>
+                <a:latin typeface="Consolas" panose="020B0609020204030204" pitchFamily="49" charset="0"/>
+                <a:ea typeface="微软雅黑" panose="020B0503020204020204" pitchFamily="34" charset="-122"/>
+              </a:rPr>
+              <a:t>  File "&lt;stdin&gt;", line 1, in &lt;module&gt;</a:t>
+            </a:r>
+          </a:p>
+          <a:p>
+            <a:r>
+              <a:rPr lang="en-US" altLang="zh-CN" sz="2400" dirty="0" err="1">
+                <a:solidFill>
+                  <a:srgbClr val="7F0000"/>
+                </a:solidFill>
+                <a:effectLst/>
+                <a:latin typeface="Consolas" panose="020B0609020204030204" pitchFamily="49" charset="0"/>
+                <a:ea typeface="微软雅黑" panose="020B0503020204020204" pitchFamily="34" charset="-122"/>
+              </a:rPr>
+              <a:t>TypeError</a:t>
+            </a:r>
+            <a:r>
+              <a:rPr lang="en-US" altLang="zh-CN" sz="2400" dirty="0">
+                <a:solidFill>
+                  <a:srgbClr val="7F0000"/>
+                </a:solidFill>
+                <a:effectLst/>
+                <a:latin typeface="Consolas" panose="020B0609020204030204" pitchFamily="49" charset="0"/>
+                <a:ea typeface="微软雅黑" panose="020B0503020204020204" pitchFamily="34" charset="-122"/>
+              </a:rPr>
+              <a:t>: '&gt;=' not supported between instances of 'str' and 'int'</a:t>
+            </a:r>
+            <a:endParaRPr lang="pl-PL" altLang="zh-CN" sz="2400" dirty="0">
+              <a:solidFill>
+                <a:srgbClr val="7F0000"/>
+              </a:solidFill>
+              <a:effectLst/>
+              <a:latin typeface="Consolas" panose="020B0609020204030204" pitchFamily="49" charset="0"/>
+              <a:ea typeface="微软雅黑" panose="020B0503020204020204" pitchFamily="34" charset="-122"/>
+            </a:endParaRPr>
+          </a:p>
+        </p:txBody>
+      </p:sp>
+      <p:pic>
+        <p:nvPicPr>
+          <p:cNvPr id="6" name="图片 5">
+            <a:extLst>
+              <a:ext uri="{FF2B5EF4-FFF2-40B4-BE49-F238E27FC236}">
+                <a16:creationId xmlns:a16="http://schemas.microsoft.com/office/drawing/2014/main" id="{11B76E9F-E6EA-4C26-A0A5-3A7A5A0C4732}"/>
+              </a:ext>
+            </a:extLst>
+          </p:cNvPr>
+          <p:cNvPicPr>
+            <a:picLocks noChangeAspect="1"/>
+          </p:cNvPicPr>
+          <p:nvPr/>
+        </p:nvPicPr>
+        <p:blipFill>
+          <a:blip r:embed="rId3">
+            <a:extLst>
+              <a:ext uri="{28A0092B-C50C-407E-A947-70E740481C1C}">
+                <a14:useLocalDpi xmlns:a14="http://schemas.microsoft.com/office/drawing/2010/main" val="0"/>
+              </a:ext>
+            </a:extLst>
+          </a:blip>
+          <a:stretch>
+            <a:fillRect/>
+          </a:stretch>
+        </p:blipFill>
+        <p:spPr>
+          <a:xfrm>
+            <a:off x="3787316" y="4933335"/>
+            <a:ext cx="425337" cy="392301"/>
+          </a:xfrm>
+          <a:prstGeom prst="rect">
+            <a:avLst/>
+          </a:prstGeom>
+        </p:spPr>
+      </p:pic>
+      <p:sp>
+        <p:nvSpPr>
+          <p:cNvPr id="7" name="文本框 6">
+            <a:extLst>
+              <a:ext uri="{FF2B5EF4-FFF2-40B4-BE49-F238E27FC236}">
+                <a16:creationId xmlns:a16="http://schemas.microsoft.com/office/drawing/2014/main" id="{78D2246A-A1AF-1C48-2FE0-B4254E0AFA92}"/>
+              </a:ext>
+            </a:extLst>
+          </p:cNvPr>
+          <p:cNvSpPr txBox="1"/>
+          <p:nvPr/>
+        </p:nvSpPr>
+        <p:spPr>
+          <a:xfrm>
+            <a:off x="3038475" y="3239912"/>
+            <a:ext cx="5925643" cy="830997"/>
+          </a:xfrm>
+          <a:prstGeom prst="rect">
+            <a:avLst/>
+          </a:prstGeom>
+          <a:noFill/>
+          <a:ln>
+            <a:solidFill>
+              <a:schemeClr val="bg2"/>
+            </a:solidFill>
+          </a:ln>
+        </p:spPr>
+        <p:txBody>
+          <a:bodyPr wrap="square">
+            <a:spAutoFit/>
+          </a:bodyPr>
+          <a:lstStyle/>
+          <a:p>
+            <a:r>
+              <a:rPr lang="en-US" altLang="zh-CN" sz="2400" b="1" dirty="0">
+                <a:solidFill>
+                  <a:srgbClr val="333333"/>
+                </a:solidFill>
+                <a:effectLst/>
+                <a:latin typeface="Consolas" panose="020B0609020204030204" pitchFamily="49" charset="0"/>
+              </a:rPr>
+              <a:t>age </a:t>
+            </a:r>
+            <a:r>
+              <a:rPr lang="en-US" altLang="zh-CN" sz="2400" b="1" dirty="0">
                 <a:solidFill>
                   <a:srgbClr val="A71D5D"/>
                 </a:solidFill>
                 <a:effectLst/>
                 <a:latin typeface="Consolas" panose="020B0609020204030204" pitchFamily="49" charset="0"/>
               </a:rPr>
-              <a:t>%</a:t>
-            </a:r>
-            <a:r>
-              <a:rPr lang="zh-CN" altLang="en-US" b="1" dirty="0"/>
-              <a:t>）</a:t>
+              <a:t>= </a:t>
+            </a:r>
+            <a:r>
+              <a:rPr lang="en-US" altLang="zh-CN" sz="2400" b="1" dirty="0">
+                <a:solidFill>
+                  <a:srgbClr val="0200BD"/>
+                </a:solidFill>
+                <a:effectLst/>
+                <a:latin typeface="Consolas" panose="020B0609020204030204" pitchFamily="49" charset="0"/>
+              </a:rPr>
+              <a:t>input</a:t>
+            </a:r>
+            <a:r>
+              <a:rPr lang="en-US" altLang="zh-CN" sz="2400" b="1" dirty="0">
+                <a:solidFill>
+                  <a:srgbClr val="3F9101"/>
+                </a:solidFill>
+                <a:effectLst/>
+                <a:latin typeface="Consolas" panose="020B0609020204030204" pitchFamily="49" charset="0"/>
+              </a:rPr>
+              <a:t>(</a:t>
+            </a:r>
+            <a:r>
+              <a:rPr lang="en-US" altLang="zh-CN" sz="2400" b="1" dirty="0">
+                <a:solidFill>
+                  <a:srgbClr val="F2612A"/>
+                </a:solidFill>
+                <a:effectLst/>
+                <a:latin typeface="Consolas" panose="020B0609020204030204" pitchFamily="49" charset="0"/>
+              </a:rPr>
+              <a:t>"How old are you? "</a:t>
+            </a:r>
+            <a:r>
+              <a:rPr lang="en-US" altLang="zh-CN" sz="2400" b="1" dirty="0">
+                <a:solidFill>
+                  <a:srgbClr val="3F9101"/>
+                </a:solidFill>
+                <a:effectLst/>
+                <a:latin typeface="Consolas" panose="020B0609020204030204" pitchFamily="49" charset="0"/>
+              </a:rPr>
+              <a:t>)</a:t>
+            </a:r>
+            <a:br>
+              <a:rPr lang="en-US" altLang="zh-CN" sz="2400" b="1" dirty="0">
+                <a:solidFill>
+                  <a:srgbClr val="3F9101"/>
+                </a:solidFill>
+                <a:effectLst/>
+                <a:latin typeface="Consolas" panose="020B0609020204030204" pitchFamily="49" charset="0"/>
+              </a:rPr>
+            </a:br>
+            <a:r>
+              <a:rPr lang="en-US" altLang="zh-CN" sz="2400" b="1" dirty="0">
+                <a:solidFill>
+                  <a:srgbClr val="0200BD"/>
+                </a:solidFill>
+                <a:effectLst/>
+                <a:latin typeface="Consolas" panose="020B0609020204030204" pitchFamily="49" charset="0"/>
+              </a:rPr>
+              <a:t>print</a:t>
+            </a:r>
+            <a:r>
+              <a:rPr lang="en-US" altLang="zh-CN" sz="2400" b="1" dirty="0">
+                <a:solidFill>
+                  <a:srgbClr val="3F9101"/>
+                </a:solidFill>
+                <a:effectLst/>
+                <a:latin typeface="Consolas" panose="020B0609020204030204" pitchFamily="49" charset="0"/>
+              </a:rPr>
+              <a:t>(</a:t>
+            </a:r>
+            <a:r>
+              <a:rPr lang="en-US" altLang="zh-CN" sz="2400" b="1" dirty="0">
+                <a:solidFill>
+                  <a:srgbClr val="333333"/>
+                </a:solidFill>
+                <a:effectLst/>
+                <a:latin typeface="Consolas" panose="020B0609020204030204" pitchFamily="49" charset="0"/>
+              </a:rPr>
+              <a:t>age </a:t>
+            </a:r>
+            <a:r>
+              <a:rPr lang="en-US" altLang="zh-CN" sz="2400" b="1" dirty="0">
+                <a:solidFill>
+                  <a:srgbClr val="A71D5D"/>
+                </a:solidFill>
+                <a:effectLst/>
+                <a:latin typeface="Consolas" panose="020B0609020204030204" pitchFamily="49" charset="0"/>
+              </a:rPr>
+              <a:t>&gt;= </a:t>
+            </a:r>
+            <a:r>
+              <a:rPr lang="en-US" altLang="zh-CN" sz="2400" b="1" dirty="0">
+                <a:solidFill>
+                  <a:srgbClr val="2E6446"/>
+                </a:solidFill>
+                <a:effectLst/>
+                <a:latin typeface="Consolas" panose="020B0609020204030204" pitchFamily="49" charset="0"/>
+              </a:rPr>
+              <a:t>18</a:t>
+            </a:r>
+            <a:r>
+              <a:rPr lang="en-US" altLang="zh-CN" sz="2400" b="1" dirty="0">
+                <a:solidFill>
+                  <a:srgbClr val="3F9101"/>
+                </a:solidFill>
+                <a:effectLst/>
+                <a:latin typeface="Consolas" panose="020B0609020204030204" pitchFamily="49" charset="0"/>
+              </a:rPr>
+              <a:t>)</a:t>
+            </a:r>
+            <a:endParaRPr lang="en-US" altLang="zh-CN" sz="2400" b="1" dirty="0">
+              <a:solidFill>
+                <a:srgbClr val="333333"/>
+              </a:solidFill>
+              <a:effectLst/>
+              <a:latin typeface="Consolas" panose="020B0609020204030204" pitchFamily="49" charset="0"/>
+            </a:endParaRPr>
+          </a:p>
+        </p:txBody>
+      </p:sp>
+    </p:spTree>
+    <p:extLst>
+      <p:ext uri="{BB962C8B-B14F-4D97-AF65-F5344CB8AC3E}">
+        <p14:creationId xmlns:p14="http://schemas.microsoft.com/office/powerpoint/2010/main" val="2449811789"/>
+      </p:ext>
+    </p:extLst>
+  </p:cSld>
+  <p:clrMapOvr>
+    <a:masterClrMapping/>
+  </p:clrMapOvr>
+  <mc:AlternateContent xmlns:mc="http://schemas.openxmlformats.org/markup-compatibility/2006" xmlns:p14="http://schemas.microsoft.com/office/powerpoint/2010/main">
+    <mc:Choice Requires="p14">
+      <p:transition spd="med" p14:dur="700">
+        <p:fade/>
+      </p:transition>
+    </mc:Choice>
+    <mc:Fallback xmlns="">
+      <p:transition spd="med">
+        <p:fade/>
+      </p:transition>
+    </mc:Fallback>
+  </mc:AlternateContent>
+  <p:timing>
+    <p:tnLst>
+      <p:par>
+        <p:cTn id="1" dur="indefinite" restart="never" nodeType="tmRoot">
+          <p:childTnLst>
+            <p:seq concurrent="1" nextAc="seek">
+              <p:cTn id="2" dur="indefinite" nodeType="mainSeq">
+                <p:childTnLst>
+                  <p:par>
+                    <p:cTn id="3" fill="hold">
+                      <p:stCondLst>
+                        <p:cond delay="indefinite"/>
+                      </p:stCondLst>
+                      <p:childTnLst>
+                        <p:par>
+                          <p:cTn id="4" fill="hold">
+                            <p:stCondLst>
+                              <p:cond delay="0"/>
+                            </p:stCondLst>
+                            <p:childTnLst>
+                              <p:par>
+                                <p:cTn id="5" presetID="1" presetClass="entr" presetSubtype="0" fill="hold" grpId="0" nodeType="clickEffect">
+                                  <p:stCondLst>
+                                    <p:cond delay="0"/>
+                                  </p:stCondLst>
+                                  <p:childTnLst>
+                                    <p:set>
+                                      <p:cBhvr>
+                                        <p:cTn id="6" dur="1" fill="hold">
+                                          <p:stCondLst>
+                                            <p:cond delay="0"/>
+                                          </p:stCondLst>
+                                        </p:cTn>
+                                        <p:tgtEl>
+                                          <p:spTgt spid="7"/>
+                                        </p:tgtEl>
+                                        <p:attrNameLst>
+                                          <p:attrName>style.visibility</p:attrName>
+                                        </p:attrNameLst>
+                                      </p:cBhvr>
+                                      <p:to>
+                                        <p:strVal val="visible"/>
+                                      </p:to>
+                                    </p:set>
+                                  </p:childTnLst>
+                                </p:cTn>
+                              </p:par>
+                            </p:childTnLst>
+                          </p:cTn>
+                        </p:par>
+                      </p:childTnLst>
+                    </p:cTn>
+                  </p:par>
+                  <p:par>
+                    <p:cTn id="7" fill="hold">
+                      <p:stCondLst>
+                        <p:cond delay="indefinite"/>
+                      </p:stCondLst>
+                      <p:childTnLst>
+                        <p:par>
+                          <p:cTn id="8" fill="hold">
+                            <p:stCondLst>
+                              <p:cond delay="0"/>
+                            </p:stCondLst>
+                            <p:childTnLst>
+                              <p:par>
+                                <p:cTn id="9" presetID="1" presetClass="entr" presetSubtype="0" fill="hold" grpId="0" nodeType="clickEffect">
+                                  <p:stCondLst>
+                                    <p:cond delay="0"/>
+                                  </p:stCondLst>
+                                  <p:childTnLst>
+                                    <p:set>
+                                      <p:cBhvr>
+                                        <p:cTn id="10" dur="1" fill="hold">
+                                          <p:stCondLst>
+                                            <p:cond delay="0"/>
+                                          </p:stCondLst>
+                                        </p:cTn>
+                                        <p:tgtEl>
+                                          <p:spTgt spid="5"/>
+                                        </p:tgtEl>
+                                        <p:attrNameLst>
+                                          <p:attrName>style.visibility</p:attrName>
+                                        </p:attrNameLst>
+                                      </p:cBhvr>
+                                      <p:to>
+                                        <p:strVal val="visible"/>
+                                      </p:to>
+                                    </p:set>
+                                  </p:childTnLst>
+                                </p:cTn>
+                              </p:par>
+                              <p:par>
+                                <p:cTn id="11" presetID="1" presetClass="entr" presetSubtype="0" fill="hold" nodeType="withEffect">
+                                  <p:stCondLst>
+                                    <p:cond delay="0"/>
+                                  </p:stCondLst>
+                                  <p:childTnLst>
+                                    <p:set>
+                                      <p:cBhvr>
+                                        <p:cTn id="12" dur="1" fill="hold">
+                                          <p:stCondLst>
+                                            <p:cond delay="0"/>
+                                          </p:stCondLst>
+                                        </p:cTn>
+                                        <p:tgtEl>
+                                          <p:spTgt spid="6"/>
+                                        </p:tgtEl>
+                                        <p:attrNameLst>
+                                          <p:attrName>style.visibility</p:attrName>
+                                        </p:attrNameLst>
+                                      </p:cBhvr>
+                                      <p:to>
+                                        <p:strVal val="visible"/>
+                                      </p:to>
+                                    </p:set>
+                                  </p:childTnLst>
+                                </p:cTn>
+                              </p:par>
+                            </p:childTnLst>
+                          </p:cTn>
+                        </p:par>
+                      </p:childTnLst>
+                    </p:cTn>
+                  </p:par>
+                </p:childTnLst>
+              </p:cTn>
+              <p:prevCondLst>
+                <p:cond evt="onPrev" delay="0">
+                  <p:tgtEl>
+                    <p:sldTgt/>
+                  </p:tgtEl>
+                </p:cond>
+              </p:prevCondLst>
+              <p:nextCondLst>
+                <p:cond evt="onNext" delay="0">
+                  <p:tgtEl>
+                    <p:sldTgt/>
+                  </p:tgtEl>
+                </p:cond>
+              </p:nextCondLst>
+            </p:seq>
+          </p:childTnLst>
+        </p:cTn>
+      </p:par>
+    </p:tnLst>
+    <p:bldLst>
+      <p:bldP spid="5" grpId="0" animBg="1"/>
+      <p:bldP spid="7" grpId="0" animBg="1"/>
+    </p:bldLst>
+  </p:timing>
+</p:sld>
+</file>
+
+<file path=ppt/slides/slide12.xml><?xml version="1.0" encoding="utf-8"?>
+<p:sld xmlns:a="http://schemas.openxmlformats.org/drawingml/2006/main" xmlns:r="http://schemas.openxmlformats.org/officeDocument/2006/relationships" xmlns:p="http://schemas.openxmlformats.org/presentationml/2006/main">
+  <p:cSld>
+    <p:spTree>
+      <p:nvGrpSpPr>
+        <p:cNvPr id="1" name=""/>
+        <p:cNvGrpSpPr/>
+        <p:nvPr/>
+      </p:nvGrpSpPr>
+      <p:grpSpPr>
+        <a:xfrm>
+          <a:off x="0" y="0"/>
+          <a:ext cx="0" cy="0"/>
+          <a:chOff x="0" y="0"/>
+          <a:chExt cx="0" cy="0"/>
+        </a:xfrm>
+      </p:grpSpPr>
+      <p:sp>
+        <p:nvSpPr>
+          <p:cNvPr id="2" name="标题 1">
+            <a:extLst>
+              <a:ext uri="{FF2B5EF4-FFF2-40B4-BE49-F238E27FC236}">
+                <a16:creationId xmlns:a16="http://schemas.microsoft.com/office/drawing/2014/main" id="{BAD162F0-2175-84E9-2387-55F669162449}"/>
+              </a:ext>
+            </a:extLst>
+          </p:cNvPr>
+          <p:cNvSpPr>
+            <a:spLocks noGrp="1"/>
+          </p:cNvSpPr>
+          <p:nvPr>
+            <p:ph type="title"/>
+          </p:nvPr>
+        </p:nvSpPr>
+        <p:spPr/>
+        <p:txBody>
+          <a:bodyPr>
+            <a:normAutofit/>
+          </a:bodyPr>
+          <a:lstStyle/>
+          <a:p>
+            <a:r>
+              <a:rPr lang="en-US" altLang="zh-CN" dirty="0"/>
+              <a:t>7.1.2 </a:t>
             </a:r>
             <a:r>
               <a:rPr lang="zh-CN" altLang="en-US" dirty="0"/>
-              <a:t>：将两个数相除并</a:t>
-            </a:r>
-            <a:r>
-              <a:rPr lang="zh-CN" altLang="en-US" u="sng" dirty="0"/>
-              <a:t>返回余数</a:t>
-            </a:r>
-            <a:r>
-              <a:rPr lang="zh-CN" altLang="en-US" dirty="0"/>
-              <a:t>。</a:t>
+              <a:t>获取数值输入</a:t>
             </a:r>
             <a:endParaRPr lang="en-US" altLang="zh-CN" dirty="0"/>
           </a:p>
+        </p:txBody>
+      </p:sp>
+      <p:sp>
+        <p:nvSpPr>
+          <p:cNvPr id="4" name="内容占位符 3">
+            <a:extLst>
+              <a:ext uri="{FF2B5EF4-FFF2-40B4-BE49-F238E27FC236}">
+                <a16:creationId xmlns:a16="http://schemas.microsoft.com/office/drawing/2014/main" id="{35A047B7-1977-6D79-E59E-4B1E2C174AC6}"/>
+              </a:ext>
+            </a:extLst>
+          </p:cNvPr>
+          <p:cNvSpPr>
+            <a:spLocks noGrp="1"/>
+          </p:cNvSpPr>
+          <p:nvPr>
+            <p:ph idx="1"/>
+          </p:nvPr>
+        </p:nvSpPr>
+        <p:spPr/>
+        <p:txBody>
+          <a:bodyPr/>
+          <a:lstStyle/>
           <a:p>
             <a:pPr marL="0" indent="0">
               <a:buNone/>
             </a:pPr>
             <a:r>
+              <a:rPr lang="en-US" altLang="zh-CN" sz="2800" dirty="0">
+                <a:solidFill>
+                  <a:srgbClr val="0200BD"/>
+                </a:solidFill>
+                <a:effectLst/>
+                <a:latin typeface="Consolas" panose="020B0609020204030204" pitchFamily="49" charset="0"/>
+              </a:rPr>
+              <a:t>int</a:t>
+            </a:r>
+            <a:r>
+              <a:rPr lang="en-US" altLang="zh-CN" sz="2800" dirty="0">
+                <a:solidFill>
+                  <a:srgbClr val="3F9101"/>
+                </a:solidFill>
+                <a:effectLst/>
+                <a:latin typeface="Consolas" panose="020B0609020204030204" pitchFamily="49" charset="0"/>
+              </a:rPr>
+              <a:t>() </a:t>
+            </a:r>
+            <a:r>
               <a:rPr lang="zh-CN" altLang="en-US" dirty="0"/>
-              <a:t>取模运算有很多妙用，比如可以用它来判断一个数是否是偶数：</a:t>
-            </a:r>
+              <a:t>函数：将文本转换为数值</a:t>
+            </a:r>
+            <a:endParaRPr lang="en-US" altLang="zh-CN" dirty="0"/>
+          </a:p>
+          <a:p>
+            <a:pPr marL="0" indent="0">
+              <a:buNone/>
+            </a:pPr>
+            <a:r>
+              <a:rPr lang="zh-CN" altLang="en-US" dirty="0"/>
+              <a:t>我们可以在执行数值相关操作前，把用户的输入转换为数值类型：</a:t>
+            </a:r>
+            <a:endParaRPr lang="en-US" altLang="zh-CN" dirty="0"/>
+          </a:p>
+        </p:txBody>
+      </p:sp>
+      <p:sp>
+        <p:nvSpPr>
+          <p:cNvPr id="3" name="文本框 2">
+            <a:extLst>
+              <a:ext uri="{FF2B5EF4-FFF2-40B4-BE49-F238E27FC236}">
+                <a16:creationId xmlns:a16="http://schemas.microsoft.com/office/drawing/2014/main" id="{3C39DBB2-C0F1-B995-3E7F-E251E81D2956}"/>
+              </a:ext>
+            </a:extLst>
+          </p:cNvPr>
+          <p:cNvSpPr txBox="1"/>
+          <p:nvPr/>
+        </p:nvSpPr>
+        <p:spPr>
+          <a:xfrm>
+            <a:off x="3038475" y="3239912"/>
+            <a:ext cx="5925643" cy="1200329"/>
+          </a:xfrm>
+          <a:prstGeom prst="rect">
+            <a:avLst/>
+          </a:prstGeom>
+          <a:noFill/>
+          <a:ln>
+            <a:solidFill>
+              <a:schemeClr val="bg2"/>
+            </a:solidFill>
+          </a:ln>
+        </p:spPr>
+        <p:txBody>
+          <a:bodyPr wrap="square">
+            <a:spAutoFit/>
+          </a:bodyPr>
+          <a:lstStyle/>
+          <a:p>
+            <a:r>
+              <a:rPr lang="en-US" altLang="zh-CN" sz="2400" b="1" dirty="0">
+                <a:solidFill>
+                  <a:schemeClr val="bg1">
+                    <a:lumMod val="65000"/>
+                  </a:schemeClr>
+                </a:solidFill>
+                <a:effectLst/>
+                <a:latin typeface="Consolas" panose="020B0609020204030204" pitchFamily="49" charset="0"/>
+              </a:rPr>
+              <a:t>age = input("How old are you? ")</a:t>
+            </a:r>
+            <a:br>
+              <a:rPr lang="en-US" altLang="zh-CN" sz="2400" b="1" dirty="0">
+                <a:solidFill>
+                  <a:schemeClr val="bg1">
+                    <a:lumMod val="65000"/>
+                  </a:schemeClr>
+                </a:solidFill>
+                <a:effectLst/>
+                <a:latin typeface="Consolas" panose="020B0609020204030204" pitchFamily="49" charset="0"/>
+              </a:rPr>
+            </a:br>
+            <a:r>
+              <a:rPr lang="en-US" altLang="zh-CN" sz="2400" b="1" dirty="0">
+                <a:solidFill>
+                  <a:srgbClr val="333333"/>
+                </a:solidFill>
+                <a:effectLst/>
+                <a:latin typeface="Consolas" panose="020B0609020204030204" pitchFamily="49" charset="0"/>
+              </a:rPr>
+              <a:t>age </a:t>
+            </a:r>
+            <a:r>
+              <a:rPr lang="en-US" altLang="zh-CN" sz="2400" b="1" dirty="0">
+                <a:solidFill>
+                  <a:srgbClr val="A71D5D"/>
+                </a:solidFill>
+                <a:effectLst/>
+                <a:latin typeface="Consolas" panose="020B0609020204030204" pitchFamily="49" charset="0"/>
+              </a:rPr>
+              <a:t>= </a:t>
+            </a:r>
+            <a:r>
+              <a:rPr lang="en-US" altLang="zh-CN" sz="2400" b="1" dirty="0">
+                <a:solidFill>
+                  <a:srgbClr val="0200BD"/>
+                </a:solidFill>
+                <a:effectLst/>
+                <a:latin typeface="Consolas" panose="020B0609020204030204" pitchFamily="49" charset="0"/>
+              </a:rPr>
+              <a:t>int</a:t>
+            </a:r>
+            <a:r>
+              <a:rPr lang="en-US" altLang="zh-CN" sz="2400" b="1" dirty="0">
+                <a:solidFill>
+                  <a:srgbClr val="3F9101"/>
+                </a:solidFill>
+                <a:effectLst/>
+                <a:latin typeface="Consolas" panose="020B0609020204030204" pitchFamily="49" charset="0"/>
+              </a:rPr>
+              <a:t>(</a:t>
+            </a:r>
+            <a:r>
+              <a:rPr lang="en-US" altLang="zh-CN" sz="2400" b="1" dirty="0">
+                <a:solidFill>
+                  <a:srgbClr val="333333"/>
+                </a:solidFill>
+                <a:effectLst/>
+                <a:latin typeface="Consolas" panose="020B0609020204030204" pitchFamily="49" charset="0"/>
+              </a:rPr>
+              <a:t>age</a:t>
+            </a:r>
+            <a:r>
+              <a:rPr lang="en-US" altLang="zh-CN" sz="2400" b="1" dirty="0">
+                <a:solidFill>
+                  <a:srgbClr val="3F9101"/>
+                </a:solidFill>
+                <a:effectLst/>
+                <a:latin typeface="Consolas" panose="020B0609020204030204" pitchFamily="49" charset="0"/>
+              </a:rPr>
+              <a:t>)</a:t>
+            </a:r>
+            <a:br>
+              <a:rPr lang="en-US" altLang="zh-CN" sz="2400" b="1" dirty="0">
+                <a:solidFill>
+                  <a:srgbClr val="3F9101"/>
+                </a:solidFill>
+                <a:effectLst/>
+                <a:latin typeface="Consolas" panose="020B0609020204030204" pitchFamily="49" charset="0"/>
+              </a:rPr>
+            </a:br>
+            <a:r>
+              <a:rPr lang="en-US" altLang="zh-CN" sz="2400" b="1" dirty="0">
+                <a:solidFill>
+                  <a:schemeClr val="bg1">
+                    <a:lumMod val="65000"/>
+                  </a:schemeClr>
+                </a:solidFill>
+                <a:effectLst/>
+                <a:latin typeface="Consolas" panose="020B0609020204030204" pitchFamily="49" charset="0"/>
+              </a:rPr>
+              <a:t>print(age &gt;= 18)</a:t>
+            </a:r>
+          </a:p>
+        </p:txBody>
+      </p:sp>
+      <p:sp>
+        <p:nvSpPr>
+          <p:cNvPr id="6" name="文本框 5">
+            <a:extLst>
+              <a:ext uri="{FF2B5EF4-FFF2-40B4-BE49-F238E27FC236}">
+                <a16:creationId xmlns:a16="http://schemas.microsoft.com/office/drawing/2014/main" id="{3CA307D9-D3F1-8304-54A9-9D7B9987AB27}"/>
+              </a:ext>
+            </a:extLst>
+          </p:cNvPr>
+          <p:cNvSpPr txBox="1"/>
+          <p:nvPr/>
+        </p:nvSpPr>
+        <p:spPr>
+          <a:xfrm>
+            <a:off x="3038474" y="4866043"/>
+            <a:ext cx="5925643" cy="1200329"/>
+          </a:xfrm>
+          <a:prstGeom prst="rect">
+            <a:avLst/>
+          </a:prstGeom>
+          <a:noFill/>
+          <a:ln>
+            <a:solidFill>
+              <a:schemeClr val="bg2"/>
+            </a:solidFill>
+          </a:ln>
+        </p:spPr>
+        <p:txBody>
+          <a:bodyPr wrap="square">
+            <a:spAutoFit/>
+          </a:bodyPr>
+          <a:lstStyle/>
+          <a:p>
+            <a:r>
+              <a:rPr lang="zh-CN" altLang="en-US" sz="2400" b="1" dirty="0">
+                <a:solidFill>
+                  <a:srgbClr val="333333"/>
+                </a:solidFill>
+                <a:highlight>
+                  <a:srgbClr val="C0C0C0"/>
+                </a:highlight>
+                <a:latin typeface="Consolas" panose="020B0609020204030204" pitchFamily="49" charset="0"/>
+                <a:ea typeface="微软雅黑" panose="020B0503020204020204" pitchFamily="34" charset="-122"/>
+              </a:rPr>
+              <a:t>运行结果</a:t>
+            </a:r>
+            <a:endParaRPr lang="en-US" altLang="zh-CN" sz="2400" b="1" dirty="0">
+              <a:solidFill>
+                <a:srgbClr val="333333"/>
+              </a:solidFill>
+              <a:highlight>
+                <a:srgbClr val="C0C0C0"/>
+              </a:highlight>
+              <a:latin typeface="Consolas" panose="020B0609020204030204" pitchFamily="49" charset="0"/>
+              <a:ea typeface="微软雅黑" panose="020B0503020204020204" pitchFamily="34" charset="-122"/>
+            </a:endParaRPr>
+          </a:p>
+          <a:p>
+            <a:r>
+              <a:rPr lang="en-US" altLang="zh-CN" sz="2400" dirty="0">
+                <a:solidFill>
+                  <a:srgbClr val="333333"/>
+                </a:solidFill>
+                <a:latin typeface="Consolas" panose="020B0609020204030204" pitchFamily="49" charset="0"/>
+                <a:ea typeface="微软雅黑" panose="020B0503020204020204" pitchFamily="34" charset="-122"/>
+              </a:rPr>
+              <a:t>How old are you? </a:t>
+            </a:r>
+            <a:r>
+              <a:rPr lang="en-US" altLang="zh-CN" sz="2400" b="1" dirty="0">
+                <a:solidFill>
+                  <a:srgbClr val="333333"/>
+                </a:solidFill>
+                <a:latin typeface="Consolas" panose="020B0609020204030204" pitchFamily="49" charset="0"/>
+                <a:ea typeface="微软雅黑" panose="020B0503020204020204" pitchFamily="34" charset="-122"/>
+              </a:rPr>
+              <a:t>21</a:t>
+            </a:r>
+          </a:p>
+          <a:p>
+            <a:r>
+              <a:rPr lang="en-US" altLang="zh-CN" sz="2400" dirty="0">
+                <a:solidFill>
+                  <a:srgbClr val="333333"/>
+                </a:solidFill>
+                <a:latin typeface="Consolas" panose="020B0609020204030204" pitchFamily="49" charset="0"/>
+                <a:ea typeface="微软雅黑" panose="020B0503020204020204" pitchFamily="34" charset="-122"/>
+              </a:rPr>
+              <a:t>True</a:t>
+            </a:r>
+          </a:p>
+        </p:txBody>
+      </p:sp>
+      <p:pic>
+        <p:nvPicPr>
+          <p:cNvPr id="5" name="图片 4">
+            <a:extLst>
+              <a:ext uri="{FF2B5EF4-FFF2-40B4-BE49-F238E27FC236}">
+                <a16:creationId xmlns:a16="http://schemas.microsoft.com/office/drawing/2014/main" id="{7FCFBBC9-05B9-BB38-1742-3439380552F9}"/>
+              </a:ext>
+            </a:extLst>
+          </p:cNvPr>
+          <p:cNvPicPr>
+            <a:picLocks noChangeAspect="1"/>
+          </p:cNvPicPr>
+          <p:nvPr/>
+        </p:nvPicPr>
+        <p:blipFill>
+          <a:blip r:embed="rId3">
+            <a:extLst>
+              <a:ext uri="{28A0092B-C50C-407E-A947-70E740481C1C}">
+                <a14:useLocalDpi xmlns:a14="http://schemas.microsoft.com/office/drawing/2010/main" val="0"/>
+              </a:ext>
+            </a:extLst>
+          </a:blip>
+          <a:stretch>
+            <a:fillRect/>
+          </a:stretch>
+        </p:blipFill>
+        <p:spPr>
+          <a:xfrm>
+            <a:off x="6380947" y="5297747"/>
+            <a:ext cx="388564" cy="358384"/>
+          </a:xfrm>
+          <a:prstGeom prst="rect">
+            <a:avLst/>
+          </a:prstGeom>
+        </p:spPr>
+      </p:pic>
+      <p:sp>
+        <p:nvSpPr>
+          <p:cNvPr id="7" name="箭头: 右 6">
+            <a:extLst>
+              <a:ext uri="{FF2B5EF4-FFF2-40B4-BE49-F238E27FC236}">
+                <a16:creationId xmlns:a16="http://schemas.microsoft.com/office/drawing/2014/main" id="{098642FE-2F01-F2FB-AB18-D87DEF16564E}"/>
+              </a:ext>
+            </a:extLst>
+          </p:cNvPr>
+          <p:cNvSpPr/>
+          <p:nvPr/>
+        </p:nvSpPr>
+        <p:spPr>
+          <a:xfrm>
+            <a:off x="2541946" y="3691311"/>
+            <a:ext cx="388040" cy="297529"/>
+          </a:xfrm>
+          <a:prstGeom prst="rightArrow">
+            <a:avLst/>
+          </a:prstGeom>
+        </p:spPr>
+        <p:style>
+          <a:lnRef idx="2">
+            <a:schemeClr val="accent1">
+              <a:shade val="50000"/>
+            </a:schemeClr>
+          </a:lnRef>
+          <a:fillRef idx="1">
+            <a:schemeClr val="accent1"/>
+          </a:fillRef>
+          <a:effectRef idx="0">
+            <a:schemeClr val="accent1"/>
+          </a:effectRef>
+          <a:fontRef idx="minor">
+            <a:schemeClr val="lt1"/>
+          </a:fontRef>
+        </p:style>
+        <p:txBody>
+          <a:bodyPr rtlCol="0" anchor="ctr"/>
+          <a:lstStyle/>
+          <a:p>
+            <a:pPr algn="ctr"/>
+            <a:endParaRPr lang="zh-CN" altLang="en-US"/>
+          </a:p>
+        </p:txBody>
+      </p:sp>
+    </p:spTree>
+    <p:extLst>
+      <p:ext uri="{BB962C8B-B14F-4D97-AF65-F5344CB8AC3E}">
+        <p14:creationId xmlns:p14="http://schemas.microsoft.com/office/powerpoint/2010/main" val="499574398"/>
+      </p:ext>
+    </p:extLst>
+  </p:cSld>
+  <p:clrMapOvr>
+    <a:masterClrMapping/>
+  </p:clrMapOvr>
+  <mc:AlternateContent xmlns:mc="http://schemas.openxmlformats.org/markup-compatibility/2006">
+    <mc:Choice xmlns:p159="http://schemas.microsoft.com/office/powerpoint/2015/09/main" Requires="p159">
+      <p:transition xmlns:p14="http://schemas.microsoft.com/office/powerpoint/2010/main" spd="med" p14:dur="700">
+        <p159:morph option="byWord"/>
+      </p:transition>
+    </mc:Choice>
+    <mc:Fallback>
+      <p:transition spd="med">
+        <p:fade/>
+      </p:transition>
+    </mc:Fallback>
+  </mc:AlternateContent>
+  <p:timing>
+    <p:tnLst>
+      <p:par>
+        <p:cTn id="1" dur="indefinite" restart="never" nodeType="tmRoot">
+          <p:childTnLst>
+            <p:seq concurrent="1" nextAc="seek">
+              <p:cTn id="2" dur="indefinite" nodeType="mainSeq">
+                <p:childTnLst>
+                  <p:par>
+                    <p:cTn id="3" fill="hold">
+                      <p:stCondLst>
+                        <p:cond delay="indefinite"/>
+                      </p:stCondLst>
+                      <p:childTnLst>
+                        <p:par>
+                          <p:cTn id="4" fill="hold">
+                            <p:stCondLst>
+                              <p:cond delay="0"/>
+                            </p:stCondLst>
+                            <p:childTnLst>
+                              <p:par>
+                                <p:cTn id="5" presetID="1" presetClass="entr" presetSubtype="0" fill="hold" grpId="0" nodeType="clickEffect">
+                                  <p:stCondLst>
+                                    <p:cond delay="0"/>
+                                  </p:stCondLst>
+                                  <p:childTnLst>
+                                    <p:set>
+                                      <p:cBhvr>
+                                        <p:cTn id="6" dur="1" fill="hold">
+                                          <p:stCondLst>
+                                            <p:cond delay="0"/>
+                                          </p:stCondLst>
+                                        </p:cTn>
+                                        <p:tgtEl>
+                                          <p:spTgt spid="3"/>
+                                        </p:tgtEl>
+                                        <p:attrNameLst>
+                                          <p:attrName>style.visibility</p:attrName>
+                                        </p:attrNameLst>
+                                      </p:cBhvr>
+                                      <p:to>
+                                        <p:strVal val="visible"/>
+                                      </p:to>
+                                    </p:set>
+                                  </p:childTnLst>
+                                </p:cTn>
+                              </p:par>
+                            </p:childTnLst>
+                          </p:cTn>
+                        </p:par>
+                        <p:par>
+                          <p:cTn id="7" fill="hold">
+                            <p:stCondLst>
+                              <p:cond delay="0"/>
+                            </p:stCondLst>
+                            <p:childTnLst>
+                              <p:par>
+                                <p:cTn id="8" presetID="22" presetClass="entr" presetSubtype="8" fill="hold" grpId="0" nodeType="afterEffect">
+                                  <p:stCondLst>
+                                    <p:cond delay="200"/>
+                                  </p:stCondLst>
+                                  <p:childTnLst>
+                                    <p:set>
+                                      <p:cBhvr>
+                                        <p:cTn id="9" dur="1" fill="hold">
+                                          <p:stCondLst>
+                                            <p:cond delay="0"/>
+                                          </p:stCondLst>
+                                        </p:cTn>
+                                        <p:tgtEl>
+                                          <p:spTgt spid="7"/>
+                                        </p:tgtEl>
+                                        <p:attrNameLst>
+                                          <p:attrName>style.visibility</p:attrName>
+                                        </p:attrNameLst>
+                                      </p:cBhvr>
+                                      <p:to>
+                                        <p:strVal val="visible"/>
+                                      </p:to>
+                                    </p:set>
+                                    <p:animEffect transition="in" filter="wipe(left)">
+                                      <p:cBhvr>
+                                        <p:cTn id="10" dur="500"/>
+                                        <p:tgtEl>
+                                          <p:spTgt spid="7"/>
+                                        </p:tgtEl>
+                                      </p:cBhvr>
+                                    </p:animEffect>
+                                  </p:childTnLst>
+                                </p:cTn>
+                              </p:par>
+                            </p:childTnLst>
+                          </p:cTn>
+                        </p:par>
+                      </p:childTnLst>
+                    </p:cTn>
+                  </p:par>
+                  <p:par>
+                    <p:cTn id="11" fill="hold">
+                      <p:stCondLst>
+                        <p:cond delay="indefinite"/>
+                      </p:stCondLst>
+                      <p:childTnLst>
+                        <p:par>
+                          <p:cTn id="12" fill="hold">
+                            <p:stCondLst>
+                              <p:cond delay="0"/>
+                            </p:stCondLst>
+                            <p:childTnLst>
+                              <p:par>
+                                <p:cTn id="13" presetID="1" presetClass="entr" presetSubtype="0" fill="hold" grpId="0" nodeType="clickEffect">
+                                  <p:stCondLst>
+                                    <p:cond delay="0"/>
+                                  </p:stCondLst>
+                                  <p:childTnLst>
+                                    <p:set>
+                                      <p:cBhvr>
+                                        <p:cTn id="14" dur="1" fill="hold">
+                                          <p:stCondLst>
+                                            <p:cond delay="0"/>
+                                          </p:stCondLst>
+                                        </p:cTn>
+                                        <p:tgtEl>
+                                          <p:spTgt spid="6"/>
+                                        </p:tgtEl>
+                                        <p:attrNameLst>
+                                          <p:attrName>style.visibility</p:attrName>
+                                        </p:attrNameLst>
+                                      </p:cBhvr>
+                                      <p:to>
+                                        <p:strVal val="visible"/>
+                                      </p:to>
+                                    </p:set>
+                                  </p:childTnLst>
+                                </p:cTn>
+                              </p:par>
+                              <p:par>
+                                <p:cTn id="15" presetID="1" presetClass="entr" presetSubtype="0" fill="hold" nodeType="withEffect">
+                                  <p:stCondLst>
+                                    <p:cond delay="0"/>
+                                  </p:stCondLst>
+                                  <p:childTnLst>
+                                    <p:set>
+                                      <p:cBhvr>
+                                        <p:cTn id="16" dur="1" fill="hold">
+                                          <p:stCondLst>
+                                            <p:cond delay="0"/>
+                                          </p:stCondLst>
+                                        </p:cTn>
+                                        <p:tgtEl>
+                                          <p:spTgt spid="5"/>
+                                        </p:tgtEl>
+                                        <p:attrNameLst>
+                                          <p:attrName>style.visibility</p:attrName>
+                                        </p:attrNameLst>
+                                      </p:cBhvr>
+                                      <p:to>
+                                        <p:strVal val="visible"/>
+                                      </p:to>
+                                    </p:set>
+                                  </p:childTnLst>
+                                </p:cTn>
+                              </p:par>
+                            </p:childTnLst>
+                          </p:cTn>
+                        </p:par>
+                      </p:childTnLst>
+                    </p:cTn>
+                  </p:par>
+                </p:childTnLst>
+              </p:cTn>
+              <p:prevCondLst>
+                <p:cond evt="onPrev" delay="0">
+                  <p:tgtEl>
+                    <p:sldTgt/>
+                  </p:tgtEl>
+                </p:cond>
+              </p:prevCondLst>
+              <p:nextCondLst>
+                <p:cond evt="onNext" delay="0">
+                  <p:tgtEl>
+                    <p:sldTgt/>
+                  </p:tgtEl>
+                </p:cond>
+              </p:nextCondLst>
+            </p:seq>
+          </p:childTnLst>
+        </p:cTn>
+      </p:par>
+    </p:tnLst>
+    <p:bldLst>
+      <p:bldP spid="3" grpId="0" animBg="1"/>
+      <p:bldP spid="6" grpId="0" animBg="1"/>
+      <p:bldP spid="7" grpId="0" animBg="1"/>
+    </p:bldLst>
+  </p:timing>
+</p:sld>
+</file>
+
+<file path=ppt/slides/slide13.xml><?xml version="1.0" encoding="utf-8"?>
+<p:sld xmlns:a="http://schemas.openxmlformats.org/drawingml/2006/main" xmlns:r="http://schemas.openxmlformats.org/officeDocument/2006/relationships" xmlns:p="http://schemas.openxmlformats.org/presentationml/2006/main">
+  <p:cSld>
+    <p:spTree>
+      <p:nvGrpSpPr>
+        <p:cNvPr id="1" name=""/>
+        <p:cNvGrpSpPr/>
+        <p:nvPr/>
+      </p:nvGrpSpPr>
+      <p:grpSpPr>
+        <a:xfrm>
+          <a:off x="0" y="0"/>
+          <a:ext cx="0" cy="0"/>
+          <a:chOff x="0" y="0"/>
+          <a:chExt cx="0" cy="0"/>
+        </a:xfrm>
+      </p:grpSpPr>
+      <p:sp>
+        <p:nvSpPr>
+          <p:cNvPr id="2" name="标题 1">
+            <a:extLst>
+              <a:ext uri="{FF2B5EF4-FFF2-40B4-BE49-F238E27FC236}">
+                <a16:creationId xmlns:a16="http://schemas.microsoft.com/office/drawing/2014/main" id="{BAD162F0-2175-84E9-2387-55F669162449}"/>
+              </a:ext>
+            </a:extLst>
+          </p:cNvPr>
+          <p:cNvSpPr>
+            <a:spLocks noGrp="1"/>
+          </p:cNvSpPr>
+          <p:nvPr>
+            <p:ph type="title"/>
+          </p:nvPr>
+        </p:nvSpPr>
+        <p:spPr/>
+        <p:txBody>
+          <a:bodyPr>
+            <a:normAutofit/>
+          </a:bodyPr>
+          <a:lstStyle/>
+          <a:p>
+            <a:r>
+              <a:rPr lang="en-US" altLang="zh-CN" dirty="0"/>
+              <a:t>7.1.3 </a:t>
+            </a:r>
+            <a:r>
+              <a:rPr lang="zh-CN" altLang="en-US" dirty="0"/>
+              <a:t>求模运算符</a:t>
+            </a:r>
+            <a:endParaRPr lang="en-US" altLang="zh-CN" dirty="0"/>
+          </a:p>
+        </p:txBody>
+      </p:sp>
+      <p:sp>
+        <p:nvSpPr>
+          <p:cNvPr id="4" name="内容占位符 3">
+            <a:extLst>
+              <a:ext uri="{FF2B5EF4-FFF2-40B4-BE49-F238E27FC236}">
+                <a16:creationId xmlns:a16="http://schemas.microsoft.com/office/drawing/2014/main" id="{35A047B7-1977-6D79-E59E-4B1E2C174AC6}"/>
+              </a:ext>
+            </a:extLst>
+          </p:cNvPr>
+          <p:cNvSpPr>
+            <a:spLocks noGrp="1"/>
+          </p:cNvSpPr>
+          <p:nvPr>
+            <p:ph idx="1"/>
+          </p:nvPr>
+        </p:nvSpPr>
+        <p:spPr/>
+        <p:txBody>
+          <a:bodyPr/>
+          <a:lstStyle/>
+          <a:p>
+            <a:pPr marL="0" indent="0">
+              <a:buNone/>
+            </a:pPr>
+            <a:r>
+              <a:rPr lang="zh-CN" altLang="en-US" b="1" dirty="0"/>
+              <a:t>求模运算符（</a:t>
+            </a:r>
+            <a:r>
+              <a:rPr lang="en-US" altLang="zh-CN" sz="2800" b="1" dirty="0">
+                <a:solidFill>
+                  <a:srgbClr val="A71D5D"/>
+                </a:solidFill>
+                <a:effectLst/>
+                <a:latin typeface="Consolas" panose="020B0609020204030204" pitchFamily="49" charset="0"/>
+              </a:rPr>
+              <a:t>%</a:t>
+            </a:r>
+            <a:r>
+              <a:rPr lang="zh-CN" altLang="en-US" b="1" dirty="0"/>
+              <a:t>）</a:t>
+            </a:r>
+            <a:r>
+              <a:rPr lang="zh-CN" altLang="en-US" dirty="0"/>
+              <a:t>：返回两个数相除后的</a:t>
+            </a:r>
+            <a:r>
+              <a:rPr lang="zh-CN" altLang="en-US" u="sng" dirty="0"/>
+              <a:t>余数</a:t>
+            </a:r>
+            <a:r>
+              <a:rPr lang="zh-CN" altLang="en-US" dirty="0"/>
+              <a:t>。</a:t>
+            </a:r>
+            <a:endParaRPr lang="en-US" altLang="zh-CN" dirty="0"/>
           </a:p>
         </p:txBody>
       </p:sp>
@@ -13291,6 +15536,456 @@
           </a:p>
         </p:txBody>
       </p:sp>
+    </p:spTree>
+    <p:extLst>
+      <p:ext uri="{BB962C8B-B14F-4D97-AF65-F5344CB8AC3E}">
+        <p14:creationId xmlns:p14="http://schemas.microsoft.com/office/powerpoint/2010/main" val="2444493676"/>
+      </p:ext>
+    </p:extLst>
+  </p:cSld>
+  <p:clrMapOvr>
+    <a:masterClrMapping/>
+  </p:clrMapOvr>
+  <mc:AlternateContent xmlns:mc="http://schemas.openxmlformats.org/markup-compatibility/2006" xmlns:p14="http://schemas.microsoft.com/office/powerpoint/2010/main">
+    <mc:Choice Requires="p14">
+      <p:transition spd="med" p14:dur="700">
+        <p:fade/>
+      </p:transition>
+    </mc:Choice>
+    <mc:Fallback xmlns="">
+      <p:transition spd="med">
+        <p:fade/>
+      </p:transition>
+    </mc:Fallback>
+  </mc:AlternateContent>
+</p:sld>
+</file>
+
+<file path=ppt/slides/slide14.xml><?xml version="1.0" encoding="utf-8"?>
+<p:sld xmlns:a="http://schemas.openxmlformats.org/drawingml/2006/main" xmlns:r="http://schemas.openxmlformats.org/officeDocument/2006/relationships" xmlns:p="http://schemas.openxmlformats.org/presentationml/2006/main">
+  <p:cSld>
+    <p:spTree>
+      <p:nvGrpSpPr>
+        <p:cNvPr id="1" name=""/>
+        <p:cNvGrpSpPr/>
+        <p:nvPr/>
+      </p:nvGrpSpPr>
+      <p:grpSpPr>
+        <a:xfrm>
+          <a:off x="0" y="0"/>
+          <a:ext cx="0" cy="0"/>
+          <a:chOff x="0" y="0"/>
+          <a:chExt cx="0" cy="0"/>
+        </a:xfrm>
+      </p:grpSpPr>
+      <p:sp>
+        <p:nvSpPr>
+          <p:cNvPr id="2" name="标题 1">
+            <a:extLst>
+              <a:ext uri="{FF2B5EF4-FFF2-40B4-BE49-F238E27FC236}">
+                <a16:creationId xmlns:a16="http://schemas.microsoft.com/office/drawing/2014/main" id="{BAD162F0-2175-84E9-2387-55F669162449}"/>
+              </a:ext>
+            </a:extLst>
+          </p:cNvPr>
+          <p:cNvSpPr>
+            <a:spLocks noGrp="1"/>
+          </p:cNvSpPr>
+          <p:nvPr>
+            <p:ph type="title"/>
+          </p:nvPr>
+        </p:nvSpPr>
+        <p:spPr/>
+        <p:txBody>
+          <a:bodyPr>
+            <a:normAutofit/>
+          </a:bodyPr>
+          <a:lstStyle/>
+          <a:p>
+            <a:r>
+              <a:rPr lang="en-US" altLang="zh-CN" dirty="0"/>
+              <a:t>7.1.3 </a:t>
+            </a:r>
+            <a:r>
+              <a:rPr lang="zh-CN" altLang="en-US" dirty="0"/>
+              <a:t>求模运算符</a:t>
+            </a:r>
+            <a:endParaRPr lang="en-US" altLang="zh-CN" dirty="0"/>
+          </a:p>
+        </p:txBody>
+      </p:sp>
+      <p:sp>
+        <p:nvSpPr>
+          <p:cNvPr id="4" name="内容占位符 3">
+            <a:extLst>
+              <a:ext uri="{FF2B5EF4-FFF2-40B4-BE49-F238E27FC236}">
+                <a16:creationId xmlns:a16="http://schemas.microsoft.com/office/drawing/2014/main" id="{35A047B7-1977-6D79-E59E-4B1E2C174AC6}"/>
+              </a:ext>
+            </a:extLst>
+          </p:cNvPr>
+          <p:cNvSpPr>
+            <a:spLocks noGrp="1"/>
+          </p:cNvSpPr>
+          <p:nvPr>
+            <p:ph idx="1"/>
+          </p:nvPr>
+        </p:nvSpPr>
+        <p:spPr/>
+        <p:txBody>
+          <a:bodyPr/>
+          <a:lstStyle/>
+          <a:p>
+            <a:pPr marL="0" indent="0">
+              <a:buNone/>
+            </a:pPr>
+            <a:r>
+              <a:rPr lang="zh-CN" altLang="en-US" b="1" dirty="0"/>
+              <a:t>求模运算符（</a:t>
+            </a:r>
+            <a:r>
+              <a:rPr lang="en-US" altLang="zh-CN" sz="2800" b="1" dirty="0">
+                <a:solidFill>
+                  <a:srgbClr val="A71D5D"/>
+                </a:solidFill>
+                <a:effectLst/>
+                <a:latin typeface="Consolas" panose="020B0609020204030204" pitchFamily="49" charset="0"/>
+              </a:rPr>
+              <a:t>%</a:t>
+            </a:r>
+            <a:r>
+              <a:rPr lang="zh-CN" altLang="en-US" b="1" dirty="0"/>
+              <a:t>）</a:t>
+            </a:r>
+            <a:r>
+              <a:rPr lang="zh-CN" altLang="en-US" dirty="0"/>
+              <a:t>：将两个数相除并</a:t>
+            </a:r>
+            <a:r>
+              <a:rPr lang="zh-CN" altLang="en-US" u="sng" dirty="0"/>
+              <a:t>返回余数</a:t>
+            </a:r>
+            <a:r>
+              <a:rPr lang="zh-CN" altLang="en-US" dirty="0"/>
+              <a:t>。</a:t>
+            </a:r>
+            <a:endParaRPr lang="en-US" altLang="zh-CN" dirty="0"/>
+          </a:p>
+          <a:p>
+            <a:pPr marL="0" indent="0">
+              <a:buNone/>
+            </a:pPr>
+            <a:r>
+              <a:rPr lang="zh-CN" altLang="en-US" dirty="0"/>
+              <a:t>取模运算有很多妙用，比如可以用它来判断一个数是否是偶数：</a:t>
+            </a:r>
+          </a:p>
+        </p:txBody>
+      </p:sp>
+      <p:sp>
+        <p:nvSpPr>
+          <p:cNvPr id="3" name="文本框 2">
+            <a:extLst>
+              <a:ext uri="{FF2B5EF4-FFF2-40B4-BE49-F238E27FC236}">
+                <a16:creationId xmlns:a16="http://schemas.microsoft.com/office/drawing/2014/main" id="{3C39DBB2-C0F1-B995-3E7F-E251E81D2956}"/>
+              </a:ext>
+            </a:extLst>
+          </p:cNvPr>
+          <p:cNvSpPr txBox="1"/>
+          <p:nvPr/>
+        </p:nvSpPr>
+        <p:spPr>
+          <a:xfrm>
+            <a:off x="2184893" y="3103850"/>
+            <a:ext cx="2087303" cy="3046988"/>
+          </a:xfrm>
+          <a:prstGeom prst="rect">
+            <a:avLst/>
+          </a:prstGeom>
+          <a:noFill/>
+          <a:ln>
+            <a:solidFill>
+              <a:schemeClr val="bg2"/>
+            </a:solidFill>
+          </a:ln>
+        </p:spPr>
+        <p:txBody>
+          <a:bodyPr wrap="square">
+            <a:spAutoFit/>
+          </a:bodyPr>
+          <a:lstStyle/>
+          <a:p>
+            <a:r>
+              <a:rPr lang="en-US" altLang="zh-CN" sz="2400" b="1" dirty="0">
+                <a:solidFill>
+                  <a:srgbClr val="A71D5D"/>
+                </a:solidFill>
+                <a:effectLst/>
+                <a:latin typeface="Consolas" panose="020B0609020204030204" pitchFamily="49" charset="0"/>
+              </a:rPr>
+              <a:t>&gt;&gt;&gt; </a:t>
+            </a:r>
+            <a:r>
+              <a:rPr lang="en-US" altLang="zh-CN" sz="2400" b="1" dirty="0">
+                <a:solidFill>
+                  <a:srgbClr val="2E6446"/>
+                </a:solidFill>
+                <a:effectLst/>
+                <a:latin typeface="Consolas" panose="020B0609020204030204" pitchFamily="49" charset="0"/>
+              </a:rPr>
+              <a:t>4 </a:t>
+            </a:r>
+            <a:r>
+              <a:rPr lang="en-US" altLang="zh-CN" sz="2400" b="1" dirty="0">
+                <a:solidFill>
+                  <a:srgbClr val="A71D5D"/>
+                </a:solidFill>
+                <a:effectLst/>
+                <a:latin typeface="Consolas" panose="020B0609020204030204" pitchFamily="49" charset="0"/>
+              </a:rPr>
+              <a:t>% </a:t>
+            </a:r>
+            <a:r>
+              <a:rPr lang="en-US" altLang="zh-CN" sz="2400" b="1" dirty="0">
+                <a:solidFill>
+                  <a:srgbClr val="2E6446"/>
+                </a:solidFill>
+                <a:effectLst/>
+                <a:latin typeface="Consolas" panose="020B0609020204030204" pitchFamily="49" charset="0"/>
+              </a:rPr>
+              <a:t>3</a:t>
+            </a:r>
+            <a:br>
+              <a:rPr lang="en-US" altLang="zh-CN" sz="2400" b="1" dirty="0">
+                <a:solidFill>
+                  <a:srgbClr val="2E6446"/>
+                </a:solidFill>
+                <a:effectLst/>
+                <a:latin typeface="Consolas" panose="020B0609020204030204" pitchFamily="49" charset="0"/>
+              </a:rPr>
+            </a:br>
+            <a:r>
+              <a:rPr lang="en-US" altLang="zh-CN" sz="2400" b="1" dirty="0">
+                <a:solidFill>
+                  <a:srgbClr val="2E6446"/>
+                </a:solidFill>
+                <a:effectLst/>
+                <a:latin typeface="Consolas" panose="020B0609020204030204" pitchFamily="49" charset="0"/>
+              </a:rPr>
+              <a:t>1</a:t>
+            </a:r>
+            <a:br>
+              <a:rPr lang="en-US" altLang="zh-CN" sz="2400" b="1" dirty="0">
+                <a:solidFill>
+                  <a:srgbClr val="2E6446"/>
+                </a:solidFill>
+                <a:effectLst/>
+                <a:latin typeface="Consolas" panose="020B0609020204030204" pitchFamily="49" charset="0"/>
+              </a:rPr>
+            </a:br>
+            <a:r>
+              <a:rPr lang="en-US" altLang="zh-CN" sz="2400" b="1" dirty="0">
+                <a:solidFill>
+                  <a:srgbClr val="A71D5D"/>
+                </a:solidFill>
+                <a:effectLst/>
+                <a:latin typeface="Consolas" panose="020B0609020204030204" pitchFamily="49" charset="0"/>
+              </a:rPr>
+              <a:t>&gt;&gt;&gt; </a:t>
+            </a:r>
+            <a:r>
+              <a:rPr lang="en-US" altLang="zh-CN" sz="2400" b="1" dirty="0">
+                <a:solidFill>
+                  <a:srgbClr val="2E6446"/>
+                </a:solidFill>
+                <a:effectLst/>
+                <a:latin typeface="Consolas" panose="020B0609020204030204" pitchFamily="49" charset="0"/>
+              </a:rPr>
+              <a:t>5 </a:t>
+            </a:r>
+            <a:r>
+              <a:rPr lang="en-US" altLang="zh-CN" sz="2400" b="1" dirty="0">
+                <a:solidFill>
+                  <a:srgbClr val="A71D5D"/>
+                </a:solidFill>
+                <a:effectLst/>
+                <a:latin typeface="Consolas" panose="020B0609020204030204" pitchFamily="49" charset="0"/>
+              </a:rPr>
+              <a:t>% </a:t>
+            </a:r>
+            <a:r>
+              <a:rPr lang="en-US" altLang="zh-CN" sz="2400" b="1" dirty="0">
+                <a:solidFill>
+                  <a:srgbClr val="2E6446"/>
+                </a:solidFill>
+                <a:effectLst/>
+                <a:latin typeface="Consolas" panose="020B0609020204030204" pitchFamily="49" charset="0"/>
+              </a:rPr>
+              <a:t>3</a:t>
+            </a:r>
+            <a:br>
+              <a:rPr lang="en-US" altLang="zh-CN" sz="2400" b="1" dirty="0">
+                <a:solidFill>
+                  <a:srgbClr val="2E6446"/>
+                </a:solidFill>
+                <a:effectLst/>
+                <a:latin typeface="Consolas" panose="020B0609020204030204" pitchFamily="49" charset="0"/>
+              </a:rPr>
+            </a:br>
+            <a:r>
+              <a:rPr lang="en-US" altLang="zh-CN" sz="2400" b="1" dirty="0">
+                <a:solidFill>
+                  <a:srgbClr val="2E6446"/>
+                </a:solidFill>
+                <a:effectLst/>
+                <a:latin typeface="Consolas" panose="020B0609020204030204" pitchFamily="49" charset="0"/>
+              </a:rPr>
+              <a:t>2</a:t>
+            </a:r>
+            <a:br>
+              <a:rPr lang="en-US" altLang="zh-CN" sz="2400" b="1" dirty="0">
+                <a:solidFill>
+                  <a:srgbClr val="2E6446"/>
+                </a:solidFill>
+                <a:effectLst/>
+                <a:latin typeface="Consolas" panose="020B0609020204030204" pitchFamily="49" charset="0"/>
+              </a:rPr>
+            </a:br>
+            <a:r>
+              <a:rPr lang="en-US" altLang="zh-CN" sz="2400" b="1" dirty="0">
+                <a:solidFill>
+                  <a:srgbClr val="A71D5D"/>
+                </a:solidFill>
+                <a:effectLst/>
+                <a:latin typeface="Consolas" panose="020B0609020204030204" pitchFamily="49" charset="0"/>
+              </a:rPr>
+              <a:t>&gt;&gt;&gt; </a:t>
+            </a:r>
+            <a:r>
+              <a:rPr lang="en-US" altLang="zh-CN" sz="2400" b="1" dirty="0">
+                <a:solidFill>
+                  <a:srgbClr val="2E6446"/>
+                </a:solidFill>
+                <a:effectLst/>
+                <a:latin typeface="Consolas" panose="020B0609020204030204" pitchFamily="49" charset="0"/>
+              </a:rPr>
+              <a:t>6 </a:t>
+            </a:r>
+            <a:r>
+              <a:rPr lang="en-US" altLang="zh-CN" sz="2400" b="1" dirty="0">
+                <a:solidFill>
+                  <a:srgbClr val="A71D5D"/>
+                </a:solidFill>
+                <a:effectLst/>
+                <a:latin typeface="Consolas" panose="020B0609020204030204" pitchFamily="49" charset="0"/>
+              </a:rPr>
+              <a:t>% </a:t>
+            </a:r>
+            <a:r>
+              <a:rPr lang="en-US" altLang="zh-CN" sz="2400" b="1" dirty="0">
+                <a:solidFill>
+                  <a:srgbClr val="2E6446"/>
+                </a:solidFill>
+                <a:effectLst/>
+                <a:latin typeface="Consolas" panose="020B0609020204030204" pitchFamily="49" charset="0"/>
+              </a:rPr>
+              <a:t>3</a:t>
+            </a:r>
+            <a:br>
+              <a:rPr lang="en-US" altLang="zh-CN" sz="2400" b="1" dirty="0">
+                <a:solidFill>
+                  <a:srgbClr val="2E6446"/>
+                </a:solidFill>
+                <a:effectLst/>
+                <a:latin typeface="Consolas" panose="020B0609020204030204" pitchFamily="49" charset="0"/>
+              </a:rPr>
+            </a:br>
+            <a:r>
+              <a:rPr lang="en-US" altLang="zh-CN" sz="2400" b="1" dirty="0">
+                <a:solidFill>
+                  <a:srgbClr val="2E6446"/>
+                </a:solidFill>
+                <a:effectLst/>
+                <a:latin typeface="Consolas" panose="020B0609020204030204" pitchFamily="49" charset="0"/>
+              </a:rPr>
+              <a:t>0</a:t>
+            </a:r>
+            <a:br>
+              <a:rPr lang="en-US" altLang="zh-CN" sz="2400" b="1" dirty="0">
+                <a:solidFill>
+                  <a:srgbClr val="2E6446"/>
+                </a:solidFill>
+                <a:effectLst/>
+                <a:latin typeface="Consolas" panose="020B0609020204030204" pitchFamily="49" charset="0"/>
+              </a:rPr>
+            </a:br>
+            <a:r>
+              <a:rPr lang="en-US" altLang="zh-CN" sz="2400" b="1" dirty="0">
+                <a:solidFill>
+                  <a:srgbClr val="A71D5D"/>
+                </a:solidFill>
+                <a:effectLst/>
+                <a:latin typeface="Consolas" panose="020B0609020204030204" pitchFamily="49" charset="0"/>
+              </a:rPr>
+              <a:t>&gt;&gt;&gt; </a:t>
+            </a:r>
+            <a:r>
+              <a:rPr lang="en-US" altLang="zh-CN" sz="2400" b="1" dirty="0">
+                <a:solidFill>
+                  <a:srgbClr val="2E6446"/>
+                </a:solidFill>
+                <a:effectLst/>
+                <a:latin typeface="Consolas" panose="020B0609020204030204" pitchFamily="49" charset="0"/>
+              </a:rPr>
+              <a:t>7 </a:t>
+            </a:r>
+            <a:r>
+              <a:rPr lang="en-US" altLang="zh-CN" sz="2400" b="1" dirty="0">
+                <a:solidFill>
+                  <a:srgbClr val="A71D5D"/>
+                </a:solidFill>
+                <a:effectLst/>
+                <a:latin typeface="Consolas" panose="020B0609020204030204" pitchFamily="49" charset="0"/>
+              </a:rPr>
+              <a:t>% </a:t>
+            </a:r>
+            <a:r>
+              <a:rPr lang="en-US" altLang="zh-CN" sz="2400" b="1" dirty="0">
+                <a:solidFill>
+                  <a:srgbClr val="2E6446"/>
+                </a:solidFill>
+                <a:effectLst/>
+                <a:latin typeface="Consolas" panose="020B0609020204030204" pitchFamily="49" charset="0"/>
+              </a:rPr>
+              <a:t>3</a:t>
+            </a:r>
+            <a:br>
+              <a:rPr lang="en-US" altLang="zh-CN" sz="2400" b="1" dirty="0">
+                <a:solidFill>
+                  <a:srgbClr val="2E6446"/>
+                </a:solidFill>
+                <a:effectLst/>
+                <a:latin typeface="Consolas" panose="020B0609020204030204" pitchFamily="49" charset="0"/>
+              </a:rPr>
+            </a:br>
+            <a:r>
+              <a:rPr lang="en-US" altLang="zh-CN" sz="2400" b="1" dirty="0">
+                <a:solidFill>
+                  <a:srgbClr val="2E6446"/>
+                </a:solidFill>
+                <a:effectLst/>
+                <a:latin typeface="Consolas" panose="020B0609020204030204" pitchFamily="49" charset="0"/>
+              </a:rPr>
+              <a:t>1</a:t>
+            </a:r>
+            <a:endParaRPr lang="zh-CN" altLang="en-US" sz="2400" b="1" dirty="0">
+              <a:solidFill>
+                <a:srgbClr val="333333"/>
+              </a:solidFill>
+              <a:effectLst/>
+              <a:latin typeface="Consolas" panose="020B0609020204030204" pitchFamily="49" charset="0"/>
+            </a:endParaRPr>
+          </a:p>
+        </p:txBody>
+      </p:sp>
       <p:sp>
         <p:nvSpPr>
           <p:cNvPr id="5" name="文本框 4">
@@ -13702,7 +16397,7 @@
 </p:sld>
 </file>
 
-<file path=ppt/slides/slide12.xml><?xml version="1.0" encoding="utf-8"?>
+<file path=ppt/slides/slide15.xml><?xml version="1.0" encoding="utf-8"?>
 <p:sld xmlns:a="http://schemas.openxmlformats.org/drawingml/2006/main" xmlns:r="http://schemas.openxmlformats.org/officeDocument/2006/relationships" xmlns:p="http://schemas.openxmlformats.org/presentationml/2006/main">
   <p:cSld>
     <p:spTree>
@@ -14778,7 +17473,7 @@
 </p:sld>
 </file>
 
-<file path=ppt/slides/slide13.xml><?xml version="1.0" encoding="utf-8"?>
+<file path=ppt/slides/slide16.xml><?xml version="1.0" encoding="utf-8"?>
 <p:sld xmlns:a="http://schemas.openxmlformats.org/drawingml/2006/main" xmlns:r="http://schemas.openxmlformats.org/officeDocument/2006/relationships" xmlns:p="http://schemas.openxmlformats.org/presentationml/2006/main">
   <p:cSld>
     <p:spTree>
@@ -15198,7 +17893,7 @@
 </p:sld>
 </file>
 
-<file path=ppt/slides/slide14.xml><?xml version="1.0" encoding="utf-8"?>
+<file path=ppt/slides/slide17.xml><?xml version="1.0" encoding="utf-8"?>
 <p:sld xmlns:a="http://schemas.openxmlformats.org/drawingml/2006/main" xmlns:r="http://schemas.openxmlformats.org/officeDocument/2006/relationships" xmlns:p="http://schemas.openxmlformats.org/presentationml/2006/main">
   <p:cSld>
     <p:spTree>
@@ -15744,7 +18439,7 @@
 </p:sld>
 </file>
 
-<file path=ppt/slides/slide15.xml><?xml version="1.0" encoding="utf-8"?>
+<file path=ppt/slides/slide18.xml><?xml version="1.0" encoding="utf-8"?>
 <p:sld xmlns:a="http://schemas.openxmlformats.org/drawingml/2006/main" xmlns:r="http://schemas.openxmlformats.org/officeDocument/2006/relationships" xmlns:p="http://schemas.openxmlformats.org/presentationml/2006/main">
   <p:cSld>
     <p:spTree>
@@ -16390,7 +19085,7 @@
 </p:sld>
 </file>
 
-<file path=ppt/slides/slide16.xml><?xml version="1.0" encoding="utf-8"?>
+<file path=ppt/slides/slide19.xml><?xml version="1.0" encoding="utf-8"?>
 <p:sld xmlns:a="http://schemas.openxmlformats.org/drawingml/2006/main" xmlns:r="http://schemas.openxmlformats.org/officeDocument/2006/relationships" xmlns:p="http://schemas.openxmlformats.org/presentationml/2006/main">
   <p:cSld>
     <p:spTree>
@@ -17071,7 +19766,222 @@
 </p:sld>
 </file>
 
-<file path=ppt/slides/slide17.xml><?xml version="1.0" encoding="utf-8"?>
+<file path=ppt/slides/slide2.xml><?xml version="1.0" encoding="utf-8"?>
+<p:sld xmlns:a="http://schemas.openxmlformats.org/drawingml/2006/main" xmlns:r="http://schemas.openxmlformats.org/officeDocument/2006/relationships" xmlns:p="http://schemas.openxmlformats.org/presentationml/2006/main">
+  <p:cSld>
+    <p:spTree>
+      <p:nvGrpSpPr>
+        <p:cNvPr id="1" name=""/>
+        <p:cNvGrpSpPr/>
+        <p:nvPr/>
+      </p:nvGrpSpPr>
+      <p:grpSpPr>
+        <a:xfrm>
+          <a:off x="0" y="0"/>
+          <a:ext cx="0" cy="0"/>
+          <a:chOff x="0" y="0"/>
+          <a:chExt cx="0" cy="0"/>
+        </a:xfrm>
+      </p:grpSpPr>
+      <p:sp>
+        <p:nvSpPr>
+          <p:cNvPr id="3" name="内容占位符 2">
+            <a:extLst>
+              <a:ext uri="{FF2B5EF4-FFF2-40B4-BE49-F238E27FC236}">
+                <a16:creationId xmlns:a16="http://schemas.microsoft.com/office/drawing/2014/main" id="{AC7759D9-0BB4-08ED-8476-24F7D903D6DE}"/>
+              </a:ext>
+            </a:extLst>
+          </p:cNvPr>
+          <p:cNvSpPr>
+            <a:spLocks noGrp="1"/>
+          </p:cNvSpPr>
+          <p:nvPr>
+            <p:ph idx="1"/>
+          </p:nvPr>
+        </p:nvSpPr>
+        <p:spPr/>
+        <p:txBody>
+          <a:bodyPr>
+            <a:normAutofit/>
+          </a:bodyPr>
+          <a:lstStyle/>
+          <a:p>
+            <a:r>
+              <a:rPr lang="zh-CN" altLang="en-US" dirty="0"/>
+              <a:t>与</a:t>
+            </a:r>
+            <a:r>
+              <a:rPr lang="en-US" altLang="zh-CN" dirty="0"/>
+              <a:t>《Python </a:t>
+            </a:r>
+            <a:r>
+              <a:rPr lang="zh-CN" altLang="en-US" dirty="0"/>
+              <a:t>编程：从入门到实践（第三版）</a:t>
+            </a:r>
+            <a:r>
+              <a:rPr lang="en-US" altLang="zh-CN" dirty="0"/>
+              <a:t>》</a:t>
+            </a:r>
+            <a:r>
+              <a:rPr lang="zh-CN" altLang="en-US" dirty="0"/>
+              <a:t>一书配套使用</a:t>
+            </a:r>
+            <a:endParaRPr lang="en-US" altLang="zh-CN" dirty="0"/>
+          </a:p>
+          <a:p>
+            <a:r>
+              <a:rPr lang="zh-CN" altLang="en-US" dirty="0"/>
+              <a:t>讲义中的文本及绘图采用</a:t>
+            </a:r>
+            <a:r>
+              <a:rPr lang="zh-CN" altLang="en-US" u="sng" dirty="0">
+                <a:hlinkClick r:id="rId2"/>
+              </a:rPr>
+              <a:t>署名</a:t>
+            </a:r>
+            <a:r>
+              <a:rPr lang="en-US" altLang="zh-CN" u="sng" dirty="0">
+                <a:hlinkClick r:id="rId2"/>
+              </a:rPr>
+              <a:t>-</a:t>
+            </a:r>
+            <a:r>
+              <a:rPr lang="zh-CN" altLang="en-US" u="sng" dirty="0">
+                <a:hlinkClick r:id="rId2"/>
+              </a:rPr>
+              <a:t>非商业性使用</a:t>
+            </a:r>
+            <a:r>
+              <a:rPr lang="en-US" altLang="zh-CN" u="sng" dirty="0">
+                <a:hlinkClick r:id="rId2"/>
+              </a:rPr>
+              <a:t>-</a:t>
+            </a:r>
+            <a:r>
+              <a:rPr lang="zh-CN" altLang="en-US" u="sng" dirty="0">
+                <a:hlinkClick r:id="rId2"/>
+              </a:rPr>
+              <a:t>相同方式共享协议（</a:t>
+            </a:r>
+            <a:r>
+              <a:rPr lang="en-US" altLang="zh-CN" u="sng" dirty="0">
+                <a:hlinkClick r:id="rId2"/>
+              </a:rPr>
+              <a:t>CC BY-NC-SA 4.0</a:t>
+            </a:r>
+            <a:r>
+              <a:rPr lang="zh-CN" altLang="en-US" u="sng" dirty="0">
+                <a:hlinkClick r:id="rId2"/>
+              </a:rPr>
+              <a:t>）</a:t>
+            </a:r>
+            <a:r>
+              <a:rPr lang="zh-CN" altLang="en-US" u="sng" dirty="0"/>
+              <a:t>进行许可</a:t>
+            </a:r>
+            <a:endParaRPr lang="en-US" altLang="zh-CN" dirty="0"/>
+          </a:p>
+          <a:p>
+            <a:r>
+              <a:rPr lang="zh-CN" altLang="en-US" dirty="0"/>
+              <a:t>引用的网络图片附有超链接，可用于访问来源</a:t>
+            </a:r>
+            <a:endParaRPr lang="en-US" altLang="zh-CN" dirty="0"/>
+          </a:p>
+          <a:p>
+            <a:r>
+              <a:rPr lang="zh-CN" altLang="en-US" dirty="0"/>
+              <a:t>讨论、意见、答疑、勘误、更新：</a:t>
+            </a:r>
+            <a:endParaRPr lang="en-US" altLang="zh-CN" dirty="0"/>
+          </a:p>
+          <a:p>
+            <a:pPr marL="0" indent="0">
+              <a:buNone/>
+            </a:pPr>
+            <a:r>
+              <a:rPr lang="en-US" altLang="zh-CN" dirty="0">
+                <a:hlinkClick r:id="rId3"/>
+              </a:rPr>
+              <a:t>https://github.com/scruel/pcc_3e_slides</a:t>
+            </a:r>
+            <a:endParaRPr lang="en-US" altLang="zh-CN" dirty="0"/>
+          </a:p>
+          <a:p>
+            <a:pPr marL="0" indent="0">
+              <a:buNone/>
+            </a:pPr>
+            <a:endParaRPr lang="en-US" altLang="zh-CN" dirty="0"/>
+          </a:p>
+          <a:p>
+            <a:pPr marL="0" indent="0" algn="r">
+              <a:buNone/>
+            </a:pPr>
+            <a:r>
+              <a:rPr lang="zh-CN" altLang="en-US" dirty="0"/>
+              <a:t>作者：</a:t>
+            </a:r>
+            <a:r>
+              <a:rPr lang="en-US" altLang="zh-CN" dirty="0"/>
+              <a:t>@Scruel Tao</a:t>
+            </a:r>
+          </a:p>
+        </p:txBody>
+      </p:sp>
+      <p:sp>
+        <p:nvSpPr>
+          <p:cNvPr id="5" name="标题 4">
+            <a:extLst>
+              <a:ext uri="{FF2B5EF4-FFF2-40B4-BE49-F238E27FC236}">
+                <a16:creationId xmlns:a16="http://schemas.microsoft.com/office/drawing/2014/main" id="{14B5F31E-85DD-B8D9-9ED7-E32A03C57260}"/>
+              </a:ext>
+            </a:extLst>
+          </p:cNvPr>
+          <p:cNvSpPr>
+            <a:spLocks noGrp="1"/>
+          </p:cNvSpPr>
+          <p:nvPr>
+            <p:ph type="title"/>
+          </p:nvPr>
+        </p:nvSpPr>
+        <p:spPr/>
+        <p:txBody>
+          <a:bodyPr/>
+          <a:lstStyle/>
+          <a:p>
+            <a:r>
+              <a:rPr lang="zh-CN" altLang="en-US" dirty="0"/>
+              <a:t>关于本讲义</a:t>
+            </a:r>
+          </a:p>
+        </p:txBody>
+      </p:sp>
+    </p:spTree>
+    <p:extLst>
+      <p:ext uri="{BB962C8B-B14F-4D97-AF65-F5344CB8AC3E}">
+        <p14:creationId xmlns:p14="http://schemas.microsoft.com/office/powerpoint/2010/main" val="3625446739"/>
+      </p:ext>
+    </p:extLst>
+  </p:cSld>
+  <p:clrMapOvr>
+    <a:masterClrMapping/>
+  </p:clrMapOvr>
+  <mc:AlternateContent xmlns:mc="http://schemas.openxmlformats.org/markup-compatibility/2006" xmlns:p14="http://schemas.microsoft.com/office/powerpoint/2010/main">
+    <mc:Choice Requires="p14">
+      <p:transition spd="med" p14:dur="700">
+        <p:fade/>
+      </p:transition>
+    </mc:Choice>
+    <mc:Fallback xmlns="">
+      <p:transition spd="med">
+        <p:fade/>
+      </p:transition>
+    </mc:Fallback>
+  </mc:AlternateContent>
+</p:sld>
+</file>
+
+<file path=ppt/slides/slide20.xml><?xml version="1.0" encoding="utf-8"?>
 <p:sld xmlns:a="http://schemas.openxmlformats.org/drawingml/2006/main" xmlns:r="http://schemas.openxmlformats.org/officeDocument/2006/relationships" xmlns:p="http://schemas.openxmlformats.org/presentationml/2006/main">
   <p:cSld>
     <p:spTree>
@@ -17984,7 +20894,7 @@
 </p:sld>
 </file>
 
-<file path=ppt/slides/slide18.xml><?xml version="1.0" encoding="utf-8"?>
+<file path=ppt/slides/slide21.xml><?xml version="1.0" encoding="utf-8"?>
 <p:sld xmlns:a="http://schemas.openxmlformats.org/drawingml/2006/main" xmlns:r="http://schemas.openxmlformats.org/officeDocument/2006/relationships" xmlns:p="http://schemas.openxmlformats.org/presentationml/2006/main">
   <p:cSld>
     <p:spTree>
@@ -18910,7 +21820,7 @@
 </p:sld>
 </file>
 
-<file path=ppt/slides/slide19.xml><?xml version="1.0" encoding="utf-8"?>
+<file path=ppt/slides/slide22.xml><?xml version="1.0" encoding="utf-8"?>
 <p:sld xmlns:a="http://schemas.openxmlformats.org/drawingml/2006/main" xmlns:r="http://schemas.openxmlformats.org/officeDocument/2006/relationships" xmlns:p="http://schemas.openxmlformats.org/presentationml/2006/main">
   <p:cSld>
     <p:spTree>
@@ -19614,222 +22524,7 @@
 </p:sld>
 </file>
 
-<file path=ppt/slides/slide2.xml><?xml version="1.0" encoding="utf-8"?>
-<p:sld xmlns:a="http://schemas.openxmlformats.org/drawingml/2006/main" xmlns:r="http://schemas.openxmlformats.org/officeDocument/2006/relationships" xmlns:p="http://schemas.openxmlformats.org/presentationml/2006/main">
-  <p:cSld>
-    <p:spTree>
-      <p:nvGrpSpPr>
-        <p:cNvPr id="1" name=""/>
-        <p:cNvGrpSpPr/>
-        <p:nvPr/>
-      </p:nvGrpSpPr>
-      <p:grpSpPr>
-        <a:xfrm>
-          <a:off x="0" y="0"/>
-          <a:ext cx="0" cy="0"/>
-          <a:chOff x="0" y="0"/>
-          <a:chExt cx="0" cy="0"/>
-        </a:xfrm>
-      </p:grpSpPr>
-      <p:sp>
-        <p:nvSpPr>
-          <p:cNvPr id="3" name="内容占位符 2">
-            <a:extLst>
-              <a:ext uri="{FF2B5EF4-FFF2-40B4-BE49-F238E27FC236}">
-                <a16:creationId xmlns:a16="http://schemas.microsoft.com/office/drawing/2014/main" id="{AC7759D9-0BB4-08ED-8476-24F7D903D6DE}"/>
-              </a:ext>
-            </a:extLst>
-          </p:cNvPr>
-          <p:cNvSpPr>
-            <a:spLocks noGrp="1"/>
-          </p:cNvSpPr>
-          <p:nvPr>
-            <p:ph idx="1"/>
-          </p:nvPr>
-        </p:nvSpPr>
-        <p:spPr/>
-        <p:txBody>
-          <a:bodyPr>
-            <a:normAutofit/>
-          </a:bodyPr>
-          <a:lstStyle/>
-          <a:p>
-            <a:r>
-              <a:rPr lang="zh-CN" altLang="en-US" dirty="0"/>
-              <a:t>与</a:t>
-            </a:r>
-            <a:r>
-              <a:rPr lang="en-US" altLang="zh-CN" dirty="0"/>
-              <a:t>《Python </a:t>
-            </a:r>
-            <a:r>
-              <a:rPr lang="zh-CN" altLang="en-US" dirty="0"/>
-              <a:t>编程：从入门到实践（第三版）</a:t>
-            </a:r>
-            <a:r>
-              <a:rPr lang="en-US" altLang="zh-CN" dirty="0"/>
-              <a:t>》</a:t>
-            </a:r>
-            <a:r>
-              <a:rPr lang="zh-CN" altLang="en-US" dirty="0"/>
-              <a:t>一书配套使用</a:t>
-            </a:r>
-            <a:endParaRPr lang="en-US" altLang="zh-CN" dirty="0"/>
-          </a:p>
-          <a:p>
-            <a:r>
-              <a:rPr lang="zh-CN" altLang="en-US" dirty="0"/>
-              <a:t>讲义中的文本及绘图采用</a:t>
-            </a:r>
-            <a:r>
-              <a:rPr lang="zh-CN" altLang="en-US" u="sng" dirty="0">
-                <a:hlinkClick r:id="rId2"/>
-              </a:rPr>
-              <a:t>署名</a:t>
-            </a:r>
-            <a:r>
-              <a:rPr lang="en-US" altLang="zh-CN" u="sng" dirty="0">
-                <a:hlinkClick r:id="rId2"/>
-              </a:rPr>
-              <a:t>-</a:t>
-            </a:r>
-            <a:r>
-              <a:rPr lang="zh-CN" altLang="en-US" u="sng" dirty="0">
-                <a:hlinkClick r:id="rId2"/>
-              </a:rPr>
-              <a:t>非商业性使用</a:t>
-            </a:r>
-            <a:r>
-              <a:rPr lang="en-US" altLang="zh-CN" u="sng" dirty="0">
-                <a:hlinkClick r:id="rId2"/>
-              </a:rPr>
-              <a:t>-</a:t>
-            </a:r>
-            <a:r>
-              <a:rPr lang="zh-CN" altLang="en-US" u="sng" dirty="0">
-                <a:hlinkClick r:id="rId2"/>
-              </a:rPr>
-              <a:t>相同方式共享协议（</a:t>
-            </a:r>
-            <a:r>
-              <a:rPr lang="en-US" altLang="zh-CN" u="sng" dirty="0">
-                <a:hlinkClick r:id="rId2"/>
-              </a:rPr>
-              <a:t>CC BY-NC-SA 4.0</a:t>
-            </a:r>
-            <a:r>
-              <a:rPr lang="zh-CN" altLang="en-US" u="sng" dirty="0">
-                <a:hlinkClick r:id="rId2"/>
-              </a:rPr>
-              <a:t>）</a:t>
-            </a:r>
-            <a:r>
-              <a:rPr lang="zh-CN" altLang="en-US" u="sng" dirty="0"/>
-              <a:t>进行许可</a:t>
-            </a:r>
-            <a:endParaRPr lang="en-US" altLang="zh-CN" dirty="0"/>
-          </a:p>
-          <a:p>
-            <a:r>
-              <a:rPr lang="zh-CN" altLang="en-US" dirty="0"/>
-              <a:t>引用的网络图片附有超链接，可用于访问来源</a:t>
-            </a:r>
-            <a:endParaRPr lang="en-US" altLang="zh-CN" dirty="0"/>
-          </a:p>
-          <a:p>
-            <a:r>
-              <a:rPr lang="zh-CN" altLang="en-US" dirty="0"/>
-              <a:t>讨论、意见、答疑、勘误、更新：</a:t>
-            </a:r>
-            <a:endParaRPr lang="en-US" altLang="zh-CN" dirty="0"/>
-          </a:p>
-          <a:p>
-            <a:pPr marL="0" indent="0">
-              <a:buNone/>
-            </a:pPr>
-            <a:r>
-              <a:rPr lang="en-US" altLang="zh-CN" dirty="0">
-                <a:hlinkClick r:id="rId3"/>
-              </a:rPr>
-              <a:t>https://github.com/scruel/pcc_3e_slides</a:t>
-            </a:r>
-            <a:endParaRPr lang="en-US" altLang="zh-CN" dirty="0"/>
-          </a:p>
-          <a:p>
-            <a:pPr marL="0" indent="0">
-              <a:buNone/>
-            </a:pPr>
-            <a:endParaRPr lang="en-US" altLang="zh-CN" dirty="0"/>
-          </a:p>
-          <a:p>
-            <a:pPr marL="0" indent="0" algn="r">
-              <a:buNone/>
-            </a:pPr>
-            <a:r>
-              <a:rPr lang="zh-CN" altLang="en-US" dirty="0"/>
-              <a:t>作者：</a:t>
-            </a:r>
-            <a:r>
-              <a:rPr lang="en-US" altLang="zh-CN" dirty="0"/>
-              <a:t>@Scruel Tao</a:t>
-            </a:r>
-          </a:p>
-        </p:txBody>
-      </p:sp>
-      <p:sp>
-        <p:nvSpPr>
-          <p:cNvPr id="5" name="标题 4">
-            <a:extLst>
-              <a:ext uri="{FF2B5EF4-FFF2-40B4-BE49-F238E27FC236}">
-                <a16:creationId xmlns:a16="http://schemas.microsoft.com/office/drawing/2014/main" id="{14B5F31E-85DD-B8D9-9ED7-E32A03C57260}"/>
-              </a:ext>
-            </a:extLst>
-          </p:cNvPr>
-          <p:cNvSpPr>
-            <a:spLocks noGrp="1"/>
-          </p:cNvSpPr>
-          <p:nvPr>
-            <p:ph type="title"/>
-          </p:nvPr>
-        </p:nvSpPr>
-        <p:spPr/>
-        <p:txBody>
-          <a:bodyPr/>
-          <a:lstStyle/>
-          <a:p>
-            <a:r>
-              <a:rPr lang="zh-CN" altLang="en-US" dirty="0"/>
-              <a:t>关于本讲义</a:t>
-            </a:r>
-          </a:p>
-        </p:txBody>
-      </p:sp>
-    </p:spTree>
-    <p:extLst>
-      <p:ext uri="{BB962C8B-B14F-4D97-AF65-F5344CB8AC3E}">
-        <p14:creationId xmlns:p14="http://schemas.microsoft.com/office/powerpoint/2010/main" val="3625446739"/>
-      </p:ext>
-    </p:extLst>
-  </p:cSld>
-  <p:clrMapOvr>
-    <a:masterClrMapping/>
-  </p:clrMapOvr>
-  <mc:AlternateContent xmlns:mc="http://schemas.openxmlformats.org/markup-compatibility/2006" xmlns:p14="http://schemas.microsoft.com/office/powerpoint/2010/main">
-    <mc:Choice Requires="p14">
-      <p:transition spd="med" p14:dur="700">
-        <p:fade/>
-      </p:transition>
-    </mc:Choice>
-    <mc:Fallback xmlns="">
-      <p:transition spd="med">
-        <p:fade/>
-      </p:transition>
-    </mc:Fallback>
-  </mc:AlternateContent>
-</p:sld>
-</file>
-
-<file path=ppt/slides/slide20.xml><?xml version="1.0" encoding="utf-8"?>
+<file path=ppt/slides/slide23.xml><?xml version="1.0" encoding="utf-8"?>
 <p:sld xmlns:a="http://schemas.openxmlformats.org/drawingml/2006/main" xmlns:r="http://schemas.openxmlformats.org/officeDocument/2006/relationships" xmlns:p="http://schemas.openxmlformats.org/presentationml/2006/main">
   <p:cSld>
     <p:spTree>
@@ -20545,7 +23240,7 @@
 </p:sld>
 </file>
 
-<file path=ppt/slides/slide21.xml><?xml version="1.0" encoding="utf-8"?>
+<file path=ppt/slides/slide24.xml><?xml version="1.0" encoding="utf-8"?>
 <p:sld xmlns:a="http://schemas.openxmlformats.org/drawingml/2006/main" xmlns:r="http://schemas.openxmlformats.org/officeDocument/2006/relationships" xmlns:p="http://schemas.openxmlformats.org/presentationml/2006/main">
   <p:cSld>
     <p:spTree>
@@ -21281,30 +23976,21 @@
                             </p:childTnLst>
                           </p:cTn>
                         </p:par>
-                      </p:childTnLst>
-                    </p:cTn>
-                  </p:par>
-                  <p:par>
-                    <p:cTn id="7" fill="hold">
-                      <p:stCondLst>
-                        <p:cond delay="indefinite"/>
-                      </p:stCondLst>
-                      <p:childTnLst>
                         <p:par>
-                          <p:cTn id="8" fill="hold">
+                          <p:cTn id="7" fill="hold">
                             <p:stCondLst>
                               <p:cond delay="0"/>
                             </p:stCondLst>
                             <p:childTnLst>
                               <p:par>
-                                <p:cTn id="9" presetID="1" presetClass="entr" presetSubtype="0" fill="hold" grpId="0" nodeType="clickEffect">
+                                <p:cTn id="8" presetID="1" presetClass="entr" presetSubtype="0" fill="hold" grpId="0" nodeType="afterEffect">
                                   <p:stCondLst>
                                     <p:cond delay="0"/>
                                   </p:stCondLst>
                                   <p:childTnLst>
                                     <p:set>
                                       <p:cBhvr>
-                                        <p:cTn id="10" dur="1" fill="hold">
+                                        <p:cTn id="9" dur="1" fill="hold">
                                           <p:stCondLst>
                                             <p:cond delay="0"/>
                                           </p:stCondLst>
@@ -21358,7 +24044,7 @@
 </p:sld>
 </file>
 
-<file path=ppt/slides/slide22.xml><?xml version="1.0" encoding="utf-8"?>
+<file path=ppt/slides/slide25.xml><?xml version="1.0" encoding="utf-8"?>
 <p:sld xmlns:a="http://schemas.openxmlformats.org/drawingml/2006/main" xmlns:r="http://schemas.openxmlformats.org/officeDocument/2006/relationships" xmlns:p="http://schemas.openxmlformats.org/presentationml/2006/main">
   <p:cSld>
     <p:spTree>
@@ -22159,7 +24845,7 @@
 </p:sld>
 </file>
 
-<file path=ppt/slides/slide23.xml><?xml version="1.0" encoding="utf-8"?>
+<file path=ppt/slides/slide26.xml><?xml version="1.0" encoding="utf-8"?>
 <p:sld xmlns:a="http://schemas.openxmlformats.org/drawingml/2006/main" xmlns:r="http://schemas.openxmlformats.org/officeDocument/2006/relationships" xmlns:p="http://schemas.openxmlformats.org/presentationml/2006/main">
   <p:cSld>
     <p:spTree>
@@ -22451,7 +25137,7 @@
 </p:sld>
 </file>
 
-<file path=ppt/slides/slide24.xml><?xml version="1.0" encoding="utf-8"?>
+<file path=ppt/slides/slide27.xml><?xml version="1.0" encoding="utf-8"?>
 <p:sld xmlns:a="http://schemas.openxmlformats.org/drawingml/2006/main" xmlns:r="http://schemas.openxmlformats.org/officeDocument/2006/relationships" xmlns:p="http://schemas.openxmlformats.org/presentationml/2006/main">
   <p:cSld>
     <p:spTree>
@@ -23669,7 +26355,7 @@
 </p:sld>
 </file>
 
-<file path=ppt/slides/slide25.xml><?xml version="1.0" encoding="utf-8"?>
+<file path=ppt/slides/slide28.xml><?xml version="1.0" encoding="utf-8"?>
 <p:sld xmlns:a="http://schemas.openxmlformats.org/drawingml/2006/main" xmlns:r="http://schemas.openxmlformats.org/officeDocument/2006/relationships" xmlns:p="http://schemas.openxmlformats.org/presentationml/2006/main">
   <p:cSld>
     <p:spTree>
@@ -23967,7 +26653,7 @@
 </p:sld>
 </file>
 
-<file path=ppt/slides/slide26.xml><?xml version="1.0" encoding="utf-8"?>
+<file path=ppt/slides/slide29.xml><?xml version="1.0" encoding="utf-8"?>
 <p:sld xmlns:a="http://schemas.openxmlformats.org/drawingml/2006/main" xmlns:r="http://schemas.openxmlformats.org/officeDocument/2006/relationships" xmlns:p="http://schemas.openxmlformats.org/presentationml/2006/main">
   <p:cSld>
     <p:spTree>
@@ -24837,7 +27523,220 @@
 </p:sld>
 </file>
 
-<file path=ppt/slides/slide27.xml><?xml version="1.0" encoding="utf-8"?>
+<file path=ppt/slides/slide3.xml><?xml version="1.0" encoding="utf-8"?>
+<p:sld xmlns:a="http://schemas.openxmlformats.org/drawingml/2006/main" xmlns:r="http://schemas.openxmlformats.org/officeDocument/2006/relationships" xmlns:p="http://schemas.openxmlformats.org/presentationml/2006/main">
+  <p:cSld>
+    <p:spTree>
+      <p:nvGrpSpPr>
+        <p:cNvPr id="1" name=""/>
+        <p:cNvGrpSpPr/>
+        <p:nvPr/>
+      </p:nvGrpSpPr>
+      <p:grpSpPr>
+        <a:xfrm>
+          <a:off x="0" y="0"/>
+          <a:ext cx="0" cy="0"/>
+          <a:chOff x="0" y="0"/>
+          <a:chExt cx="0" cy="0"/>
+        </a:xfrm>
+      </p:grpSpPr>
+      <p:sp>
+        <p:nvSpPr>
+          <p:cNvPr id="2" name="标题 1">
+            <a:extLst>
+              <a:ext uri="{FF2B5EF4-FFF2-40B4-BE49-F238E27FC236}">
+                <a16:creationId xmlns:a16="http://schemas.microsoft.com/office/drawing/2014/main" id="{1422DFF6-0952-1023-64E3-97184D36BE3F}"/>
+              </a:ext>
+            </a:extLst>
+          </p:cNvPr>
+          <p:cNvSpPr>
+            <a:spLocks noGrp="1"/>
+          </p:cNvSpPr>
+          <p:nvPr>
+            <p:ph type="title"/>
+          </p:nvPr>
+        </p:nvSpPr>
+        <p:spPr/>
+        <p:txBody>
+          <a:bodyPr/>
+          <a:lstStyle/>
+          <a:p>
+            <a:r>
+              <a:rPr lang="zh-CN" altLang="en-US" dirty="0">
+                <a:effectLst>
+                  <a:outerShdw blurRad="38100" dist="38100" dir="2700000" algn="tl">
+                    <a:srgbClr val="000000">
+                      <a:alpha val="43137"/>
+                    </a:srgbClr>
+                  </a:outerShdw>
+                </a:effectLst>
+              </a:rPr>
+              <a:t>第 </a:t>
+            </a:r>
+            <a:r>
+              <a:rPr lang="en-US" altLang="zh-CN" dirty="0">
+                <a:effectLst>
+                  <a:outerShdw blurRad="38100" dist="38100" dir="2700000" algn="tl">
+                    <a:srgbClr val="000000">
+                      <a:alpha val="43137"/>
+                    </a:srgbClr>
+                  </a:outerShdw>
+                </a:effectLst>
+              </a:rPr>
+              <a:t>7 </a:t>
+            </a:r>
+            <a:r>
+              <a:rPr lang="zh-CN" altLang="en-US" dirty="0">
+                <a:effectLst>
+                  <a:outerShdw blurRad="38100" dist="38100" dir="2700000" algn="tl">
+                    <a:srgbClr val="000000">
+                      <a:alpha val="43137"/>
+                    </a:srgbClr>
+                  </a:outerShdw>
+                </a:effectLst>
+              </a:rPr>
+              <a:t>章 用户输入和 </a:t>
+            </a:r>
+            <a:r>
+              <a:rPr lang="en-US" altLang="zh-CN" dirty="0">
+                <a:effectLst>
+                  <a:outerShdw blurRad="38100" dist="38100" dir="2700000" algn="tl">
+                    <a:srgbClr val="000000">
+                      <a:alpha val="43137"/>
+                    </a:srgbClr>
+                  </a:outerShdw>
+                </a:effectLst>
+                <a:latin typeface="+mj-lt"/>
+              </a:rPr>
+              <a:t>while</a:t>
+            </a:r>
+            <a:r>
+              <a:rPr lang="en-US" altLang="zh-CN" dirty="0">
+                <a:effectLst>
+                  <a:outerShdw blurRad="38100" dist="38100" dir="2700000" algn="tl">
+                    <a:srgbClr val="000000">
+                      <a:alpha val="43137"/>
+                    </a:srgbClr>
+                  </a:outerShdw>
+                </a:effectLst>
+              </a:rPr>
+              <a:t> </a:t>
+            </a:r>
+            <a:r>
+              <a:rPr lang="zh-CN" altLang="en-US" dirty="0">
+                <a:effectLst>
+                  <a:outerShdw blurRad="38100" dist="38100" dir="2700000" algn="tl">
+                    <a:srgbClr val="000000">
+                      <a:alpha val="43137"/>
+                    </a:srgbClr>
+                  </a:outerShdw>
+                </a:effectLst>
+              </a:rPr>
+              <a:t>循环</a:t>
+            </a:r>
+          </a:p>
+        </p:txBody>
+      </p:sp>
+      <p:sp>
+        <p:nvSpPr>
+          <p:cNvPr id="3" name="内容占位符 2">
+            <a:extLst>
+              <a:ext uri="{FF2B5EF4-FFF2-40B4-BE49-F238E27FC236}">
+                <a16:creationId xmlns:a16="http://schemas.microsoft.com/office/drawing/2014/main" id="{AC7759D9-0BB4-08ED-8476-24F7D903D6DE}"/>
+              </a:ext>
+            </a:extLst>
+          </p:cNvPr>
+          <p:cNvSpPr>
+            <a:spLocks noGrp="1"/>
+          </p:cNvSpPr>
+          <p:nvPr>
+            <p:ph idx="1"/>
+          </p:nvPr>
+        </p:nvSpPr>
+        <p:spPr/>
+        <p:txBody>
+          <a:bodyPr/>
+          <a:lstStyle/>
+          <a:p>
+            <a:r>
+              <a:rPr lang="en-US" altLang="zh-CN" dirty="0"/>
+              <a:t>7.1 input() </a:t>
+            </a:r>
+            <a:r>
+              <a:rPr lang="zh-CN" altLang="en-US" dirty="0"/>
+              <a:t>函数的工作原理</a:t>
+            </a:r>
+            <a:endParaRPr lang="en-US" altLang="zh-CN" dirty="0"/>
+          </a:p>
+          <a:p>
+            <a:r>
+              <a:rPr lang="en-US" altLang="zh-CN" dirty="0"/>
+              <a:t>7.2 while </a:t>
+            </a:r>
+            <a:r>
+              <a:rPr lang="zh-CN" altLang="en-US" dirty="0"/>
+              <a:t>循环简介</a:t>
+            </a:r>
+            <a:endParaRPr lang="en-US" altLang="zh-CN" dirty="0"/>
+          </a:p>
+          <a:p>
+            <a:r>
+              <a:rPr lang="en-US" altLang="zh-CN" dirty="0"/>
+              <a:t>7.3 </a:t>
+            </a:r>
+            <a:r>
+              <a:rPr lang="zh-CN" altLang="en-US" dirty="0"/>
+              <a:t>使用 </a:t>
+            </a:r>
+            <a:r>
+              <a:rPr lang="en-US" altLang="zh-CN" dirty="0"/>
+              <a:t>while </a:t>
+            </a:r>
+            <a:r>
+              <a:rPr lang="zh-CN" altLang="en-US" dirty="0"/>
+              <a:t>循环处理列表和字典</a:t>
+            </a:r>
+            <a:endParaRPr lang="en-US" altLang="zh-CN" dirty="0"/>
+          </a:p>
+          <a:p>
+            <a:r>
+              <a:rPr lang="en-US" altLang="zh-CN" dirty="0"/>
+              <a:t>7.4 </a:t>
+            </a:r>
+            <a:r>
+              <a:rPr lang="zh-CN" altLang="en-US" dirty="0"/>
+              <a:t>小结</a:t>
+            </a:r>
+            <a:endParaRPr lang="en-US" altLang="zh-CN" dirty="0"/>
+          </a:p>
+        </p:txBody>
+      </p:sp>
+    </p:spTree>
+    <p:extLst>
+      <p:ext uri="{BB962C8B-B14F-4D97-AF65-F5344CB8AC3E}">
+        <p14:creationId xmlns:p14="http://schemas.microsoft.com/office/powerpoint/2010/main" val="1112998187"/>
+      </p:ext>
+    </p:extLst>
+  </p:cSld>
+  <p:clrMapOvr>
+    <a:masterClrMapping/>
+  </p:clrMapOvr>
+  <mc:AlternateContent xmlns:mc="http://schemas.openxmlformats.org/markup-compatibility/2006" xmlns:p14="http://schemas.microsoft.com/office/powerpoint/2010/main">
+    <mc:Choice Requires="p14">
+      <p:transition spd="med" p14:dur="700">
+        <p:fade/>
+      </p:transition>
+    </mc:Choice>
+    <mc:Fallback xmlns="">
+      <p:transition spd="med">
+        <p:fade/>
+      </p:transition>
+    </mc:Fallback>
+  </mc:AlternateContent>
+</p:sld>
+</file>
+
+<file path=ppt/slides/slide30.xml><?xml version="1.0" encoding="utf-8"?>
 <p:sld xmlns:a="http://schemas.openxmlformats.org/drawingml/2006/main" xmlns:r="http://schemas.openxmlformats.org/officeDocument/2006/relationships" xmlns:p="http://schemas.openxmlformats.org/presentationml/2006/main">
   <p:cSld>
     <p:spTree>
@@ -25762,7 +28661,7 @@
 </p:sld>
 </file>
 
-<file path=ppt/slides/slide28.xml><?xml version="1.0" encoding="utf-8"?>
+<file path=ppt/slides/slide31.xml><?xml version="1.0" encoding="utf-8"?>
 <p:sld xmlns:a="http://schemas.openxmlformats.org/drawingml/2006/main" xmlns:r="http://schemas.openxmlformats.org/officeDocument/2006/relationships" xmlns:p="http://schemas.openxmlformats.org/presentationml/2006/main">
   <p:cSld>
     <p:spTree>
@@ -26046,7 +28945,7 @@
 </p:sld>
 </file>
 
-<file path=ppt/slides/slide29.xml><?xml version="1.0" encoding="utf-8"?>
+<file path=ppt/slides/slide32.xml><?xml version="1.0" encoding="utf-8"?>
 <p:sld xmlns:a="http://schemas.openxmlformats.org/drawingml/2006/main" xmlns:r="http://schemas.openxmlformats.org/officeDocument/2006/relationships" xmlns:p="http://schemas.openxmlformats.org/presentationml/2006/main">
   <p:cSld>
     <p:spTree>
@@ -26441,219 +29340,6 @@
       </p:par>
     </p:tnLst>
   </p:timing>
-</p:sld>
-</file>
-
-<file path=ppt/slides/slide3.xml><?xml version="1.0" encoding="utf-8"?>
-<p:sld xmlns:a="http://schemas.openxmlformats.org/drawingml/2006/main" xmlns:r="http://schemas.openxmlformats.org/officeDocument/2006/relationships" xmlns:p="http://schemas.openxmlformats.org/presentationml/2006/main">
-  <p:cSld>
-    <p:spTree>
-      <p:nvGrpSpPr>
-        <p:cNvPr id="1" name=""/>
-        <p:cNvGrpSpPr/>
-        <p:nvPr/>
-      </p:nvGrpSpPr>
-      <p:grpSpPr>
-        <a:xfrm>
-          <a:off x="0" y="0"/>
-          <a:ext cx="0" cy="0"/>
-          <a:chOff x="0" y="0"/>
-          <a:chExt cx="0" cy="0"/>
-        </a:xfrm>
-      </p:grpSpPr>
-      <p:sp>
-        <p:nvSpPr>
-          <p:cNvPr id="2" name="标题 1">
-            <a:extLst>
-              <a:ext uri="{FF2B5EF4-FFF2-40B4-BE49-F238E27FC236}">
-                <a16:creationId xmlns:a16="http://schemas.microsoft.com/office/drawing/2014/main" id="{1422DFF6-0952-1023-64E3-97184D36BE3F}"/>
-              </a:ext>
-            </a:extLst>
-          </p:cNvPr>
-          <p:cNvSpPr>
-            <a:spLocks noGrp="1"/>
-          </p:cNvSpPr>
-          <p:nvPr>
-            <p:ph type="title"/>
-          </p:nvPr>
-        </p:nvSpPr>
-        <p:spPr/>
-        <p:txBody>
-          <a:bodyPr/>
-          <a:lstStyle/>
-          <a:p>
-            <a:r>
-              <a:rPr lang="zh-CN" altLang="en-US" dirty="0">
-                <a:effectLst>
-                  <a:outerShdw blurRad="38100" dist="38100" dir="2700000" algn="tl">
-                    <a:srgbClr val="000000">
-                      <a:alpha val="43137"/>
-                    </a:srgbClr>
-                  </a:outerShdw>
-                </a:effectLst>
-              </a:rPr>
-              <a:t>第 </a:t>
-            </a:r>
-            <a:r>
-              <a:rPr lang="en-US" altLang="zh-CN" dirty="0">
-                <a:effectLst>
-                  <a:outerShdw blurRad="38100" dist="38100" dir="2700000" algn="tl">
-                    <a:srgbClr val="000000">
-                      <a:alpha val="43137"/>
-                    </a:srgbClr>
-                  </a:outerShdw>
-                </a:effectLst>
-              </a:rPr>
-              <a:t>7 </a:t>
-            </a:r>
-            <a:r>
-              <a:rPr lang="zh-CN" altLang="en-US" dirty="0">
-                <a:effectLst>
-                  <a:outerShdw blurRad="38100" dist="38100" dir="2700000" algn="tl">
-                    <a:srgbClr val="000000">
-                      <a:alpha val="43137"/>
-                    </a:srgbClr>
-                  </a:outerShdw>
-                </a:effectLst>
-              </a:rPr>
-              <a:t>章 用户输入和 </a:t>
-            </a:r>
-            <a:r>
-              <a:rPr lang="en-US" altLang="zh-CN" dirty="0">
-                <a:effectLst>
-                  <a:outerShdw blurRad="38100" dist="38100" dir="2700000" algn="tl">
-                    <a:srgbClr val="000000">
-                      <a:alpha val="43137"/>
-                    </a:srgbClr>
-                  </a:outerShdw>
-                </a:effectLst>
-                <a:latin typeface="+mj-lt"/>
-              </a:rPr>
-              <a:t>while</a:t>
-            </a:r>
-            <a:r>
-              <a:rPr lang="en-US" altLang="zh-CN" dirty="0">
-                <a:effectLst>
-                  <a:outerShdw blurRad="38100" dist="38100" dir="2700000" algn="tl">
-                    <a:srgbClr val="000000">
-                      <a:alpha val="43137"/>
-                    </a:srgbClr>
-                  </a:outerShdw>
-                </a:effectLst>
-              </a:rPr>
-              <a:t> </a:t>
-            </a:r>
-            <a:r>
-              <a:rPr lang="zh-CN" altLang="en-US" dirty="0">
-                <a:effectLst>
-                  <a:outerShdw blurRad="38100" dist="38100" dir="2700000" algn="tl">
-                    <a:srgbClr val="000000">
-                      <a:alpha val="43137"/>
-                    </a:srgbClr>
-                  </a:outerShdw>
-                </a:effectLst>
-              </a:rPr>
-              <a:t>循环</a:t>
-            </a:r>
-          </a:p>
-        </p:txBody>
-      </p:sp>
-      <p:sp>
-        <p:nvSpPr>
-          <p:cNvPr id="3" name="内容占位符 2">
-            <a:extLst>
-              <a:ext uri="{FF2B5EF4-FFF2-40B4-BE49-F238E27FC236}">
-                <a16:creationId xmlns:a16="http://schemas.microsoft.com/office/drawing/2014/main" id="{AC7759D9-0BB4-08ED-8476-24F7D903D6DE}"/>
-              </a:ext>
-            </a:extLst>
-          </p:cNvPr>
-          <p:cNvSpPr>
-            <a:spLocks noGrp="1"/>
-          </p:cNvSpPr>
-          <p:nvPr>
-            <p:ph idx="1"/>
-          </p:nvPr>
-        </p:nvSpPr>
-        <p:spPr/>
-        <p:txBody>
-          <a:bodyPr/>
-          <a:lstStyle/>
-          <a:p>
-            <a:r>
-              <a:rPr lang="en-US" altLang="zh-CN" dirty="0"/>
-              <a:t>7.1 input() </a:t>
-            </a:r>
-            <a:r>
-              <a:rPr lang="zh-CN" altLang="en-US" dirty="0"/>
-              <a:t>函数的工作原理</a:t>
-            </a:r>
-            <a:endParaRPr lang="en-US" altLang="zh-CN" dirty="0"/>
-          </a:p>
-          <a:p>
-            <a:r>
-              <a:rPr lang="en-US" altLang="zh-CN" dirty="0"/>
-              <a:t>7.2 while </a:t>
-            </a:r>
-            <a:r>
-              <a:rPr lang="zh-CN" altLang="en-US" dirty="0"/>
-              <a:t>循环简介</a:t>
-            </a:r>
-            <a:endParaRPr lang="en-US" altLang="zh-CN" dirty="0"/>
-          </a:p>
-          <a:p>
-            <a:r>
-              <a:rPr lang="en-US" altLang="zh-CN" dirty="0"/>
-              <a:t>7.3 </a:t>
-            </a:r>
-            <a:r>
-              <a:rPr lang="zh-CN" altLang="en-US" dirty="0"/>
-              <a:t>使用 </a:t>
-            </a:r>
-            <a:r>
-              <a:rPr lang="en-US" altLang="zh-CN" dirty="0"/>
-              <a:t>while </a:t>
-            </a:r>
-            <a:r>
-              <a:rPr lang="zh-CN" altLang="en-US" dirty="0"/>
-              <a:t>循环处理列表和字典</a:t>
-            </a:r>
-            <a:endParaRPr lang="en-US" altLang="zh-CN" dirty="0"/>
-          </a:p>
-          <a:p>
-            <a:r>
-              <a:rPr lang="en-US" altLang="zh-CN" dirty="0"/>
-              <a:t>7.4 </a:t>
-            </a:r>
-            <a:r>
-              <a:rPr lang="zh-CN" altLang="en-US" dirty="0"/>
-              <a:t>小结</a:t>
-            </a:r>
-            <a:endParaRPr lang="en-US" altLang="zh-CN" dirty="0"/>
-          </a:p>
-        </p:txBody>
-      </p:sp>
-    </p:spTree>
-    <p:extLst>
-      <p:ext uri="{BB962C8B-B14F-4D97-AF65-F5344CB8AC3E}">
-        <p14:creationId xmlns:p14="http://schemas.microsoft.com/office/powerpoint/2010/main" val="1112998187"/>
-      </p:ext>
-    </p:extLst>
-  </p:cSld>
-  <p:clrMapOvr>
-    <a:masterClrMapping/>
-  </p:clrMapOvr>
-  <mc:AlternateContent xmlns:mc="http://schemas.openxmlformats.org/markup-compatibility/2006" xmlns:p14="http://schemas.microsoft.com/office/powerpoint/2010/main">
-    <mc:Choice Requires="p14">
-      <p:transition spd="med" p14:dur="700">
-        <p:fade/>
-      </p:transition>
-    </mc:Choice>
-    <mc:Fallback xmlns="">
-      <p:transition spd="med">
-        <p:fade/>
-      </p:transition>
-    </mc:Fallback>
-  </mc:AlternateContent>
 </p:sld>
 </file>
 
@@ -27954,30 +30640,21 @@
                             </p:childTnLst>
                           </p:cTn>
                         </p:par>
-                      </p:childTnLst>
-                    </p:cTn>
-                  </p:par>
-                  <p:par>
-                    <p:cTn id="7" fill="hold">
-                      <p:stCondLst>
-                        <p:cond delay="indefinite"/>
-                      </p:stCondLst>
-                      <p:childTnLst>
                         <p:par>
-                          <p:cTn id="8" fill="hold">
+                          <p:cTn id="7" fill="hold">
                             <p:stCondLst>
-                              <p:cond delay="0"/>
+                              <p:cond delay="301"/>
                             </p:stCondLst>
                             <p:childTnLst>
                               <p:par>
-                                <p:cTn id="9" presetID="1" presetClass="entr" presetSubtype="0" fill="hold" nodeType="clickEffect">
+                                <p:cTn id="8" presetID="1" presetClass="entr" presetSubtype="0" fill="hold" nodeType="afterEffect">
                                   <p:stCondLst>
-                                    <p:cond delay="0"/>
+                                    <p:cond delay="500"/>
                                   </p:stCondLst>
                                   <p:childTnLst>
                                     <p:set>
                                       <p:cBhvr>
-                                        <p:cTn id="10" dur="1" fill="hold">
+                                        <p:cTn id="9" dur="1" fill="hold">
                                           <p:stCondLst>
                                             <p:cond delay="0"/>
                                           </p:stCondLst>
@@ -29169,12 +31846,8 @@
           <a:lstStyle/>
           <a:p>
             <a:r>
-              <a:rPr lang="en-US" altLang="zh-CN" dirty="0"/>
-              <a:t>7.1.2 </a:t>
-            </a:r>
-            <a:r>
               <a:rPr lang="zh-CN" altLang="en-US" dirty="0"/>
-              <a:t>获取数值输入</a:t>
+              <a:t>自赋值运算符</a:t>
             </a:r>
             <a:endParaRPr lang="en-US" altLang="zh-CN" dirty="0"/>
           </a:p>
@@ -29204,42 +31877,49 @@
             <a:pPr marL="0" indent="0">
               <a:buNone/>
             </a:pPr>
+            <a:r>
+              <a:rPr lang="zh-CN" altLang="en-US" dirty="0"/>
+              <a:t>自赋值运算是一种很常见的运算，例如：</a:t>
+            </a:r>
+            <a:endParaRPr lang="en-US" altLang="zh-CN" dirty="0"/>
+          </a:p>
+          <a:p>
+            <a:r>
+              <a:rPr lang="zh-CN" altLang="en-US" dirty="0"/>
+              <a:t>对于很长的字符串，我们需要分行追加</a:t>
+            </a:r>
             <a:endParaRPr lang="en-US" altLang="zh-CN" dirty="0"/>
           </a:p>
           <a:p>
             <a:pPr marL="0" indent="0">
               <a:buNone/>
             </a:pPr>
+            <a:endParaRPr lang="en-US" altLang="zh-CN" dirty="0"/>
+          </a:p>
+          <a:p>
+            <a:pPr marL="0" indent="0">
+              <a:buNone/>
+            </a:pPr>
+            <a:endParaRPr lang="en-US" altLang="zh-CN" dirty="0"/>
+          </a:p>
+          <a:p>
             <a:r>
               <a:rPr lang="zh-CN" altLang="en-US" dirty="0"/>
-              <a:t>把文本当作数值直接使用，会导致</a:t>
-            </a:r>
-            <a:r>
-              <a:rPr lang="zh-CN" altLang="en-US" b="1" dirty="0"/>
-              <a:t>类型错误</a:t>
-            </a:r>
-            <a:r>
-              <a:rPr lang="zh-CN" altLang="en-US" dirty="0"/>
-              <a:t>（</a:t>
-            </a:r>
-            <a:r>
-              <a:rPr lang="en-US" altLang="zh-CN" dirty="0" err="1"/>
-              <a:t>TypeError</a:t>
-            </a:r>
-            <a:r>
-              <a:rPr lang="zh-CN" altLang="en-US" dirty="0"/>
-              <a:t>）：</a:t>
-            </a:r>
-            <a:endParaRPr lang="en-US" altLang="zh-CN" dirty="0"/>
+              <a:t>在计数时，我们需要让某个数增加 </a:t>
+            </a:r>
+            <a:r>
+              <a:rPr lang="en-US" altLang="zh-CN" dirty="0"/>
+              <a:t>1</a:t>
+            </a:r>
           </a:p>
         </p:txBody>
       </p:sp>
       <p:sp>
         <p:nvSpPr>
-          <p:cNvPr id="5" name="文本框 4">
+          <p:cNvPr id="3" name="文本框 2">
             <a:extLst>
               <a:ext uri="{FF2B5EF4-FFF2-40B4-BE49-F238E27FC236}">
-                <a16:creationId xmlns:a16="http://schemas.microsoft.com/office/drawing/2014/main" id="{9D54F06E-3165-FC9F-B002-0EAD31B550D3}"/>
+                <a16:creationId xmlns:a16="http://schemas.microsoft.com/office/drawing/2014/main" id="{2DD25971-C353-209F-CE81-11A47B5E5F68}"/>
               </a:ext>
             </a:extLst>
           </p:cNvPr>
@@ -29248,13 +31928,15 @@
         </p:nvSpPr>
         <p:spPr>
           <a:xfrm>
-            <a:off x="441794" y="4520789"/>
-            <a:ext cx="11308412" cy="1938992"/>
+            <a:off x="1116230" y="2908035"/>
+            <a:ext cx="10072570" cy="830997"/>
           </a:xfrm>
           <a:prstGeom prst="rect">
             <a:avLst/>
           </a:prstGeom>
-          <a:noFill/>
+          <a:solidFill>
+            <a:schemeClr val="bg1"/>
+          </a:solidFill>
           <a:ln>
             <a:solidFill>
               <a:schemeClr val="bg2"/>
@@ -29268,153 +31950,175 @@
           <a:lstStyle/>
           <a:p>
             <a:r>
-              <a:rPr lang="zh-CN" altLang="en-US" sz="2400" b="1" dirty="0">
+              <a:rPr lang="en-US" altLang="zh-CN" sz="2400" b="1" dirty="0">
                 <a:solidFill>
                   <a:srgbClr val="333333"/>
                 </a:solidFill>
-                <a:highlight>
-                  <a:srgbClr val="C0C0C0"/>
-                </a:highlight>
+                <a:effectLst/>
+                <a:latin typeface="Consolas" panose="020B0609020204030204" pitchFamily="49" charset="0"/>
+              </a:rPr>
+              <a:t>prompt </a:t>
+            </a:r>
+            <a:r>
+              <a:rPr lang="en-US" altLang="zh-CN" sz="2400" b="1" dirty="0">
+                <a:solidFill>
+                  <a:srgbClr val="A71D5D"/>
+                </a:solidFill>
+                <a:effectLst/>
+                <a:latin typeface="Consolas" panose="020B0609020204030204" pitchFamily="49" charset="0"/>
+              </a:rPr>
+              <a:t>= </a:t>
+            </a:r>
+            <a:r>
+              <a:rPr lang="en-US" altLang="zh-CN" sz="2400" b="1" dirty="0">
+                <a:solidFill>
+                  <a:srgbClr val="F2612A"/>
+                </a:solidFill>
+                <a:effectLst/>
+                <a:latin typeface="Consolas" panose="020B0609020204030204" pitchFamily="49" charset="0"/>
+              </a:rPr>
+              <a:t>"</a:t>
+            </a:r>
+            <a:r>
+              <a:rPr lang="en-US" altLang="zh-CN" sz="2400" b="1" dirty="0">
+                <a:solidFill>
+                  <a:srgbClr val="F2612A"/>
+                </a:solidFill>
+                <a:latin typeface="Consolas" panose="020B0609020204030204" pitchFamily="49" charset="0"/>
+              </a:rPr>
+              <a:t>We need your name to personalize the messages</a:t>
+            </a:r>
+            <a:r>
+              <a:rPr lang="en-US" altLang="zh-CN" sz="2400" b="1" dirty="0">
+                <a:solidFill>
+                  <a:srgbClr val="F2612A"/>
+                </a:solidFill>
+                <a:effectLst/>
+                <a:latin typeface="Consolas" panose="020B0609020204030204" pitchFamily="49" charset="0"/>
+              </a:rPr>
+              <a:t>"</a:t>
+            </a:r>
+            <a:br>
+              <a:rPr lang="en-US" altLang="zh-CN" sz="2400" b="1" dirty="0">
+                <a:solidFill>
+                  <a:srgbClr val="3F9101"/>
+                </a:solidFill>
+                <a:effectLst/>
+                <a:latin typeface="Consolas" panose="020B0609020204030204" pitchFamily="49" charset="0"/>
+              </a:rPr>
+            </a:br>
+            <a:r>
+              <a:rPr lang="en-US" altLang="zh-CN" sz="2400" b="1" dirty="0">
+                <a:solidFill>
+                  <a:srgbClr val="333333"/>
+                </a:solidFill>
+                <a:effectLst/>
+                <a:latin typeface="Consolas" panose="020B0609020204030204" pitchFamily="49" charset="0"/>
+              </a:rPr>
+              <a:t>prompt </a:t>
+            </a:r>
+            <a:r>
+              <a:rPr lang="en-US" altLang="zh-CN" sz="2400" b="1" dirty="0">
+                <a:solidFill>
+                  <a:srgbClr val="A71D5D"/>
+                </a:solidFill>
+                <a:effectLst/>
+                <a:latin typeface="Consolas" panose="020B0609020204030204" pitchFamily="49" charset="0"/>
+              </a:rPr>
+              <a:t>= </a:t>
+            </a:r>
+            <a:r>
+              <a:rPr lang="en-US" altLang="zh-CN" sz="2400" b="1" dirty="0">
+                <a:solidFill>
+                  <a:srgbClr val="333333"/>
+                </a:solidFill>
+                <a:effectLst/>
+                <a:latin typeface="Consolas" panose="020B0609020204030204" pitchFamily="49" charset="0"/>
+              </a:rPr>
+              <a:t>prompt </a:t>
+            </a:r>
+            <a:r>
+              <a:rPr lang="en-US" altLang="zh-CN" sz="2400" b="1" dirty="0">
+                <a:solidFill>
+                  <a:srgbClr val="2E6446"/>
+                </a:solidFill>
                 <a:latin typeface="Consolas" panose="020B0609020204030204" pitchFamily="49" charset="0"/>
                 <a:ea typeface="微软雅黑" panose="020B0503020204020204" pitchFamily="34" charset="-122"/>
               </a:rPr>
-              <a:t>运行结果</a:t>
+              <a:t>+ </a:t>
+            </a:r>
+            <a:r>
+              <a:rPr lang="en-US" altLang="zh-CN" sz="2400" b="1" dirty="0">
+                <a:solidFill>
+                  <a:srgbClr val="F2612A"/>
+                </a:solidFill>
+                <a:effectLst/>
+                <a:latin typeface="Consolas" panose="020B0609020204030204" pitchFamily="49" charset="0"/>
+              </a:rPr>
+              <a:t>"</a:t>
+            </a:r>
+            <a:r>
+              <a:rPr lang="en-US" altLang="zh-CN" sz="2400" b="1" dirty="0">
+                <a:solidFill>
+                  <a:srgbClr val="183691"/>
+                </a:solidFill>
+                <a:latin typeface="Consolas" panose="020B0609020204030204" pitchFamily="49" charset="0"/>
+              </a:rPr>
+              <a:t>\</a:t>
+            </a:r>
+            <a:r>
+              <a:rPr lang="en-US" altLang="zh-CN" sz="2400" b="1" dirty="0" err="1">
+                <a:solidFill>
+                  <a:srgbClr val="183691"/>
+                </a:solidFill>
+                <a:latin typeface="Consolas" panose="020B0609020204030204" pitchFamily="49" charset="0"/>
+              </a:rPr>
+              <a:t>n</a:t>
+            </a:r>
+            <a:r>
+              <a:rPr lang="en-US" altLang="zh-CN" sz="2400" b="1" dirty="0" err="1">
+                <a:solidFill>
+                  <a:srgbClr val="F2612A"/>
+                </a:solidFill>
+                <a:latin typeface="Consolas" panose="020B0609020204030204" pitchFamily="49" charset="0"/>
+              </a:rPr>
+              <a:t>What</a:t>
+            </a:r>
+            <a:r>
+              <a:rPr lang="en-US" altLang="zh-CN" sz="2400" b="1" dirty="0">
+                <a:solidFill>
+                  <a:srgbClr val="F2612A"/>
+                </a:solidFill>
+                <a:latin typeface="Consolas" panose="020B0609020204030204" pitchFamily="49" charset="0"/>
+              </a:rPr>
+              <a:t> is your first name?</a:t>
+            </a:r>
+            <a:r>
+              <a:rPr lang="en-US" altLang="zh-CN" sz="2400" b="1" dirty="0">
+                <a:solidFill>
+                  <a:srgbClr val="F2612A"/>
+                </a:solidFill>
+                <a:effectLst/>
+                <a:latin typeface="Consolas" panose="020B0609020204030204" pitchFamily="49" charset="0"/>
+              </a:rPr>
+              <a:t>"</a:t>
             </a:r>
             <a:endParaRPr lang="en-US" altLang="zh-CN" sz="2400" b="1" dirty="0">
               <a:solidFill>
-                <a:srgbClr val="333333"/>
-              </a:solidFill>
-              <a:highlight>
-                <a:srgbClr val="C0C0C0"/>
-              </a:highlight>
-              <a:latin typeface="Consolas" panose="020B0609020204030204" pitchFamily="49" charset="0"/>
-              <a:ea typeface="微软雅黑" panose="020B0503020204020204" pitchFamily="34" charset="-122"/>
-            </a:endParaRPr>
-          </a:p>
-          <a:p>
-            <a:r>
-              <a:rPr lang="en-US" altLang="zh-CN" sz="2400" dirty="0">
-                <a:solidFill>
-                  <a:srgbClr val="333333"/>
-                </a:solidFill>
-                <a:latin typeface="Consolas" panose="020B0609020204030204" pitchFamily="49" charset="0"/>
-                <a:ea typeface="微软雅黑" panose="020B0503020204020204" pitchFamily="34" charset="-122"/>
-              </a:rPr>
-              <a:t>How old are you? </a:t>
-            </a:r>
-            <a:r>
-              <a:rPr lang="en-US" altLang="zh-CN" sz="2400" b="1" dirty="0">
-                <a:solidFill>
-                  <a:srgbClr val="333333"/>
-                </a:solidFill>
-                <a:latin typeface="Consolas" panose="020B0609020204030204" pitchFamily="49" charset="0"/>
-                <a:ea typeface="微软雅黑" panose="020B0503020204020204" pitchFamily="34" charset="-122"/>
-              </a:rPr>
-              <a:t>21</a:t>
-            </a:r>
-          </a:p>
-          <a:p>
-            <a:r>
-              <a:rPr lang="en-US" altLang="zh-CN" sz="2400" dirty="0">
-                <a:solidFill>
-                  <a:srgbClr val="7F0000"/>
-                </a:solidFill>
-                <a:effectLst/>
-                <a:latin typeface="Consolas" panose="020B0609020204030204" pitchFamily="49" charset="0"/>
-                <a:ea typeface="微软雅黑" panose="020B0503020204020204" pitchFamily="34" charset="-122"/>
-              </a:rPr>
-              <a:t>Traceback (most recent call last):</a:t>
-            </a:r>
-          </a:p>
-          <a:p>
-            <a:r>
-              <a:rPr lang="en-US" altLang="zh-CN" sz="2400" dirty="0">
-                <a:solidFill>
-                  <a:srgbClr val="7F0000"/>
-                </a:solidFill>
-                <a:effectLst/>
-                <a:latin typeface="Consolas" panose="020B0609020204030204" pitchFamily="49" charset="0"/>
-                <a:ea typeface="微软雅黑" panose="020B0503020204020204" pitchFamily="34" charset="-122"/>
-              </a:rPr>
-              <a:t>  File "&lt;stdin&gt;", line 1, in &lt;module&gt;</a:t>
-            </a:r>
-          </a:p>
-          <a:p>
-            <a:r>
-              <a:rPr lang="en-US" altLang="zh-CN" sz="2400" dirty="0" err="1">
-                <a:solidFill>
-                  <a:srgbClr val="7F0000"/>
-                </a:solidFill>
-                <a:effectLst/>
-                <a:latin typeface="Consolas" panose="020B0609020204030204" pitchFamily="49" charset="0"/>
-                <a:ea typeface="微软雅黑" panose="020B0503020204020204" pitchFamily="34" charset="-122"/>
-              </a:rPr>
-              <a:t>TypeError</a:t>
-            </a:r>
-            <a:r>
-              <a:rPr lang="en-US" altLang="zh-CN" sz="2400" dirty="0">
-                <a:solidFill>
-                  <a:srgbClr val="7F0000"/>
-                </a:solidFill>
-                <a:effectLst/>
-                <a:latin typeface="Consolas" panose="020B0609020204030204" pitchFamily="49" charset="0"/>
-                <a:ea typeface="微软雅黑" panose="020B0503020204020204" pitchFamily="34" charset="-122"/>
-              </a:rPr>
-              <a:t>: '&gt;=' not supported between instances of 'str' and 'int'</a:t>
-            </a:r>
-            <a:endParaRPr lang="pl-PL" altLang="zh-CN" sz="2400" dirty="0">
-              <a:solidFill>
-                <a:srgbClr val="7F0000"/>
+                <a:srgbClr val="0200BD"/>
               </a:solidFill>
               <a:effectLst/>
               <a:latin typeface="Consolas" panose="020B0609020204030204" pitchFamily="49" charset="0"/>
-              <a:ea typeface="微软雅黑" panose="020B0503020204020204" pitchFamily="34" charset="-122"/>
             </a:endParaRPr>
           </a:p>
         </p:txBody>
       </p:sp>
-      <p:pic>
-        <p:nvPicPr>
-          <p:cNvPr id="6" name="图片 5">
+      <p:sp>
+        <p:nvSpPr>
+          <p:cNvPr id="5" name="文本框 4">
             <a:extLst>
               <a:ext uri="{FF2B5EF4-FFF2-40B4-BE49-F238E27FC236}">
-                <a16:creationId xmlns:a16="http://schemas.microsoft.com/office/drawing/2014/main" id="{11B76E9F-E6EA-4C26-A0A5-3A7A5A0C4732}"/>
-              </a:ext>
-            </a:extLst>
-          </p:cNvPr>
-          <p:cNvPicPr>
-            <a:picLocks noChangeAspect="1"/>
-          </p:cNvPicPr>
-          <p:nvPr/>
-        </p:nvPicPr>
-        <p:blipFill>
-          <a:blip r:embed="rId3">
-            <a:extLst>
-              <a:ext uri="{28A0092B-C50C-407E-A947-70E740481C1C}">
-                <a14:useLocalDpi xmlns:a14="http://schemas.microsoft.com/office/drawing/2010/main" val="0"/>
-              </a:ext>
-            </a:extLst>
-          </a:blip>
-          <a:stretch>
-            <a:fillRect/>
-          </a:stretch>
-        </p:blipFill>
-        <p:spPr>
-          <a:xfrm>
-            <a:off x="3787316" y="4933335"/>
-            <a:ext cx="425337" cy="392301"/>
-          </a:xfrm>
-          <a:prstGeom prst="rect">
-            <a:avLst/>
-          </a:prstGeom>
-        </p:spPr>
-      </p:pic>
-      <p:sp>
-        <p:nvSpPr>
-          <p:cNvPr id="7" name="文本框 6">
-            <a:extLst>
-              <a:ext uri="{FF2B5EF4-FFF2-40B4-BE49-F238E27FC236}">
-                <a16:creationId xmlns:a16="http://schemas.microsoft.com/office/drawing/2014/main" id="{78D2246A-A1AF-1C48-2FE0-B4254E0AFA92}"/>
+                <a16:creationId xmlns:a16="http://schemas.microsoft.com/office/drawing/2014/main" id="{B0DF5B52-3815-DC6E-74CF-C54B79B7FBDB}"/>
               </a:ext>
             </a:extLst>
           </p:cNvPr>
@@ -29423,13 +32127,15 @@
         </p:nvSpPr>
         <p:spPr>
           <a:xfrm>
-            <a:off x="3038475" y="3239912"/>
-            <a:ext cx="5925643" cy="830997"/>
+            <a:off x="1059715" y="4575156"/>
+            <a:ext cx="10072570" cy="830997"/>
           </a:xfrm>
           <a:prstGeom prst="rect">
             <a:avLst/>
           </a:prstGeom>
-          <a:noFill/>
+          <a:solidFill>
+            <a:schemeClr val="bg1"/>
+          </a:solidFill>
           <a:ln>
             <a:solidFill>
               <a:schemeClr val="bg2"/>
@@ -29450,7 +32156,7 @@
                 <a:effectLst/>
                 <a:latin typeface="Consolas" panose="020B0609020204030204" pitchFamily="49" charset="0"/>
               </a:rPr>
-              <a:t>age </a:t>
+              <a:t>number </a:t>
             </a:r>
             <a:r>
               <a:rPr lang="en-US" altLang="zh-CN" sz="2400" b="1" dirty="0">
@@ -29465,14 +32171,14 @@
             <a:r>
               <a:rPr lang="en-US" altLang="zh-CN" sz="2400" b="1" dirty="0">
                 <a:solidFill>
-                  <a:srgbClr val="0200BD"/>
-                </a:solidFill>
-                <a:effectLst/>
-                <a:latin typeface="Consolas" panose="020B0609020204030204" pitchFamily="49" charset="0"/>
-              </a:rPr>
-              <a:t>input</a:t>
-            </a:r>
-            <a:r>
+                  <a:srgbClr val="2E6446"/>
+                </a:solidFill>
+                <a:latin typeface="Consolas" panose="020B0609020204030204" pitchFamily="49" charset="0"/>
+                <a:ea typeface="微软雅黑" panose="020B0503020204020204" pitchFamily="34" charset="-122"/>
+              </a:rPr>
+              <a:t>0</a:t>
+            </a:r>
+            <a:br>
               <a:rPr lang="en-US" altLang="zh-CN" sz="2400" b="1" dirty="0">
                 <a:solidFill>
                   <a:srgbClr val="3F9101"/>
@@ -29480,66 +32186,16 @@
                 <a:effectLst/>
                 <a:latin typeface="Consolas" panose="020B0609020204030204" pitchFamily="49" charset="0"/>
               </a:rPr>
-              <a:t>(</a:t>
-            </a:r>
-            <a:r>
-              <a:rPr lang="en-US" altLang="zh-CN" sz="2400" b="1" dirty="0">
-                <a:solidFill>
-                  <a:srgbClr val="F2612A"/>
-                </a:solidFill>
-                <a:effectLst/>
-                <a:latin typeface="Consolas" panose="020B0609020204030204" pitchFamily="49" charset="0"/>
-              </a:rPr>
-              <a:t>"How old are you? "</a:t>
-            </a:r>
-            <a:r>
-              <a:rPr lang="en-US" altLang="zh-CN" sz="2400" b="1" dirty="0">
-                <a:solidFill>
-                  <a:srgbClr val="3F9101"/>
-                </a:solidFill>
-                <a:effectLst/>
-                <a:latin typeface="Consolas" panose="020B0609020204030204" pitchFamily="49" charset="0"/>
-              </a:rPr>
-              <a:t>)</a:t>
-            </a:r>
-            <a:br>
-              <a:rPr lang="en-US" altLang="zh-CN" sz="2400" b="1" dirty="0">
-                <a:solidFill>
-                  <a:srgbClr val="3F9101"/>
-                </a:solidFill>
-                <a:effectLst/>
-                <a:latin typeface="Consolas" panose="020B0609020204030204" pitchFamily="49" charset="0"/>
-              </a:rPr>
             </a:br>
             <a:r>
               <a:rPr lang="en-US" altLang="zh-CN" sz="2400" b="1" dirty="0">
                 <a:solidFill>
-                  <a:srgbClr val="0200BD"/>
-                </a:solidFill>
-                <a:effectLst/>
-                <a:latin typeface="Consolas" panose="020B0609020204030204" pitchFamily="49" charset="0"/>
-              </a:rPr>
-              <a:t>print</a:t>
-            </a:r>
-            <a:r>
-              <a:rPr lang="en-US" altLang="zh-CN" sz="2400" b="1" dirty="0">
-                <a:solidFill>
-                  <a:srgbClr val="3F9101"/>
-                </a:solidFill>
-                <a:effectLst/>
-                <a:latin typeface="Consolas" panose="020B0609020204030204" pitchFamily="49" charset="0"/>
-              </a:rPr>
-              <a:t>(</a:t>
-            </a:r>
-            <a:r>
-              <a:rPr lang="en-US" altLang="zh-CN" sz="2400" b="1" dirty="0">
-                <a:solidFill>
                   <a:srgbClr val="333333"/>
                 </a:solidFill>
                 <a:effectLst/>
                 <a:latin typeface="Consolas" panose="020B0609020204030204" pitchFamily="49" charset="0"/>
               </a:rPr>
-              <a:t>age </a:t>
+              <a:t>number </a:t>
             </a:r>
             <a:r>
               <a:rPr lang="en-US" altLang="zh-CN" sz="2400" b="1" dirty="0">
@@ -29549,31 +32205,31 @@
                 <a:effectLst/>
                 <a:latin typeface="Consolas" panose="020B0609020204030204" pitchFamily="49" charset="0"/>
               </a:rPr>
-              <a:t>&gt;= </a:t>
+              <a:t>= </a:t>
+            </a:r>
+            <a:r>
+              <a:rPr lang="en-US" altLang="zh-CN" sz="2400" b="1" dirty="0">
+                <a:solidFill>
+                  <a:srgbClr val="333333"/>
+                </a:solidFill>
+                <a:effectLst/>
+                <a:latin typeface="Consolas" panose="020B0609020204030204" pitchFamily="49" charset="0"/>
+              </a:rPr>
+              <a:t>number </a:t>
             </a:r>
             <a:r>
               <a:rPr lang="en-US" altLang="zh-CN" sz="2400" b="1" dirty="0">
                 <a:solidFill>
                   <a:srgbClr val="2E6446"/>
                 </a:solidFill>
-                <a:effectLst/>
-                <a:latin typeface="Consolas" panose="020B0609020204030204" pitchFamily="49" charset="0"/>
-              </a:rPr>
-              <a:t>18</a:t>
-            </a:r>
-            <a:r>
-              <a:rPr lang="en-US" altLang="zh-CN" sz="2400" b="1" dirty="0">
-                <a:solidFill>
-                  <a:srgbClr val="3F9101"/>
-                </a:solidFill>
-                <a:effectLst/>
-                <a:latin typeface="Consolas" panose="020B0609020204030204" pitchFamily="49" charset="0"/>
-              </a:rPr>
-              <a:t>)</a:t>
+                <a:latin typeface="Consolas" panose="020B0609020204030204" pitchFamily="49" charset="0"/>
+                <a:ea typeface="微软雅黑" panose="020B0503020204020204" pitchFamily="34" charset="-122"/>
+              </a:rPr>
+              <a:t>+ 1</a:t>
             </a:r>
             <a:endParaRPr lang="en-US" altLang="zh-CN" sz="2400" b="1" dirty="0">
               <a:solidFill>
-                <a:srgbClr val="333333"/>
+                <a:srgbClr val="0200BD"/>
               </a:solidFill>
               <a:effectLst/>
               <a:latin typeface="Consolas" panose="020B0609020204030204" pitchFamily="49" charset="0"/>
@@ -29584,7 +32240,7 @@
     </p:spTree>
     <p:extLst>
       <p:ext uri="{BB962C8B-B14F-4D97-AF65-F5344CB8AC3E}">
-        <p14:creationId xmlns:p14="http://schemas.microsoft.com/office/powerpoint/2010/main" val="2449811789"/>
+        <p14:creationId xmlns:p14="http://schemas.microsoft.com/office/powerpoint/2010/main" val="536485722"/>
       </p:ext>
     </p:extLst>
   </p:cSld>
@@ -29624,7 +32280,7 @@
                             </p:stCondLst>
                             <p:childTnLst>
                               <p:par>
-                                <p:cTn id="5" presetID="1" presetClass="entr" presetSubtype="0" fill="hold" grpId="0" nodeType="clickEffect">
+                                <p:cTn id="5" presetID="1" presetClass="entr" presetSubtype="0" fill="hold" nodeType="clickEffect">
                                   <p:stCondLst>
                                     <p:cond delay="0"/>
                                   </p:stCondLst>
@@ -29637,7 +32293,47 @@
                                           </p:stCondLst>
                                         </p:cTn>
                                         <p:tgtEl>
-                                          <p:spTgt spid="7"/>
+                                          <p:spTgt spid="4">
+                                            <p:txEl>
+                                              <p:pRg st="1" end="1"/>
+                                            </p:txEl>
+                                          </p:spTgt>
+                                        </p:tgtEl>
+                                        <p:attrNameLst>
+                                          <p:attrName>style.visibility</p:attrName>
+                                        </p:attrNameLst>
+                                      </p:cBhvr>
+                                      <p:to>
+                                        <p:strVal val="visible"/>
+                                      </p:to>
+                                    </p:set>
+                                  </p:childTnLst>
+                                </p:cTn>
+                              </p:par>
+                            </p:childTnLst>
+                          </p:cTn>
+                        </p:par>
+                        <p:par>
+                          <p:cTn id="7" fill="hold">
+                            <p:stCondLst>
+                              <p:cond delay="0"/>
+                            </p:stCondLst>
+                            <p:childTnLst>
+                              <p:par>
+                                <p:cTn id="8" presetID="1" presetClass="entr" presetSubtype="0" fill="hold" grpId="0" nodeType="afterEffect">
+                                  <p:stCondLst>
+                                    <p:cond delay="0"/>
+                                  </p:stCondLst>
+                                  <p:childTnLst>
+                                    <p:set>
+                                      <p:cBhvr>
+                                        <p:cTn id="9" dur="1" fill="hold">
+                                          <p:stCondLst>
+                                            <p:cond delay="0"/>
+                                          </p:stCondLst>
+                                        </p:cTn>
+                                        <p:tgtEl>
+                                          <p:spTgt spid="3"/>
                                         </p:tgtEl>
                                         <p:attrNameLst>
                                           <p:attrName>style.visibility</p:attrName>
@@ -29657,32 +32353,36 @@
                     </p:cTn>
                   </p:par>
                   <p:par>
-                    <p:cTn id="7" fill="hold">
+                    <p:cTn id="10" fill="hold">
                       <p:stCondLst>
                         <p:cond delay="indefinite"/>
                       </p:stCondLst>
                       <p:childTnLst>
                         <p:par>
-                          <p:cTn id="8" fill="hold">
+                          <p:cTn id="11" fill="hold">
                             <p:stCondLst>
                               <p:cond delay="0"/>
                             </p:stCondLst>
                             <p:childTnLst>
                               <p:par>
-                                <p:cTn id="9" presetID="1" presetClass="entr" presetSubtype="0" fill="hold" grpId="0" nodeType="clickEffect">
+                                <p:cTn id="12" presetID="1" presetClass="entr" presetSubtype="0" fill="hold" nodeType="clickEffect">
                                   <p:stCondLst>
                                     <p:cond delay="0"/>
                                   </p:stCondLst>
                                   <p:childTnLst>
                                     <p:set>
                                       <p:cBhvr>
-                                        <p:cTn id="10" dur="1" fill="hold">
+                                        <p:cTn id="13" dur="1" fill="hold">
                                           <p:stCondLst>
                                             <p:cond delay="0"/>
                                           </p:stCondLst>
                                         </p:cTn>
                                         <p:tgtEl>
-                                          <p:spTgt spid="5"/>
+                                          <p:spTgt spid="4">
+                                            <p:txEl>
+                                              <p:pRg st="4" end="4"/>
+                                            </p:txEl>
+                                          </p:spTgt>
                                         </p:tgtEl>
                                         <p:attrNameLst>
                                           <p:attrName>style.visibility</p:attrName>
@@ -29695,21 +32395,30 @@
                                   </p:childTnLst>
                                 </p:cTn>
                               </p:par>
+                            </p:childTnLst>
+                          </p:cTn>
+                        </p:par>
+                        <p:par>
+                          <p:cTn id="14" fill="hold">
+                            <p:stCondLst>
+                              <p:cond delay="0"/>
+                            </p:stCondLst>
+                            <p:childTnLst>
                               <p:par>
-                                <p:cTn id="11" presetID="1" presetClass="entr" presetSubtype="0" fill="hold" nodeType="withEffect">
+                                <p:cTn id="15" presetID="1" presetClass="entr" presetSubtype="0" fill="hold" grpId="0" nodeType="afterEffect">
                                   <p:stCondLst>
                                     <p:cond delay="0"/>
                                   </p:stCondLst>
                                   <p:childTnLst>
                                     <p:set>
                                       <p:cBhvr>
-                                        <p:cTn id="12" dur="1" fill="hold">
+                                        <p:cTn id="16" dur="1" fill="hold">
                                           <p:stCondLst>
                                             <p:cond delay="0"/>
                                           </p:stCondLst>
                                         </p:cTn>
                                         <p:tgtEl>
-                                          <p:spTgt spid="6"/>
+                                          <p:spTgt spid="5"/>
                                         </p:tgtEl>
                                         <p:attrNameLst>
                                           <p:attrName>style.visibility</p:attrName>
@@ -29750,8 +32459,8 @@
       </p:par>
     </p:tnLst>
     <p:bldLst>
+      <p:bldP spid="3" grpId="0" animBg="1"/>
       <p:bldP spid="5" grpId="0" animBg="1"/>
-      <p:bldP spid="7" grpId="0" animBg="1"/>
     </p:bldLst>
   </p:timing>
 </p:sld>
@@ -29798,12 +32507,8 @@
           <a:lstStyle/>
           <a:p>
             <a:r>
-              <a:rPr lang="en-US" altLang="zh-CN" dirty="0"/>
-              <a:t>7.1.2 </a:t>
-            </a:r>
-            <a:r>
               <a:rPr lang="zh-CN" altLang="en-US" dirty="0"/>
-              <a:t>获取数值输入</a:t>
+              <a:t>自赋值运算符</a:t>
             </a:r>
             <a:endParaRPr lang="en-US" altLang="zh-CN" dirty="0"/>
           </a:p>
@@ -29834,40 +32539,63 @@
               <a:buNone/>
             </a:pPr>
             <a:r>
-              <a:rPr lang="en-US" altLang="zh-CN" sz="2800" dirty="0">
-                <a:solidFill>
-                  <a:srgbClr val="0200BD"/>
-                </a:solidFill>
-                <a:effectLst/>
-                <a:latin typeface="Consolas" panose="020B0609020204030204" pitchFamily="49" charset="0"/>
-              </a:rPr>
-              <a:t>int</a:t>
-            </a:r>
-            <a:r>
-              <a:rPr lang="en-US" altLang="zh-CN" sz="2800" dirty="0">
-                <a:solidFill>
-                  <a:srgbClr val="3F9101"/>
-                </a:solidFill>
-                <a:effectLst/>
-                <a:latin typeface="Consolas" panose="020B0609020204030204" pitchFamily="49" charset="0"/>
-              </a:rPr>
-              <a:t>() </a:t>
-            </a:r>
-            <a:r>
               <a:rPr lang="zh-CN" altLang="en-US" dirty="0"/>
-              <a:t>函数：将文本转换为数值</a:t>
+              <a:t>这些都可以通过自赋值运算符简化：</a:t>
             </a:r>
             <a:endParaRPr lang="en-US" altLang="zh-CN" dirty="0"/>
+          </a:p>
+          <a:p>
+            <a:r>
+              <a:rPr lang="zh-CN" altLang="en-US" dirty="0">
+                <a:solidFill>
+                  <a:schemeClr val="bg1">
+                    <a:lumMod val="65000"/>
+                  </a:schemeClr>
+                </a:solidFill>
+              </a:rPr>
+              <a:t>对于很长的字符串，我们需要分行追加</a:t>
+            </a:r>
+            <a:endParaRPr lang="en-US" altLang="zh-CN" dirty="0">
+              <a:solidFill>
+                <a:schemeClr val="bg1">
+                  <a:lumMod val="65000"/>
+                </a:schemeClr>
+              </a:solidFill>
+            </a:endParaRPr>
           </a:p>
           <a:p>
             <a:pPr marL="0" indent="0">
               <a:buNone/>
             </a:pPr>
-            <a:r>
-              <a:rPr lang="zh-CN" altLang="en-US" dirty="0"/>
-              <a:t>我们可以在执行数值相关操作前，把用户的输入转换为数值类型：</a:t>
-            </a:r>
             <a:endParaRPr lang="en-US" altLang="zh-CN" dirty="0"/>
+          </a:p>
+          <a:p>
+            <a:pPr marL="0" indent="0">
+              <a:buNone/>
+            </a:pPr>
+            <a:endParaRPr lang="en-US" altLang="zh-CN" dirty="0"/>
+          </a:p>
+          <a:p>
+            <a:r>
+              <a:rPr lang="zh-CN" altLang="en-US" dirty="0">
+                <a:solidFill>
+                  <a:schemeClr val="bg1">
+                    <a:lumMod val="65000"/>
+                  </a:schemeClr>
+                </a:solidFill>
+              </a:rPr>
+              <a:t>在计数时，我们需要让某个数增加 </a:t>
+            </a:r>
+            <a:r>
+              <a:rPr lang="en-US" altLang="zh-CN" dirty="0">
+                <a:solidFill>
+                  <a:schemeClr val="bg1">
+                    <a:lumMod val="65000"/>
+                  </a:schemeClr>
+                </a:solidFill>
+              </a:rPr>
+              <a:t>1</a:t>
+            </a:r>
           </a:p>
         </p:txBody>
       </p:sp>
@@ -29876,7 +32604,7 @@
           <p:cNvPr id="3" name="文本框 2">
             <a:extLst>
               <a:ext uri="{FF2B5EF4-FFF2-40B4-BE49-F238E27FC236}">
-                <a16:creationId xmlns:a16="http://schemas.microsoft.com/office/drawing/2014/main" id="{3C39DBB2-C0F1-B995-3E7F-E251E81D2956}"/>
+                <a16:creationId xmlns:a16="http://schemas.microsoft.com/office/drawing/2014/main" id="{2DD25971-C353-209F-CE81-11A47B5E5F68}"/>
               </a:ext>
             </a:extLst>
           </p:cNvPr>
@@ -29885,13 +32613,15 @@
         </p:nvSpPr>
         <p:spPr>
           <a:xfrm>
-            <a:off x="3038475" y="3239912"/>
-            <a:ext cx="5925643" cy="1200329"/>
+            <a:off x="1116230" y="2908035"/>
+            <a:ext cx="10072570" cy="830997"/>
           </a:xfrm>
           <a:prstGeom prst="rect">
             <a:avLst/>
           </a:prstGeom>
-          <a:noFill/>
+          <a:solidFill>
+            <a:schemeClr val="bg1"/>
+          </a:solidFill>
           <a:ln>
             <a:solidFill>
               <a:schemeClr val="bg2"/>
@@ -29907,21 +32637,56 @@
             <a:r>
               <a:rPr lang="en-US" altLang="zh-CN" sz="2400" b="1" dirty="0">
                 <a:solidFill>
-                  <a:schemeClr val="bg1">
-                    <a:lumMod val="65000"/>
-                  </a:schemeClr>
-                </a:solidFill>
-                <a:effectLst/>
-                <a:latin typeface="Consolas" panose="020B0609020204030204" pitchFamily="49" charset="0"/>
-              </a:rPr>
-              <a:t>age = input("How old are you? ")</a:t>
+                  <a:srgbClr val="333333"/>
+                </a:solidFill>
+                <a:effectLst/>
+                <a:latin typeface="Consolas" panose="020B0609020204030204" pitchFamily="49" charset="0"/>
+              </a:rPr>
+              <a:t>prompt </a:t>
+            </a:r>
+            <a:r>
+              <a:rPr lang="en-US" altLang="zh-CN" sz="2400" b="1" dirty="0">
+                <a:solidFill>
+                  <a:srgbClr val="A71D5D"/>
+                </a:solidFill>
+                <a:effectLst/>
+                <a:latin typeface="Consolas" panose="020B0609020204030204" pitchFamily="49" charset="0"/>
+              </a:rPr>
+              <a:t>= </a:t>
+            </a:r>
+            <a:r>
+              <a:rPr lang="en-US" altLang="zh-CN" sz="2400" b="1" dirty="0">
+                <a:solidFill>
+                  <a:srgbClr val="F2612A"/>
+                </a:solidFill>
+                <a:effectLst/>
+                <a:latin typeface="Consolas" panose="020B0609020204030204" pitchFamily="49" charset="0"/>
+              </a:rPr>
+              <a:t>"</a:t>
+            </a:r>
+            <a:r>
+              <a:rPr lang="en-US" altLang="zh-CN" sz="2400" b="1" dirty="0">
+                <a:solidFill>
+                  <a:srgbClr val="F2612A"/>
+                </a:solidFill>
+                <a:latin typeface="Consolas" panose="020B0609020204030204" pitchFamily="49" charset="0"/>
+              </a:rPr>
+              <a:t>We need your name to personalize the messages</a:t>
+            </a:r>
+            <a:r>
+              <a:rPr lang="en-US" altLang="zh-CN" sz="2400" b="1" dirty="0">
+                <a:solidFill>
+                  <a:srgbClr val="F2612A"/>
+                </a:solidFill>
+                <a:effectLst/>
+                <a:latin typeface="Consolas" panose="020B0609020204030204" pitchFamily="49" charset="0"/>
+              </a:rPr>
+              <a:t>"</a:t>
             </a:r>
             <a:br>
               <a:rPr lang="en-US" altLang="zh-CN" sz="2400" b="1" dirty="0">
                 <a:solidFill>
-                  <a:schemeClr val="bg1">
-                    <a:lumMod val="65000"/>
-                  </a:schemeClr>
+                  <a:srgbClr val="3F9101"/>
                 </a:solidFill>
                 <a:effectLst/>
                 <a:latin typeface="Consolas" panose="020B0609020204030204" pitchFamily="49" charset="0"/>
@@ -29935,7 +32700,7 @@
                 <a:effectLst/>
                 <a:latin typeface="Consolas" panose="020B0609020204030204" pitchFamily="49" charset="0"/>
               </a:rPr>
-              <a:t>age </a:t>
+              <a:t>prompt </a:t>
             </a:r>
             <a:r>
               <a:rPr lang="en-US" altLang="zh-CN" sz="2400" b="1" dirty="0">
@@ -29945,78 +32710,80 @@
                 <a:effectLst/>
                 <a:latin typeface="Consolas" panose="020B0609020204030204" pitchFamily="49" charset="0"/>
               </a:rPr>
-              <a:t>= </a:t>
-            </a:r>
-            <a:r>
-              <a:rPr lang="en-US" altLang="zh-CN" sz="2400" b="1" dirty="0">
-                <a:solidFill>
-                  <a:srgbClr val="0200BD"/>
-                </a:solidFill>
-                <a:effectLst/>
-                <a:latin typeface="Consolas" panose="020B0609020204030204" pitchFamily="49" charset="0"/>
-              </a:rPr>
-              <a:t>int</a:t>
-            </a:r>
-            <a:r>
-              <a:rPr lang="en-US" altLang="zh-CN" sz="2400" b="1" dirty="0">
-                <a:solidFill>
-                  <a:srgbClr val="3F9101"/>
-                </a:solidFill>
-                <a:effectLst/>
-                <a:latin typeface="Consolas" panose="020B0609020204030204" pitchFamily="49" charset="0"/>
-              </a:rPr>
-              <a:t>(</a:t>
-            </a:r>
-            <a:r>
-              <a:rPr lang="en-US" altLang="zh-CN" sz="2400" b="1" dirty="0">
-                <a:solidFill>
-                  <a:srgbClr val="333333"/>
-                </a:solidFill>
-                <a:effectLst/>
-                <a:latin typeface="Consolas" panose="020B0609020204030204" pitchFamily="49" charset="0"/>
-              </a:rPr>
-              <a:t>age</a:t>
-            </a:r>
-            <a:r>
-              <a:rPr lang="en-US" altLang="zh-CN" sz="2400" b="1" dirty="0">
-                <a:solidFill>
-                  <a:srgbClr val="3F9101"/>
-                </a:solidFill>
-                <a:effectLst/>
-                <a:latin typeface="Consolas" panose="020B0609020204030204" pitchFamily="49" charset="0"/>
-              </a:rPr>
-              <a:t>)</a:t>
-            </a:r>
-            <a:br>
-              <a:rPr lang="en-US" altLang="zh-CN" sz="2400" b="1" dirty="0">
-                <a:solidFill>
-                  <a:srgbClr val="3F9101"/>
-                </a:solidFill>
-                <a:effectLst/>
-                <a:latin typeface="Consolas" panose="020B0609020204030204" pitchFamily="49" charset="0"/>
-              </a:rPr>
-            </a:br>
-            <a:r>
-              <a:rPr lang="en-US" altLang="zh-CN" sz="2400" b="1" dirty="0">
-                <a:solidFill>
-                  <a:schemeClr val="bg1">
-                    <a:lumMod val="65000"/>
-                  </a:schemeClr>
-                </a:solidFill>
-                <a:effectLst/>
-                <a:latin typeface="Consolas" panose="020B0609020204030204" pitchFamily="49" charset="0"/>
-              </a:rPr>
-              <a:t>print(age &gt;= 18)</a:t>
-            </a:r>
+              <a:t>+= </a:t>
+            </a:r>
+            <a:r>
+              <a:rPr lang="en-US" altLang="zh-CN" sz="2400" b="1" dirty="0">
+                <a:solidFill>
+                  <a:srgbClr val="F2612A"/>
+                </a:solidFill>
+                <a:effectLst/>
+                <a:latin typeface="Consolas" panose="020B0609020204030204" pitchFamily="49" charset="0"/>
+              </a:rPr>
+              <a:t>"</a:t>
+            </a:r>
+            <a:r>
+              <a:rPr lang="en-US" altLang="zh-CN" sz="2400" b="1" dirty="0">
+                <a:solidFill>
+                  <a:srgbClr val="183691"/>
+                </a:solidFill>
+                <a:latin typeface="Consolas" panose="020B0609020204030204" pitchFamily="49" charset="0"/>
+              </a:rPr>
+              <a:t>\</a:t>
+            </a:r>
+            <a:r>
+              <a:rPr lang="en-US" altLang="zh-CN" sz="2400" b="1" dirty="0" err="1">
+                <a:solidFill>
+                  <a:srgbClr val="183691"/>
+                </a:solidFill>
+                <a:latin typeface="Consolas" panose="020B0609020204030204" pitchFamily="49" charset="0"/>
+              </a:rPr>
+              <a:t>n</a:t>
+            </a:r>
+            <a:r>
+              <a:rPr lang="en-US" altLang="zh-CN" sz="2400" b="1" dirty="0" err="1">
+                <a:solidFill>
+                  <a:srgbClr val="F2612A"/>
+                </a:solidFill>
+                <a:latin typeface="Consolas" panose="020B0609020204030204" pitchFamily="49" charset="0"/>
+              </a:rPr>
+              <a:t>What</a:t>
+            </a:r>
+            <a:r>
+              <a:rPr lang="en-US" altLang="zh-CN" sz="2400" b="1" dirty="0">
+                <a:solidFill>
+                  <a:srgbClr val="F2612A"/>
+                </a:solidFill>
+                <a:latin typeface="Consolas" panose="020B0609020204030204" pitchFamily="49" charset="0"/>
+              </a:rPr>
+              <a:t> is your first name?</a:t>
+            </a:r>
+            <a:r>
+              <a:rPr lang="en-US" altLang="zh-CN" sz="2400" b="1" dirty="0">
+                <a:solidFill>
+                  <a:srgbClr val="F2612A"/>
+                </a:solidFill>
+                <a:effectLst/>
+                <a:latin typeface="Consolas" panose="020B0609020204030204" pitchFamily="49" charset="0"/>
+              </a:rPr>
+              <a:t>"</a:t>
+            </a:r>
+            <a:endParaRPr lang="en-US" altLang="zh-CN" sz="2400" b="1" dirty="0">
+              <a:solidFill>
+                <a:srgbClr val="0200BD"/>
+              </a:solidFill>
+              <a:effectLst/>
+              <a:latin typeface="Consolas" panose="020B0609020204030204" pitchFamily="49" charset="0"/>
+            </a:endParaRPr>
           </a:p>
         </p:txBody>
       </p:sp>
       <p:sp>
         <p:nvSpPr>
-          <p:cNvPr id="6" name="文本框 5">
+          <p:cNvPr id="5" name="文本框 4">
             <a:extLst>
               <a:ext uri="{FF2B5EF4-FFF2-40B4-BE49-F238E27FC236}">
-                <a16:creationId xmlns:a16="http://schemas.microsoft.com/office/drawing/2014/main" id="{3CA307D9-D3F1-8304-54A9-9D7B9987AB27}"/>
+                <a16:creationId xmlns:a16="http://schemas.microsoft.com/office/drawing/2014/main" id="{B0DF5B52-3815-DC6E-74CF-C54B79B7FBDB}"/>
               </a:ext>
             </a:extLst>
           </p:cNvPr>
@@ -30025,13 +32792,15 @@
         </p:nvSpPr>
         <p:spPr>
           <a:xfrm>
-            <a:off x="3038474" y="4866043"/>
-            <a:ext cx="5925643" cy="1200329"/>
+            <a:off x="1059715" y="4575156"/>
+            <a:ext cx="10072570" cy="830997"/>
           </a:xfrm>
           <a:prstGeom prst="rect">
             <a:avLst/>
           </a:prstGeom>
-          <a:noFill/>
+          <a:solidFill>
+            <a:schemeClr val="bg1"/>
+          </a:solidFill>
           <a:ln>
             <a:solidFill>
               <a:schemeClr val="bg2"/>
@@ -30045,374 +32814,106 @@
           <a:lstStyle/>
           <a:p>
             <a:r>
-              <a:rPr lang="zh-CN" altLang="en-US" sz="2400" b="1" dirty="0">
+              <a:rPr lang="en-US" altLang="zh-CN" sz="2400" b="1" dirty="0">
                 <a:solidFill>
                   <a:srgbClr val="333333"/>
                 </a:solidFill>
-                <a:highlight>
-                  <a:srgbClr val="C0C0C0"/>
-                </a:highlight>
+                <a:effectLst/>
+                <a:latin typeface="Consolas" panose="020B0609020204030204" pitchFamily="49" charset="0"/>
+              </a:rPr>
+              <a:t>number </a:t>
+            </a:r>
+            <a:r>
+              <a:rPr lang="en-US" altLang="zh-CN" sz="2400" b="1" dirty="0">
+                <a:solidFill>
+                  <a:srgbClr val="A71D5D"/>
+                </a:solidFill>
+                <a:effectLst/>
+                <a:latin typeface="Consolas" panose="020B0609020204030204" pitchFamily="49" charset="0"/>
+              </a:rPr>
+              <a:t>= </a:t>
+            </a:r>
+            <a:r>
+              <a:rPr lang="en-US" altLang="zh-CN" sz="2400" b="1" dirty="0">
+                <a:solidFill>
+                  <a:srgbClr val="2E6446"/>
+                </a:solidFill>
                 <a:latin typeface="Consolas" panose="020B0609020204030204" pitchFamily="49" charset="0"/>
                 <a:ea typeface="微软雅黑" panose="020B0503020204020204" pitchFamily="34" charset="-122"/>
               </a:rPr>
-              <a:t>运行结果</a:t>
+              <a:t>0</a:t>
+            </a:r>
+            <a:br>
+              <a:rPr lang="en-US" altLang="zh-CN" sz="2400" b="1" dirty="0">
+                <a:solidFill>
+                  <a:srgbClr val="3F9101"/>
+                </a:solidFill>
+                <a:effectLst/>
+                <a:latin typeface="Consolas" panose="020B0609020204030204" pitchFamily="49" charset="0"/>
+              </a:rPr>
+            </a:br>
+            <a:r>
+              <a:rPr lang="en-US" altLang="zh-CN" sz="2400" b="1" dirty="0">
+                <a:solidFill>
+                  <a:srgbClr val="333333"/>
+                </a:solidFill>
+                <a:effectLst/>
+                <a:latin typeface="Consolas" panose="020B0609020204030204" pitchFamily="49" charset="0"/>
+              </a:rPr>
+              <a:t>number </a:t>
+            </a:r>
+            <a:r>
+              <a:rPr lang="en-US" altLang="zh-CN" sz="2400" b="1" dirty="0">
+                <a:solidFill>
+                  <a:srgbClr val="A71D5D"/>
+                </a:solidFill>
+                <a:effectLst/>
+                <a:latin typeface="Consolas" panose="020B0609020204030204" pitchFamily="49" charset="0"/>
+              </a:rPr>
+              <a:t>+= </a:t>
+            </a:r>
+            <a:r>
+              <a:rPr lang="en-US" altLang="zh-CN" sz="2400" b="1" dirty="0">
+                <a:solidFill>
+                  <a:srgbClr val="2E6446"/>
+                </a:solidFill>
+                <a:latin typeface="Consolas" panose="020B0609020204030204" pitchFamily="49" charset="0"/>
+                <a:ea typeface="微软雅黑" panose="020B0503020204020204" pitchFamily="34" charset="-122"/>
+              </a:rPr>
+              <a:t>1</a:t>
             </a:r>
             <a:endParaRPr lang="en-US" altLang="zh-CN" sz="2400" b="1" dirty="0">
               <a:solidFill>
-                <a:srgbClr val="333333"/>
+                <a:srgbClr val="0200BD"/>
               </a:solidFill>
-              <a:highlight>
-                <a:srgbClr val="C0C0C0"/>
-              </a:highlight>
+              <a:effectLst/>
               <a:latin typeface="Consolas" panose="020B0609020204030204" pitchFamily="49" charset="0"/>
-              <a:ea typeface="微软雅黑" panose="020B0503020204020204" pitchFamily="34" charset="-122"/>
             </a:endParaRPr>
-          </a:p>
-          <a:p>
-            <a:r>
-              <a:rPr lang="en-US" altLang="zh-CN" sz="2400" dirty="0">
-                <a:solidFill>
-                  <a:srgbClr val="333333"/>
-                </a:solidFill>
-                <a:latin typeface="Consolas" panose="020B0609020204030204" pitchFamily="49" charset="0"/>
-                <a:ea typeface="微软雅黑" panose="020B0503020204020204" pitchFamily="34" charset="-122"/>
-              </a:rPr>
-              <a:t>How old are you? </a:t>
-            </a:r>
-            <a:r>
-              <a:rPr lang="en-US" altLang="zh-CN" sz="2400" b="1" dirty="0">
-                <a:solidFill>
-                  <a:srgbClr val="333333"/>
-                </a:solidFill>
-                <a:latin typeface="Consolas" panose="020B0609020204030204" pitchFamily="49" charset="0"/>
-                <a:ea typeface="微软雅黑" panose="020B0503020204020204" pitchFamily="34" charset="-122"/>
-              </a:rPr>
-              <a:t>21</a:t>
-            </a:r>
-          </a:p>
-          <a:p>
-            <a:r>
-              <a:rPr lang="en-US" altLang="zh-CN" sz="2400" dirty="0">
-                <a:solidFill>
-                  <a:srgbClr val="333333"/>
-                </a:solidFill>
-                <a:latin typeface="Consolas" panose="020B0609020204030204" pitchFamily="49" charset="0"/>
-                <a:ea typeface="微软雅黑" panose="020B0503020204020204" pitchFamily="34" charset="-122"/>
-              </a:rPr>
-              <a:t>True</a:t>
-            </a:r>
-          </a:p>
-        </p:txBody>
-      </p:sp>
-      <p:pic>
-        <p:nvPicPr>
-          <p:cNvPr id="5" name="图片 4">
-            <a:extLst>
-              <a:ext uri="{FF2B5EF4-FFF2-40B4-BE49-F238E27FC236}">
-                <a16:creationId xmlns:a16="http://schemas.microsoft.com/office/drawing/2014/main" id="{7FCFBBC9-05B9-BB38-1742-3439380552F9}"/>
-              </a:ext>
-            </a:extLst>
-          </p:cNvPr>
-          <p:cNvPicPr>
-            <a:picLocks noChangeAspect="1"/>
-          </p:cNvPicPr>
-          <p:nvPr/>
-        </p:nvPicPr>
-        <p:blipFill>
-          <a:blip r:embed="rId3">
-            <a:extLst>
-              <a:ext uri="{28A0092B-C50C-407E-A947-70E740481C1C}">
-                <a14:useLocalDpi xmlns:a14="http://schemas.microsoft.com/office/drawing/2010/main" val="0"/>
-              </a:ext>
-            </a:extLst>
-          </a:blip>
-          <a:stretch>
-            <a:fillRect/>
-          </a:stretch>
-        </p:blipFill>
-        <p:spPr>
-          <a:xfrm>
-            <a:off x="6380947" y="5297747"/>
-            <a:ext cx="388564" cy="358384"/>
-          </a:xfrm>
-          <a:prstGeom prst="rect">
-            <a:avLst/>
-          </a:prstGeom>
-        </p:spPr>
-      </p:pic>
-      <p:sp>
-        <p:nvSpPr>
-          <p:cNvPr id="7" name="箭头: 右 6">
-            <a:extLst>
-              <a:ext uri="{FF2B5EF4-FFF2-40B4-BE49-F238E27FC236}">
-                <a16:creationId xmlns:a16="http://schemas.microsoft.com/office/drawing/2014/main" id="{098642FE-2F01-F2FB-AB18-D87DEF16564E}"/>
-              </a:ext>
-            </a:extLst>
-          </p:cNvPr>
-          <p:cNvSpPr/>
-          <p:nvPr/>
-        </p:nvSpPr>
-        <p:spPr>
-          <a:xfrm>
-            <a:off x="2541946" y="3691311"/>
-            <a:ext cx="388040" cy="297529"/>
-          </a:xfrm>
-          <a:prstGeom prst="rightArrow">
-            <a:avLst/>
-          </a:prstGeom>
-        </p:spPr>
-        <p:style>
-          <a:lnRef idx="2">
-            <a:schemeClr val="accent1">
-              <a:shade val="50000"/>
-            </a:schemeClr>
-          </a:lnRef>
-          <a:fillRef idx="1">
-            <a:schemeClr val="accent1"/>
-          </a:fillRef>
-          <a:effectRef idx="0">
-            <a:schemeClr val="accent1"/>
-          </a:effectRef>
-          <a:fontRef idx="minor">
-            <a:schemeClr val="lt1"/>
-          </a:fontRef>
-        </p:style>
-        <p:txBody>
-          <a:bodyPr rtlCol="0" anchor="ctr"/>
-          <a:lstStyle/>
-          <a:p>
-            <a:pPr algn="ctr"/>
-            <a:endParaRPr lang="zh-CN" altLang="en-US"/>
           </a:p>
         </p:txBody>
       </p:sp>
     </p:spTree>
     <p:extLst>
       <p:ext uri="{BB962C8B-B14F-4D97-AF65-F5344CB8AC3E}">
-        <p14:creationId xmlns:p14="http://schemas.microsoft.com/office/powerpoint/2010/main" val="499574398"/>
+        <p14:creationId xmlns:p14="http://schemas.microsoft.com/office/powerpoint/2010/main" val="1241296236"/>
       </p:ext>
     </p:extLst>
   </p:cSld>
   <p:clrMapOvr>
     <a:masterClrMapping/>
   </p:clrMapOvr>
-  <mc:AlternateContent xmlns:mc="http://schemas.openxmlformats.org/markup-compatibility/2006" xmlns:p159="http://schemas.microsoft.com/office/powerpoint/2015/09/main">
-    <mc:Choice Requires="p159">
-      <p:transition xmlns:p14="http://schemas.microsoft.com/office/powerpoint/2010/main" spd="slow" p14:dur="2000">
-        <p159:morph option="byWord"/>
+  <mc:AlternateContent xmlns:mc="http://schemas.openxmlformats.org/markup-compatibility/2006">
+    <mc:Choice xmlns:p159="http://schemas.microsoft.com/office/powerpoint/2015/09/main" Requires="p159">
+      <p:transition xmlns:p14="http://schemas.microsoft.com/office/powerpoint/2010/main" spd="med" p14:dur="700">
+        <p159:morph option="byChar"/>
       </p:transition>
     </mc:Choice>
-    <mc:Fallback xmlns="">
-      <p:transition spd="slow">
+    <mc:Fallback>
+      <p:transition spd="med">
         <p:fade/>
       </p:transition>
     </mc:Fallback>
   </mc:AlternateContent>
-  <p:timing>
-    <p:tnLst>
-      <p:par>
-        <p:cTn id="1" dur="indefinite" restart="never" nodeType="tmRoot">
-          <p:childTnLst>
-            <p:seq concurrent="1" nextAc="seek">
-              <p:cTn id="2" dur="indefinite" nodeType="mainSeq">
-                <p:childTnLst>
-                  <p:par>
-                    <p:cTn id="3" fill="hold">
-                      <p:stCondLst>
-                        <p:cond delay="indefinite"/>
-                      </p:stCondLst>
-                      <p:childTnLst>
-                        <p:par>
-                          <p:cTn id="4" fill="hold">
-                            <p:stCondLst>
-                              <p:cond delay="0"/>
-                            </p:stCondLst>
-                            <p:childTnLst>
-                              <p:par>
-                                <p:cTn id="5" presetID="1" presetClass="entr" presetSubtype="0" fill="hold" grpId="0" nodeType="clickEffect">
-                                  <p:stCondLst>
-                                    <p:cond delay="0"/>
-                                  </p:stCondLst>
-                                  <p:childTnLst>
-                                    <p:set>
-                                      <p:cBhvr>
-                                        <p:cTn id="6" dur="1" fill="hold">
-                                          <p:stCondLst>
-                                            <p:cond delay="0"/>
-                                          </p:stCondLst>
-                                        </p:cTn>
-                                        <p:tgtEl>
-                                          <p:spTgt spid="3"/>
-                                        </p:tgtEl>
-                                        <p:attrNameLst>
-                                          <p:attrName>style.visibility</p:attrName>
-                                        </p:attrNameLst>
-                                      </p:cBhvr>
-                                      <p:to>
-                                        <p:strVal val="visible"/>
-                                      </p:to>
-                                    </p:set>
-                                  </p:childTnLst>
-                                </p:cTn>
-                              </p:par>
-                            </p:childTnLst>
-                          </p:cTn>
-                        </p:par>
-                      </p:childTnLst>
-                    </p:cTn>
-                  </p:par>
-                  <p:par>
-                    <p:cTn id="7" fill="hold">
-                      <p:stCondLst>
-                        <p:cond delay="indefinite"/>
-                      </p:stCondLst>
-                      <p:childTnLst>
-                        <p:par>
-                          <p:cTn id="8" fill="hold">
-                            <p:stCondLst>
-                              <p:cond delay="0"/>
-                            </p:stCondLst>
-                            <p:childTnLst>
-                              <p:par>
-                                <p:cTn id="9" presetID="1" presetClass="entr" presetSubtype="0" fill="hold" grpId="0" nodeType="clickEffect">
-                                  <p:stCondLst>
-                                    <p:cond delay="0"/>
-                                  </p:stCondLst>
-                                  <p:childTnLst>
-                                    <p:set>
-                                      <p:cBhvr>
-                                        <p:cTn id="10" dur="1" fill="hold">
-                                          <p:stCondLst>
-                                            <p:cond delay="0"/>
-                                          </p:stCondLst>
-                                        </p:cTn>
-                                        <p:tgtEl>
-                                          <p:spTgt spid="6"/>
-                                        </p:tgtEl>
-                                        <p:attrNameLst>
-                                          <p:attrName>style.visibility</p:attrName>
-                                        </p:attrNameLst>
-                                      </p:cBhvr>
-                                      <p:to>
-                                        <p:strVal val="visible"/>
-                                      </p:to>
-                                    </p:set>
-                                  </p:childTnLst>
-                                </p:cTn>
-                              </p:par>
-                              <p:par>
-                                <p:cTn id="11" presetID="1" presetClass="entr" presetSubtype="0" fill="hold" nodeType="withEffect">
-                                  <p:stCondLst>
-                                    <p:cond delay="0"/>
-                                  </p:stCondLst>
-                                  <p:childTnLst>
-                                    <p:set>
-                                      <p:cBhvr>
-                                        <p:cTn id="12" dur="1" fill="hold">
-                                          <p:stCondLst>
-                                            <p:cond delay="0"/>
-                                          </p:stCondLst>
-                                        </p:cTn>
-                                        <p:tgtEl>
-                                          <p:spTgt spid="5"/>
-                                        </p:tgtEl>
-                                        <p:attrNameLst>
-                                          <p:attrName>style.visibility</p:attrName>
-                                        </p:attrNameLst>
-                                      </p:cBhvr>
-                                      <p:to>
-                                        <p:strVal val="visible"/>
-                                      </p:to>
-                                    </p:set>
-                                  </p:childTnLst>
-                                </p:cTn>
-                              </p:par>
-                            </p:childTnLst>
-                          </p:cTn>
-                        </p:par>
-                      </p:childTnLst>
-                    </p:cTn>
-                  </p:par>
-                  <p:par>
-                    <p:cTn id="13" fill="hold">
-                      <p:stCondLst>
-                        <p:cond delay="indefinite"/>
-                      </p:stCondLst>
-                      <p:childTnLst>
-                        <p:par>
-                          <p:cTn id="14" fill="hold">
-                            <p:stCondLst>
-                              <p:cond delay="0"/>
-                            </p:stCondLst>
-                            <p:childTnLst>
-                              <p:par>
-                                <p:cTn id="15" presetID="22" presetClass="entr" presetSubtype="8" fill="hold" grpId="0" nodeType="clickEffect">
-                                  <p:stCondLst>
-                                    <p:cond delay="0"/>
-                                  </p:stCondLst>
-                                  <p:childTnLst>
-                                    <p:set>
-                                      <p:cBhvr>
-                                        <p:cTn id="16" dur="1" fill="hold">
-                                          <p:stCondLst>
-                                            <p:cond delay="0"/>
-                                          </p:stCondLst>
-                                        </p:cTn>
-                                        <p:tgtEl>
-                                          <p:spTgt spid="7"/>
-                                        </p:tgtEl>
-                                        <p:attrNameLst>
-                                          <p:attrName>style.visibility</p:attrName>
-                                        </p:attrNameLst>
-                                      </p:cBhvr>
-                                      <p:to>
-                                        <p:strVal val="visible"/>
-                                      </p:to>
-                                    </p:set>
-                                    <p:animEffect transition="in" filter="wipe(left)">
-                                      <p:cBhvr>
-                                        <p:cTn id="17" dur="500"/>
-                                        <p:tgtEl>
-                                          <p:spTgt spid="7"/>
-                                        </p:tgtEl>
-                                      </p:cBhvr>
-                                    </p:animEffect>
-                                  </p:childTnLst>
-                                </p:cTn>
-                              </p:par>
-                            </p:childTnLst>
-                          </p:cTn>
-                        </p:par>
-                      </p:childTnLst>
-                    </p:cTn>
-                  </p:par>
-                </p:childTnLst>
-              </p:cTn>
-              <p:prevCondLst>
-                <p:cond evt="onPrev" delay="0">
-                  <p:tgtEl>
-                    <p:sldTgt/>
-                  </p:tgtEl>
-                </p:cond>
-              </p:prevCondLst>
-              <p:nextCondLst>
-                <p:cond evt="onNext" delay="0">
-                  <p:tgtEl>
-                    <p:sldTgt/>
-                  </p:tgtEl>
-                </p:cond>
-              </p:nextCondLst>
-            </p:seq>
-          </p:childTnLst>
-        </p:cTn>
-      </p:par>
-    </p:tnLst>
-    <p:bldLst>
-      <p:bldP spid="3" grpId="0" animBg="1"/>
-      <p:bldP spid="6" grpId="0" animBg="1"/>
-      <p:bldP spid="7" grpId="0" animBg="1"/>
-    </p:bldLst>
-  </p:timing>
 </p:sld>
 </file>
 

--- a/PPT/python7.pptx
+++ b/PPT/python7.pptx
@@ -157,7 +157,7 @@
   <pc:docChgLst>
     <pc:chgData name="Scruel Tao" userId="5ea5c98d59b44d4b" providerId="LiveId" clId="{87FBC7D8-1787-472E-943C-47DC06981038}"/>
     <pc:docChg chg="undo custSel addSld delSld modSld sldOrd">
-      <pc:chgData name="Scruel Tao" userId="5ea5c98d59b44d4b" providerId="LiveId" clId="{87FBC7D8-1787-472E-943C-47DC06981038}" dt="2023-12-03T14:19:43.448" v="1027"/>
+      <pc:chgData name="Scruel Tao" userId="5ea5c98d59b44d4b" providerId="LiveId" clId="{87FBC7D8-1787-472E-943C-47DC06981038}" dt="2023-12-10T16:03:59.813" v="1043" actId="404"/>
       <pc:docMkLst>
         <pc:docMk/>
       </pc:docMkLst>
@@ -198,11 +198,25 @@
           </ac:spMkLst>
         </pc:spChg>
       </pc:sldChg>
+      <pc:sldChg chg="modNotesTx">
+        <pc:chgData name="Scruel Tao" userId="5ea5c98d59b44d4b" providerId="LiveId" clId="{87FBC7D8-1787-472E-943C-47DC06981038}" dt="2023-12-10T16:03:59.813" v="1043" actId="404"/>
+        <pc:sldMkLst>
+          <pc:docMk/>
+          <pc:sldMk cId="1662673146" sldId="289"/>
+        </pc:sldMkLst>
+      </pc:sldChg>
       <pc:sldChg chg="modAnim">
         <pc:chgData name="Scruel Tao" userId="5ea5c98d59b44d4b" providerId="LiveId" clId="{87FBC7D8-1787-472E-943C-47DC06981038}" dt="2023-12-03T10:58:10.020" v="1025"/>
         <pc:sldMkLst>
           <pc:docMk/>
           <pc:sldMk cId="2447875928" sldId="312"/>
+        </pc:sldMkLst>
+      </pc:sldChg>
+      <pc:sldChg chg="modTransition">
+        <pc:chgData name="Scruel Tao" userId="5ea5c98d59b44d4b" providerId="LiveId" clId="{87FBC7D8-1787-472E-943C-47DC06981038}" dt="2023-12-10T16:02:48.433" v="1030"/>
+        <pc:sldMkLst>
+          <pc:docMk/>
+          <pc:sldMk cId="192508411" sldId="367"/>
         </pc:sldMkLst>
       </pc:sldChg>
       <pc:sldChg chg="modAnim">
@@ -345,7 +359,7 @@
         </pc:spChg>
       </pc:sldChg>
       <pc:sldChg chg="addSp delSp modSp add mod modTransition modAnim">
-        <pc:chgData name="Scruel Tao" userId="5ea5c98d59b44d4b" providerId="LiveId" clId="{87FBC7D8-1787-472E-943C-47DC06981038}" dt="2023-12-02T11:05:14.558" v="1014"/>
+        <pc:chgData name="Scruel Tao" userId="5ea5c98d59b44d4b" providerId="LiveId" clId="{87FBC7D8-1787-472E-943C-47DC06981038}" dt="2023-12-10T16:01:08.844" v="1028"/>
         <pc:sldMkLst>
           <pc:docMk/>
           <pc:sldMk cId="3770904364" sldId="376"/>
@@ -5072,7 +5086,7 @@
           <a:p>
             <a:fld id="{AC7E1972-C479-4420-A687-8FB83BA90DEB}" type="datetimeFigureOut">
               <a:rPr lang="zh-CN" altLang="en-US" smtClean="0"/>
-              <a:t>2023/12/3</a:t>
+              <a:t>2023/12/11</a:t>
             </a:fld>
             <a:endParaRPr lang="zh-CN" altLang="en-US"/>
           </a:p>
@@ -5249,7 +5263,7 @@
           <a:p>
             <a:fld id="{89B7AB8D-BCC0-43C6-B24C-055A25DB558F}" type="datetimeFigureOut">
               <a:rPr lang="zh-CN" altLang="en-US" smtClean="0"/>
-              <a:t>2023/12/3</a:t>
+              <a:t>2023/12/10</a:t>
             </a:fld>
             <a:endParaRPr lang="zh-CN" altLang="en-US"/>
           </a:p>
@@ -6324,156 +6338,156 @@
           <a:p>
             <a:pPr algn="l"/>
             <a:r>
-              <a:rPr lang="zh-CN" altLang="en-US" sz="1800" b="0" i="0" u="none" strike="noStrike" baseline="0" dirty="0">
+              <a:rPr lang="zh-CN" altLang="en-US" sz="900" b="0" i="0" u="none" strike="noStrike" baseline="0" dirty="0">
                 <a:latin typeface="FZSSJW--GB1-0"/>
               </a:rPr>
               <a:t>首次遇到这个循环时，</a:t>
             </a:r>
             <a:r>
-              <a:rPr lang="en-US" altLang="zh-CN" sz="1800" b="0" i="0" u="none" strike="noStrike" baseline="0" dirty="0">
+              <a:rPr lang="en-US" altLang="zh-CN" sz="900" b="0" i="0" u="none" strike="noStrike" baseline="0" dirty="0">
                 <a:latin typeface="TheSansMonoCondensed-"/>
               </a:rPr>
               <a:t>message </a:t>
             </a:r>
             <a:r>
-              <a:rPr lang="zh-CN" altLang="en-US" sz="1800" b="0" i="0" u="none" strike="noStrike" baseline="0" dirty="0">
+              <a:rPr lang="zh-CN" altLang="en-US" sz="900" b="0" i="0" u="none" strike="noStrike" baseline="0" dirty="0">
                 <a:latin typeface="FZSSJW--GB1-0"/>
               </a:rPr>
               <a:t>是一个空字符串，因此</a:t>
             </a:r>
             <a:r>
-              <a:rPr lang="en-US" altLang="zh-CN" sz="1800" b="0" i="0" u="none" strike="noStrike" baseline="0" dirty="0">
+              <a:rPr lang="en-US" altLang="zh-CN" sz="900" b="0" i="0" u="none" strike="noStrike" baseline="0" dirty="0">
                 <a:latin typeface="TimesNewRoman"/>
               </a:rPr>
               <a:t>Python </a:t>
             </a:r>
             <a:r>
-              <a:rPr lang="zh-CN" altLang="en-US" sz="1800" b="0" i="0" u="none" strike="noStrike" baseline="0" dirty="0">
+              <a:rPr lang="zh-CN" altLang="en-US" sz="900" b="0" i="0" u="none" strike="noStrike" baseline="0" dirty="0">
                 <a:latin typeface="FZSSJW--GB1-0"/>
               </a:rPr>
               <a:t>进入这个循环。在执行到代码行 </a:t>
             </a:r>
             <a:r>
-              <a:rPr lang="en-US" altLang="zh-CN" sz="1800" b="0" i="0" u="none" strike="noStrike" baseline="0" dirty="0">
+              <a:rPr lang="en-US" altLang="zh-CN" sz="900" b="0" i="0" u="none" strike="noStrike" baseline="0" dirty="0">
                 <a:latin typeface="TheSansMonoCondensed-"/>
               </a:rPr>
               <a:t>message = input(prompt) </a:t>
             </a:r>
             <a:r>
-              <a:rPr lang="zh-CN" altLang="en-US" sz="1800" b="0" i="0" u="none" strike="noStrike" baseline="0" dirty="0">
+              <a:rPr lang="zh-CN" altLang="en-US" sz="900" b="0" i="0" u="none" strike="noStrike" baseline="0" dirty="0">
                 <a:latin typeface="FZSSJW--GB1-0"/>
               </a:rPr>
               <a:t>时，</a:t>
             </a:r>
             <a:r>
-              <a:rPr lang="en-US" altLang="zh-CN" sz="1800" b="0" i="0" u="none" strike="noStrike" baseline="0" dirty="0">
+              <a:rPr lang="en-US" altLang="zh-CN" sz="900" b="0" i="0" u="none" strike="noStrike" baseline="0" dirty="0">
                 <a:latin typeface="TimesNewRoman"/>
               </a:rPr>
               <a:t>Python </a:t>
             </a:r>
             <a:r>
-              <a:rPr lang="zh-CN" altLang="en-US" sz="1800" b="0" i="0" u="none" strike="noStrike" baseline="0" dirty="0">
+              <a:rPr lang="zh-CN" altLang="en-US" sz="900" b="0" i="0" u="none" strike="noStrike" baseline="0" dirty="0">
                 <a:latin typeface="FZSSJW--GB1-0"/>
               </a:rPr>
               <a:t>显示提示消息，并等待用户输入。不管用户输入是什么，都会被赋给变量 </a:t>
             </a:r>
             <a:r>
-              <a:rPr lang="en-US" altLang="zh-CN" sz="1800" b="0" i="0" u="none" strike="noStrike" baseline="0" dirty="0">
+              <a:rPr lang="en-US" altLang="zh-CN" sz="900" b="0" i="0" u="none" strike="noStrike" baseline="0" dirty="0">
                 <a:latin typeface="TheSansMonoCondensed-"/>
               </a:rPr>
               <a:t>message </a:t>
             </a:r>
             <a:r>
-              <a:rPr lang="zh-CN" altLang="en-US" sz="1800" b="0" i="0" u="none" strike="noStrike" baseline="0" dirty="0">
+              <a:rPr lang="zh-CN" altLang="en-US" sz="900" b="0" i="0" u="none" strike="noStrike" baseline="0" dirty="0">
                 <a:latin typeface="FZSSJW--GB1-0"/>
               </a:rPr>
               <a:t>并打印出来。接下来，</a:t>
             </a:r>
             <a:r>
-              <a:rPr lang="en-US" altLang="zh-CN" sz="1800" b="0" i="0" u="none" strike="noStrike" baseline="0" dirty="0">
+              <a:rPr lang="en-US" altLang="zh-CN" sz="900" b="0" i="0" u="none" strike="noStrike" baseline="0" dirty="0">
                 <a:latin typeface="TimesNewRoman"/>
               </a:rPr>
               <a:t>Python </a:t>
             </a:r>
             <a:r>
-              <a:rPr lang="zh-CN" altLang="en-US" sz="1800" b="0" i="0" u="none" strike="noStrike" baseline="0" dirty="0">
+              <a:rPr lang="zh-CN" altLang="en-US" sz="900" b="0" i="0" u="none" strike="noStrike" baseline="0" dirty="0">
                 <a:latin typeface="FZSSJW--GB1-0"/>
               </a:rPr>
               <a:t>重新检查</a:t>
             </a:r>
             <a:r>
-              <a:rPr lang="en-US" altLang="zh-CN" sz="1800" b="0" i="0" u="none" strike="noStrike" baseline="0" dirty="0">
+              <a:rPr lang="en-US" altLang="zh-CN" sz="900" b="0" i="0" u="none" strike="noStrike" baseline="0" dirty="0">
                 <a:latin typeface="TheSansMonoCondensed-"/>
               </a:rPr>
               <a:t>while </a:t>
             </a:r>
             <a:r>
-              <a:rPr lang="zh-CN" altLang="en-US" sz="1800" b="0" i="0" u="none" strike="noStrike" baseline="0" dirty="0">
+              <a:rPr lang="zh-CN" altLang="en-US" sz="900" b="0" i="0" u="none" strike="noStrike" baseline="0" dirty="0">
                 <a:latin typeface="FZSSJW--GB1-0"/>
               </a:rPr>
               <a:t>语句中的条件。只要用户输入的不是单词 </a:t>
             </a:r>
             <a:r>
-              <a:rPr lang="en-US" altLang="zh-CN" sz="1800" b="0" i="0" u="none" strike="noStrike" baseline="0" dirty="0">
+              <a:rPr lang="en-US" altLang="zh-CN" sz="900" b="0" i="0" u="none" strike="noStrike" baseline="0" dirty="0">
                 <a:latin typeface="TheSansMonoCondensed-"/>
               </a:rPr>
               <a:t>'quit' </a:t>
             </a:r>
             <a:r>
-              <a:rPr lang="zh-CN" altLang="en-US" sz="1800" b="0" i="0" u="none" strike="noStrike" baseline="0" dirty="0">
+              <a:rPr lang="zh-CN" altLang="en-US" sz="900" b="0" i="0" u="none" strike="noStrike" baseline="0" dirty="0">
                 <a:latin typeface="FZSSJW--GB1-0"/>
               </a:rPr>
               <a:t>，</a:t>
             </a:r>
             <a:r>
-              <a:rPr lang="en-US" altLang="zh-CN" sz="1800" b="0" i="0" u="none" strike="noStrike" baseline="0" dirty="0">
+              <a:rPr lang="en-US" altLang="zh-CN" sz="900" b="0" i="0" u="none" strike="noStrike" baseline="0" dirty="0">
                 <a:latin typeface="TimesNewRoman"/>
               </a:rPr>
               <a:t>Python </a:t>
             </a:r>
             <a:r>
-              <a:rPr lang="zh-CN" altLang="en-US" sz="1800" b="0" i="0" u="none" strike="noStrike" baseline="0" dirty="0">
+              <a:rPr lang="zh-CN" altLang="en-US" sz="900" b="0" i="0" u="none" strike="noStrike" baseline="0" dirty="0">
                 <a:latin typeface="FZSSJW--GB1-0"/>
               </a:rPr>
               <a:t>就会再次显示提示消息并等待用户输入。等到用户终于输入</a:t>
             </a:r>
             <a:r>
-              <a:rPr lang="en-US" altLang="zh-CN" sz="1800" b="0" i="0" u="none" strike="noStrike" baseline="0" dirty="0">
+              <a:rPr lang="en-US" altLang="zh-CN" sz="900" b="0" i="0" u="none" strike="noStrike" baseline="0" dirty="0">
                 <a:latin typeface="TheSansMonoCondensed-"/>
               </a:rPr>
               <a:t>‘quit’</a:t>
             </a:r>
             <a:r>
-              <a:rPr lang="zh-CN" altLang="en-US" sz="1800" b="0" i="0" u="none" strike="noStrike" baseline="0" dirty="0">
+              <a:rPr lang="zh-CN" altLang="en-US" sz="900" b="0" i="0" u="none" strike="noStrike" baseline="0" dirty="0">
                 <a:latin typeface="FZSSJW--GB1-0"/>
               </a:rPr>
               <a:t>后，</a:t>
             </a:r>
             <a:r>
-              <a:rPr lang="en-US" altLang="zh-CN" sz="1800" b="0" i="0" u="none" strike="noStrike" baseline="0" dirty="0">
+              <a:rPr lang="en-US" altLang="zh-CN" sz="900" b="0" i="0" u="none" strike="noStrike" baseline="0" dirty="0">
                 <a:latin typeface="TimesNewRoman"/>
               </a:rPr>
               <a:t>Python </a:t>
             </a:r>
             <a:r>
-              <a:rPr lang="zh-CN" altLang="en-US" sz="1800" b="0" i="0" u="none" strike="noStrike" baseline="0" dirty="0">
+              <a:rPr lang="zh-CN" altLang="en-US" sz="900" b="0" i="0" u="none" strike="noStrike" baseline="0" dirty="0">
                 <a:latin typeface="FZSSJW--GB1-0"/>
               </a:rPr>
               <a:t>停止执行</a:t>
             </a:r>
             <a:r>
-              <a:rPr lang="en-US" altLang="zh-CN" sz="1800" b="0" i="0" u="none" strike="noStrike" baseline="0" dirty="0">
+              <a:rPr lang="en-US" altLang="zh-CN" sz="900" b="0" i="0" u="none" strike="noStrike" baseline="0" dirty="0">
                 <a:latin typeface="TheSansMonoCondensed-"/>
               </a:rPr>
               <a:t>while </a:t>
             </a:r>
             <a:r>
-              <a:rPr lang="zh-CN" altLang="en-US" sz="1800" b="0" i="0" u="none" strike="noStrike" baseline="0" dirty="0">
+              <a:rPr lang="zh-CN" altLang="en-US" sz="900" b="0" i="0" u="none" strike="noStrike" baseline="0" dirty="0">
                 <a:latin typeface="FZSSJW--GB1-0"/>
               </a:rPr>
               <a:t>循环，整个程序也到此结束。</a:t>
             </a:r>
-            <a:endParaRPr lang="zh-CN" altLang="en-US" dirty="0"/>
+            <a:endParaRPr lang="zh-CN" altLang="en-US" sz="600" dirty="0"/>
           </a:p>
         </p:txBody>
       </p:sp>
@@ -8892,7 +8906,7 @@
           <a:p>
             <a:fld id="{F721228B-0167-4061-A906-8575043315EE}" type="datetimeFigureOut">
               <a:rPr lang="zh-CN" altLang="en-US" smtClean="0"/>
-              <a:t>2023/12/3</a:t>
+              <a:t>2023/12/11</a:t>
             </a:fld>
             <a:endParaRPr lang="zh-CN" altLang="en-US"/>
           </a:p>
@@ -9102,7 +9116,7 @@
           <a:p>
             <a:fld id="{F721228B-0167-4061-A906-8575043315EE}" type="datetimeFigureOut">
               <a:rPr lang="zh-CN" altLang="en-US" smtClean="0"/>
-              <a:t>2023/12/3</a:t>
+              <a:t>2023/12/11</a:t>
             </a:fld>
             <a:endParaRPr lang="zh-CN" altLang="en-US"/>
           </a:p>
@@ -9322,7 +9336,7 @@
           <a:p>
             <a:fld id="{F721228B-0167-4061-A906-8575043315EE}" type="datetimeFigureOut">
               <a:rPr lang="zh-CN" altLang="en-US" smtClean="0"/>
-              <a:t>2023/12/3</a:t>
+              <a:t>2023/12/11</a:t>
             </a:fld>
             <a:endParaRPr lang="zh-CN" altLang="en-US"/>
           </a:p>
@@ -9819,7 +9833,7 @@
           <a:p>
             <a:fld id="{F721228B-0167-4061-A906-8575043315EE}" type="datetimeFigureOut">
               <a:rPr lang="zh-CN" altLang="en-US" smtClean="0"/>
-              <a:t>2023/12/3</a:t>
+              <a:t>2023/12/10</a:t>
             </a:fld>
             <a:endParaRPr lang="zh-CN" altLang="en-US"/>
           </a:p>
@@ -10155,7 +10169,7 @@
           <a:p>
             <a:fld id="{F721228B-0167-4061-A906-8575043315EE}" type="datetimeFigureOut">
               <a:rPr lang="zh-CN" altLang="en-US" smtClean="0"/>
-              <a:t>2023/12/3</a:t>
+              <a:t>2023/12/11</a:t>
             </a:fld>
             <a:endParaRPr lang="zh-CN" altLang="en-US"/>
           </a:p>
@@ -10513,7 +10527,7 @@
           <a:p>
             <a:fld id="{F721228B-0167-4061-A906-8575043315EE}" type="datetimeFigureOut">
               <a:rPr lang="zh-CN" altLang="en-US" smtClean="0"/>
-              <a:t>2023/12/3</a:t>
+              <a:t>2023/12/11</a:t>
             </a:fld>
             <a:endParaRPr lang="zh-CN" altLang="en-US"/>
           </a:p>
@@ -10986,7 +11000,7 @@
           <a:p>
             <a:fld id="{F721228B-0167-4061-A906-8575043315EE}" type="datetimeFigureOut">
               <a:rPr lang="zh-CN" altLang="en-US" smtClean="0"/>
-              <a:t>2023/12/3</a:t>
+              <a:t>2023/12/11</a:t>
             </a:fld>
             <a:endParaRPr lang="zh-CN" altLang="en-US"/>
           </a:p>
@@ -11139,7 +11153,7 @@
           <a:p>
             <a:fld id="{F721228B-0167-4061-A906-8575043315EE}" type="datetimeFigureOut">
               <a:rPr lang="zh-CN" altLang="en-US" smtClean="0"/>
-              <a:t>2023/12/3</a:t>
+              <a:t>2023/12/11</a:t>
             </a:fld>
             <a:endParaRPr lang="zh-CN" altLang="en-US"/>
           </a:p>
@@ -11264,7 +11278,7 @@
           <a:p>
             <a:fld id="{F721228B-0167-4061-A906-8575043315EE}" type="datetimeFigureOut">
               <a:rPr lang="zh-CN" altLang="en-US" smtClean="0"/>
-              <a:t>2023/12/3</a:t>
+              <a:t>2023/12/11</a:t>
             </a:fld>
             <a:endParaRPr lang="zh-CN" altLang="en-US"/>
           </a:p>
@@ -11587,7 +11601,7 @@
           <a:p>
             <a:fld id="{F721228B-0167-4061-A906-8575043315EE}" type="datetimeFigureOut">
               <a:rPr lang="zh-CN" altLang="en-US" smtClean="0"/>
-              <a:t>2023/12/3</a:t>
+              <a:t>2023/12/11</a:t>
             </a:fld>
             <a:endParaRPr lang="zh-CN" altLang="en-US"/>
           </a:p>
@@ -11887,7 +11901,7 @@
           <a:p>
             <a:fld id="{F721228B-0167-4061-A906-8575043315EE}" type="datetimeFigureOut">
               <a:rPr lang="zh-CN" altLang="en-US" smtClean="0"/>
-              <a:t>2023/12/3</a:t>
+              <a:t>2023/12/11</a:t>
             </a:fld>
             <a:endParaRPr lang="zh-CN" altLang="en-US"/>
           </a:p>
@@ -12140,7 +12154,7 @@
           <a:p>
             <a:fld id="{F721228B-0167-4061-A906-8575043315EE}" type="datetimeFigureOut">
               <a:rPr lang="zh-CN" altLang="en-US" smtClean="0"/>
-              <a:t>2023/12/3</a:t>
+              <a:t>2023/12/10</a:t>
             </a:fld>
             <a:endParaRPr lang="zh-CN" altLang="en-US"/>
           </a:p>
@@ -13714,12 +13728,16 @@
   <p:clrMapOvr>
     <a:masterClrMapping/>
   </p:clrMapOvr>
-  <mc:AlternateContent xmlns:mc="http://schemas.openxmlformats.org/markup-compatibility/2006" xmlns:p14="http://schemas.microsoft.com/office/powerpoint/2010/main">
-    <mc:Choice Requires="p14">
-      <p:transition p14:dur="0"/>
+  <mc:AlternateContent xmlns:mc="http://schemas.openxmlformats.org/markup-compatibility/2006">
+    <mc:Choice xmlns:p14="http://schemas.microsoft.com/office/powerpoint/2010/main" Requires="p14">
+      <p:transition spd="med" p14:dur="700">
+        <p:fade/>
+      </p:transition>
     </mc:Choice>
-    <mc:Fallback xmlns="">
-      <p:transition/>
+    <mc:Fallback>
+      <p:transition spd="med">
+        <p:fade/>
+      </p:transition>
     </mc:Fallback>
   </mc:AlternateContent>
   <p:timing>
@@ -14909,13 +14927,13 @@
   <p:clrMapOvr>
     <a:masterClrMapping/>
   </p:clrMapOvr>
-  <mc:AlternateContent xmlns:mc="http://schemas.openxmlformats.org/markup-compatibility/2006">
-    <mc:Choice xmlns:p159="http://schemas.microsoft.com/office/powerpoint/2015/09/main" Requires="p159">
+  <mc:AlternateContent xmlns:mc="http://schemas.openxmlformats.org/markup-compatibility/2006" xmlns:p159="http://schemas.microsoft.com/office/powerpoint/2015/09/main">
+    <mc:Choice Requires="p159">
       <p:transition xmlns:p14="http://schemas.microsoft.com/office/powerpoint/2010/main" spd="med" p14:dur="700">
         <p159:morph option="byWord"/>
       </p:transition>
     </mc:Choice>
-    <mc:Fallback>
+    <mc:Fallback xmlns="">
       <p:transition spd="med">
         <p:fade/>
       </p:transition>
@@ -18222,11 +18240,11 @@
   <p:clrMapOvr>
     <a:masterClrMapping/>
   </p:clrMapOvr>
-  <mc:AlternateContent xmlns:mc="http://schemas.openxmlformats.org/markup-compatibility/2006" xmlns:p14="http://schemas.microsoft.com/office/powerpoint/2010/main">
-    <mc:Choice Requires="p14">
+  <mc:AlternateContent xmlns:mc="http://schemas.openxmlformats.org/markup-compatibility/2006">
+    <mc:Choice xmlns:p14="http://schemas.microsoft.com/office/powerpoint/2010/main" Requires="p14">
       <p:transition p14:dur="0"/>
     </mc:Choice>
-    <mc:Fallback xmlns="">
+    <mc:Fallback>
       <p:transition/>
     </mc:Fallback>
   </mc:AlternateContent>
@@ -32902,13 +32920,13 @@
   <p:clrMapOvr>
     <a:masterClrMapping/>
   </p:clrMapOvr>
-  <mc:AlternateContent xmlns:mc="http://schemas.openxmlformats.org/markup-compatibility/2006">
-    <mc:Choice xmlns:p159="http://schemas.microsoft.com/office/powerpoint/2015/09/main" Requires="p159">
+  <mc:AlternateContent xmlns:mc="http://schemas.openxmlformats.org/markup-compatibility/2006" xmlns:p159="http://schemas.microsoft.com/office/powerpoint/2015/09/main">
+    <mc:Choice Requires="p159">
       <p:transition xmlns:p14="http://schemas.microsoft.com/office/powerpoint/2010/main" spd="med" p14:dur="700">
         <p159:morph option="byChar"/>
       </p:transition>
     </mc:Choice>
-    <mc:Fallback>
+    <mc:Fallback xmlns="">
       <p:transition spd="med">
         <p:fade/>
       </p:transition>
